--- a/Lectures/Lecture02_Intro-to-R_DescriptiveStatistics/Lecture2_RIntro_Descriptives.pptx
+++ b/Lectures/Lecture02_Intro-to-R_DescriptiveStatistics/Lecture2_RIntro_Descriptives.pptx
@@ -5,7 +5,7 @@
     <p:sldMasterId id="2147483738" r:id="rId1"/>
   </p:sldMasterIdLst>
   <p:notesMasterIdLst>
-    <p:notesMasterId r:id="rId62"/>
+    <p:notesMasterId r:id="rId61"/>
   </p:notesMasterIdLst>
   <p:sldIdLst>
     <p:sldId id="256" r:id="rId2"/>
@@ -13,61 +13,60 @@
     <p:sldId id="257" r:id="rId4"/>
     <p:sldId id="398" r:id="rId5"/>
     <p:sldId id="459" r:id="rId6"/>
-    <p:sldId id="458" r:id="rId7"/>
-    <p:sldId id="419" r:id="rId8"/>
+    <p:sldId id="419" r:id="rId7"/>
+    <p:sldId id="462" r:id="rId8"/>
     <p:sldId id="366" r:id="rId9"/>
-    <p:sldId id="462" r:id="rId10"/>
-    <p:sldId id="463" r:id="rId11"/>
-    <p:sldId id="464" r:id="rId12"/>
-    <p:sldId id="465" r:id="rId13"/>
-    <p:sldId id="466" r:id="rId14"/>
-    <p:sldId id="467" r:id="rId15"/>
-    <p:sldId id="468" r:id="rId16"/>
-    <p:sldId id="469" r:id="rId17"/>
-    <p:sldId id="470" r:id="rId18"/>
-    <p:sldId id="471" r:id="rId19"/>
-    <p:sldId id="472" r:id="rId20"/>
-    <p:sldId id="473" r:id="rId21"/>
-    <p:sldId id="474" r:id="rId22"/>
-    <p:sldId id="475" r:id="rId23"/>
-    <p:sldId id="476" r:id="rId24"/>
-    <p:sldId id="477" r:id="rId25"/>
-    <p:sldId id="421" r:id="rId26"/>
-    <p:sldId id="460" r:id="rId27"/>
-    <p:sldId id="478" r:id="rId28"/>
-    <p:sldId id="712" r:id="rId29"/>
-    <p:sldId id="713" r:id="rId30"/>
-    <p:sldId id="714" r:id="rId31"/>
-    <p:sldId id="715" r:id="rId32"/>
-    <p:sldId id="716" r:id="rId33"/>
-    <p:sldId id="435" r:id="rId34"/>
-    <p:sldId id="424" r:id="rId35"/>
-    <p:sldId id="717" r:id="rId36"/>
-    <p:sldId id="718" r:id="rId37"/>
-    <p:sldId id="423" r:id="rId38"/>
-    <p:sldId id="719" r:id="rId39"/>
-    <p:sldId id="720" r:id="rId40"/>
-    <p:sldId id="721" r:id="rId41"/>
-    <p:sldId id="722" r:id="rId42"/>
-    <p:sldId id="723" r:id="rId43"/>
-    <p:sldId id="427" r:id="rId44"/>
-    <p:sldId id="724" r:id="rId45"/>
-    <p:sldId id="426" r:id="rId46"/>
-    <p:sldId id="428" r:id="rId47"/>
-    <p:sldId id="725" r:id="rId48"/>
-    <p:sldId id="726" r:id="rId49"/>
-    <p:sldId id="727" r:id="rId50"/>
-    <p:sldId id="443" r:id="rId51"/>
-    <p:sldId id="440" r:id="rId52"/>
-    <p:sldId id="445" r:id="rId53"/>
-    <p:sldId id="728" r:id="rId54"/>
-    <p:sldId id="729" r:id="rId55"/>
-    <p:sldId id="730" r:id="rId56"/>
-    <p:sldId id="731" r:id="rId57"/>
-    <p:sldId id="732" r:id="rId58"/>
-    <p:sldId id="449" r:id="rId59"/>
-    <p:sldId id="733" r:id="rId60"/>
-    <p:sldId id="444" r:id="rId61"/>
+    <p:sldId id="463" r:id="rId10"/>
+    <p:sldId id="464" r:id="rId11"/>
+    <p:sldId id="465" r:id="rId12"/>
+    <p:sldId id="466" r:id="rId13"/>
+    <p:sldId id="467" r:id="rId14"/>
+    <p:sldId id="468" r:id="rId15"/>
+    <p:sldId id="469" r:id="rId16"/>
+    <p:sldId id="470" r:id="rId17"/>
+    <p:sldId id="471" r:id="rId18"/>
+    <p:sldId id="472" r:id="rId19"/>
+    <p:sldId id="473" r:id="rId20"/>
+    <p:sldId id="474" r:id="rId21"/>
+    <p:sldId id="475" r:id="rId22"/>
+    <p:sldId id="476" r:id="rId23"/>
+    <p:sldId id="477" r:id="rId24"/>
+    <p:sldId id="421" r:id="rId25"/>
+    <p:sldId id="460" r:id="rId26"/>
+    <p:sldId id="478" r:id="rId27"/>
+    <p:sldId id="712" r:id="rId28"/>
+    <p:sldId id="713" r:id="rId29"/>
+    <p:sldId id="714" r:id="rId30"/>
+    <p:sldId id="715" r:id="rId31"/>
+    <p:sldId id="716" r:id="rId32"/>
+    <p:sldId id="435" r:id="rId33"/>
+    <p:sldId id="424" r:id="rId34"/>
+    <p:sldId id="717" r:id="rId35"/>
+    <p:sldId id="718" r:id="rId36"/>
+    <p:sldId id="423" r:id="rId37"/>
+    <p:sldId id="719" r:id="rId38"/>
+    <p:sldId id="720" r:id="rId39"/>
+    <p:sldId id="721" r:id="rId40"/>
+    <p:sldId id="722" r:id="rId41"/>
+    <p:sldId id="723" r:id="rId42"/>
+    <p:sldId id="427" r:id="rId43"/>
+    <p:sldId id="724" r:id="rId44"/>
+    <p:sldId id="426" r:id="rId45"/>
+    <p:sldId id="428" r:id="rId46"/>
+    <p:sldId id="725" r:id="rId47"/>
+    <p:sldId id="726" r:id="rId48"/>
+    <p:sldId id="727" r:id="rId49"/>
+    <p:sldId id="443" r:id="rId50"/>
+    <p:sldId id="440" r:id="rId51"/>
+    <p:sldId id="445" r:id="rId52"/>
+    <p:sldId id="728" r:id="rId53"/>
+    <p:sldId id="729" r:id="rId54"/>
+    <p:sldId id="730" r:id="rId55"/>
+    <p:sldId id="731" r:id="rId56"/>
+    <p:sldId id="732" r:id="rId57"/>
+    <p:sldId id="449" r:id="rId58"/>
+    <p:sldId id="733" r:id="rId59"/>
+    <p:sldId id="444" r:id="rId60"/>
   </p:sldIdLst>
   <p:sldSz cx="12192000" cy="6858000"/>
   <p:notesSz cx="7010400" cy="9296400"/>
@@ -267,7 +266,7 @@
           <a:p>
             <a:fld id="{EF911157-0FC2-4F06-8D61-FD647FE4E19D}" type="datetimeFigureOut">
               <a:rPr lang="en-US" smtClean="0"/>
-              <a:t>10/28/2024</a:t>
+              <a:t>1/7/2025</a:t>
             </a:fld>
             <a:endParaRPr lang="en-US"/>
           </a:p>
@@ -704,7 +703,7 @@
     </p:spTree>
     <p:extLst>
       <p:ext uri="{BB962C8B-B14F-4D97-AF65-F5344CB8AC3E}">
-        <p14:creationId xmlns:p14="http://schemas.microsoft.com/office/powerpoint/2010/main" val="1606044976"/>
+        <p14:creationId xmlns:p14="http://schemas.microsoft.com/office/powerpoint/2010/main" val="3578600966"/>
       </p:ext>
     </p:extLst>
   </p:cSld>
@@ -788,7 +787,7 @@
     </p:spTree>
     <p:extLst>
       <p:ext uri="{BB962C8B-B14F-4D97-AF65-F5344CB8AC3E}">
-        <p14:creationId xmlns:p14="http://schemas.microsoft.com/office/powerpoint/2010/main" val="3578600966"/>
+        <p14:creationId xmlns:p14="http://schemas.microsoft.com/office/powerpoint/2010/main" val="2953554036"/>
       </p:ext>
     </p:extLst>
   </p:cSld>
@@ -872,7 +871,7 @@
     </p:spTree>
     <p:extLst>
       <p:ext uri="{BB962C8B-B14F-4D97-AF65-F5344CB8AC3E}">
-        <p14:creationId xmlns:p14="http://schemas.microsoft.com/office/powerpoint/2010/main" val="2953554036"/>
+        <p14:creationId xmlns:p14="http://schemas.microsoft.com/office/powerpoint/2010/main" val="4808845"/>
       </p:ext>
     </p:extLst>
   </p:cSld>
@@ -956,7 +955,7 @@
     </p:spTree>
     <p:extLst>
       <p:ext uri="{BB962C8B-B14F-4D97-AF65-F5344CB8AC3E}">
-        <p14:creationId xmlns:p14="http://schemas.microsoft.com/office/powerpoint/2010/main" val="4808845"/>
+        <p14:creationId xmlns:p14="http://schemas.microsoft.com/office/powerpoint/2010/main" val="2573641822"/>
       </p:ext>
     </p:extLst>
   </p:cSld>
@@ -1040,7 +1039,7 @@
     </p:spTree>
     <p:extLst>
       <p:ext uri="{BB962C8B-B14F-4D97-AF65-F5344CB8AC3E}">
-        <p14:creationId xmlns:p14="http://schemas.microsoft.com/office/powerpoint/2010/main" val="2573641822"/>
+        <p14:creationId xmlns:p14="http://schemas.microsoft.com/office/powerpoint/2010/main" val="2158795153"/>
       </p:ext>
     </p:extLst>
   </p:cSld>
@@ -1124,7 +1123,7 @@
     </p:spTree>
     <p:extLst>
       <p:ext uri="{BB962C8B-B14F-4D97-AF65-F5344CB8AC3E}">
-        <p14:creationId xmlns:p14="http://schemas.microsoft.com/office/powerpoint/2010/main" val="2158795153"/>
+        <p14:creationId xmlns:p14="http://schemas.microsoft.com/office/powerpoint/2010/main" val="2685842003"/>
       </p:ext>
     </p:extLst>
   </p:cSld>
@@ -1208,7 +1207,7 @@
     </p:spTree>
     <p:extLst>
       <p:ext uri="{BB962C8B-B14F-4D97-AF65-F5344CB8AC3E}">
-        <p14:creationId xmlns:p14="http://schemas.microsoft.com/office/powerpoint/2010/main" val="2685842003"/>
+        <p14:creationId xmlns:p14="http://schemas.microsoft.com/office/powerpoint/2010/main" val="300387900"/>
       </p:ext>
     </p:extLst>
   </p:cSld>
@@ -1292,7 +1291,7 @@
     </p:spTree>
     <p:extLst>
       <p:ext uri="{BB962C8B-B14F-4D97-AF65-F5344CB8AC3E}">
-        <p14:creationId xmlns:p14="http://schemas.microsoft.com/office/powerpoint/2010/main" val="300387900"/>
+        <p14:creationId xmlns:p14="http://schemas.microsoft.com/office/powerpoint/2010/main" val="2959492835"/>
       </p:ext>
     </p:extLst>
   </p:cSld>
@@ -1346,6 +1345,97 @@
           <a:bodyPr/>
           <a:lstStyle/>
           <a:p>
+            <a:pPr marL="0" marR="0" lvl="0" indent="0" algn="l" defTabSz="914400" rtl="0" eaLnBrk="1" fontAlgn="auto" latinLnBrk="0" hangingPunct="1">
+              <a:lnSpc>
+                <a:spcPct val="100000"/>
+              </a:lnSpc>
+              <a:spcBef>
+                <a:spcPts val="0"/>
+              </a:spcBef>
+              <a:spcAft>
+                <a:spcPts val="0"/>
+              </a:spcAft>
+              <a:buClrTx/>
+              <a:buSzTx/>
+              <a:buFontTx/>
+              <a:buNone/>
+              <a:tabLst/>
+              <a:defRPr/>
+            </a:pPr>
+            <a:r>
+              <a:rPr lang="en-US" sz="1800" dirty="0">
+                <a:effectLst/>
+                <a:latin typeface="Times New Roman" panose="02020603050405020304" pitchFamily="18" charset="0"/>
+                <a:ea typeface="Times New Roman" panose="02020603050405020304" pitchFamily="18" charset="0"/>
+              </a:rPr>
+              <a:t>The first line installs the package you want to use – </a:t>
+            </a:r>
+            <a:r>
+              <a:rPr lang="en-US" sz="1800" u="sng" dirty="0">
+                <a:effectLst/>
+                <a:latin typeface="Times New Roman" panose="02020603050405020304" pitchFamily="18" charset="0"/>
+                <a:ea typeface="Times New Roman" panose="02020603050405020304" pitchFamily="18" charset="0"/>
+              </a:rPr>
+              <a:t>you only need to run this once on your computer</a:t>
+            </a:r>
+            <a:r>
+              <a:rPr lang="en-US" sz="1800" dirty="0">
+                <a:effectLst/>
+                <a:latin typeface="Times New Roman" panose="02020603050405020304" pitchFamily="18" charset="0"/>
+                <a:ea typeface="Times New Roman" panose="02020603050405020304" pitchFamily="18" charset="0"/>
+              </a:rPr>
+              <a:t> (and don’t forget the quotation marks). Then, </a:t>
+            </a:r>
+            <a:r>
+              <a:rPr lang="en-US" sz="1800" u="sng" dirty="0">
+                <a:effectLst/>
+                <a:latin typeface="Times New Roman" panose="02020603050405020304" pitchFamily="18" charset="0"/>
+                <a:ea typeface="Times New Roman" panose="02020603050405020304" pitchFamily="18" charset="0"/>
+              </a:rPr>
+              <a:t>each time you open RStudio</a:t>
+            </a:r>
+            <a:r>
+              <a:rPr lang="en-US" sz="1800" dirty="0">
+                <a:effectLst/>
+                <a:latin typeface="Times New Roman" panose="02020603050405020304" pitchFamily="18" charset="0"/>
+                <a:ea typeface="Times New Roman" panose="02020603050405020304" pitchFamily="18" charset="0"/>
+              </a:rPr>
+              <a:t>, you need to “call” the package (think about this like inviting the vampire into your house, but in a nice way). That’s done on the second line. Then, the third line uses the command “</a:t>
+            </a:r>
+            <a:r>
+              <a:rPr lang="en-US" sz="1800" dirty="0" err="1">
+                <a:effectLst/>
+                <a:latin typeface="Times New Roman" panose="02020603050405020304" pitchFamily="18" charset="0"/>
+                <a:ea typeface="Times New Roman" panose="02020603050405020304" pitchFamily="18" charset="0"/>
+              </a:rPr>
+              <a:t>read_xlsx</a:t>
+            </a:r>
+            <a:r>
+              <a:rPr lang="en-US" sz="1800" dirty="0">
+                <a:effectLst/>
+                <a:latin typeface="Times New Roman" panose="02020603050405020304" pitchFamily="18" charset="0"/>
+                <a:ea typeface="Times New Roman" panose="02020603050405020304" pitchFamily="18" charset="0"/>
+              </a:rPr>
+              <a:t>” from the </a:t>
+            </a:r>
+            <a:r>
+              <a:rPr lang="en-US" sz="1800" dirty="0" err="1">
+                <a:effectLst/>
+                <a:latin typeface="Times New Roman" panose="02020603050405020304" pitchFamily="18" charset="0"/>
+                <a:ea typeface="Times New Roman" panose="02020603050405020304" pitchFamily="18" charset="0"/>
+              </a:rPr>
+              <a:t>readxl</a:t>
+            </a:r>
+            <a:r>
+              <a:rPr lang="en-US" sz="1800" dirty="0">
+                <a:effectLst/>
+                <a:latin typeface="Times New Roman" panose="02020603050405020304" pitchFamily="18" charset="0"/>
+                <a:ea typeface="Times New Roman" panose="02020603050405020304" pitchFamily="18" charset="0"/>
+              </a:rPr>
+              <a:t> package to load your dataset. </a:t>
+            </a:r>
+          </a:p>
+          <a:p>
             <a:endParaRPr lang="en-US" dirty="0"/>
           </a:p>
         </p:txBody>
@@ -1376,7 +1466,7 @@
     </p:spTree>
     <p:extLst>
       <p:ext uri="{BB962C8B-B14F-4D97-AF65-F5344CB8AC3E}">
-        <p14:creationId xmlns:p14="http://schemas.microsoft.com/office/powerpoint/2010/main" val="2959492835"/>
+        <p14:creationId xmlns:p14="http://schemas.microsoft.com/office/powerpoint/2010/main" val="2607172519"/>
       </p:ext>
     </p:extLst>
   </p:cSld>
@@ -1430,97 +1520,6 @@
           <a:bodyPr/>
           <a:lstStyle/>
           <a:p>
-            <a:pPr marL="0" marR="0" lvl="0" indent="0" algn="l" defTabSz="914400" rtl="0" eaLnBrk="1" fontAlgn="auto" latinLnBrk="0" hangingPunct="1">
-              <a:lnSpc>
-                <a:spcPct val="100000"/>
-              </a:lnSpc>
-              <a:spcBef>
-                <a:spcPts val="0"/>
-              </a:spcBef>
-              <a:spcAft>
-                <a:spcPts val="0"/>
-              </a:spcAft>
-              <a:buClrTx/>
-              <a:buSzTx/>
-              <a:buFontTx/>
-              <a:buNone/>
-              <a:tabLst/>
-              <a:defRPr/>
-            </a:pPr>
-            <a:r>
-              <a:rPr lang="en-US" sz="1800" dirty="0">
-                <a:effectLst/>
-                <a:latin typeface="Times New Roman" panose="02020603050405020304" pitchFamily="18" charset="0"/>
-                <a:ea typeface="Times New Roman" panose="02020603050405020304" pitchFamily="18" charset="0"/>
-              </a:rPr>
-              <a:t>The first line installs the package you want to use – </a:t>
-            </a:r>
-            <a:r>
-              <a:rPr lang="en-US" sz="1800" u="sng" dirty="0">
-                <a:effectLst/>
-                <a:latin typeface="Times New Roman" panose="02020603050405020304" pitchFamily="18" charset="0"/>
-                <a:ea typeface="Times New Roman" panose="02020603050405020304" pitchFamily="18" charset="0"/>
-              </a:rPr>
-              <a:t>you only need to run this once on your computer</a:t>
-            </a:r>
-            <a:r>
-              <a:rPr lang="en-US" sz="1800" dirty="0">
-                <a:effectLst/>
-                <a:latin typeface="Times New Roman" panose="02020603050405020304" pitchFamily="18" charset="0"/>
-                <a:ea typeface="Times New Roman" panose="02020603050405020304" pitchFamily="18" charset="0"/>
-              </a:rPr>
-              <a:t> (and don’t forget the quotation marks). Then, </a:t>
-            </a:r>
-            <a:r>
-              <a:rPr lang="en-US" sz="1800" u="sng" dirty="0">
-                <a:effectLst/>
-                <a:latin typeface="Times New Roman" panose="02020603050405020304" pitchFamily="18" charset="0"/>
-                <a:ea typeface="Times New Roman" panose="02020603050405020304" pitchFamily="18" charset="0"/>
-              </a:rPr>
-              <a:t>each time you open RStudio</a:t>
-            </a:r>
-            <a:r>
-              <a:rPr lang="en-US" sz="1800" dirty="0">
-                <a:effectLst/>
-                <a:latin typeface="Times New Roman" panose="02020603050405020304" pitchFamily="18" charset="0"/>
-                <a:ea typeface="Times New Roman" panose="02020603050405020304" pitchFamily="18" charset="0"/>
-              </a:rPr>
-              <a:t>, you need to “call” the package (think about this like inviting the vampire into your house, but in a nice way). That’s done on the second line. Then, the third line uses the command “</a:t>
-            </a:r>
-            <a:r>
-              <a:rPr lang="en-US" sz="1800" dirty="0" err="1">
-                <a:effectLst/>
-                <a:latin typeface="Times New Roman" panose="02020603050405020304" pitchFamily="18" charset="0"/>
-                <a:ea typeface="Times New Roman" panose="02020603050405020304" pitchFamily="18" charset="0"/>
-              </a:rPr>
-              <a:t>read_xlsx</a:t>
-            </a:r>
-            <a:r>
-              <a:rPr lang="en-US" sz="1800" dirty="0">
-                <a:effectLst/>
-                <a:latin typeface="Times New Roman" panose="02020603050405020304" pitchFamily="18" charset="0"/>
-                <a:ea typeface="Times New Roman" panose="02020603050405020304" pitchFamily="18" charset="0"/>
-              </a:rPr>
-              <a:t>” from the </a:t>
-            </a:r>
-            <a:r>
-              <a:rPr lang="en-US" sz="1800" dirty="0" err="1">
-                <a:effectLst/>
-                <a:latin typeface="Times New Roman" panose="02020603050405020304" pitchFamily="18" charset="0"/>
-                <a:ea typeface="Times New Roman" panose="02020603050405020304" pitchFamily="18" charset="0"/>
-              </a:rPr>
-              <a:t>readxl</a:t>
-            </a:r>
-            <a:r>
-              <a:rPr lang="en-US" sz="1800" dirty="0">
-                <a:effectLst/>
-                <a:latin typeface="Times New Roman" panose="02020603050405020304" pitchFamily="18" charset="0"/>
-                <a:ea typeface="Times New Roman" panose="02020603050405020304" pitchFamily="18" charset="0"/>
-              </a:rPr>
-              <a:t> package to load your dataset. </a:t>
-            </a:r>
-          </a:p>
-          <a:p>
             <a:endParaRPr lang="en-US" dirty="0"/>
           </a:p>
         </p:txBody>
@@ -1551,7 +1550,7 @@
     </p:spTree>
     <p:extLst>
       <p:ext uri="{BB962C8B-B14F-4D97-AF65-F5344CB8AC3E}">
-        <p14:creationId xmlns:p14="http://schemas.microsoft.com/office/powerpoint/2010/main" val="2607172519"/>
+        <p14:creationId xmlns:p14="http://schemas.microsoft.com/office/powerpoint/2010/main" val="1369668476"/>
       </p:ext>
     </p:extLst>
   </p:cSld>
@@ -1609,7 +1608,10 @@
               <a:buFont typeface="Arial" panose="020B0604020202020204" pitchFamily="34" charset="0"/>
               <a:buNone/>
             </a:pPr>
-            <a:endParaRPr lang="en-CA" dirty="0"/>
+            <a:r>
+              <a:rPr lang="en-CA" dirty="0"/>
+              <a:t>Finish up talking about probability here if needed. </a:t>
+            </a:r>
           </a:p>
         </p:txBody>
       </p:sp>
@@ -1723,7 +1725,7 @@
     </p:spTree>
     <p:extLst>
       <p:ext uri="{BB962C8B-B14F-4D97-AF65-F5344CB8AC3E}">
-        <p14:creationId xmlns:p14="http://schemas.microsoft.com/office/powerpoint/2010/main" val="1369668476"/>
+        <p14:creationId xmlns:p14="http://schemas.microsoft.com/office/powerpoint/2010/main" val="1816552483"/>
       </p:ext>
     </p:extLst>
   </p:cSld>
@@ -1807,7 +1809,7 @@
     </p:spTree>
     <p:extLst>
       <p:ext uri="{BB962C8B-B14F-4D97-AF65-F5344CB8AC3E}">
-        <p14:creationId xmlns:p14="http://schemas.microsoft.com/office/powerpoint/2010/main" val="1816552483"/>
+        <p14:creationId xmlns:p14="http://schemas.microsoft.com/office/powerpoint/2010/main" val="3510445925"/>
       </p:ext>
     </p:extLst>
   </p:cSld>
@@ -1891,7 +1893,7 @@
     </p:spTree>
     <p:extLst>
       <p:ext uri="{BB962C8B-B14F-4D97-AF65-F5344CB8AC3E}">
-        <p14:creationId xmlns:p14="http://schemas.microsoft.com/office/powerpoint/2010/main" val="3510445925"/>
+        <p14:creationId xmlns:p14="http://schemas.microsoft.com/office/powerpoint/2010/main" val="3475462495"/>
       </p:ext>
     </p:extLst>
   </p:cSld>
@@ -1945,6 +1947,113 @@
           <a:bodyPr/>
           <a:lstStyle/>
           <a:p>
+            <a:pPr marL="0" marR="0" lvl="0" indent="0" algn="l" defTabSz="914400" rtl="0" eaLnBrk="1" fontAlgn="auto" latinLnBrk="0" hangingPunct="1">
+              <a:lnSpc>
+                <a:spcPct val="100000"/>
+              </a:lnSpc>
+              <a:spcBef>
+                <a:spcPts val="0"/>
+              </a:spcBef>
+              <a:spcAft>
+                <a:spcPts val="0"/>
+              </a:spcAft>
+              <a:buClrTx/>
+              <a:buSzTx/>
+              <a:buFontTx/>
+              <a:buNone/>
+              <a:tabLst/>
+              <a:defRPr/>
+            </a:pPr>
+            <a:r>
+              <a:rPr lang="en-US" sz="1800" dirty="0">
+                <a:effectLst/>
+                <a:latin typeface="Times New Roman" panose="02020603050405020304" pitchFamily="18" charset="0"/>
+                <a:ea typeface="Times New Roman" panose="02020603050405020304" pitchFamily="18" charset="0"/>
+              </a:rPr>
+              <a:t>Most of the time, you want to “Knit to Word.” Once you click this, your .</a:t>
+            </a:r>
+            <a:r>
+              <a:rPr lang="en-US" sz="1800" dirty="0" err="1">
+                <a:effectLst/>
+                <a:latin typeface="Times New Roman" panose="02020603050405020304" pitchFamily="18" charset="0"/>
+                <a:ea typeface="Times New Roman" panose="02020603050405020304" pitchFamily="18" charset="0"/>
+              </a:rPr>
+              <a:t>Rmd</a:t>
+            </a:r>
+            <a:r>
+              <a:rPr lang="en-US" sz="1800" dirty="0">
+                <a:effectLst/>
+                <a:latin typeface="Times New Roman" panose="02020603050405020304" pitchFamily="18" charset="0"/>
+                <a:ea typeface="Times New Roman" panose="02020603050405020304" pitchFamily="18" charset="0"/>
+              </a:rPr>
+              <a:t> file will </a:t>
+            </a:r>
+            <a:r>
+              <a:rPr lang="en-US" sz="1800" b="1" u="sng" dirty="0">
+                <a:effectLst/>
+                <a:latin typeface="Times New Roman" panose="02020603050405020304" pitchFamily="18" charset="0"/>
+                <a:ea typeface="Times New Roman" panose="02020603050405020304" pitchFamily="18" charset="0"/>
+              </a:rPr>
+              <a:t>run all code in your document </a:t>
+            </a:r>
+            <a:r>
+              <a:rPr lang="en-US" sz="1800" dirty="0">
+                <a:effectLst/>
+                <a:latin typeface="Times New Roman" panose="02020603050405020304" pitchFamily="18" charset="0"/>
+                <a:ea typeface="Times New Roman" panose="02020603050405020304" pitchFamily="18" charset="0"/>
+              </a:rPr>
+              <a:t>and then produce a Word file with the outputs of your code and the text you wrote to describe it. In order to knit, your R software will start entirely from scratch. This means that </a:t>
+            </a:r>
+            <a:r>
+              <a:rPr lang="en-US" sz="1800" b="1" u="sng" dirty="0">
+                <a:effectLst/>
+                <a:latin typeface="Times New Roman" panose="02020603050405020304" pitchFamily="18" charset="0"/>
+                <a:ea typeface="Times New Roman" panose="02020603050405020304" pitchFamily="18" charset="0"/>
+              </a:rPr>
+              <a:t>every line of code you needed to complete the analysis must be in your .</a:t>
+            </a:r>
+            <a:r>
+              <a:rPr lang="en-US" sz="1800" b="1" u="sng" dirty="0" err="1">
+                <a:effectLst/>
+                <a:latin typeface="Times New Roman" panose="02020603050405020304" pitchFamily="18" charset="0"/>
+                <a:ea typeface="Times New Roman" panose="02020603050405020304" pitchFamily="18" charset="0"/>
+              </a:rPr>
+              <a:t>Rmd</a:t>
+            </a:r>
+            <a:r>
+              <a:rPr lang="en-US" sz="1800" b="1" u="sng" dirty="0">
+                <a:effectLst/>
+                <a:latin typeface="Times New Roman" panose="02020603050405020304" pitchFamily="18" charset="0"/>
+                <a:ea typeface="Times New Roman" panose="02020603050405020304" pitchFamily="18" charset="0"/>
+              </a:rPr>
+              <a:t> file</a:t>
+            </a:r>
+            <a:r>
+              <a:rPr lang="en-US" sz="1800" dirty="0">
+                <a:effectLst/>
+                <a:latin typeface="Times New Roman" panose="02020603050405020304" pitchFamily="18" charset="0"/>
+                <a:ea typeface="Times New Roman" panose="02020603050405020304" pitchFamily="18" charset="0"/>
+              </a:rPr>
+              <a:t>. Frequently, we switch to the console to play around or test/debug something we’re trying to do. If you do this, you have to make sure your code ends up back in the .</a:t>
+            </a:r>
+            <a:r>
+              <a:rPr lang="en-US" sz="1800" dirty="0" err="1">
+                <a:effectLst/>
+                <a:latin typeface="Times New Roman" panose="02020603050405020304" pitchFamily="18" charset="0"/>
+                <a:ea typeface="Times New Roman" panose="02020603050405020304" pitchFamily="18" charset="0"/>
+              </a:rPr>
+              <a:t>Rmd</a:t>
+            </a:r>
+            <a:r>
+              <a:rPr lang="en-US" sz="1800" dirty="0">
+                <a:effectLst/>
+                <a:latin typeface="Times New Roman" panose="02020603050405020304" pitchFamily="18" charset="0"/>
+                <a:ea typeface="Times New Roman" panose="02020603050405020304" pitchFamily="18" charset="0"/>
+              </a:rPr>
+              <a:t> file or your file will not knit. </a:t>
+            </a:r>
+          </a:p>
+          <a:p>
             <a:endParaRPr lang="en-US" dirty="0"/>
           </a:p>
         </p:txBody>
@@ -1975,7 +2084,7 @@
     </p:spTree>
     <p:extLst>
       <p:ext uri="{BB962C8B-B14F-4D97-AF65-F5344CB8AC3E}">
-        <p14:creationId xmlns:p14="http://schemas.microsoft.com/office/powerpoint/2010/main" val="3475462495"/>
+        <p14:creationId xmlns:p14="http://schemas.microsoft.com/office/powerpoint/2010/main" val="1421499041"/>
       </p:ext>
     </p:extLst>
   </p:cSld>
@@ -2029,114 +2138,10 @@
           <a:bodyPr/>
           <a:lstStyle/>
           <a:p>
-            <a:pPr marL="0" marR="0" lvl="0" indent="0" algn="l" defTabSz="914400" rtl="0" eaLnBrk="1" fontAlgn="auto" latinLnBrk="0" hangingPunct="1">
-              <a:lnSpc>
-                <a:spcPct val="100000"/>
-              </a:lnSpc>
-              <a:spcBef>
-                <a:spcPts val="0"/>
-              </a:spcBef>
-              <a:spcAft>
-                <a:spcPts val="0"/>
-              </a:spcAft>
-              <a:buClrTx/>
-              <a:buSzTx/>
-              <a:buFontTx/>
-              <a:buNone/>
-              <a:tabLst/>
-              <a:defRPr/>
-            </a:pPr>
-            <a:r>
-              <a:rPr lang="en-US" sz="1800" dirty="0">
-                <a:effectLst/>
-                <a:latin typeface="Times New Roman" panose="02020603050405020304" pitchFamily="18" charset="0"/>
-                <a:ea typeface="Times New Roman" panose="02020603050405020304" pitchFamily="18" charset="0"/>
-              </a:rPr>
-              <a:t>Most of the time, you want to “Knit to Word.” Once you click this, your .</a:t>
-            </a:r>
-            <a:r>
-              <a:rPr lang="en-US" sz="1800" dirty="0" err="1">
-                <a:effectLst/>
-                <a:latin typeface="Times New Roman" panose="02020603050405020304" pitchFamily="18" charset="0"/>
-                <a:ea typeface="Times New Roman" panose="02020603050405020304" pitchFamily="18" charset="0"/>
-              </a:rPr>
-              <a:t>Rmd</a:t>
-            </a:r>
-            <a:r>
-              <a:rPr lang="en-US" sz="1800" dirty="0">
-                <a:effectLst/>
-                <a:latin typeface="Times New Roman" panose="02020603050405020304" pitchFamily="18" charset="0"/>
-                <a:ea typeface="Times New Roman" panose="02020603050405020304" pitchFamily="18" charset="0"/>
-              </a:rPr>
-              <a:t> file will </a:t>
-            </a:r>
-            <a:r>
-              <a:rPr lang="en-US" sz="1800" b="1" u="sng" dirty="0">
-                <a:effectLst/>
-                <a:latin typeface="Times New Roman" panose="02020603050405020304" pitchFamily="18" charset="0"/>
-                <a:ea typeface="Times New Roman" panose="02020603050405020304" pitchFamily="18" charset="0"/>
-              </a:rPr>
-              <a:t>run all code in your document </a:t>
-            </a:r>
-            <a:r>
-              <a:rPr lang="en-US" sz="1800" dirty="0">
-                <a:effectLst/>
-                <a:latin typeface="Times New Roman" panose="02020603050405020304" pitchFamily="18" charset="0"/>
-                <a:ea typeface="Times New Roman" panose="02020603050405020304" pitchFamily="18" charset="0"/>
-              </a:rPr>
-              <a:t>and then produce a Word file with the outputs of your code and the text you wrote to describe it. In order to knit, your R software will start entirely from scratch. This means that </a:t>
-            </a:r>
-            <a:r>
-              <a:rPr lang="en-US" sz="1800" b="1" u="sng" dirty="0">
-                <a:effectLst/>
-                <a:latin typeface="Times New Roman" panose="02020603050405020304" pitchFamily="18" charset="0"/>
-                <a:ea typeface="Times New Roman" panose="02020603050405020304" pitchFamily="18" charset="0"/>
-              </a:rPr>
-              <a:t>every line of code you needed to complete the analysis must be in your .</a:t>
-            </a:r>
-            <a:r>
-              <a:rPr lang="en-US" sz="1800" b="1" u="sng" dirty="0" err="1">
-                <a:effectLst/>
-                <a:latin typeface="Times New Roman" panose="02020603050405020304" pitchFamily="18" charset="0"/>
-                <a:ea typeface="Times New Roman" panose="02020603050405020304" pitchFamily="18" charset="0"/>
-              </a:rPr>
-              <a:t>Rmd</a:t>
-            </a:r>
-            <a:r>
-              <a:rPr lang="en-US" sz="1800" b="1" u="sng" dirty="0">
-                <a:effectLst/>
-                <a:latin typeface="Times New Roman" panose="02020603050405020304" pitchFamily="18" charset="0"/>
-                <a:ea typeface="Times New Roman" panose="02020603050405020304" pitchFamily="18" charset="0"/>
-              </a:rPr>
-              <a:t> file</a:t>
-            </a:r>
-            <a:r>
-              <a:rPr lang="en-US" sz="1800" dirty="0">
-                <a:effectLst/>
-                <a:latin typeface="Times New Roman" panose="02020603050405020304" pitchFamily="18" charset="0"/>
-                <a:ea typeface="Times New Roman" panose="02020603050405020304" pitchFamily="18" charset="0"/>
-              </a:rPr>
-              <a:t>. Frequently, we switch to the console to play around or test/debug something we’re trying to do. If you do this, you have to make sure your code ends up back in the .</a:t>
-            </a:r>
-            <a:r>
-              <a:rPr lang="en-US" sz="1800" dirty="0" err="1">
-                <a:effectLst/>
-                <a:latin typeface="Times New Roman" panose="02020603050405020304" pitchFamily="18" charset="0"/>
-                <a:ea typeface="Times New Roman" panose="02020603050405020304" pitchFamily="18" charset="0"/>
-              </a:rPr>
-              <a:t>Rmd</a:t>
-            </a:r>
-            <a:r>
-              <a:rPr lang="en-US" sz="1800" dirty="0">
-                <a:effectLst/>
-                <a:latin typeface="Times New Roman" panose="02020603050405020304" pitchFamily="18" charset="0"/>
-                <a:ea typeface="Times New Roman" panose="02020603050405020304" pitchFamily="18" charset="0"/>
-              </a:rPr>
-              <a:t> file or your file will not knit. </a:t>
-            </a:r>
-          </a:p>
-          <a:p>
-            <a:endParaRPr lang="en-US" dirty="0"/>
+            <a:r>
+              <a:rPr lang="en-US" dirty="0"/>
+              <a:t>If you find a source that’s really helpful to you, send it my way! Want to include it here. Crowd-sourcing is what R is built on after all. </a:t>
+            </a:r>
           </a:p>
         </p:txBody>
       </p:sp>
@@ -2166,7 +2171,7 @@
     </p:spTree>
     <p:extLst>
       <p:ext uri="{BB962C8B-B14F-4D97-AF65-F5344CB8AC3E}">
-        <p14:creationId xmlns:p14="http://schemas.microsoft.com/office/powerpoint/2010/main" val="1421499041"/>
+        <p14:creationId xmlns:p14="http://schemas.microsoft.com/office/powerpoint/2010/main" val="3327393859"/>
       </p:ext>
     </p:extLst>
   </p:cSld>
@@ -2220,10 +2225,7 @@
           <a:bodyPr/>
           <a:lstStyle/>
           <a:p>
-            <a:r>
-              <a:rPr lang="en-US" dirty="0"/>
-              <a:t>If you find a source that’s really helpful to you, send it my way! Want to include it here. Crowd-sourcing is what R is built on after all. </a:t>
-            </a:r>
+            <a:endParaRPr lang="en-US" dirty="0"/>
           </a:p>
         </p:txBody>
       </p:sp>
@@ -2245,90 +2247,6 @@
             <a:fld id="{4AF79E1B-2C51-4B9B-8EA4-26DE9E345AFF}" type="slidenum">
               <a:rPr lang="en-US" smtClean="0"/>
               <a:t>25</a:t>
-            </a:fld>
-            <a:endParaRPr lang="en-US"/>
-          </a:p>
-        </p:txBody>
-      </p:sp>
-    </p:spTree>
-    <p:extLst>
-      <p:ext uri="{BB962C8B-B14F-4D97-AF65-F5344CB8AC3E}">
-        <p14:creationId xmlns:p14="http://schemas.microsoft.com/office/powerpoint/2010/main" val="3327393859"/>
-      </p:ext>
-    </p:extLst>
-  </p:cSld>
-  <p:clrMapOvr>
-    <a:masterClrMapping/>
-  </p:clrMapOvr>
-</p:notes>
-</file>
-
-<file path=ppt/notesSlides/notesSlide26.xml><?xml version="1.0" encoding="utf-8"?>
-<p:notes xmlns:a="http://schemas.openxmlformats.org/drawingml/2006/main" xmlns:r="http://schemas.openxmlformats.org/officeDocument/2006/relationships" xmlns:p="http://schemas.openxmlformats.org/presentationml/2006/main">
-  <p:cSld>
-    <p:spTree>
-      <p:nvGrpSpPr>
-        <p:cNvPr id="1" name=""/>
-        <p:cNvGrpSpPr/>
-        <p:nvPr/>
-      </p:nvGrpSpPr>
-      <p:grpSpPr>
-        <a:xfrm>
-          <a:off x="0" y="0"/>
-          <a:ext cx="0" cy="0"/>
-          <a:chOff x="0" y="0"/>
-          <a:chExt cx="0" cy="0"/>
-        </a:xfrm>
-      </p:grpSpPr>
-      <p:sp>
-        <p:nvSpPr>
-          <p:cNvPr id="2" name="Slide Image Placeholder 1"/>
-          <p:cNvSpPr>
-            <a:spLocks noGrp="1" noRot="1" noChangeAspect="1"/>
-          </p:cNvSpPr>
-          <p:nvPr>
-            <p:ph type="sldImg"/>
-          </p:nvPr>
-        </p:nvSpPr>
-        <p:spPr/>
-      </p:sp>
-      <p:sp>
-        <p:nvSpPr>
-          <p:cNvPr id="3" name="Notes Placeholder 2"/>
-          <p:cNvSpPr>
-            <a:spLocks noGrp="1"/>
-          </p:cNvSpPr>
-          <p:nvPr>
-            <p:ph type="body" idx="1"/>
-          </p:nvPr>
-        </p:nvSpPr>
-        <p:spPr/>
-        <p:txBody>
-          <a:bodyPr/>
-          <a:lstStyle/>
-          <a:p>
-            <a:endParaRPr lang="en-US" dirty="0"/>
-          </a:p>
-        </p:txBody>
-      </p:sp>
-      <p:sp>
-        <p:nvSpPr>
-          <p:cNvPr id="4" name="Slide Number Placeholder 3"/>
-          <p:cNvSpPr>
-            <a:spLocks noGrp="1"/>
-          </p:cNvSpPr>
-          <p:nvPr>
-            <p:ph type="sldNum" sz="quarter" idx="5"/>
-          </p:nvPr>
-        </p:nvSpPr>
-        <p:spPr/>
-        <p:txBody>
-          <a:bodyPr/>
-          <a:lstStyle/>
-          <a:p>
-            <a:fld id="{4AF79E1B-2C51-4B9B-8EA4-26DE9E345AFF}" type="slidenum">
-              <a:rPr lang="en-US" smtClean="0"/>
-              <a:t>26</a:t>
             </a:fld>
             <a:endParaRPr lang="en-US"/>
           </a:p>
@@ -2347,7 +2265,7 @@
 </p:notes>
 </file>
 
-<file path=ppt/notesSlides/notesSlide27.xml><?xml version="1.0" encoding="utf-8"?>
+<file path=ppt/notesSlides/notesSlide26.xml><?xml version="1.0" encoding="utf-8"?>
 <p:notes xmlns:a="http://schemas.openxmlformats.org/drawingml/2006/main" xmlns:r="http://schemas.openxmlformats.org/officeDocument/2006/relationships" xmlns:p="http://schemas.openxmlformats.org/presentationml/2006/main">
   <p:cSld>
     <p:spTree>
@@ -2436,7 +2354,7 @@
           <a:p>
             <a:fld id="{4AF79E1B-2C51-4B9B-8EA4-26DE9E345AFF}" type="slidenum">
               <a:rPr lang="en-US" smtClean="0"/>
-              <a:t>27</a:t>
+              <a:t>26</a:t>
             </a:fld>
             <a:endParaRPr lang="en-US"/>
           </a:p>
@@ -2446,6 +2364,126 @@
     <p:extLst>
       <p:ext uri="{BB962C8B-B14F-4D97-AF65-F5344CB8AC3E}">
         <p14:creationId xmlns:p14="http://schemas.microsoft.com/office/powerpoint/2010/main" val="4146625612"/>
+      </p:ext>
+    </p:extLst>
+  </p:cSld>
+  <p:clrMapOvr>
+    <a:masterClrMapping/>
+  </p:clrMapOvr>
+</p:notes>
+</file>
+
+<file path=ppt/notesSlides/notesSlide27.xml><?xml version="1.0" encoding="utf-8"?>
+<p:notes xmlns:a="http://schemas.openxmlformats.org/drawingml/2006/main" xmlns:r="http://schemas.openxmlformats.org/officeDocument/2006/relationships" xmlns:p="http://schemas.openxmlformats.org/presentationml/2006/main">
+  <p:cSld>
+    <p:spTree>
+      <p:nvGrpSpPr>
+        <p:cNvPr id="1" name=""/>
+        <p:cNvGrpSpPr/>
+        <p:nvPr/>
+      </p:nvGrpSpPr>
+      <p:grpSpPr>
+        <a:xfrm>
+          <a:off x="0" y="0"/>
+          <a:ext cx="0" cy="0"/>
+          <a:chOff x="0" y="0"/>
+          <a:chExt cx="0" cy="0"/>
+        </a:xfrm>
+      </p:grpSpPr>
+      <p:sp>
+        <p:nvSpPr>
+          <p:cNvPr id="2" name="Slide Image Placeholder 1"/>
+          <p:cNvSpPr>
+            <a:spLocks noGrp="1" noRot="1" noChangeAspect="1"/>
+          </p:cNvSpPr>
+          <p:nvPr>
+            <p:ph type="sldImg"/>
+          </p:nvPr>
+        </p:nvSpPr>
+        <p:spPr/>
+      </p:sp>
+      <p:sp>
+        <p:nvSpPr>
+          <p:cNvPr id="3" name="Notes Placeholder 2"/>
+          <p:cNvSpPr>
+            <a:spLocks noGrp="1"/>
+          </p:cNvSpPr>
+          <p:nvPr>
+            <p:ph type="body" idx="1"/>
+          </p:nvPr>
+        </p:nvSpPr>
+        <p:spPr/>
+        <p:txBody>
+          <a:bodyPr/>
+          <a:lstStyle/>
+          <a:p>
+            <a:r>
+              <a:rPr lang="en-US" dirty="0"/>
+              <a:t>See “Mere description” in the folder. Even though we’re after a causal pathway, a solid set of descriptive stats (or better, a single descriptive figure that tells your story) helps you to sell your work before it begins. By </a:t>
+            </a:r>
+            <a:r>
+              <a:rPr lang="en-US" dirty="0" err="1"/>
+              <a:t>descriptives</a:t>
+            </a:r>
+            <a:r>
+              <a:rPr lang="en-US" dirty="0"/>
+              <a:t> we mean just looking at patterns in the data, not trying to recover causal pathways. </a:t>
+            </a:r>
+          </a:p>
+          <a:p>
+            <a:endParaRPr lang="en-US" dirty="0"/>
+          </a:p>
+          <a:p>
+            <a:r>
+              <a:rPr lang="en-US" dirty="0"/>
+              <a:t>Example: donut hole in Medicare (subsidies before/after a region, but a middle part where you have to pay 100% of expenses) (</a:t>
+            </a:r>
+            <a:r>
+              <a:rPr lang="en-US" dirty="0" err="1"/>
+              <a:t>Einav</a:t>
+            </a:r>
+            <a:r>
+              <a:rPr lang="en-US" dirty="0"/>
+              <a:t>, Finkelstein, and </a:t>
+            </a:r>
+            <a:r>
+              <a:rPr lang="en-US" dirty="0" err="1"/>
+              <a:t>Schrimpf</a:t>
+            </a:r>
+            <a:r>
+              <a:rPr lang="en-US" dirty="0"/>
+              <a:t> 2015)</a:t>
+            </a:r>
+          </a:p>
+        </p:txBody>
+      </p:sp>
+      <p:sp>
+        <p:nvSpPr>
+          <p:cNvPr id="4" name="Slide Number Placeholder 3"/>
+          <p:cNvSpPr>
+            <a:spLocks noGrp="1"/>
+          </p:cNvSpPr>
+          <p:nvPr>
+            <p:ph type="sldNum" sz="quarter" idx="5"/>
+          </p:nvPr>
+        </p:nvSpPr>
+        <p:spPr/>
+        <p:txBody>
+          <a:bodyPr/>
+          <a:lstStyle/>
+          <a:p>
+            <a:fld id="{4AF79E1B-2C51-4B9B-8EA4-26DE9E345AFF}" type="slidenum">
+              <a:rPr lang="en-US" smtClean="0"/>
+              <a:t>27</a:t>
+            </a:fld>
+            <a:endParaRPr lang="en-US"/>
+          </a:p>
+        </p:txBody>
+      </p:sp>
+    </p:spTree>
+    <p:extLst>
+      <p:ext uri="{BB962C8B-B14F-4D97-AF65-F5344CB8AC3E}">
+        <p14:creationId xmlns:p14="http://schemas.microsoft.com/office/powerpoint/2010/main" val="1753474815"/>
       </p:ext>
     </p:extLst>
   </p:cSld>
@@ -2501,40 +2539,15 @@
           <a:p>
             <a:r>
               <a:rPr lang="en-US" dirty="0"/>
-              <a:t>See “Mere description” in the folder. Even though we’re after a causal pathway, a solid set of descriptive stats (or better, a single descriptive figure that tells your story) helps you to sell your work before it begins. By </a:t>
-            </a:r>
-            <a:r>
-              <a:rPr lang="en-US" dirty="0" err="1"/>
-              <a:t>descriptives</a:t>
+              <a:t>In this case, the variation is bunching at the kink of the donut hole. Here we’re trying to move beyond </a:t>
+            </a:r>
+            <a:r>
+              <a:rPr lang="en-US"/>
+              <a:t>just summary stats and into the </a:t>
             </a:r>
             <a:r>
               <a:rPr lang="en-US" dirty="0"/>
-              <a:t> we mean just looking at patterns in the data, not trying to recover causal pathways. </a:t>
-            </a:r>
-          </a:p>
-          <a:p>
-            <a:endParaRPr lang="en-US" dirty="0"/>
-          </a:p>
-          <a:p>
-            <a:r>
-              <a:rPr lang="en-US" dirty="0"/>
-              <a:t>Example: donut hole in Medicare (subsidies before/after a region, but a middle part where you have to pay 100% of expenses) (</a:t>
-            </a:r>
-            <a:r>
-              <a:rPr lang="en-US" dirty="0" err="1"/>
-              <a:t>Einav</a:t>
-            </a:r>
-            <a:r>
-              <a:rPr lang="en-US" dirty="0"/>
-              <a:t>, Finkelstein, and </a:t>
-            </a:r>
-            <a:r>
-              <a:rPr lang="en-US" dirty="0" err="1"/>
-              <a:t>Schrimpf</a:t>
-            </a:r>
-            <a:r>
-              <a:rPr lang="en-US" dirty="0"/>
-              <a:t> 2015)</a:t>
+              <a:t>key variation in your data (is it over time? Over geography? Over people?)</a:t>
             </a:r>
           </a:p>
         </p:txBody>
@@ -2565,7 +2578,7 @@
     </p:spTree>
     <p:extLst>
       <p:ext uri="{BB962C8B-B14F-4D97-AF65-F5344CB8AC3E}">
-        <p14:creationId xmlns:p14="http://schemas.microsoft.com/office/powerpoint/2010/main" val="1753474815"/>
+        <p14:creationId xmlns:p14="http://schemas.microsoft.com/office/powerpoint/2010/main" val="1515882844"/>
       </p:ext>
     </p:extLst>
   </p:cSld>
@@ -2621,15 +2634,7 @@
           <a:p>
             <a:r>
               <a:rPr lang="en-US" dirty="0"/>
-              <a:t>In this case, the variation is bunching at the kink of the donut hole. Here we’re trying to move beyond </a:t>
-            </a:r>
-            <a:r>
-              <a:rPr lang="en-US"/>
-              <a:t>just summary stats and into the </a:t>
-            </a:r>
-            <a:r>
-              <a:rPr lang="en-US" dirty="0"/>
-              <a:t>key variation in your data (is it over time? Over geography? Over people?)</a:t>
+              <a:t>In this case, the variation is bunching at the kink of the donut hole</a:t>
             </a:r>
           </a:p>
         </p:txBody>
@@ -2660,7 +2665,7 @@
     </p:spTree>
     <p:extLst>
       <p:ext uri="{BB962C8B-B14F-4D97-AF65-F5344CB8AC3E}">
-        <p14:creationId xmlns:p14="http://schemas.microsoft.com/office/powerpoint/2010/main" val="1515882844"/>
+        <p14:creationId xmlns:p14="http://schemas.microsoft.com/office/powerpoint/2010/main" val="1205275544"/>
       </p:ext>
     </p:extLst>
   </p:cSld>
@@ -2716,33 +2721,7 @@
           <a:p>
             <a:r>
               <a:rPr lang="en-US" dirty="0"/>
-              <a:t>This comes up in two places in HSR: estimating prevalences and cost/benefit or cost/utility analysis. Examples: </a:t>
-            </a:r>
-          </a:p>
-          <a:p>
-            <a:pPr marL="228600" indent="-228600">
-              <a:buAutoNum type="arabicPeriod"/>
-            </a:pPr>
-            <a:r>
-              <a:rPr lang="en-US" dirty="0"/>
-              <a:t>First, AMI patients who are transferred from rural to urban </a:t>
-            </a:r>
-            <a:r>
-              <a:rPr lang="en-US" dirty="0" err="1"/>
-              <a:t>centres</a:t>
-            </a:r>
-            <a:r>
-              <a:rPr lang="en-US" dirty="0"/>
-              <a:t> may be counted twice. Double count may have been as large as 15% -- correcting leads to lower prevalence but greater mortality rates. </a:t>
-            </a:r>
-          </a:p>
-          <a:p>
-            <a:pPr marL="228600" indent="-228600">
-              <a:buAutoNum type="arabicPeriod"/>
-            </a:pPr>
-            <a:r>
-              <a:rPr lang="en-US" dirty="0"/>
-              <a:t>Suppose we want to estimate disease burden on cost/utility. We count lost work hours as “loss productivity time” and so as part of the economic burden of a disease. But this may be double-counted because lost work hours also lead to worse wages, so we’re “over-counting” the loss in some sense. Additionally, utility may not be linear, so reductions in hours may lead to an overstatement in loss of estimated utility. (How do we think about this with regards to non-medical expenditures?)</a:t>
+              <a:t>Based on course review</a:t>
             </a:r>
           </a:p>
         </p:txBody>
@@ -2829,7 +2808,31 @@
           <a:p>
             <a:r>
               <a:rPr lang="en-US" dirty="0"/>
-              <a:t>In this case, the variation is bunching at the kink of the donut hole</a:t>
+              <a:t>In this case, show that consumers respond before the end of the year, but less than they do at the end of the year (so consumers aren’t fully forward looking). The </a:t>
+            </a:r>
+            <a:r>
+              <a:rPr lang="en-US" dirty="0" err="1"/>
+              <a:t>descriptives</a:t>
+            </a:r>
+            <a:r>
+              <a:rPr lang="en-US" dirty="0"/>
+              <a:t> provide evidence of a kink, but don’t allow you to quantify it without a causal model – ding </a:t>
+            </a:r>
+            <a:r>
+              <a:rPr lang="en-US" dirty="0" err="1"/>
+              <a:t>ding</a:t>
+            </a:r>
+            <a:r>
+              <a:rPr lang="en-US" dirty="0"/>
+              <a:t> </a:t>
+            </a:r>
+            <a:r>
+              <a:rPr lang="en-US" dirty="0" err="1"/>
+              <a:t>ding</a:t>
+            </a:r>
+            <a:r>
+              <a:rPr lang="en-US" dirty="0"/>
+              <a:t> you have a paper!</a:t>
             </a:r>
           </a:p>
         </p:txBody>
@@ -2860,7 +2863,7 @@
     </p:spTree>
     <p:extLst>
       <p:ext uri="{BB962C8B-B14F-4D97-AF65-F5344CB8AC3E}">
-        <p14:creationId xmlns:p14="http://schemas.microsoft.com/office/powerpoint/2010/main" val="1205275544"/>
+        <p14:creationId xmlns:p14="http://schemas.microsoft.com/office/powerpoint/2010/main" val="1408348725"/>
       </p:ext>
     </p:extLst>
   </p:cSld>
@@ -2916,31 +2919,7 @@
           <a:p>
             <a:r>
               <a:rPr lang="en-US" dirty="0"/>
-              <a:t>In this case, show that consumers respond before the end of the year, but less than they do at the end of the year (so consumers aren’t fully forward looking). The </a:t>
-            </a:r>
-            <a:r>
-              <a:rPr lang="en-US" dirty="0" err="1"/>
-              <a:t>descriptives</a:t>
-            </a:r>
-            <a:r>
-              <a:rPr lang="en-US" dirty="0"/>
-              <a:t> provide evidence of a kink, but don’t allow you to quantify it without a causal model – ding </a:t>
-            </a:r>
-            <a:r>
-              <a:rPr lang="en-US" dirty="0" err="1"/>
-              <a:t>ding</a:t>
-            </a:r>
-            <a:r>
-              <a:rPr lang="en-US" dirty="0"/>
-              <a:t> </a:t>
-            </a:r>
-            <a:r>
-              <a:rPr lang="en-US" dirty="0" err="1"/>
-              <a:t>ding</a:t>
-            </a:r>
-            <a:r>
-              <a:rPr lang="en-US" dirty="0"/>
-              <a:t> you have a paper!</a:t>
+              <a:t>Who are we looking at in this case? Seniors with Part D coverage – does that expand to other populations? Maybe, maybe not. </a:t>
             </a:r>
           </a:p>
         </p:txBody>
@@ -2971,7 +2950,7 @@
     </p:spTree>
     <p:extLst>
       <p:ext uri="{BB962C8B-B14F-4D97-AF65-F5344CB8AC3E}">
-        <p14:creationId xmlns:p14="http://schemas.microsoft.com/office/powerpoint/2010/main" val="1408348725"/>
+        <p14:creationId xmlns:p14="http://schemas.microsoft.com/office/powerpoint/2010/main" val="384865399"/>
       </p:ext>
     </p:extLst>
   </p:cSld>
@@ -3027,7 +3006,7 @@
           <a:p>
             <a:r>
               <a:rPr lang="en-US" dirty="0"/>
-              <a:t>Who are we looking at in this case? Seniors with Part D coverage – does that expand to other populations? Maybe, maybe not. </a:t>
+              <a:t>A variable is a group of observations of the same thing (534 heights of children in Ontario)</a:t>
             </a:r>
           </a:p>
         </p:txBody>
@@ -3058,7 +3037,7 @@
     </p:spTree>
     <p:extLst>
       <p:ext uri="{BB962C8B-B14F-4D97-AF65-F5344CB8AC3E}">
-        <p14:creationId xmlns:p14="http://schemas.microsoft.com/office/powerpoint/2010/main" val="384865399"/>
+        <p14:creationId xmlns:p14="http://schemas.microsoft.com/office/powerpoint/2010/main" val="1086576460"/>
       </p:ext>
     </p:extLst>
   </p:cSld>
@@ -3112,10 +3091,7 @@
           <a:bodyPr/>
           <a:lstStyle/>
           <a:p>
-            <a:r>
-              <a:rPr lang="en-US" dirty="0"/>
-              <a:t>A variable is a group of observations of the same thing (534 heights of children in Ontario)</a:t>
-            </a:r>
+            <a:endParaRPr lang="en-US" dirty="0"/>
           </a:p>
         </p:txBody>
       </p:sp>
@@ -3137,90 +3113,6 @@
             <a:fld id="{4AF79E1B-2C51-4B9B-8EA4-26DE9E345AFF}" type="slidenum">
               <a:rPr lang="en-US" smtClean="0"/>
               <a:t>33</a:t>
-            </a:fld>
-            <a:endParaRPr lang="en-US"/>
-          </a:p>
-        </p:txBody>
-      </p:sp>
-    </p:spTree>
-    <p:extLst>
-      <p:ext uri="{BB962C8B-B14F-4D97-AF65-F5344CB8AC3E}">
-        <p14:creationId xmlns:p14="http://schemas.microsoft.com/office/powerpoint/2010/main" val="1086576460"/>
-      </p:ext>
-    </p:extLst>
-  </p:cSld>
-  <p:clrMapOvr>
-    <a:masterClrMapping/>
-  </p:clrMapOvr>
-</p:notes>
-</file>
-
-<file path=ppt/notesSlides/notesSlide34.xml><?xml version="1.0" encoding="utf-8"?>
-<p:notes xmlns:a="http://schemas.openxmlformats.org/drawingml/2006/main" xmlns:r="http://schemas.openxmlformats.org/officeDocument/2006/relationships" xmlns:p="http://schemas.openxmlformats.org/presentationml/2006/main">
-  <p:cSld>
-    <p:spTree>
-      <p:nvGrpSpPr>
-        <p:cNvPr id="1" name=""/>
-        <p:cNvGrpSpPr/>
-        <p:nvPr/>
-      </p:nvGrpSpPr>
-      <p:grpSpPr>
-        <a:xfrm>
-          <a:off x="0" y="0"/>
-          <a:ext cx="0" cy="0"/>
-          <a:chOff x="0" y="0"/>
-          <a:chExt cx="0" cy="0"/>
-        </a:xfrm>
-      </p:grpSpPr>
-      <p:sp>
-        <p:nvSpPr>
-          <p:cNvPr id="2" name="Slide Image Placeholder 1"/>
-          <p:cNvSpPr>
-            <a:spLocks noGrp="1" noRot="1" noChangeAspect="1"/>
-          </p:cNvSpPr>
-          <p:nvPr>
-            <p:ph type="sldImg"/>
-          </p:nvPr>
-        </p:nvSpPr>
-        <p:spPr/>
-      </p:sp>
-      <p:sp>
-        <p:nvSpPr>
-          <p:cNvPr id="3" name="Notes Placeholder 2"/>
-          <p:cNvSpPr>
-            <a:spLocks noGrp="1"/>
-          </p:cNvSpPr>
-          <p:nvPr>
-            <p:ph type="body" idx="1"/>
-          </p:nvPr>
-        </p:nvSpPr>
-        <p:spPr/>
-        <p:txBody>
-          <a:bodyPr/>
-          <a:lstStyle/>
-          <a:p>
-            <a:endParaRPr lang="en-US" dirty="0"/>
-          </a:p>
-        </p:txBody>
-      </p:sp>
-      <p:sp>
-        <p:nvSpPr>
-          <p:cNvPr id="4" name="Slide Number Placeholder 3"/>
-          <p:cNvSpPr>
-            <a:spLocks noGrp="1"/>
-          </p:cNvSpPr>
-          <p:nvPr>
-            <p:ph type="sldNum" sz="quarter" idx="5"/>
-          </p:nvPr>
-        </p:nvSpPr>
-        <p:spPr/>
-        <p:txBody>
-          <a:bodyPr/>
-          <a:lstStyle/>
-          <a:p>
-            <a:fld id="{4AF79E1B-2C51-4B9B-8EA4-26DE9E345AFF}" type="slidenum">
-              <a:rPr lang="en-US" smtClean="0"/>
-              <a:t>34</a:t>
             </a:fld>
             <a:endParaRPr lang="en-US"/>
           </a:p>
@@ -3239,7 +3131,7 @@
 </p:notes>
 </file>
 
-<file path=ppt/notesSlides/notesSlide35.xml><?xml version="1.0" encoding="utf-8"?>
+<file path=ppt/notesSlides/notesSlide34.xml><?xml version="1.0" encoding="utf-8"?>
 <p:notes xmlns:a="http://schemas.openxmlformats.org/drawingml/2006/main" xmlns:r="http://schemas.openxmlformats.org/officeDocument/2006/relationships" xmlns:p="http://schemas.openxmlformats.org/presentationml/2006/main">
   <p:cSld>
     <p:spTree>
@@ -3328,7 +3220,7 @@
           <a:p>
             <a:fld id="{4AF79E1B-2C51-4B9B-8EA4-26DE9E345AFF}" type="slidenum">
               <a:rPr lang="en-US" smtClean="0"/>
-              <a:t>35</a:t>
+              <a:t>34</a:t>
             </a:fld>
             <a:endParaRPr lang="en-US"/>
           </a:p>
@@ -3347,7 +3239,7 @@
 </p:notes>
 </file>
 
-<file path=ppt/notesSlides/notesSlide36.xml><?xml version="1.0" encoding="utf-8"?>
+<file path=ppt/notesSlides/notesSlide35.xml><?xml version="1.0" encoding="utf-8"?>
 <p:notes xmlns:a="http://schemas.openxmlformats.org/drawingml/2006/main" xmlns:r="http://schemas.openxmlformats.org/officeDocument/2006/relationships" xmlns:p="http://schemas.openxmlformats.org/presentationml/2006/main">
   <p:cSld>
     <p:spTree>
@@ -3436,7 +3328,7 @@
           <a:p>
             <a:fld id="{4AF79E1B-2C51-4B9B-8EA4-26DE9E345AFF}" type="slidenum">
               <a:rPr lang="en-US" smtClean="0"/>
-              <a:t>36</a:t>
+              <a:t>35</a:t>
             </a:fld>
             <a:endParaRPr lang="en-US"/>
           </a:p>
@@ -3455,7 +3347,7 @@
 </p:notes>
 </file>
 
-<file path=ppt/notesSlides/notesSlide37.xml><?xml version="1.0" encoding="utf-8"?>
+<file path=ppt/notesSlides/notesSlide36.xml><?xml version="1.0" encoding="utf-8"?>
 <p:notes xmlns:a="http://schemas.openxmlformats.org/drawingml/2006/main" xmlns:r="http://schemas.openxmlformats.org/officeDocument/2006/relationships" xmlns:p="http://schemas.openxmlformats.org/presentationml/2006/main">
   <p:cSld>
     <p:spTree>
@@ -3520,7 +3412,7 @@
           <a:p>
             <a:fld id="{4AF79E1B-2C51-4B9B-8EA4-26DE9E345AFF}" type="slidenum">
               <a:rPr lang="en-US" smtClean="0"/>
-              <a:t>37</a:t>
+              <a:t>36</a:t>
             </a:fld>
             <a:endParaRPr lang="en-US"/>
           </a:p>
@@ -3539,7 +3431,7 @@
 </p:notes>
 </file>
 
-<file path=ppt/notesSlides/notesSlide38.xml><?xml version="1.0" encoding="utf-8"?>
+<file path=ppt/notesSlides/notesSlide37.xml><?xml version="1.0" encoding="utf-8"?>
 <p:notes xmlns:a="http://schemas.openxmlformats.org/drawingml/2006/main" xmlns:r="http://schemas.openxmlformats.org/officeDocument/2006/relationships" xmlns:p="http://schemas.openxmlformats.org/presentationml/2006/main">
   <p:cSld>
     <p:spTree>
@@ -3631,7 +3523,7 @@
           <a:p>
             <a:fld id="{4AF79E1B-2C51-4B9B-8EA4-26DE9E345AFF}" type="slidenum">
               <a:rPr lang="en-US" smtClean="0"/>
-              <a:t>38</a:t>
+              <a:t>37</a:t>
             </a:fld>
             <a:endParaRPr lang="en-US"/>
           </a:p>
@@ -3650,7 +3542,7 @@
 </p:notes>
 </file>
 
-<file path=ppt/notesSlides/notesSlide39.xml><?xml version="1.0" encoding="utf-8"?>
+<file path=ppt/notesSlides/notesSlide38.xml><?xml version="1.0" encoding="utf-8"?>
 <p:notes xmlns:a="http://schemas.openxmlformats.org/drawingml/2006/main" xmlns:r="http://schemas.openxmlformats.org/officeDocument/2006/relationships" xmlns:p="http://schemas.openxmlformats.org/presentationml/2006/main">
   <p:cSld>
     <p:spTree>
@@ -3739,7 +3631,7 @@
           <a:p>
             <a:fld id="{4AF79E1B-2C51-4B9B-8EA4-26DE9E345AFF}" type="slidenum">
               <a:rPr lang="en-US" smtClean="0"/>
-              <a:t>39</a:t>
+              <a:t>38</a:t>
             </a:fld>
             <a:endParaRPr lang="en-US"/>
           </a:p>
@@ -3749,6 +3641,114 @@
     <p:extLst>
       <p:ext uri="{BB962C8B-B14F-4D97-AF65-F5344CB8AC3E}">
         <p14:creationId xmlns:p14="http://schemas.microsoft.com/office/powerpoint/2010/main" val="2931810454"/>
+      </p:ext>
+    </p:extLst>
+  </p:cSld>
+  <p:clrMapOvr>
+    <a:masterClrMapping/>
+  </p:clrMapOvr>
+</p:notes>
+</file>
+
+<file path=ppt/notesSlides/notesSlide39.xml><?xml version="1.0" encoding="utf-8"?>
+<p:notes xmlns:a="http://schemas.openxmlformats.org/drawingml/2006/main" xmlns:r="http://schemas.openxmlformats.org/officeDocument/2006/relationships" xmlns:p="http://schemas.openxmlformats.org/presentationml/2006/main">
+  <p:cSld>
+    <p:spTree>
+      <p:nvGrpSpPr>
+        <p:cNvPr id="1" name="">
+          <a:extLst>
+            <a:ext uri="{FF2B5EF4-FFF2-40B4-BE49-F238E27FC236}">
+              <a16:creationId xmlns:a16="http://schemas.microsoft.com/office/drawing/2014/main" id="{73A3CB7A-EAB3-170B-C37E-4A614BEE7516}"/>
+            </a:ext>
+          </a:extLst>
+        </p:cNvPr>
+        <p:cNvGrpSpPr/>
+        <p:nvPr/>
+      </p:nvGrpSpPr>
+      <p:grpSpPr>
+        <a:xfrm>
+          <a:off x="0" y="0"/>
+          <a:ext cx="0" cy="0"/>
+          <a:chOff x="0" y="0"/>
+          <a:chExt cx="0" cy="0"/>
+        </a:xfrm>
+      </p:grpSpPr>
+      <p:sp>
+        <p:nvSpPr>
+          <p:cNvPr id="2" name="Slide Image Placeholder 1">
+            <a:extLst>
+              <a:ext uri="{FF2B5EF4-FFF2-40B4-BE49-F238E27FC236}">
+                <a16:creationId xmlns:a16="http://schemas.microsoft.com/office/drawing/2014/main" id="{827357DC-063E-E776-7336-5D70C4693D01}"/>
+              </a:ext>
+            </a:extLst>
+          </p:cNvPr>
+          <p:cNvSpPr>
+            <a:spLocks noGrp="1" noRot="1" noChangeAspect="1"/>
+          </p:cNvSpPr>
+          <p:nvPr>
+            <p:ph type="sldImg"/>
+          </p:nvPr>
+        </p:nvSpPr>
+        <p:spPr/>
+      </p:sp>
+      <p:sp>
+        <p:nvSpPr>
+          <p:cNvPr id="3" name="Notes Placeholder 2">
+            <a:extLst>
+              <a:ext uri="{FF2B5EF4-FFF2-40B4-BE49-F238E27FC236}">
+                <a16:creationId xmlns:a16="http://schemas.microsoft.com/office/drawing/2014/main" id="{E9668453-DE28-96E7-25F1-25108D240D27}"/>
+              </a:ext>
+            </a:extLst>
+          </p:cNvPr>
+          <p:cNvSpPr>
+            <a:spLocks noGrp="1"/>
+          </p:cNvSpPr>
+          <p:nvPr>
+            <p:ph type="body" idx="1"/>
+          </p:nvPr>
+        </p:nvSpPr>
+        <p:spPr/>
+        <p:txBody>
+          <a:bodyPr/>
+          <a:lstStyle/>
+          <a:p>
+            <a:endParaRPr lang="en-US" dirty="0"/>
+          </a:p>
+        </p:txBody>
+      </p:sp>
+      <p:sp>
+        <p:nvSpPr>
+          <p:cNvPr id="4" name="Slide Number Placeholder 3">
+            <a:extLst>
+              <a:ext uri="{FF2B5EF4-FFF2-40B4-BE49-F238E27FC236}">
+                <a16:creationId xmlns:a16="http://schemas.microsoft.com/office/drawing/2014/main" id="{C2F2DA11-BC33-AC99-2105-17008BD7E6D8}"/>
+              </a:ext>
+            </a:extLst>
+          </p:cNvPr>
+          <p:cNvSpPr>
+            <a:spLocks noGrp="1"/>
+          </p:cNvSpPr>
+          <p:nvPr>
+            <p:ph type="sldNum" sz="quarter" idx="5"/>
+          </p:nvPr>
+        </p:nvSpPr>
+        <p:spPr/>
+        <p:txBody>
+          <a:bodyPr/>
+          <a:lstStyle/>
+          <a:p>
+            <a:fld id="{4AF79E1B-2C51-4B9B-8EA4-26DE9E345AFF}" type="slidenum">
+              <a:rPr lang="en-US" smtClean="0"/>
+              <a:t>39</a:t>
+            </a:fld>
+            <a:endParaRPr lang="en-US"/>
+          </a:p>
+        </p:txBody>
+      </p:sp>
+    </p:spTree>
+    <p:extLst>
+      <p:ext uri="{BB962C8B-B14F-4D97-AF65-F5344CB8AC3E}">
+        <p14:creationId xmlns:p14="http://schemas.microsoft.com/office/powerpoint/2010/main" val="3522004286"/>
       </p:ext>
     </p:extLst>
   </p:cSld>
@@ -3850,114 +3850,6 @@
         <p:cNvPr id="1" name="">
           <a:extLst>
             <a:ext uri="{FF2B5EF4-FFF2-40B4-BE49-F238E27FC236}">
-              <a16:creationId xmlns:a16="http://schemas.microsoft.com/office/drawing/2014/main" id="{73A3CB7A-EAB3-170B-C37E-4A614BEE7516}"/>
-            </a:ext>
-          </a:extLst>
-        </p:cNvPr>
-        <p:cNvGrpSpPr/>
-        <p:nvPr/>
-      </p:nvGrpSpPr>
-      <p:grpSpPr>
-        <a:xfrm>
-          <a:off x="0" y="0"/>
-          <a:ext cx="0" cy="0"/>
-          <a:chOff x="0" y="0"/>
-          <a:chExt cx="0" cy="0"/>
-        </a:xfrm>
-      </p:grpSpPr>
-      <p:sp>
-        <p:nvSpPr>
-          <p:cNvPr id="2" name="Slide Image Placeholder 1">
-            <a:extLst>
-              <a:ext uri="{FF2B5EF4-FFF2-40B4-BE49-F238E27FC236}">
-                <a16:creationId xmlns:a16="http://schemas.microsoft.com/office/drawing/2014/main" id="{827357DC-063E-E776-7336-5D70C4693D01}"/>
-              </a:ext>
-            </a:extLst>
-          </p:cNvPr>
-          <p:cNvSpPr>
-            <a:spLocks noGrp="1" noRot="1" noChangeAspect="1"/>
-          </p:cNvSpPr>
-          <p:nvPr>
-            <p:ph type="sldImg"/>
-          </p:nvPr>
-        </p:nvSpPr>
-        <p:spPr/>
-      </p:sp>
-      <p:sp>
-        <p:nvSpPr>
-          <p:cNvPr id="3" name="Notes Placeholder 2">
-            <a:extLst>
-              <a:ext uri="{FF2B5EF4-FFF2-40B4-BE49-F238E27FC236}">
-                <a16:creationId xmlns:a16="http://schemas.microsoft.com/office/drawing/2014/main" id="{E9668453-DE28-96E7-25F1-25108D240D27}"/>
-              </a:ext>
-            </a:extLst>
-          </p:cNvPr>
-          <p:cNvSpPr>
-            <a:spLocks noGrp="1"/>
-          </p:cNvSpPr>
-          <p:nvPr>
-            <p:ph type="body" idx="1"/>
-          </p:nvPr>
-        </p:nvSpPr>
-        <p:spPr/>
-        <p:txBody>
-          <a:bodyPr/>
-          <a:lstStyle/>
-          <a:p>
-            <a:endParaRPr lang="en-US" dirty="0"/>
-          </a:p>
-        </p:txBody>
-      </p:sp>
-      <p:sp>
-        <p:nvSpPr>
-          <p:cNvPr id="4" name="Slide Number Placeholder 3">
-            <a:extLst>
-              <a:ext uri="{FF2B5EF4-FFF2-40B4-BE49-F238E27FC236}">
-                <a16:creationId xmlns:a16="http://schemas.microsoft.com/office/drawing/2014/main" id="{C2F2DA11-BC33-AC99-2105-17008BD7E6D8}"/>
-              </a:ext>
-            </a:extLst>
-          </p:cNvPr>
-          <p:cNvSpPr>
-            <a:spLocks noGrp="1"/>
-          </p:cNvSpPr>
-          <p:nvPr>
-            <p:ph type="sldNum" sz="quarter" idx="5"/>
-          </p:nvPr>
-        </p:nvSpPr>
-        <p:spPr/>
-        <p:txBody>
-          <a:bodyPr/>
-          <a:lstStyle/>
-          <a:p>
-            <a:fld id="{4AF79E1B-2C51-4B9B-8EA4-26DE9E345AFF}" type="slidenum">
-              <a:rPr lang="en-US" smtClean="0"/>
-              <a:t>40</a:t>
-            </a:fld>
-            <a:endParaRPr lang="en-US"/>
-          </a:p>
-        </p:txBody>
-      </p:sp>
-    </p:spTree>
-    <p:extLst>
-      <p:ext uri="{BB962C8B-B14F-4D97-AF65-F5344CB8AC3E}">
-        <p14:creationId xmlns:p14="http://schemas.microsoft.com/office/powerpoint/2010/main" val="3522004286"/>
-      </p:ext>
-    </p:extLst>
-  </p:cSld>
-  <p:clrMapOvr>
-    <a:masterClrMapping/>
-  </p:clrMapOvr>
-</p:notes>
-</file>
-
-<file path=ppt/notesSlides/notesSlide41.xml><?xml version="1.0" encoding="utf-8"?>
-<p:notes xmlns:a="http://schemas.openxmlformats.org/drawingml/2006/main" xmlns:r="http://schemas.openxmlformats.org/officeDocument/2006/relationships" xmlns:p="http://schemas.openxmlformats.org/presentationml/2006/main">
-  <p:cSld>
-    <p:spTree>
-      <p:nvGrpSpPr>
-        <p:cNvPr id="1" name="">
-          <a:extLst>
-            <a:ext uri="{FF2B5EF4-FFF2-40B4-BE49-F238E27FC236}">
               <a16:creationId xmlns:a16="http://schemas.microsoft.com/office/drawing/2014/main" id="{49A5E7DC-6CC9-73CF-3C87-25266B2238F3}"/>
             </a:ext>
           </a:extLst>
@@ -4046,7 +3938,7 @@
           <a:p>
             <a:fld id="{4AF79E1B-2C51-4B9B-8EA4-26DE9E345AFF}" type="slidenum">
               <a:rPr lang="en-US" smtClean="0"/>
-              <a:t>41</a:t>
+              <a:t>40</a:t>
             </a:fld>
             <a:endParaRPr lang="en-US"/>
           </a:p>
@@ -4065,7 +3957,7 @@
 </p:notes>
 </file>
 
-<file path=ppt/notesSlides/notesSlide42.xml><?xml version="1.0" encoding="utf-8"?>
+<file path=ppt/notesSlides/notesSlide41.xml><?xml version="1.0" encoding="utf-8"?>
 <p:notes xmlns:a="http://schemas.openxmlformats.org/drawingml/2006/main" xmlns:r="http://schemas.openxmlformats.org/officeDocument/2006/relationships" xmlns:p="http://schemas.openxmlformats.org/presentationml/2006/main">
   <p:cSld>
     <p:spTree>
@@ -4157,7 +4049,7 @@
           <a:p>
             <a:fld id="{4AF79E1B-2C51-4B9B-8EA4-26DE9E345AFF}" type="slidenum">
               <a:rPr lang="en-US" smtClean="0"/>
-              <a:t>42</a:t>
+              <a:t>41</a:t>
             </a:fld>
             <a:endParaRPr lang="en-US"/>
           </a:p>
@@ -4176,7 +4068,7 @@
 </p:notes>
 </file>
 
-<file path=ppt/notesSlides/notesSlide43.xml><?xml version="1.0" encoding="utf-8"?>
+<file path=ppt/notesSlides/notesSlide42.xml><?xml version="1.0" encoding="utf-8"?>
 <p:notes xmlns:a="http://schemas.openxmlformats.org/drawingml/2006/main" xmlns:r="http://schemas.openxmlformats.org/officeDocument/2006/relationships" xmlns:p="http://schemas.openxmlformats.org/presentationml/2006/main">
   <p:cSld>
     <p:spTree>
@@ -4244,7 +4136,7 @@
           <a:p>
             <a:fld id="{4AF79E1B-2C51-4B9B-8EA4-26DE9E345AFF}" type="slidenum">
               <a:rPr lang="en-US" smtClean="0"/>
-              <a:t>43</a:t>
+              <a:t>42</a:t>
             </a:fld>
             <a:endParaRPr lang="en-US"/>
           </a:p>
@@ -4263,7 +4155,7 @@
 </p:notes>
 </file>
 
-<file path=ppt/notesSlides/notesSlide44.xml><?xml version="1.0" encoding="utf-8"?>
+<file path=ppt/notesSlides/notesSlide43.xml><?xml version="1.0" encoding="utf-8"?>
 <p:notes xmlns:a="http://schemas.openxmlformats.org/drawingml/2006/main" xmlns:r="http://schemas.openxmlformats.org/officeDocument/2006/relationships" xmlns:p="http://schemas.openxmlformats.org/presentationml/2006/main">
   <p:cSld>
     <p:spTree>
@@ -4355,7 +4247,7 @@
           <a:p>
             <a:fld id="{4AF79E1B-2C51-4B9B-8EA4-26DE9E345AFF}" type="slidenum">
               <a:rPr lang="en-US" smtClean="0"/>
-              <a:t>44</a:t>
+              <a:t>43</a:t>
             </a:fld>
             <a:endParaRPr lang="en-US"/>
           </a:p>
@@ -4365,6 +4257,93 @@
     <p:extLst>
       <p:ext uri="{BB962C8B-B14F-4D97-AF65-F5344CB8AC3E}">
         <p14:creationId xmlns:p14="http://schemas.microsoft.com/office/powerpoint/2010/main" val="161563147"/>
+      </p:ext>
+    </p:extLst>
+  </p:cSld>
+  <p:clrMapOvr>
+    <a:masterClrMapping/>
+  </p:clrMapOvr>
+</p:notes>
+</file>
+
+<file path=ppt/notesSlides/notesSlide44.xml><?xml version="1.0" encoding="utf-8"?>
+<p:notes xmlns:a="http://schemas.openxmlformats.org/drawingml/2006/main" xmlns:r="http://schemas.openxmlformats.org/officeDocument/2006/relationships" xmlns:p="http://schemas.openxmlformats.org/presentationml/2006/main">
+  <p:cSld>
+    <p:spTree>
+      <p:nvGrpSpPr>
+        <p:cNvPr id="1" name=""/>
+        <p:cNvGrpSpPr/>
+        <p:nvPr/>
+      </p:nvGrpSpPr>
+      <p:grpSpPr>
+        <a:xfrm>
+          <a:off x="0" y="0"/>
+          <a:ext cx="0" cy="0"/>
+          <a:chOff x="0" y="0"/>
+          <a:chExt cx="0" cy="0"/>
+        </a:xfrm>
+      </p:grpSpPr>
+      <p:sp>
+        <p:nvSpPr>
+          <p:cNvPr id="2" name="Slide Image Placeholder 1"/>
+          <p:cNvSpPr>
+            <a:spLocks noGrp="1" noRot="1" noChangeAspect="1"/>
+          </p:cNvSpPr>
+          <p:nvPr>
+            <p:ph type="sldImg"/>
+          </p:nvPr>
+        </p:nvSpPr>
+        <p:spPr/>
+      </p:sp>
+      <p:sp>
+        <p:nvSpPr>
+          <p:cNvPr id="3" name="Notes Placeholder 2"/>
+          <p:cNvSpPr>
+            <a:spLocks noGrp="1"/>
+          </p:cNvSpPr>
+          <p:nvPr>
+            <p:ph type="body" idx="1"/>
+          </p:nvPr>
+        </p:nvSpPr>
+        <p:spPr/>
+        <p:txBody>
+          <a:bodyPr/>
+          <a:lstStyle/>
+          <a:p>
+            <a:r>
+              <a:rPr lang="en-US" dirty="0"/>
+              <a:t>Introduce the math notation</a:t>
+            </a:r>
+          </a:p>
+        </p:txBody>
+      </p:sp>
+      <p:sp>
+        <p:nvSpPr>
+          <p:cNvPr id="4" name="Slide Number Placeholder 3"/>
+          <p:cNvSpPr>
+            <a:spLocks noGrp="1"/>
+          </p:cNvSpPr>
+          <p:nvPr>
+            <p:ph type="sldNum" sz="quarter" idx="5"/>
+          </p:nvPr>
+        </p:nvSpPr>
+        <p:spPr/>
+        <p:txBody>
+          <a:bodyPr/>
+          <a:lstStyle/>
+          <a:p>
+            <a:fld id="{4AF79E1B-2C51-4B9B-8EA4-26DE9E345AFF}" type="slidenum">
+              <a:rPr lang="en-US" smtClean="0"/>
+              <a:t>44</a:t>
+            </a:fld>
+            <a:endParaRPr lang="en-US"/>
+          </a:p>
+        </p:txBody>
+      </p:sp>
+    </p:spTree>
+    <p:extLst>
+      <p:ext uri="{BB962C8B-B14F-4D97-AF65-F5344CB8AC3E}">
+        <p14:creationId xmlns:p14="http://schemas.microsoft.com/office/powerpoint/2010/main" val="1530705670"/>
       </p:ext>
     </p:extLst>
   </p:cSld>
@@ -4420,7 +4399,15 @@
           <a:p>
             <a:r>
               <a:rPr lang="en-US" dirty="0"/>
-              <a:t>Introduce the math notation</a:t>
+              <a:t>Draw this on the board and kind of “cut” out the next few percentiles. Note that the 50</a:t>
+            </a:r>
+            <a:r>
+              <a:rPr lang="en-US" baseline="30000" dirty="0"/>
+              <a:t>th</a:t>
+            </a:r>
+            <a:r>
+              <a:rPr lang="en-US" dirty="0"/>
+              <a:t> percentile is the same as the median! </a:t>
             </a:r>
           </a:p>
         </p:txBody>
@@ -4443,101 +4430,6 @@
             <a:fld id="{4AF79E1B-2C51-4B9B-8EA4-26DE9E345AFF}" type="slidenum">
               <a:rPr lang="en-US" smtClean="0"/>
               <a:t>45</a:t>
-            </a:fld>
-            <a:endParaRPr lang="en-US"/>
-          </a:p>
-        </p:txBody>
-      </p:sp>
-    </p:spTree>
-    <p:extLst>
-      <p:ext uri="{BB962C8B-B14F-4D97-AF65-F5344CB8AC3E}">
-        <p14:creationId xmlns:p14="http://schemas.microsoft.com/office/powerpoint/2010/main" val="1530705670"/>
-      </p:ext>
-    </p:extLst>
-  </p:cSld>
-  <p:clrMapOvr>
-    <a:masterClrMapping/>
-  </p:clrMapOvr>
-</p:notes>
-</file>
-
-<file path=ppt/notesSlides/notesSlide46.xml><?xml version="1.0" encoding="utf-8"?>
-<p:notes xmlns:a="http://schemas.openxmlformats.org/drawingml/2006/main" xmlns:r="http://schemas.openxmlformats.org/officeDocument/2006/relationships" xmlns:p="http://schemas.openxmlformats.org/presentationml/2006/main">
-  <p:cSld>
-    <p:spTree>
-      <p:nvGrpSpPr>
-        <p:cNvPr id="1" name=""/>
-        <p:cNvGrpSpPr/>
-        <p:nvPr/>
-      </p:nvGrpSpPr>
-      <p:grpSpPr>
-        <a:xfrm>
-          <a:off x="0" y="0"/>
-          <a:ext cx="0" cy="0"/>
-          <a:chOff x="0" y="0"/>
-          <a:chExt cx="0" cy="0"/>
-        </a:xfrm>
-      </p:grpSpPr>
-      <p:sp>
-        <p:nvSpPr>
-          <p:cNvPr id="2" name="Slide Image Placeholder 1"/>
-          <p:cNvSpPr>
-            <a:spLocks noGrp="1" noRot="1" noChangeAspect="1"/>
-          </p:cNvSpPr>
-          <p:nvPr>
-            <p:ph type="sldImg"/>
-          </p:nvPr>
-        </p:nvSpPr>
-        <p:spPr/>
-      </p:sp>
-      <p:sp>
-        <p:nvSpPr>
-          <p:cNvPr id="3" name="Notes Placeholder 2"/>
-          <p:cNvSpPr>
-            <a:spLocks noGrp="1"/>
-          </p:cNvSpPr>
-          <p:nvPr>
-            <p:ph type="body" idx="1"/>
-          </p:nvPr>
-        </p:nvSpPr>
-        <p:spPr/>
-        <p:txBody>
-          <a:bodyPr/>
-          <a:lstStyle/>
-          <a:p>
-            <a:r>
-              <a:rPr lang="en-US" dirty="0"/>
-              <a:t>Draw this on the board and kind of “cut” out the next few percentiles. Note that the 50</a:t>
-            </a:r>
-            <a:r>
-              <a:rPr lang="en-US" baseline="30000" dirty="0"/>
-              <a:t>th</a:t>
-            </a:r>
-            <a:r>
-              <a:rPr lang="en-US" dirty="0"/>
-              <a:t> percentile is the same as the median! </a:t>
-            </a:r>
-          </a:p>
-        </p:txBody>
-      </p:sp>
-      <p:sp>
-        <p:nvSpPr>
-          <p:cNvPr id="4" name="Slide Number Placeholder 3"/>
-          <p:cNvSpPr>
-            <a:spLocks noGrp="1"/>
-          </p:cNvSpPr>
-          <p:nvPr>
-            <p:ph type="sldNum" sz="quarter" idx="5"/>
-          </p:nvPr>
-        </p:nvSpPr>
-        <p:spPr/>
-        <p:txBody>
-          <a:bodyPr/>
-          <a:lstStyle/>
-          <a:p>
-            <a:fld id="{4AF79E1B-2C51-4B9B-8EA4-26DE9E345AFF}" type="slidenum">
-              <a:rPr lang="en-US" smtClean="0"/>
-              <a:t>46</a:t>
             </a:fld>
             <a:endParaRPr lang="en-US"/>
           </a:p>
@@ -4556,7 +4448,7 @@
 </p:notes>
 </file>
 
-<file path=ppt/notesSlides/notesSlide47.xml><?xml version="1.0" encoding="utf-8"?>
+<file path=ppt/notesSlides/notesSlide46.xml><?xml version="1.0" encoding="utf-8"?>
 <p:notes xmlns:a="http://schemas.openxmlformats.org/drawingml/2006/main" xmlns:r="http://schemas.openxmlformats.org/officeDocument/2006/relationships" xmlns:p="http://schemas.openxmlformats.org/presentationml/2006/main">
   <p:cSld>
     <p:spTree>
@@ -4656,7 +4548,7 @@
           <a:p>
             <a:fld id="{4AF79E1B-2C51-4B9B-8EA4-26DE9E345AFF}" type="slidenum">
               <a:rPr lang="en-US" smtClean="0"/>
-              <a:t>47</a:t>
+              <a:t>46</a:t>
             </a:fld>
             <a:endParaRPr lang="en-US"/>
           </a:p>
@@ -4675,7 +4567,7 @@
 </p:notes>
 </file>
 
-<file path=ppt/notesSlides/notesSlide48.xml><?xml version="1.0" encoding="utf-8"?>
+<file path=ppt/notesSlides/notesSlide47.xml><?xml version="1.0" encoding="utf-8"?>
 <p:notes xmlns:a="http://schemas.openxmlformats.org/drawingml/2006/main" xmlns:r="http://schemas.openxmlformats.org/officeDocument/2006/relationships" xmlns:p="http://schemas.openxmlformats.org/presentationml/2006/main">
   <p:cSld>
     <p:spTree>
@@ -4767,7 +4659,7 @@
           <a:p>
             <a:fld id="{4AF79E1B-2C51-4B9B-8EA4-26DE9E345AFF}" type="slidenum">
               <a:rPr lang="en-US" smtClean="0"/>
-              <a:t>48</a:t>
+              <a:t>47</a:t>
             </a:fld>
             <a:endParaRPr lang="en-US"/>
           </a:p>
@@ -4786,7 +4678,7 @@
 </p:notes>
 </file>
 
-<file path=ppt/notesSlides/notesSlide49.xml><?xml version="1.0" encoding="utf-8"?>
+<file path=ppt/notesSlides/notesSlide48.xml><?xml version="1.0" encoding="utf-8"?>
 <p:notes xmlns:a="http://schemas.openxmlformats.org/drawingml/2006/main" xmlns:r="http://schemas.openxmlformats.org/officeDocument/2006/relationships" xmlns:p="http://schemas.openxmlformats.org/presentationml/2006/main">
   <p:cSld>
     <p:spTree>
@@ -4875,7 +4767,7 @@
           <a:p>
             <a:fld id="{4AF79E1B-2C51-4B9B-8EA4-26DE9E345AFF}" type="slidenum">
               <a:rPr lang="en-US" smtClean="0"/>
-              <a:t>49</a:t>
+              <a:t>48</a:t>
             </a:fld>
             <a:endParaRPr lang="en-US"/>
           </a:p>
@@ -4885,6 +4777,93 @@
     <p:extLst>
       <p:ext uri="{BB962C8B-B14F-4D97-AF65-F5344CB8AC3E}">
         <p14:creationId xmlns:p14="http://schemas.microsoft.com/office/powerpoint/2010/main" val="4240665544"/>
+      </p:ext>
+    </p:extLst>
+  </p:cSld>
+  <p:clrMapOvr>
+    <a:masterClrMapping/>
+  </p:clrMapOvr>
+</p:notes>
+</file>
+
+<file path=ppt/notesSlides/notesSlide49.xml><?xml version="1.0" encoding="utf-8"?>
+<p:notes xmlns:a="http://schemas.openxmlformats.org/drawingml/2006/main" xmlns:r="http://schemas.openxmlformats.org/officeDocument/2006/relationships" xmlns:p="http://schemas.openxmlformats.org/presentationml/2006/main">
+  <p:cSld>
+    <p:spTree>
+      <p:nvGrpSpPr>
+        <p:cNvPr id="1" name=""/>
+        <p:cNvGrpSpPr/>
+        <p:nvPr/>
+      </p:nvGrpSpPr>
+      <p:grpSpPr>
+        <a:xfrm>
+          <a:off x="0" y="0"/>
+          <a:ext cx="0" cy="0"/>
+          <a:chOff x="0" y="0"/>
+          <a:chExt cx="0" cy="0"/>
+        </a:xfrm>
+      </p:grpSpPr>
+      <p:sp>
+        <p:nvSpPr>
+          <p:cNvPr id="2" name="Slide Image Placeholder 1"/>
+          <p:cNvSpPr>
+            <a:spLocks noGrp="1" noRot="1" noChangeAspect="1"/>
+          </p:cNvSpPr>
+          <p:nvPr>
+            <p:ph type="sldImg"/>
+          </p:nvPr>
+        </p:nvSpPr>
+        <p:spPr/>
+      </p:sp>
+      <p:sp>
+        <p:nvSpPr>
+          <p:cNvPr id="3" name="Notes Placeholder 2"/>
+          <p:cNvSpPr>
+            <a:spLocks noGrp="1"/>
+          </p:cNvSpPr>
+          <p:nvPr>
+            <p:ph type="body" idx="1"/>
+          </p:nvPr>
+        </p:nvSpPr>
+        <p:spPr/>
+        <p:txBody>
+          <a:bodyPr/>
+          <a:lstStyle/>
+          <a:p>
+            <a:r>
+              <a:rPr lang="en-US" dirty="0"/>
+              <a:t>Tells us something about the dispersion of our data. Typically 2/3 of data are within one standard deviation of the mean (vague but good ROT)</a:t>
+            </a:r>
+          </a:p>
+        </p:txBody>
+      </p:sp>
+      <p:sp>
+        <p:nvSpPr>
+          <p:cNvPr id="4" name="Slide Number Placeholder 3"/>
+          <p:cNvSpPr>
+            <a:spLocks noGrp="1"/>
+          </p:cNvSpPr>
+          <p:nvPr>
+            <p:ph type="sldNum" sz="quarter" idx="5"/>
+          </p:nvPr>
+        </p:nvSpPr>
+        <p:spPr/>
+        <p:txBody>
+          <a:bodyPr/>
+          <a:lstStyle/>
+          <a:p>
+            <a:fld id="{4AF79E1B-2C51-4B9B-8EA4-26DE9E345AFF}" type="slidenum">
+              <a:rPr lang="en-US" smtClean="0"/>
+              <a:t>49</a:t>
+            </a:fld>
+            <a:endParaRPr lang="en-US"/>
+          </a:p>
+        </p:txBody>
+      </p:sp>
+    </p:spTree>
+    <p:extLst>
+      <p:ext uri="{BB962C8B-B14F-4D97-AF65-F5344CB8AC3E}">
+        <p14:creationId xmlns:p14="http://schemas.microsoft.com/office/powerpoint/2010/main" val="96513464"/>
       </p:ext>
     </p:extLst>
   </p:cSld>
@@ -5051,7 +5030,7 @@
           <a:p>
             <a:r>
               <a:rPr lang="en-US" dirty="0"/>
-              <a:t>Tells us something about the dispersion of our data. Typically 2/3 of data are within one standard deviation of the mean (vague but good ROT)</a:t>
+              <a:t>Tells us something about the dispersion of our data</a:t>
             </a:r>
           </a:p>
         </p:txBody>
@@ -5082,7 +5061,7 @@
     </p:spTree>
     <p:extLst>
       <p:ext uri="{BB962C8B-B14F-4D97-AF65-F5344CB8AC3E}">
-        <p14:creationId xmlns:p14="http://schemas.microsoft.com/office/powerpoint/2010/main" val="96513464"/>
+        <p14:creationId xmlns:p14="http://schemas.microsoft.com/office/powerpoint/2010/main" val="180324682"/>
       </p:ext>
     </p:extLst>
   </p:cSld>
@@ -5169,7 +5148,7 @@
     </p:spTree>
     <p:extLst>
       <p:ext uri="{BB962C8B-B14F-4D97-AF65-F5344CB8AC3E}">
-        <p14:creationId xmlns:p14="http://schemas.microsoft.com/office/powerpoint/2010/main" val="180324682"/>
+        <p14:creationId xmlns:p14="http://schemas.microsoft.com/office/powerpoint/2010/main" val="773221695"/>
       </p:ext>
     </p:extLst>
   </p:cSld>
@@ -5180,93 +5159,6 @@
 </file>
 
 <file path=ppt/notesSlides/notesSlide52.xml><?xml version="1.0" encoding="utf-8"?>
-<p:notes xmlns:a="http://schemas.openxmlformats.org/drawingml/2006/main" xmlns:r="http://schemas.openxmlformats.org/officeDocument/2006/relationships" xmlns:p="http://schemas.openxmlformats.org/presentationml/2006/main">
-  <p:cSld>
-    <p:spTree>
-      <p:nvGrpSpPr>
-        <p:cNvPr id="1" name=""/>
-        <p:cNvGrpSpPr/>
-        <p:nvPr/>
-      </p:nvGrpSpPr>
-      <p:grpSpPr>
-        <a:xfrm>
-          <a:off x="0" y="0"/>
-          <a:ext cx="0" cy="0"/>
-          <a:chOff x="0" y="0"/>
-          <a:chExt cx="0" cy="0"/>
-        </a:xfrm>
-      </p:grpSpPr>
-      <p:sp>
-        <p:nvSpPr>
-          <p:cNvPr id="2" name="Slide Image Placeholder 1"/>
-          <p:cNvSpPr>
-            <a:spLocks noGrp="1" noRot="1" noChangeAspect="1"/>
-          </p:cNvSpPr>
-          <p:nvPr>
-            <p:ph type="sldImg"/>
-          </p:nvPr>
-        </p:nvSpPr>
-        <p:spPr/>
-      </p:sp>
-      <p:sp>
-        <p:nvSpPr>
-          <p:cNvPr id="3" name="Notes Placeholder 2"/>
-          <p:cNvSpPr>
-            <a:spLocks noGrp="1"/>
-          </p:cNvSpPr>
-          <p:nvPr>
-            <p:ph type="body" idx="1"/>
-          </p:nvPr>
-        </p:nvSpPr>
-        <p:spPr/>
-        <p:txBody>
-          <a:bodyPr/>
-          <a:lstStyle/>
-          <a:p>
-            <a:r>
-              <a:rPr lang="en-US" dirty="0"/>
-              <a:t>Tells us something about the dispersion of our data</a:t>
-            </a:r>
-          </a:p>
-        </p:txBody>
-      </p:sp>
-      <p:sp>
-        <p:nvSpPr>
-          <p:cNvPr id="4" name="Slide Number Placeholder 3"/>
-          <p:cNvSpPr>
-            <a:spLocks noGrp="1"/>
-          </p:cNvSpPr>
-          <p:nvPr>
-            <p:ph type="sldNum" sz="quarter" idx="5"/>
-          </p:nvPr>
-        </p:nvSpPr>
-        <p:spPr/>
-        <p:txBody>
-          <a:bodyPr/>
-          <a:lstStyle/>
-          <a:p>
-            <a:fld id="{4AF79E1B-2C51-4B9B-8EA4-26DE9E345AFF}" type="slidenum">
-              <a:rPr lang="en-US" smtClean="0"/>
-              <a:t>52</a:t>
-            </a:fld>
-            <a:endParaRPr lang="en-US"/>
-          </a:p>
-        </p:txBody>
-      </p:sp>
-    </p:spTree>
-    <p:extLst>
-      <p:ext uri="{BB962C8B-B14F-4D97-AF65-F5344CB8AC3E}">
-        <p14:creationId xmlns:p14="http://schemas.microsoft.com/office/powerpoint/2010/main" val="773221695"/>
-      </p:ext>
-    </p:extLst>
-  </p:cSld>
-  <p:clrMapOvr>
-    <a:masterClrMapping/>
-  </p:clrMapOvr>
-</p:notes>
-</file>
-
-<file path=ppt/notesSlides/notesSlide53.xml><?xml version="1.0" encoding="utf-8"?>
 <p:notes xmlns:a="http://schemas.openxmlformats.org/drawingml/2006/main" xmlns:r="http://schemas.openxmlformats.org/officeDocument/2006/relationships" xmlns:p="http://schemas.openxmlformats.org/presentationml/2006/main">
   <p:cSld>
     <p:spTree>
@@ -5365,7 +5257,7 @@
           <a:p>
             <a:fld id="{4AF79E1B-2C51-4B9B-8EA4-26DE9E345AFF}" type="slidenum">
               <a:rPr lang="en-US" smtClean="0"/>
-              <a:t>53</a:t>
+              <a:t>52</a:t>
             </a:fld>
             <a:endParaRPr lang="en-US"/>
           </a:p>
@@ -5384,7 +5276,7 @@
 </p:notes>
 </file>
 
-<file path=ppt/notesSlides/notesSlide54.xml><?xml version="1.0" encoding="utf-8"?>
+<file path=ppt/notesSlides/notesSlide53.xml><?xml version="1.0" encoding="utf-8"?>
 <p:notes xmlns:a="http://schemas.openxmlformats.org/drawingml/2006/main" xmlns:r="http://schemas.openxmlformats.org/officeDocument/2006/relationships" xmlns:p="http://schemas.openxmlformats.org/presentationml/2006/main">
   <p:cSld>
     <p:spTree>
@@ -5473,7 +5365,7 @@
           <a:p>
             <a:fld id="{4AF79E1B-2C51-4B9B-8EA4-26DE9E345AFF}" type="slidenum">
               <a:rPr lang="en-US" smtClean="0"/>
-              <a:t>54</a:t>
+              <a:t>53</a:t>
             </a:fld>
             <a:endParaRPr lang="en-US"/>
           </a:p>
@@ -5492,7 +5384,7 @@
 </p:notes>
 </file>
 
-<file path=ppt/notesSlides/notesSlide55.xml><?xml version="1.0" encoding="utf-8"?>
+<file path=ppt/notesSlides/notesSlide54.xml><?xml version="1.0" encoding="utf-8"?>
 <p:notes xmlns:a="http://schemas.openxmlformats.org/drawingml/2006/main" xmlns:r="http://schemas.openxmlformats.org/officeDocument/2006/relationships" xmlns:p="http://schemas.openxmlformats.org/presentationml/2006/main">
   <p:cSld>
     <p:spTree>
@@ -5581,7 +5473,7 @@
           <a:p>
             <a:fld id="{4AF79E1B-2C51-4B9B-8EA4-26DE9E345AFF}" type="slidenum">
               <a:rPr lang="en-US" smtClean="0"/>
-              <a:t>55</a:t>
+              <a:t>54</a:t>
             </a:fld>
             <a:endParaRPr lang="en-US"/>
           </a:p>
@@ -5600,7 +5492,7 @@
 </p:notes>
 </file>
 
-<file path=ppt/notesSlides/notesSlide56.xml><?xml version="1.0" encoding="utf-8"?>
+<file path=ppt/notesSlides/notesSlide55.xml><?xml version="1.0" encoding="utf-8"?>
 <p:notes xmlns:a="http://schemas.openxmlformats.org/drawingml/2006/main" xmlns:r="http://schemas.openxmlformats.org/officeDocument/2006/relationships" xmlns:p="http://schemas.openxmlformats.org/presentationml/2006/main">
   <p:cSld>
     <p:spTree>
@@ -5689,7 +5581,7 @@
           <a:p>
             <a:fld id="{4AF79E1B-2C51-4B9B-8EA4-26DE9E345AFF}" type="slidenum">
               <a:rPr lang="en-US" smtClean="0"/>
-              <a:t>56</a:t>
+              <a:t>55</a:t>
             </a:fld>
             <a:endParaRPr lang="en-US"/>
           </a:p>
@@ -5708,7 +5600,7 @@
 </p:notes>
 </file>
 
-<file path=ppt/notesSlides/notesSlide57.xml><?xml version="1.0" encoding="utf-8"?>
+<file path=ppt/notesSlides/notesSlide56.xml><?xml version="1.0" encoding="utf-8"?>
 <p:notes xmlns:a="http://schemas.openxmlformats.org/drawingml/2006/main" xmlns:r="http://schemas.openxmlformats.org/officeDocument/2006/relationships" xmlns:p="http://schemas.openxmlformats.org/presentationml/2006/main">
   <p:cSld>
     <p:spTree>
@@ -5808,7 +5700,7 @@
           <a:p>
             <a:fld id="{4AF79E1B-2C51-4B9B-8EA4-26DE9E345AFF}" type="slidenum">
               <a:rPr lang="en-US" smtClean="0"/>
-              <a:t>57</a:t>
+              <a:t>56</a:t>
             </a:fld>
             <a:endParaRPr lang="en-US"/>
           </a:p>
@@ -5827,7 +5719,7 @@
 </p:notes>
 </file>
 
-<file path=ppt/notesSlides/notesSlide58.xml><?xml version="1.0" encoding="utf-8"?>
+<file path=ppt/notesSlides/notesSlide57.xml><?xml version="1.0" encoding="utf-8"?>
 <p:notes xmlns:a="http://schemas.openxmlformats.org/drawingml/2006/main" xmlns:r="http://schemas.openxmlformats.org/officeDocument/2006/relationships" xmlns:p="http://schemas.openxmlformats.org/presentationml/2006/main">
   <p:cSld>
     <p:spTree>
@@ -5977,7 +5869,7 @@
           <a:p>
             <a:fld id="{4AF79E1B-2C51-4B9B-8EA4-26DE9E345AFF}" type="slidenum">
               <a:rPr lang="en-US" smtClean="0"/>
-              <a:t>58</a:t>
+              <a:t>57</a:t>
             </a:fld>
             <a:endParaRPr lang="en-US"/>
           </a:p>
@@ -5996,7 +5888,7 @@
 </p:notes>
 </file>
 
-<file path=ppt/notesSlides/notesSlide59.xml><?xml version="1.0" encoding="utf-8"?>
+<file path=ppt/notesSlides/notesSlide58.xml><?xml version="1.0" encoding="utf-8"?>
 <p:notes xmlns:a="http://schemas.openxmlformats.org/drawingml/2006/main" xmlns:r="http://schemas.openxmlformats.org/officeDocument/2006/relationships" xmlns:p="http://schemas.openxmlformats.org/presentationml/2006/main">
   <p:cSld>
     <p:spTree>
@@ -6088,7 +5980,7 @@
           <a:p>
             <a:fld id="{4AF79E1B-2C51-4B9B-8EA4-26DE9E345AFF}" type="slidenum">
               <a:rPr lang="en-US" smtClean="0"/>
-              <a:t>59</a:t>
+              <a:t>58</a:t>
             </a:fld>
             <a:endParaRPr lang="en-US"/>
           </a:p>
@@ -6098,6 +5990,94 @@
     <p:extLst>
       <p:ext uri="{BB962C8B-B14F-4D97-AF65-F5344CB8AC3E}">
         <p14:creationId xmlns:p14="http://schemas.microsoft.com/office/powerpoint/2010/main" val="484965987"/>
+      </p:ext>
+    </p:extLst>
+  </p:cSld>
+  <p:clrMapOvr>
+    <a:masterClrMapping/>
+  </p:clrMapOvr>
+</p:notes>
+</file>
+
+<file path=ppt/notesSlides/notesSlide59.xml><?xml version="1.0" encoding="utf-8"?>
+<p:notes xmlns:a="http://schemas.openxmlformats.org/drawingml/2006/main" xmlns:r="http://schemas.openxmlformats.org/officeDocument/2006/relationships" xmlns:p="http://schemas.openxmlformats.org/presentationml/2006/main">
+  <p:cSld>
+    <p:spTree>
+      <p:nvGrpSpPr>
+        <p:cNvPr id="1" name=""/>
+        <p:cNvGrpSpPr/>
+        <p:nvPr/>
+      </p:nvGrpSpPr>
+      <p:grpSpPr>
+        <a:xfrm>
+          <a:off x="0" y="0"/>
+          <a:ext cx="0" cy="0"/>
+          <a:chOff x="0" y="0"/>
+          <a:chExt cx="0" cy="0"/>
+        </a:xfrm>
+      </p:grpSpPr>
+      <p:sp>
+        <p:nvSpPr>
+          <p:cNvPr id="2" name="Slide Image Placeholder 1"/>
+          <p:cNvSpPr>
+            <a:spLocks noGrp="1" noRot="1" noChangeAspect="1"/>
+          </p:cNvSpPr>
+          <p:nvPr>
+            <p:ph type="sldImg"/>
+          </p:nvPr>
+        </p:nvSpPr>
+        <p:spPr/>
+      </p:sp>
+      <p:sp>
+        <p:nvSpPr>
+          <p:cNvPr id="3" name="Notes Placeholder 2"/>
+          <p:cNvSpPr>
+            <a:spLocks noGrp="1"/>
+          </p:cNvSpPr>
+          <p:nvPr>
+            <p:ph type="body" idx="1"/>
+          </p:nvPr>
+        </p:nvSpPr>
+        <p:spPr/>
+        <p:txBody>
+          <a:bodyPr/>
+          <a:lstStyle/>
+          <a:p>
+            <a:pPr marL="0" indent="0">
+              <a:buFont typeface="Arial" panose="020B0604020202020204" pitchFamily="34" charset="0"/>
+              <a:buNone/>
+            </a:pPr>
+            <a:endParaRPr lang="en-CA" dirty="0"/>
+          </a:p>
+        </p:txBody>
+      </p:sp>
+      <p:sp>
+        <p:nvSpPr>
+          <p:cNvPr id="4" name="Slide Number Placeholder 3"/>
+          <p:cNvSpPr>
+            <a:spLocks noGrp="1"/>
+          </p:cNvSpPr>
+          <p:nvPr>
+            <p:ph type="sldNum" sz="quarter" idx="5"/>
+          </p:nvPr>
+        </p:nvSpPr>
+        <p:spPr/>
+        <p:txBody>
+          <a:bodyPr/>
+          <a:lstStyle/>
+          <a:p>
+            <a:fld id="{4AF79E1B-2C51-4B9B-8EA4-26DE9E345AFF}" type="slidenum">
+              <a:rPr lang="en-US" smtClean="0"/>
+              <a:t>59</a:t>
+            </a:fld>
+            <a:endParaRPr lang="en-US"/>
+          </a:p>
+        </p:txBody>
+      </p:sp>
+    </p:spTree>
+    <p:extLst>
+      <p:ext uri="{BB962C8B-B14F-4D97-AF65-F5344CB8AC3E}">
+        <p14:creationId xmlns:p14="http://schemas.microsoft.com/office/powerpoint/2010/main" val="2068749097"/>
       </p:ext>
     </p:extLst>
   </p:cSld>
@@ -6153,46 +6133,10 @@
           <a:p>
             <a:r>
               <a:rPr lang="en-US" dirty="0"/>
-              <a:t>Talk about VSC + copilot </a:t>
-            </a:r>
-            <a:r>
-              <a:rPr lang="en-US" dirty="0">
-                <a:sym typeface="Wingdings" panose="05000000000000000000" pitchFamily="2" charset="2"/>
-              </a:rPr>
-              <a:t> </a:t>
-            </a:r>
-            <a:r>
-              <a:rPr lang="en-US" dirty="0" err="1">
-                <a:sym typeface="Wingdings" panose="05000000000000000000" pitchFamily="2" charset="2"/>
-              </a:rPr>
-              <a:t>Rstudio</a:t>
-            </a:r>
-            <a:r>
-              <a:rPr lang="en-US" dirty="0">
-                <a:sym typeface="Wingdings" panose="05000000000000000000" pitchFamily="2" charset="2"/>
-              </a:rPr>
-              <a:t>  R project  </a:t>
-            </a:r>
-            <a:r>
-              <a:rPr lang="en-US" dirty="0" err="1">
-                <a:sym typeface="Wingdings" panose="05000000000000000000" pitchFamily="2" charset="2"/>
-              </a:rPr>
-              <a:t>Rmd</a:t>
-            </a:r>
-            <a:r>
-              <a:rPr lang="en-US" dirty="0">
-                <a:sym typeface="Wingdings" panose="05000000000000000000" pitchFamily="2" charset="2"/>
-              </a:rPr>
-              <a:t> and R folders (next slide)</a:t>
-            </a:r>
-          </a:p>
-          <a:p>
-            <a:r>
-              <a:rPr lang="en-US" dirty="0">
-                <a:sym typeface="Wingdings" panose="05000000000000000000" pitchFamily="2" charset="2"/>
-              </a:rPr>
-              <a:t>Links: https://code.visualstudio.com/blogs/2023/03/30/vscode-copilot. </a:t>
-            </a:r>
+              <a:t>What to have within files. File chunks with one master file to run them all. Here we will use R projects and R markdown files. </a:t>
+            </a:r>
+          </a:p>
+          <a:p>
             <a:endParaRPr lang="en-US" dirty="0"/>
           </a:p>
         </p:txBody>
@@ -6223,95 +6167,7 @@
     </p:spTree>
     <p:extLst>
       <p:ext uri="{BB962C8B-B14F-4D97-AF65-F5344CB8AC3E}">
-        <p14:creationId xmlns:p14="http://schemas.microsoft.com/office/powerpoint/2010/main" val="1358027274"/>
-      </p:ext>
-    </p:extLst>
-  </p:cSld>
-  <p:clrMapOvr>
-    <a:masterClrMapping/>
-  </p:clrMapOvr>
-</p:notes>
-</file>
-
-<file path=ppt/notesSlides/notesSlide60.xml><?xml version="1.0" encoding="utf-8"?>
-<p:notes xmlns:a="http://schemas.openxmlformats.org/drawingml/2006/main" xmlns:r="http://schemas.openxmlformats.org/officeDocument/2006/relationships" xmlns:p="http://schemas.openxmlformats.org/presentationml/2006/main">
-  <p:cSld>
-    <p:spTree>
-      <p:nvGrpSpPr>
-        <p:cNvPr id="1" name=""/>
-        <p:cNvGrpSpPr/>
-        <p:nvPr/>
-      </p:nvGrpSpPr>
-      <p:grpSpPr>
-        <a:xfrm>
-          <a:off x="0" y="0"/>
-          <a:ext cx="0" cy="0"/>
-          <a:chOff x="0" y="0"/>
-          <a:chExt cx="0" cy="0"/>
-        </a:xfrm>
-      </p:grpSpPr>
-      <p:sp>
-        <p:nvSpPr>
-          <p:cNvPr id="2" name="Slide Image Placeholder 1"/>
-          <p:cNvSpPr>
-            <a:spLocks noGrp="1" noRot="1" noChangeAspect="1"/>
-          </p:cNvSpPr>
-          <p:nvPr>
-            <p:ph type="sldImg"/>
-          </p:nvPr>
-        </p:nvSpPr>
-        <p:spPr/>
-      </p:sp>
-      <p:sp>
-        <p:nvSpPr>
-          <p:cNvPr id="3" name="Notes Placeholder 2"/>
-          <p:cNvSpPr>
-            <a:spLocks noGrp="1"/>
-          </p:cNvSpPr>
-          <p:nvPr>
-            <p:ph type="body" idx="1"/>
-          </p:nvPr>
-        </p:nvSpPr>
-        <p:spPr/>
-        <p:txBody>
-          <a:bodyPr/>
-          <a:lstStyle/>
-          <a:p>
-            <a:pPr marL="0" indent="0">
-              <a:buFont typeface="Arial" panose="020B0604020202020204" pitchFamily="34" charset="0"/>
-              <a:buNone/>
-            </a:pPr>
-            <a:endParaRPr lang="en-CA" dirty="0"/>
-          </a:p>
-        </p:txBody>
-      </p:sp>
-      <p:sp>
-        <p:nvSpPr>
-          <p:cNvPr id="4" name="Slide Number Placeholder 3"/>
-          <p:cNvSpPr>
-            <a:spLocks noGrp="1"/>
-          </p:cNvSpPr>
-          <p:nvPr>
-            <p:ph type="sldNum" sz="quarter" idx="5"/>
-          </p:nvPr>
-        </p:nvSpPr>
-        <p:spPr/>
-        <p:txBody>
-          <a:bodyPr/>
-          <a:lstStyle/>
-          <a:p>
-            <a:fld id="{4AF79E1B-2C51-4B9B-8EA4-26DE9E345AFF}" type="slidenum">
-              <a:rPr lang="en-US" smtClean="0"/>
-              <a:t>60</a:t>
-            </a:fld>
-            <a:endParaRPr lang="en-US"/>
-          </a:p>
-        </p:txBody>
-      </p:sp>
-    </p:spTree>
-    <p:extLst>
-      <p:ext uri="{BB962C8B-B14F-4D97-AF65-F5344CB8AC3E}">
-        <p14:creationId xmlns:p14="http://schemas.microsoft.com/office/powerpoint/2010/main" val="2068749097"/>
+        <p14:creationId xmlns:p14="http://schemas.microsoft.com/office/powerpoint/2010/main" val="1561841911"/>
       </p:ext>
     </p:extLst>
   </p:cSld>
@@ -6367,11 +6223,8 @@
           <a:p>
             <a:r>
               <a:rPr lang="en-US" dirty="0"/>
-              <a:t>What to have within files. File chunks with one master file to run them all. Here we will use R projects and R markdown files. </a:t>
-            </a:r>
-          </a:p>
-          <a:p>
-            <a:endParaRPr lang="en-US" dirty="0"/>
+              <a:t>What does R look like? Talk about the Assignment1_StartHere.Rmd file on GitHub if needed.</a:t>
+            </a:r>
           </a:p>
         </p:txBody>
       </p:sp>
@@ -6401,7 +6254,7 @@
     </p:spTree>
     <p:extLst>
       <p:ext uri="{BB962C8B-B14F-4D97-AF65-F5344CB8AC3E}">
-        <p14:creationId xmlns:p14="http://schemas.microsoft.com/office/powerpoint/2010/main" val="1561841911"/>
+        <p14:creationId xmlns:p14="http://schemas.microsoft.com/office/powerpoint/2010/main" val="1136093354"/>
       </p:ext>
     </p:extLst>
   </p:cSld>
@@ -6542,10 +6395,7 @@
           <a:bodyPr/>
           <a:lstStyle/>
           <a:p>
-            <a:r>
-              <a:rPr lang="en-US" dirty="0"/>
-              <a:t>What does R look like? Talk about the Assignment1_StartHere.Rmd file on GitHub if needed.</a:t>
-            </a:r>
+            <a:endParaRPr lang="en-US" dirty="0"/>
           </a:p>
         </p:txBody>
       </p:sp>
@@ -6575,7 +6425,7 @@
     </p:spTree>
     <p:extLst>
       <p:ext uri="{BB962C8B-B14F-4D97-AF65-F5344CB8AC3E}">
-        <p14:creationId xmlns:p14="http://schemas.microsoft.com/office/powerpoint/2010/main" val="1136093354"/>
+        <p14:creationId xmlns:p14="http://schemas.microsoft.com/office/powerpoint/2010/main" val="1606044976"/>
       </p:ext>
     </p:extLst>
   </p:cSld>
@@ -6754,7 +6604,7 @@
             <a:fld id="{0972D05C-DCFB-4BB6-B49C-AC126BF3ED2C}" type="datetimeFigureOut">
               <a:rPr lang="en-US" smtClean="0"/>
               <a:pPr/>
-              <a:t>10/28/2024</a:t>
+              <a:t>1/7/2025</a:t>
             </a:fld>
             <a:endParaRPr lang="en-US"/>
           </a:p>
@@ -6984,7 +6834,7 @@
             <a:fld id="{0972D05C-DCFB-4BB6-B49C-AC126BF3ED2C}" type="datetimeFigureOut">
               <a:rPr lang="en-US" smtClean="0"/>
               <a:pPr/>
-              <a:t>10/28/2024</a:t>
+              <a:t>1/7/2025</a:t>
             </a:fld>
             <a:endParaRPr lang="en-US"/>
           </a:p>
@@ -7166,7 +7016,7 @@
             <a:fld id="{0972D05C-DCFB-4BB6-B49C-AC126BF3ED2C}" type="datetimeFigureOut">
               <a:rPr lang="en-US" smtClean="0"/>
               <a:pPr/>
-              <a:t>10/28/2024</a:t>
+              <a:t>1/7/2025</a:t>
             </a:fld>
             <a:endParaRPr lang="en-US"/>
           </a:p>
@@ -7338,7 +7188,7 @@
             <a:fld id="{0972D05C-DCFB-4BB6-B49C-AC126BF3ED2C}" type="datetimeFigureOut">
               <a:rPr lang="en-US" smtClean="0"/>
               <a:pPr/>
-              <a:t>10/28/2024</a:t>
+              <a:t>1/7/2025</a:t>
             </a:fld>
             <a:endParaRPr lang="en-US"/>
           </a:p>
@@ -7594,7 +7444,7 @@
             <a:fld id="{0972D05C-DCFB-4BB6-B49C-AC126BF3ED2C}" type="datetimeFigureOut">
               <a:rPr lang="en-US" smtClean="0"/>
               <a:pPr/>
-              <a:t>10/28/2024</a:t>
+              <a:t>1/7/2025</a:t>
             </a:fld>
             <a:endParaRPr lang="en-US"/>
           </a:p>
@@ -7922,7 +7772,7 @@
             <a:fld id="{0972D05C-DCFB-4BB6-B49C-AC126BF3ED2C}" type="datetimeFigureOut">
               <a:rPr lang="en-US" smtClean="0"/>
               <a:pPr/>
-              <a:t>10/28/2024</a:t>
+              <a:t>1/7/2025</a:t>
             </a:fld>
             <a:endParaRPr lang="en-US"/>
           </a:p>
@@ -8375,7 +8225,7 @@
             <a:fld id="{0972D05C-DCFB-4BB6-B49C-AC126BF3ED2C}" type="datetimeFigureOut">
               <a:rPr lang="en-US" smtClean="0"/>
               <a:pPr/>
-              <a:t>10/28/2024</a:t>
+              <a:t>1/7/2025</a:t>
             </a:fld>
             <a:endParaRPr lang="en-US"/>
           </a:p>
@@ -8495,7 +8345,7 @@
             <a:fld id="{0972D05C-DCFB-4BB6-B49C-AC126BF3ED2C}" type="datetimeFigureOut">
               <a:rPr lang="en-US" smtClean="0"/>
               <a:pPr/>
-              <a:t>10/28/2024</a:t>
+              <a:t>1/7/2025</a:t>
             </a:fld>
             <a:endParaRPr lang="en-US"/>
           </a:p>
@@ -8592,7 +8442,7 @@
             <a:fld id="{0972D05C-DCFB-4BB6-B49C-AC126BF3ED2C}" type="datetimeFigureOut">
               <a:rPr lang="en-US" smtClean="0"/>
               <a:pPr/>
-              <a:t>10/28/2024</a:t>
+              <a:t>1/7/2025</a:t>
             </a:fld>
             <a:endParaRPr lang="en-US"/>
           </a:p>
@@ -8881,7 +8731,7 @@
             <a:fld id="{0972D05C-DCFB-4BB6-B49C-AC126BF3ED2C}" type="datetimeFigureOut">
               <a:rPr lang="en-US" smtClean="0"/>
               <a:pPr/>
-              <a:t>10/28/2024</a:t>
+              <a:t>1/7/2025</a:t>
             </a:fld>
             <a:endParaRPr lang="en-US"/>
           </a:p>
@@ -9205,7 +9055,7 @@
             <a:fld id="{0972D05C-DCFB-4BB6-B49C-AC126BF3ED2C}" type="datetimeFigureOut">
               <a:rPr lang="en-US" smtClean="0"/>
               <a:pPr/>
-              <a:t>10/28/2024</a:t>
+              <a:t>1/7/2025</a:t>
             </a:fld>
             <a:endParaRPr lang="en-US"/>
           </a:p>
@@ -9460,7 +9310,7 @@
             <a:fld id="{0972D05C-DCFB-4BB6-B49C-AC126BF3ED2C}" type="datetimeFigureOut">
               <a:rPr lang="en-US" smtClean="0"/>
               <a:pPr/>
-              <a:t>10/28/2024</a:t>
+              <a:t>1/7/2025</a:t>
             </a:fld>
             <a:endParaRPr lang="en-US" dirty="0"/>
           </a:p>
@@ -10086,7 +9936,7 @@
                 <a:latin typeface="Times New Roman" panose="02020603050405020304" pitchFamily="18" charset="0"/>
                 <a:cs typeface="Times New Roman" panose="02020603050405020304" pitchFamily="18" charset="0"/>
               </a:rPr>
-              <a:t>Assigning variables in R</a:t>
+              <a:t>Data types in R</a:t>
             </a:r>
           </a:p>
         </p:txBody>
@@ -10113,297 +9963,6 @@
           </a:bodyPr>
           <a:lstStyle/>
           <a:p>
-            <a:r>
-              <a:rPr lang="en-US" sz="2200" dirty="0">
-                <a:latin typeface="Times New Roman" panose="02020603050405020304" pitchFamily="18" charset="0"/>
-                <a:cs typeface="Times New Roman" panose="02020603050405020304" pitchFamily="18" charset="0"/>
-              </a:rPr>
-              <a:t>R can handle multiple objects all at once: </a:t>
-            </a:r>
-          </a:p>
-          <a:p>
-            <a:pPr lvl="1"/>
-            <a:r>
-              <a:rPr lang="en-US" sz="2000" dirty="0">
-                <a:effectLst/>
-                <a:ea typeface="Times New Roman" panose="02020603050405020304" pitchFamily="18" charset="0"/>
-                <a:cs typeface="Times New Roman" panose="02020603050405020304" pitchFamily="18" charset="0"/>
-              </a:rPr>
-              <a:t>Datasets</a:t>
-            </a:r>
-          </a:p>
-          <a:p>
-            <a:pPr lvl="1"/>
-            <a:r>
-              <a:rPr lang="en-US" sz="2000" dirty="0">
-                <a:ea typeface="Times New Roman" panose="02020603050405020304" pitchFamily="18" charset="0"/>
-                <a:cs typeface="Times New Roman" panose="02020603050405020304" pitchFamily="18" charset="0"/>
-              </a:rPr>
-              <a:t>Functions</a:t>
-            </a:r>
-          </a:p>
-          <a:p>
-            <a:pPr lvl="1"/>
-            <a:r>
-              <a:rPr lang="en-US" sz="2000" dirty="0">
-                <a:effectLst/>
-                <a:ea typeface="Times New Roman" panose="02020603050405020304" pitchFamily="18" charset="0"/>
-                <a:cs typeface="Times New Roman" panose="02020603050405020304" pitchFamily="18" charset="0"/>
-              </a:rPr>
-              <a:t>Integers/scalars</a:t>
-            </a:r>
-          </a:p>
-          <a:p>
-            <a:pPr lvl="1"/>
-            <a:r>
-              <a:rPr lang="en-US" sz="2000" dirty="0">
-                <a:ea typeface="Times New Roman" panose="02020603050405020304" pitchFamily="18" charset="0"/>
-                <a:cs typeface="Times New Roman" panose="02020603050405020304" pitchFamily="18" charset="0"/>
-              </a:rPr>
-              <a:t>Lists</a:t>
-            </a:r>
-          </a:p>
-          <a:p>
-            <a:pPr lvl="1"/>
-            <a:r>
-              <a:rPr lang="en-US" sz="2000" dirty="0">
-                <a:effectLst/>
-                <a:ea typeface="Times New Roman" panose="02020603050405020304" pitchFamily="18" charset="0"/>
-                <a:cs typeface="Times New Roman" panose="02020603050405020304" pitchFamily="18" charset="0"/>
-              </a:rPr>
-              <a:t>Etc.!</a:t>
-            </a:r>
-          </a:p>
-          <a:p>
-            <a:r>
-              <a:rPr lang="en-US" sz="2200" dirty="0">
-                <a:ea typeface="Times New Roman" panose="02020603050405020304" pitchFamily="18" charset="0"/>
-                <a:cs typeface="Times New Roman" panose="02020603050405020304" pitchFamily="18" charset="0"/>
-              </a:rPr>
-              <a:t>To assign an object: </a:t>
-            </a:r>
-          </a:p>
-          <a:p>
-            <a:endParaRPr lang="en-US" sz="2200" dirty="0">
-              <a:effectLst/>
-              <a:ea typeface="Times New Roman" panose="02020603050405020304" pitchFamily="18" charset="0"/>
-              <a:cs typeface="Times New Roman" panose="02020603050405020304" pitchFamily="18" charset="0"/>
-            </a:endParaRPr>
-          </a:p>
-          <a:p>
-            <a:endParaRPr lang="en-US" sz="2200" dirty="0">
-              <a:latin typeface="Times New Roman" panose="02020603050405020304" pitchFamily="18" charset="0"/>
-              <a:cs typeface="Times New Roman" panose="02020603050405020304" pitchFamily="18" charset="0"/>
-            </a:endParaRPr>
-          </a:p>
-          <a:p>
-            <a:endParaRPr lang="en-US" sz="2200" dirty="0">
-              <a:cs typeface="Times New Roman" panose="02020603050405020304" pitchFamily="18" charset="0"/>
-            </a:endParaRPr>
-          </a:p>
-          <a:p>
-            <a:endParaRPr lang="en-US" sz="2200" dirty="0">
-              <a:latin typeface="Times New Roman" panose="02020603050405020304" pitchFamily="18" charset="0"/>
-              <a:cs typeface="Times New Roman" panose="02020603050405020304" pitchFamily="18" charset="0"/>
-            </a:endParaRPr>
-          </a:p>
-          <a:p>
-            <a:endParaRPr lang="en-US" sz="2200" dirty="0">
-              <a:latin typeface="Times New Roman" panose="02020603050405020304" pitchFamily="18" charset="0"/>
-              <a:cs typeface="Times New Roman" panose="02020603050405020304" pitchFamily="18" charset="0"/>
-            </a:endParaRPr>
-          </a:p>
-          <a:p>
-            <a:endParaRPr lang="en-US" sz="2200" dirty="0">
-              <a:cs typeface="Times New Roman" panose="02020603050405020304" pitchFamily="18" charset="0"/>
-            </a:endParaRPr>
-          </a:p>
-          <a:p>
-            <a:endParaRPr lang="en-US" sz="2200" dirty="0">
-              <a:latin typeface="Times New Roman" panose="02020603050405020304" pitchFamily="18" charset="0"/>
-              <a:cs typeface="Times New Roman" panose="02020603050405020304" pitchFamily="18" charset="0"/>
-            </a:endParaRPr>
-          </a:p>
-          <a:p>
-            <a:pPr marL="0" indent="0">
-              <a:buNone/>
-            </a:pPr>
-            <a:endParaRPr lang="en-US" sz="2200" dirty="0">
-              <a:cs typeface="Times New Roman" panose="02020603050405020304" pitchFamily="18" charset="0"/>
-            </a:endParaRPr>
-          </a:p>
-          <a:p>
-            <a:pPr marL="0" indent="0">
-              <a:buNone/>
-            </a:pPr>
-            <a:endParaRPr lang="en-US" sz="900" dirty="0">
-              <a:latin typeface="Times New Roman" panose="02020603050405020304" pitchFamily="18" charset="0"/>
-              <a:cs typeface="Times New Roman" panose="02020603050405020304" pitchFamily="18" charset="0"/>
-            </a:endParaRPr>
-          </a:p>
-        </p:txBody>
-      </p:sp>
-      <p:pic>
-        <p:nvPicPr>
-          <p:cNvPr id="4" name="Picture 2" descr="RStudio - RStudio">
-            <a:extLst>
-              <a:ext uri="{FF2B5EF4-FFF2-40B4-BE49-F238E27FC236}">
-                <a16:creationId xmlns:a16="http://schemas.microsoft.com/office/drawing/2014/main" id="{CE488243-4695-475A-997E-FEFB198BB1A8}"/>
-              </a:ext>
-            </a:extLst>
-          </p:cNvPr>
-          <p:cNvPicPr>
-            <a:picLocks noChangeAspect="1" noChangeArrowheads="1"/>
-          </p:cNvPicPr>
-          <p:nvPr/>
-        </p:nvPicPr>
-        <p:blipFill>
-          <a:blip r:embed="rId3">
-            <a:extLst>
-              <a:ext uri="{28A0092B-C50C-407E-A947-70E740481C1C}">
-                <a14:useLocalDpi xmlns:a14="http://schemas.microsoft.com/office/drawing/2010/main" val="0"/>
-              </a:ext>
-            </a:extLst>
-          </a:blip>
-          <a:srcRect/>
-          <a:stretch>
-            <a:fillRect/>
-          </a:stretch>
-        </p:blipFill>
-        <p:spPr bwMode="auto">
-          <a:xfrm>
-            <a:off x="9677400" y="5257800"/>
-            <a:ext cx="1371600" cy="1371600"/>
-          </a:xfrm>
-          <a:prstGeom prst="rect">
-            <a:avLst/>
-          </a:prstGeom>
-          <a:noFill/>
-          <a:extLst>
-            <a:ext uri="{909E8E84-426E-40DD-AFC4-6F175D3DCCD1}">
-              <a14:hiddenFill xmlns:a14="http://schemas.microsoft.com/office/drawing/2010/main">
-                <a:solidFill>
-                  <a:srgbClr val="FFFFFF"/>
-                </a:solidFill>
-              </a14:hiddenFill>
-            </a:ext>
-          </a:extLst>
-        </p:spPr>
-      </p:pic>
-      <p:pic>
-        <p:nvPicPr>
-          <p:cNvPr id="6" name="Picture 5">
-            <a:extLst>
-              <a:ext uri="{FF2B5EF4-FFF2-40B4-BE49-F238E27FC236}">
-                <a16:creationId xmlns:a16="http://schemas.microsoft.com/office/drawing/2014/main" id="{E11979ED-2456-8B1F-24BF-0EE3F089A76C}"/>
-              </a:ext>
-            </a:extLst>
-          </p:cNvPr>
-          <p:cNvPicPr>
-            <a:picLocks noChangeAspect="1"/>
-          </p:cNvPicPr>
-          <p:nvPr/>
-        </p:nvPicPr>
-        <p:blipFill>
-          <a:blip r:embed="rId4"/>
-          <a:stretch>
-            <a:fillRect/>
-          </a:stretch>
-        </p:blipFill>
-        <p:spPr>
-          <a:xfrm>
-            <a:off x="360650" y="3786687"/>
-            <a:ext cx="7335550" cy="2842713"/>
-          </a:xfrm>
-          <a:prstGeom prst="rect">
-            <a:avLst/>
-          </a:prstGeom>
-        </p:spPr>
-      </p:pic>
-    </p:spTree>
-    <p:extLst>
-      <p:ext uri="{BB962C8B-B14F-4D97-AF65-F5344CB8AC3E}">
-        <p14:creationId xmlns:p14="http://schemas.microsoft.com/office/powerpoint/2010/main" val="1074387566"/>
-      </p:ext>
-    </p:extLst>
-  </p:cSld>
-  <p:clrMapOvr>
-    <a:masterClrMapping/>
-  </p:clrMapOvr>
-</p:sld>
-</file>
-
-<file path=ppt/slides/slide11.xml><?xml version="1.0" encoding="utf-8"?>
-<p:sld xmlns:a="http://schemas.openxmlformats.org/drawingml/2006/main" xmlns:r="http://schemas.openxmlformats.org/officeDocument/2006/relationships" xmlns:p="http://schemas.openxmlformats.org/presentationml/2006/main">
-  <p:cSld>
-    <p:spTree>
-      <p:nvGrpSpPr>
-        <p:cNvPr id="1" name=""/>
-        <p:cNvGrpSpPr/>
-        <p:nvPr/>
-      </p:nvGrpSpPr>
-      <p:grpSpPr>
-        <a:xfrm>
-          <a:off x="0" y="0"/>
-          <a:ext cx="0" cy="0"/>
-          <a:chOff x="0" y="0"/>
-          <a:chExt cx="0" cy="0"/>
-        </a:xfrm>
-      </p:grpSpPr>
-      <p:sp>
-        <p:nvSpPr>
-          <p:cNvPr id="2" name="Title 1"/>
-          <p:cNvSpPr>
-            <a:spLocks noGrp="1"/>
-          </p:cNvSpPr>
-          <p:nvPr>
-            <p:ph type="title"/>
-          </p:nvPr>
-        </p:nvSpPr>
-        <p:spPr>
-          <a:xfrm>
-            <a:off x="609600" y="337392"/>
-            <a:ext cx="9601200" cy="624840"/>
-          </a:xfrm>
-        </p:spPr>
-        <p:txBody>
-          <a:bodyPr>
-            <a:normAutofit fontScale="90000"/>
-          </a:bodyPr>
-          <a:lstStyle/>
-          <a:p>
-            <a:r>
-              <a:rPr lang="en-US" dirty="0">
-                <a:latin typeface="Times New Roman" panose="02020603050405020304" pitchFamily="18" charset="0"/>
-                <a:cs typeface="Times New Roman" panose="02020603050405020304" pitchFamily="18" charset="0"/>
-              </a:rPr>
-              <a:t>Data types in R</a:t>
-            </a:r>
-          </a:p>
-        </p:txBody>
-      </p:sp>
-      <p:sp>
-        <p:nvSpPr>
-          <p:cNvPr id="3" name="Content Placeholder 2"/>
-          <p:cNvSpPr>
-            <a:spLocks noGrp="1"/>
-          </p:cNvSpPr>
-          <p:nvPr>
-            <p:ph idx="1"/>
-          </p:nvPr>
-        </p:nvSpPr>
-        <p:spPr>
-          <a:xfrm>
-            <a:off x="609600" y="1066801"/>
-            <a:ext cx="9130284" cy="5141388"/>
-          </a:xfrm>
-        </p:spPr>
-        <p:txBody>
-          <a:bodyPr>
-            <a:noAutofit/>
-          </a:bodyPr>
-          <a:lstStyle/>
-          <a:p>
             <a:pPr marL="0" indent="0">
               <a:buNone/>
             </a:pPr>
@@ -10478,7 +10037,7 @@
                 <a:latin typeface="Times New Roman" panose="02020603050405020304" pitchFamily="18" charset="0"/>
                 <a:cs typeface="Times New Roman" panose="02020603050405020304" pitchFamily="18" charset="0"/>
               </a:rPr>
-              <a:t>We’ll talk about each of these (and especially, how to convert </a:t>
+              <a:t>We’ll talk about each of these and especially, how to convert </a:t>
             </a:r>
             <a:r>
               <a:rPr lang="en-US" sz="2200" dirty="0">
@@ -10581,7 +10140,7 @@
 </p:sld>
 </file>
 
-<file path=ppt/slides/slide12.xml><?xml version="1.0" encoding="utf-8"?>
+<file path=ppt/slides/slide11.xml><?xml version="1.0" encoding="utf-8"?>
 <p:sld xmlns:a="http://schemas.openxmlformats.org/drawingml/2006/main" xmlns:r="http://schemas.openxmlformats.org/officeDocument/2006/relationships" xmlns:p="http://schemas.openxmlformats.org/presentationml/2006/main">
   <p:cSld>
     <p:bg>
@@ -10925,7 +10484,7 @@
 </p:sld>
 </file>
 
-<file path=ppt/slides/slide13.xml><?xml version="1.0" encoding="utf-8"?>
+<file path=ppt/slides/slide12.xml><?xml version="1.0" encoding="utf-8"?>
 <p:sld xmlns:a="http://schemas.openxmlformats.org/drawingml/2006/main" xmlns:r="http://schemas.openxmlformats.org/officeDocument/2006/relationships" xmlns:p="http://schemas.openxmlformats.org/presentationml/2006/main">
   <p:cSld>
     <p:spTree>
@@ -11139,7 +10698,7 @@
 </p:sld>
 </file>
 
-<file path=ppt/slides/slide14.xml><?xml version="1.0" encoding="utf-8"?>
+<file path=ppt/slides/slide13.xml><?xml version="1.0" encoding="utf-8"?>
 <p:sld xmlns:a="http://schemas.openxmlformats.org/drawingml/2006/main" xmlns:r="http://schemas.openxmlformats.org/officeDocument/2006/relationships" xmlns:p="http://schemas.openxmlformats.org/presentationml/2006/main">
   <p:cSld>
     <p:spTree>
@@ -11323,7 +10882,7 @@
 </p:sld>
 </file>
 
-<file path=ppt/slides/slide15.xml><?xml version="1.0" encoding="utf-8"?>
+<file path=ppt/slides/slide14.xml><?xml version="1.0" encoding="utf-8"?>
 <p:sld xmlns:a="http://schemas.openxmlformats.org/drawingml/2006/main" xmlns:r="http://schemas.openxmlformats.org/officeDocument/2006/relationships" xmlns:p="http://schemas.openxmlformats.org/presentationml/2006/main">
   <p:cSld>
     <p:spTree>
@@ -11507,7 +11066,7 @@
 </p:sld>
 </file>
 
-<file path=ppt/slides/slide16.xml><?xml version="1.0" encoding="utf-8"?>
+<file path=ppt/slides/slide15.xml><?xml version="1.0" encoding="utf-8"?>
 <p:sld xmlns:a="http://schemas.openxmlformats.org/drawingml/2006/main" xmlns:r="http://schemas.openxmlformats.org/officeDocument/2006/relationships" xmlns:p="http://schemas.openxmlformats.org/presentationml/2006/main">
   <p:cSld>
     <p:spTree>
@@ -11770,7 +11329,7 @@
 </p:sld>
 </file>
 
-<file path=ppt/slides/slide17.xml><?xml version="1.0" encoding="utf-8"?>
+<file path=ppt/slides/slide16.xml><?xml version="1.0" encoding="utf-8"?>
 <p:sld xmlns:a="http://schemas.openxmlformats.org/drawingml/2006/main" xmlns:r="http://schemas.openxmlformats.org/officeDocument/2006/relationships" xmlns:p="http://schemas.openxmlformats.org/presentationml/2006/main">
   <p:cSld>
     <p:spTree>
@@ -12015,7 +11574,7 @@
 </p:sld>
 </file>
 
-<file path=ppt/slides/slide18.xml><?xml version="1.0" encoding="utf-8"?>
+<file path=ppt/slides/slide17.xml><?xml version="1.0" encoding="utf-8"?>
 <p:sld xmlns:a="http://schemas.openxmlformats.org/drawingml/2006/main" xmlns:r="http://schemas.openxmlformats.org/officeDocument/2006/relationships" xmlns:p="http://schemas.openxmlformats.org/presentationml/2006/main">
   <p:cSld>
     <p:spTree>
@@ -12200,7 +11759,7 @@
 </p:sld>
 </file>
 
-<file path=ppt/slides/slide19.xml><?xml version="1.0" encoding="utf-8"?>
+<file path=ppt/slides/slide18.xml><?xml version="1.0" encoding="utf-8"?>
 <p:sld xmlns:a="http://schemas.openxmlformats.org/drawingml/2006/main" xmlns:r="http://schemas.openxmlformats.org/officeDocument/2006/relationships" xmlns:p="http://schemas.openxmlformats.org/presentationml/2006/main">
   <p:cSld>
     <p:spTree>
@@ -12439,6 +11998,294 @@
     <p:extLst>
       <p:ext uri="{BB962C8B-B14F-4D97-AF65-F5344CB8AC3E}">
         <p14:creationId xmlns:p14="http://schemas.microsoft.com/office/powerpoint/2010/main" val="3625598701"/>
+      </p:ext>
+    </p:extLst>
+  </p:cSld>
+  <p:clrMapOvr>
+    <a:masterClrMapping/>
+  </p:clrMapOvr>
+</p:sld>
+</file>
+
+<file path=ppt/slides/slide19.xml><?xml version="1.0" encoding="utf-8"?>
+<p:sld xmlns:a="http://schemas.openxmlformats.org/drawingml/2006/main" xmlns:r="http://schemas.openxmlformats.org/officeDocument/2006/relationships" xmlns:p="http://schemas.openxmlformats.org/presentationml/2006/main">
+  <p:cSld>
+    <p:spTree>
+      <p:nvGrpSpPr>
+        <p:cNvPr id="1" name=""/>
+        <p:cNvGrpSpPr/>
+        <p:nvPr/>
+      </p:nvGrpSpPr>
+      <p:grpSpPr>
+        <a:xfrm>
+          <a:off x="0" y="0"/>
+          <a:ext cx="0" cy="0"/>
+          <a:chOff x="0" y="0"/>
+          <a:chExt cx="0" cy="0"/>
+        </a:xfrm>
+      </p:grpSpPr>
+      <p:sp>
+        <p:nvSpPr>
+          <p:cNvPr id="2" name="Title 1"/>
+          <p:cNvSpPr>
+            <a:spLocks noGrp="1"/>
+          </p:cNvSpPr>
+          <p:nvPr>
+            <p:ph type="title"/>
+          </p:nvPr>
+        </p:nvSpPr>
+        <p:spPr>
+          <a:xfrm>
+            <a:off x="609600" y="337392"/>
+            <a:ext cx="9601200" cy="624840"/>
+          </a:xfrm>
+        </p:spPr>
+        <p:txBody>
+          <a:bodyPr>
+            <a:normAutofit fontScale="90000"/>
+          </a:bodyPr>
+          <a:lstStyle/>
+          <a:p>
+            <a:r>
+              <a:rPr lang="en-US" dirty="0">
+                <a:latin typeface="Times New Roman" panose="02020603050405020304" pitchFamily="18" charset="0"/>
+                <a:cs typeface="Times New Roman" panose="02020603050405020304" pitchFamily="18" charset="0"/>
+              </a:rPr>
+              <a:t>Data frames: our bread and butter</a:t>
+            </a:r>
+          </a:p>
+        </p:txBody>
+      </p:sp>
+      <p:sp>
+        <p:nvSpPr>
+          <p:cNvPr id="3" name="Content Placeholder 2"/>
+          <p:cNvSpPr>
+            <a:spLocks noGrp="1"/>
+          </p:cNvSpPr>
+          <p:nvPr>
+            <p:ph idx="1"/>
+          </p:nvPr>
+        </p:nvSpPr>
+        <p:spPr>
+          <a:xfrm>
+            <a:off x="609600" y="1066801"/>
+            <a:ext cx="9130284" cy="5141388"/>
+          </a:xfrm>
+        </p:spPr>
+        <p:txBody>
+          <a:bodyPr>
+            <a:noAutofit/>
+          </a:bodyPr>
+          <a:lstStyle/>
+          <a:p>
+            <a:pPr marL="0" indent="0">
+              <a:buNone/>
+            </a:pPr>
+            <a:r>
+              <a:rPr lang="en-US" sz="2400" dirty="0">
+                <a:latin typeface="Times New Roman" panose="02020603050405020304" pitchFamily="18" charset="0"/>
+                <a:cs typeface="Times New Roman" panose="02020603050405020304" pitchFamily="18" charset="0"/>
+              </a:rPr>
+              <a:t>It’s easy to summarize information in a data frame</a:t>
+            </a:r>
+          </a:p>
+          <a:p>
+            <a:r>
+              <a:rPr lang="en-US" sz="2400" dirty="0">
+                <a:cs typeface="Times New Roman" panose="02020603050405020304" pitchFamily="18" charset="0"/>
+              </a:rPr>
+              <a:t>names(</a:t>
+            </a:r>
+            <a:r>
+              <a:rPr lang="en-US" sz="2400" dirty="0" err="1">
+                <a:cs typeface="Times New Roman" panose="02020603050405020304" pitchFamily="18" charset="0"/>
+              </a:rPr>
+              <a:t>df</a:t>
+            </a:r>
+            <a:r>
+              <a:rPr lang="en-US" sz="2400" dirty="0">
+                <a:cs typeface="Times New Roman" panose="02020603050405020304" pitchFamily="18" charset="0"/>
+              </a:rPr>
+              <a:t>)</a:t>
+            </a:r>
+          </a:p>
+          <a:p>
+            <a:r>
+              <a:rPr lang="en-US" sz="2400" dirty="0">
+                <a:cs typeface="Times New Roman" panose="02020603050405020304" pitchFamily="18" charset="0"/>
+              </a:rPr>
+              <a:t>str(</a:t>
+            </a:r>
+            <a:r>
+              <a:rPr lang="en-US" sz="2400" dirty="0" err="1">
+                <a:cs typeface="Times New Roman" panose="02020603050405020304" pitchFamily="18" charset="0"/>
+              </a:rPr>
+              <a:t>df</a:t>
+            </a:r>
+            <a:r>
+              <a:rPr lang="en-US" sz="2400" dirty="0">
+                <a:cs typeface="Times New Roman" panose="02020603050405020304" pitchFamily="18" charset="0"/>
+              </a:rPr>
+              <a:t>) </a:t>
+            </a:r>
+          </a:p>
+          <a:p>
+            <a:r>
+              <a:rPr lang="en-US" sz="2400" dirty="0" err="1">
+                <a:cs typeface="Times New Roman" panose="02020603050405020304" pitchFamily="18" charset="0"/>
+              </a:rPr>
+              <a:t>df</a:t>
+            </a:r>
+            <a:r>
+              <a:rPr lang="en-US" sz="2400" dirty="0">
+                <a:cs typeface="Times New Roman" panose="02020603050405020304" pitchFamily="18" charset="0"/>
+              </a:rPr>
+              <a:t> %&gt;% head()</a:t>
+            </a:r>
+          </a:p>
+          <a:p>
+            <a:r>
+              <a:rPr lang="en-US" sz="2400" dirty="0">
+                <a:cs typeface="Times New Roman" panose="02020603050405020304" pitchFamily="18" charset="0"/>
+              </a:rPr>
+              <a:t>Summary(uninsured)</a:t>
+            </a:r>
+          </a:p>
+          <a:p>
+            <a:pPr marL="0" indent="0">
+              <a:buNone/>
+            </a:pPr>
+            <a:r>
+              <a:rPr lang="en-US" sz="2400" dirty="0">
+                <a:cs typeface="Times New Roman" panose="02020603050405020304" pitchFamily="18" charset="0"/>
+              </a:rPr>
+              <a:t>This is where we get to the </a:t>
+            </a:r>
+            <a:r>
+              <a:rPr lang="en-US" sz="2400" b="1" dirty="0" err="1">
+                <a:cs typeface="Times New Roman" panose="02020603050405020304" pitchFamily="18" charset="0"/>
+              </a:rPr>
+              <a:t>tidyverse</a:t>
+            </a:r>
+            <a:r>
+              <a:rPr lang="en-US" sz="2400" b="1" dirty="0">
+                <a:cs typeface="Times New Roman" panose="02020603050405020304" pitchFamily="18" charset="0"/>
+              </a:rPr>
+              <a:t> </a:t>
+            </a:r>
+            <a:endParaRPr lang="en-US" sz="2400" dirty="0">
+              <a:cs typeface="Times New Roman" panose="02020603050405020304" pitchFamily="18" charset="0"/>
+            </a:endParaRPr>
+          </a:p>
+          <a:p>
+            <a:pPr marL="0" indent="0">
+              <a:buNone/>
+            </a:pPr>
+            <a:endParaRPr lang="en-US" sz="2400" dirty="0">
+              <a:latin typeface="Times New Roman" panose="02020603050405020304" pitchFamily="18" charset="0"/>
+              <a:cs typeface="Times New Roman" panose="02020603050405020304" pitchFamily="18" charset="0"/>
+            </a:endParaRPr>
+          </a:p>
+        </p:txBody>
+      </p:sp>
+      <p:pic>
+        <p:nvPicPr>
+          <p:cNvPr id="4" name="Picture 2" descr="RStudio - RStudio">
+            <a:extLst>
+              <a:ext uri="{FF2B5EF4-FFF2-40B4-BE49-F238E27FC236}">
+                <a16:creationId xmlns:a16="http://schemas.microsoft.com/office/drawing/2014/main" id="{CE488243-4695-475A-997E-FEFB198BB1A8}"/>
+              </a:ext>
+            </a:extLst>
+          </p:cNvPr>
+          <p:cNvPicPr>
+            <a:picLocks noChangeAspect="1" noChangeArrowheads="1"/>
+          </p:cNvPicPr>
+          <p:nvPr/>
+        </p:nvPicPr>
+        <p:blipFill>
+          <a:blip r:embed="rId3">
+            <a:extLst>
+              <a:ext uri="{28A0092B-C50C-407E-A947-70E740481C1C}">
+                <a14:useLocalDpi xmlns:a14="http://schemas.microsoft.com/office/drawing/2010/main" val="0"/>
+              </a:ext>
+            </a:extLst>
+          </a:blip>
+          <a:srcRect/>
+          <a:stretch>
+            <a:fillRect/>
+          </a:stretch>
+        </p:blipFill>
+        <p:spPr bwMode="auto">
+          <a:xfrm>
+            <a:off x="9677400" y="5257800"/>
+            <a:ext cx="1371600" cy="1371600"/>
+          </a:xfrm>
+          <a:prstGeom prst="rect">
+            <a:avLst/>
+          </a:prstGeom>
+          <a:noFill/>
+          <a:extLst>
+            <a:ext uri="{909E8E84-426E-40DD-AFC4-6F175D3DCCD1}">
+              <a14:hiddenFill xmlns:a14="http://schemas.microsoft.com/office/drawing/2010/main">
+                <a:solidFill>
+                  <a:srgbClr val="FFFFFF"/>
+                </a:solidFill>
+              </a14:hiddenFill>
+            </a:ext>
+          </a:extLst>
+        </p:spPr>
+      </p:pic>
+      <p:pic>
+        <p:nvPicPr>
+          <p:cNvPr id="1026" name="Picture 2" descr="Spider-Man: Into the Spider-Verse (2018) - IMDb">
+            <a:extLst>
+              <a:ext uri="{FF2B5EF4-FFF2-40B4-BE49-F238E27FC236}">
+                <a16:creationId xmlns:a16="http://schemas.microsoft.com/office/drawing/2014/main" id="{253B1DF9-1061-40E1-5504-1D3174B8E99D}"/>
+              </a:ext>
+            </a:extLst>
+          </p:cNvPr>
+          <p:cNvPicPr>
+            <a:picLocks noChangeAspect="1" noChangeArrowheads="1"/>
+          </p:cNvPicPr>
+          <p:nvPr/>
+        </p:nvPicPr>
+        <p:blipFill>
+          <a:blip r:embed="rId4" cstate="print">
+            <a:extLst>
+              <a:ext uri="{28A0092B-C50C-407E-A947-70E740481C1C}">
+                <a14:useLocalDpi xmlns:a14="http://schemas.microsoft.com/office/drawing/2010/main" val="0"/>
+              </a:ext>
+            </a:extLst>
+          </a:blip>
+          <a:srcRect/>
+          <a:stretch>
+            <a:fillRect/>
+          </a:stretch>
+        </p:blipFill>
+        <p:spPr bwMode="auto">
+          <a:xfrm>
+            <a:off x="5638800" y="3124200"/>
+            <a:ext cx="2517722" cy="3733800"/>
+          </a:xfrm>
+          <a:prstGeom prst="rect">
+            <a:avLst/>
+          </a:prstGeom>
+          <a:noFill/>
+          <a:extLst>
+            <a:ext uri="{909E8E84-426E-40DD-AFC4-6F175D3DCCD1}">
+              <a14:hiddenFill xmlns:a14="http://schemas.microsoft.com/office/drawing/2010/main">
+                <a:solidFill>
+                  <a:srgbClr val="FFFFFF"/>
+                </a:solidFill>
+              </a14:hiddenFill>
+            </a:ext>
+          </a:extLst>
+        </p:spPr>
+      </p:pic>
+    </p:spTree>
+    <p:extLst>
+      <p:ext uri="{BB962C8B-B14F-4D97-AF65-F5344CB8AC3E}">
+        <p14:creationId xmlns:p14="http://schemas.microsoft.com/office/powerpoint/2010/main" val="3211548388"/>
       </p:ext>
     </p:extLst>
   </p:cSld>
@@ -13257,300 +13104,6 @@
                 <a:latin typeface="Times New Roman" panose="02020603050405020304" pitchFamily="18" charset="0"/>
                 <a:cs typeface="Times New Roman" panose="02020603050405020304" pitchFamily="18" charset="0"/>
               </a:rPr>
-              <a:t>Data frames: our bread and butter</a:t>
-            </a:r>
-          </a:p>
-        </p:txBody>
-      </p:sp>
-      <p:sp>
-        <p:nvSpPr>
-          <p:cNvPr id="3" name="Content Placeholder 2"/>
-          <p:cNvSpPr>
-            <a:spLocks noGrp="1"/>
-          </p:cNvSpPr>
-          <p:nvPr>
-            <p:ph idx="1"/>
-          </p:nvPr>
-        </p:nvSpPr>
-        <p:spPr>
-          <a:xfrm>
-            <a:off x="609600" y="1066801"/>
-            <a:ext cx="9130284" cy="5141388"/>
-          </a:xfrm>
-        </p:spPr>
-        <p:txBody>
-          <a:bodyPr>
-            <a:noAutofit/>
-          </a:bodyPr>
-          <a:lstStyle/>
-          <a:p>
-            <a:pPr marL="0" indent="0">
-              <a:buNone/>
-            </a:pPr>
-            <a:r>
-              <a:rPr lang="en-US" sz="2400" dirty="0">
-                <a:latin typeface="Times New Roman" panose="02020603050405020304" pitchFamily="18" charset="0"/>
-                <a:cs typeface="Times New Roman" panose="02020603050405020304" pitchFamily="18" charset="0"/>
-              </a:rPr>
-              <a:t>It’s easy to summarize information in a data frame</a:t>
-            </a:r>
-          </a:p>
-          <a:p>
-            <a:r>
-              <a:rPr lang="en-US" sz="2400" dirty="0">
-                <a:cs typeface="Times New Roman" panose="02020603050405020304" pitchFamily="18" charset="0"/>
-              </a:rPr>
-              <a:t>names(</a:t>
-            </a:r>
-            <a:r>
-              <a:rPr lang="en-US" sz="2400" dirty="0" err="1">
-                <a:cs typeface="Times New Roman" panose="02020603050405020304" pitchFamily="18" charset="0"/>
-              </a:rPr>
-              <a:t>df</a:t>
-            </a:r>
-            <a:r>
-              <a:rPr lang="en-US" sz="2400" dirty="0">
-                <a:cs typeface="Times New Roman" panose="02020603050405020304" pitchFamily="18" charset="0"/>
-              </a:rPr>
-              <a:t>)</a:t>
-            </a:r>
-          </a:p>
-          <a:p>
-            <a:r>
-              <a:rPr lang="en-US" sz="2400" dirty="0">
-                <a:cs typeface="Times New Roman" panose="02020603050405020304" pitchFamily="18" charset="0"/>
-              </a:rPr>
-              <a:t>mean(</a:t>
-            </a:r>
-            <a:r>
-              <a:rPr lang="en-US" sz="2400" dirty="0" err="1">
-                <a:cs typeface="Times New Roman" panose="02020603050405020304" pitchFamily="18" charset="0"/>
-              </a:rPr>
-              <a:t>df</a:t>
-            </a:r>
-            <a:r>
-              <a:rPr lang="en-US" sz="2400" dirty="0">
-                <a:cs typeface="Times New Roman" panose="02020603050405020304" pitchFamily="18" charset="0"/>
-              </a:rPr>
-              <a:t>) </a:t>
-            </a:r>
-          </a:p>
-          <a:p>
-            <a:r>
-              <a:rPr lang="en-US" sz="2400" dirty="0" err="1">
-                <a:cs typeface="Times New Roman" panose="02020603050405020304" pitchFamily="18" charset="0"/>
-              </a:rPr>
-              <a:t>df</a:t>
-            </a:r>
-            <a:r>
-              <a:rPr lang="en-US" sz="2400" dirty="0">
-                <a:cs typeface="Times New Roman" panose="02020603050405020304" pitchFamily="18" charset="0"/>
-              </a:rPr>
-              <a:t> %&gt;% head()</a:t>
-            </a:r>
-          </a:p>
-          <a:p>
-            <a:r>
-              <a:rPr lang="en-US" sz="2400" dirty="0" err="1">
-                <a:cs typeface="Times New Roman" panose="02020603050405020304" pitchFamily="18" charset="0"/>
-              </a:rPr>
-              <a:t>df</a:t>
-            </a:r>
-            <a:r>
-              <a:rPr lang="en-US" sz="2400" dirty="0">
-                <a:cs typeface="Times New Roman" panose="02020603050405020304" pitchFamily="18" charset="0"/>
-              </a:rPr>
-              <a:t> %&gt;% summarize()</a:t>
-            </a:r>
-          </a:p>
-          <a:p>
-            <a:pPr marL="0" indent="0">
-              <a:buNone/>
-            </a:pPr>
-            <a:r>
-              <a:rPr lang="en-US" sz="2400" dirty="0">
-                <a:cs typeface="Times New Roman" panose="02020603050405020304" pitchFamily="18" charset="0"/>
-              </a:rPr>
-              <a:t>This is where we get to the </a:t>
-            </a:r>
-            <a:r>
-              <a:rPr lang="en-US" sz="2400" b="1" dirty="0" err="1">
-                <a:cs typeface="Times New Roman" panose="02020603050405020304" pitchFamily="18" charset="0"/>
-              </a:rPr>
-              <a:t>tidyverse</a:t>
-            </a:r>
-            <a:r>
-              <a:rPr lang="en-US" sz="2400" b="1" dirty="0">
-                <a:cs typeface="Times New Roman" panose="02020603050405020304" pitchFamily="18" charset="0"/>
-              </a:rPr>
-              <a:t> </a:t>
-            </a:r>
-            <a:endParaRPr lang="en-US" sz="2400" dirty="0">
-              <a:cs typeface="Times New Roman" panose="02020603050405020304" pitchFamily="18" charset="0"/>
-            </a:endParaRPr>
-          </a:p>
-          <a:p>
-            <a:pPr marL="0" indent="0">
-              <a:buNone/>
-            </a:pPr>
-            <a:endParaRPr lang="en-US" sz="2400" dirty="0">
-              <a:latin typeface="Times New Roman" panose="02020603050405020304" pitchFamily="18" charset="0"/>
-              <a:cs typeface="Times New Roman" panose="02020603050405020304" pitchFamily="18" charset="0"/>
-            </a:endParaRPr>
-          </a:p>
-        </p:txBody>
-      </p:sp>
-      <p:pic>
-        <p:nvPicPr>
-          <p:cNvPr id="4" name="Picture 2" descr="RStudio - RStudio">
-            <a:extLst>
-              <a:ext uri="{FF2B5EF4-FFF2-40B4-BE49-F238E27FC236}">
-                <a16:creationId xmlns:a16="http://schemas.microsoft.com/office/drawing/2014/main" id="{CE488243-4695-475A-997E-FEFB198BB1A8}"/>
-              </a:ext>
-            </a:extLst>
-          </p:cNvPr>
-          <p:cNvPicPr>
-            <a:picLocks noChangeAspect="1" noChangeArrowheads="1"/>
-          </p:cNvPicPr>
-          <p:nvPr/>
-        </p:nvPicPr>
-        <p:blipFill>
-          <a:blip r:embed="rId3">
-            <a:extLst>
-              <a:ext uri="{28A0092B-C50C-407E-A947-70E740481C1C}">
-                <a14:useLocalDpi xmlns:a14="http://schemas.microsoft.com/office/drawing/2010/main" val="0"/>
-              </a:ext>
-            </a:extLst>
-          </a:blip>
-          <a:srcRect/>
-          <a:stretch>
-            <a:fillRect/>
-          </a:stretch>
-        </p:blipFill>
-        <p:spPr bwMode="auto">
-          <a:xfrm>
-            <a:off x="9677400" y="5257800"/>
-            <a:ext cx="1371600" cy="1371600"/>
-          </a:xfrm>
-          <a:prstGeom prst="rect">
-            <a:avLst/>
-          </a:prstGeom>
-          <a:noFill/>
-          <a:extLst>
-            <a:ext uri="{909E8E84-426E-40DD-AFC4-6F175D3DCCD1}">
-              <a14:hiddenFill xmlns:a14="http://schemas.microsoft.com/office/drawing/2010/main">
-                <a:solidFill>
-                  <a:srgbClr val="FFFFFF"/>
-                </a:solidFill>
-              </a14:hiddenFill>
-            </a:ext>
-          </a:extLst>
-        </p:spPr>
-      </p:pic>
-      <p:pic>
-        <p:nvPicPr>
-          <p:cNvPr id="1026" name="Picture 2" descr="Spider-Man: Into the Spider-Verse (2018) - IMDb">
-            <a:extLst>
-              <a:ext uri="{FF2B5EF4-FFF2-40B4-BE49-F238E27FC236}">
-                <a16:creationId xmlns:a16="http://schemas.microsoft.com/office/drawing/2014/main" id="{253B1DF9-1061-40E1-5504-1D3174B8E99D}"/>
-              </a:ext>
-            </a:extLst>
-          </p:cNvPr>
-          <p:cNvPicPr>
-            <a:picLocks noChangeAspect="1" noChangeArrowheads="1"/>
-          </p:cNvPicPr>
-          <p:nvPr/>
-        </p:nvPicPr>
-        <p:blipFill>
-          <a:blip r:embed="rId4" cstate="print">
-            <a:extLst>
-              <a:ext uri="{28A0092B-C50C-407E-A947-70E740481C1C}">
-                <a14:useLocalDpi xmlns:a14="http://schemas.microsoft.com/office/drawing/2010/main" val="0"/>
-              </a:ext>
-            </a:extLst>
-          </a:blip>
-          <a:srcRect/>
-          <a:stretch>
-            <a:fillRect/>
-          </a:stretch>
-        </p:blipFill>
-        <p:spPr bwMode="auto">
-          <a:xfrm>
-            <a:off x="5638800" y="3124200"/>
-            <a:ext cx="2517722" cy="3733800"/>
-          </a:xfrm>
-          <a:prstGeom prst="rect">
-            <a:avLst/>
-          </a:prstGeom>
-          <a:noFill/>
-          <a:extLst>
-            <a:ext uri="{909E8E84-426E-40DD-AFC4-6F175D3DCCD1}">
-              <a14:hiddenFill xmlns:a14="http://schemas.microsoft.com/office/drawing/2010/main">
-                <a:solidFill>
-                  <a:srgbClr val="FFFFFF"/>
-                </a:solidFill>
-              </a14:hiddenFill>
-            </a:ext>
-          </a:extLst>
-        </p:spPr>
-      </p:pic>
-    </p:spTree>
-    <p:extLst>
-      <p:ext uri="{BB962C8B-B14F-4D97-AF65-F5344CB8AC3E}">
-        <p14:creationId xmlns:p14="http://schemas.microsoft.com/office/powerpoint/2010/main" val="3211548388"/>
-      </p:ext>
-    </p:extLst>
-  </p:cSld>
-  <p:clrMapOvr>
-    <a:masterClrMapping/>
-  </p:clrMapOvr>
-</p:sld>
-</file>
-
-<file path=ppt/slides/slide21.xml><?xml version="1.0" encoding="utf-8"?>
-<p:sld xmlns:a="http://schemas.openxmlformats.org/drawingml/2006/main" xmlns:r="http://schemas.openxmlformats.org/officeDocument/2006/relationships" xmlns:p="http://schemas.openxmlformats.org/presentationml/2006/main">
-  <p:cSld>
-    <p:spTree>
-      <p:nvGrpSpPr>
-        <p:cNvPr id="1" name=""/>
-        <p:cNvGrpSpPr/>
-        <p:nvPr/>
-      </p:nvGrpSpPr>
-      <p:grpSpPr>
-        <a:xfrm>
-          <a:off x="0" y="0"/>
-          <a:ext cx="0" cy="0"/>
-          <a:chOff x="0" y="0"/>
-          <a:chExt cx="0" cy="0"/>
-        </a:xfrm>
-      </p:grpSpPr>
-      <p:sp>
-        <p:nvSpPr>
-          <p:cNvPr id="2" name="Title 1"/>
-          <p:cNvSpPr>
-            <a:spLocks noGrp="1"/>
-          </p:cNvSpPr>
-          <p:nvPr>
-            <p:ph type="title"/>
-          </p:nvPr>
-        </p:nvSpPr>
-        <p:spPr>
-          <a:xfrm>
-            <a:off x="609600" y="337392"/>
-            <a:ext cx="9601200" cy="624840"/>
-          </a:xfrm>
-        </p:spPr>
-        <p:txBody>
-          <a:bodyPr>
-            <a:normAutofit fontScale="90000"/>
-          </a:bodyPr>
-          <a:lstStyle/>
-          <a:p>
-            <a:r>
-              <a:rPr lang="en-US" dirty="0">
-                <a:latin typeface="Times New Roman" panose="02020603050405020304" pitchFamily="18" charset="0"/>
-                <a:cs typeface="Times New Roman" panose="02020603050405020304" pitchFamily="18" charset="0"/>
-              </a:rPr>
               <a:t>Using the </a:t>
             </a:r>
             <a:r>
@@ -13842,7 +13395,7 @@
 </p:sld>
 </file>
 
-<file path=ppt/slides/slide22.xml><?xml version="1.0" encoding="utf-8"?>
+<file path=ppt/slides/slide21.xml><?xml version="1.0" encoding="utf-8"?>
 <p:sld xmlns:a="http://schemas.openxmlformats.org/drawingml/2006/main" xmlns:r="http://schemas.openxmlformats.org/officeDocument/2006/relationships" xmlns:p="http://schemas.openxmlformats.org/presentationml/2006/main">
   <p:cSld>
     <p:spTree>
@@ -14029,7 +13582,7 @@
 </p:sld>
 </file>
 
-<file path=ppt/slides/slide23.xml><?xml version="1.0" encoding="utf-8"?>
+<file path=ppt/slides/slide22.xml><?xml version="1.0" encoding="utf-8"?>
 <p:sld xmlns:a="http://schemas.openxmlformats.org/drawingml/2006/main" xmlns:r="http://schemas.openxmlformats.org/officeDocument/2006/relationships" xmlns:p="http://schemas.openxmlformats.org/presentationml/2006/main">
   <p:cSld>
     <p:spTree>
@@ -14233,7 +13786,7 @@
 </p:sld>
 </file>
 
-<file path=ppt/slides/slide24.xml><?xml version="1.0" encoding="utf-8"?>
+<file path=ppt/slides/slide23.xml><?xml version="1.0" encoding="utf-8"?>
 <p:sld xmlns:a="http://schemas.openxmlformats.org/drawingml/2006/main" xmlns:r="http://schemas.openxmlformats.org/officeDocument/2006/relationships" xmlns:p="http://schemas.openxmlformats.org/presentationml/2006/main">
   <p:cSld>
     <p:spTree>
@@ -14419,6 +13972,210 @@
 </p:sld>
 </file>
 
+<file path=ppt/slides/slide24.xml><?xml version="1.0" encoding="utf-8"?>
+<p:sld xmlns:a="http://schemas.openxmlformats.org/drawingml/2006/main" xmlns:r="http://schemas.openxmlformats.org/officeDocument/2006/relationships" xmlns:p="http://schemas.openxmlformats.org/presentationml/2006/main">
+  <p:cSld>
+    <p:spTree>
+      <p:nvGrpSpPr>
+        <p:cNvPr id="1" name=""/>
+        <p:cNvGrpSpPr/>
+        <p:nvPr/>
+      </p:nvGrpSpPr>
+      <p:grpSpPr>
+        <a:xfrm>
+          <a:off x="0" y="0"/>
+          <a:ext cx="0" cy="0"/>
+          <a:chOff x="0" y="0"/>
+          <a:chExt cx="0" cy="0"/>
+        </a:xfrm>
+      </p:grpSpPr>
+      <p:sp>
+        <p:nvSpPr>
+          <p:cNvPr id="2" name="Title 1"/>
+          <p:cNvSpPr>
+            <a:spLocks noGrp="1"/>
+          </p:cNvSpPr>
+          <p:nvPr>
+            <p:ph type="title"/>
+          </p:nvPr>
+        </p:nvSpPr>
+        <p:spPr>
+          <a:xfrm>
+            <a:off x="609600" y="337392"/>
+            <a:ext cx="9601200" cy="624840"/>
+          </a:xfrm>
+        </p:spPr>
+        <p:txBody>
+          <a:bodyPr>
+            <a:normAutofit fontScale="90000"/>
+          </a:bodyPr>
+          <a:lstStyle/>
+          <a:p>
+            <a:r>
+              <a:rPr lang="en-US" dirty="0">
+                <a:latin typeface="Times New Roman" panose="02020603050405020304" pitchFamily="18" charset="0"/>
+                <a:cs typeface="Times New Roman" panose="02020603050405020304" pitchFamily="18" charset="0"/>
+              </a:rPr>
+              <a:t>Additional R Resources</a:t>
+            </a:r>
+          </a:p>
+        </p:txBody>
+      </p:sp>
+      <p:sp>
+        <p:nvSpPr>
+          <p:cNvPr id="3" name="Content Placeholder 2"/>
+          <p:cNvSpPr>
+            <a:spLocks noGrp="1"/>
+          </p:cNvSpPr>
+          <p:nvPr>
+            <p:ph idx="1"/>
+          </p:nvPr>
+        </p:nvSpPr>
+        <p:spPr>
+          <a:xfrm>
+            <a:off x="609600" y="1066801"/>
+            <a:ext cx="9130284" cy="5141388"/>
+          </a:xfrm>
+        </p:spPr>
+        <p:txBody>
+          <a:bodyPr>
+            <a:noAutofit/>
+          </a:bodyPr>
+          <a:lstStyle/>
+          <a:p>
+            <a:r>
+              <a:rPr lang="en-US" sz="2200" dirty="0">
+                <a:latin typeface="Times New Roman" panose="02020603050405020304" pitchFamily="18" charset="0"/>
+                <a:cs typeface="Times New Roman" panose="02020603050405020304" pitchFamily="18" charset="0"/>
+              </a:rPr>
+              <a:t>Appendix C in Motulsky:</a:t>
+            </a:r>
+          </a:p>
+          <a:p>
+            <a:r>
+              <a:rPr lang="en-US" sz="2200" dirty="0">
+                <a:cs typeface="Times New Roman" panose="02020603050405020304" pitchFamily="18" charset="0"/>
+              </a:rPr>
+              <a:t>R Markdown Cheat Sheet: </a:t>
+            </a:r>
+            <a:r>
+              <a:rPr lang="en-US" sz="2200" dirty="0">
+                <a:cs typeface="Times New Roman" panose="02020603050405020304" pitchFamily="18" charset="0"/>
+                <a:hlinkClick r:id="rId3"/>
+              </a:rPr>
+              <a:t>https://www.rstudio.com/wp-content/uploads/2015/02/rmarkdown-cheatsheet.pdf</a:t>
+            </a:r>
+            <a:endParaRPr lang="en-US" sz="2200" dirty="0">
+              <a:cs typeface="Times New Roman" panose="02020603050405020304" pitchFamily="18" charset="0"/>
+            </a:endParaRPr>
+          </a:p>
+          <a:p>
+            <a:r>
+              <a:rPr lang="en-US" sz="2200" dirty="0">
+                <a:latin typeface="Times New Roman" panose="02020603050405020304" pitchFamily="18" charset="0"/>
+                <a:cs typeface="Times New Roman" panose="02020603050405020304" pitchFamily="18" charset="0"/>
+              </a:rPr>
+              <a:t>Ggplot Cheat Sheet: </a:t>
+            </a:r>
+            <a:r>
+              <a:rPr lang="en-US" sz="2200" dirty="0">
+                <a:latin typeface="Times New Roman" panose="02020603050405020304" pitchFamily="18" charset="0"/>
+                <a:cs typeface="Times New Roman" panose="02020603050405020304" pitchFamily="18" charset="0"/>
+                <a:hlinkClick r:id="rId4"/>
+              </a:rPr>
+              <a:t>https://www.maths.usyd.edu.au/u/UG/SM/STAT3022/r/current/Misc/data-visualization-2.1.pdf</a:t>
+            </a:r>
+            <a:endParaRPr lang="en-US" sz="2200" dirty="0">
+              <a:latin typeface="Times New Roman" panose="02020603050405020304" pitchFamily="18" charset="0"/>
+              <a:cs typeface="Times New Roman" panose="02020603050405020304" pitchFamily="18" charset="0"/>
+            </a:endParaRPr>
+          </a:p>
+          <a:p>
+            <a:r>
+              <a:rPr lang="en-US" sz="2200" dirty="0">
+                <a:cs typeface="Times New Roman" panose="02020603050405020304" pitchFamily="18" charset="0"/>
+              </a:rPr>
+              <a:t>Great book on data visualization: “</a:t>
+            </a:r>
+            <a:r>
+              <a:rPr lang="en-US" sz="2200" dirty="0">
+                <a:cs typeface="Times New Roman" panose="02020603050405020304" pitchFamily="18" charset="0"/>
+                <a:hlinkClick r:id="rId5"/>
+              </a:rPr>
+              <a:t>Data Visualization: A Practical Introduction</a:t>
+            </a:r>
+            <a:r>
+              <a:rPr lang="en-US" sz="2200" dirty="0">
+                <a:cs typeface="Times New Roman" panose="02020603050405020304" pitchFamily="18" charset="0"/>
+              </a:rPr>
+              <a:t>”</a:t>
+            </a:r>
+          </a:p>
+          <a:p>
+            <a:r>
+              <a:rPr lang="en-US" sz="2200" b="1" dirty="0">
+                <a:latin typeface="Times New Roman" panose="02020603050405020304" pitchFamily="18" charset="0"/>
+                <a:cs typeface="Times New Roman" panose="02020603050405020304" pitchFamily="18" charset="0"/>
+              </a:rPr>
+              <a:t>Library of Statistical Techniques </a:t>
+            </a:r>
+            <a:r>
+              <a:rPr lang="en-US" sz="2200" dirty="0">
+                <a:latin typeface="Times New Roman" panose="02020603050405020304" pitchFamily="18" charset="0"/>
+                <a:cs typeface="Times New Roman" panose="02020603050405020304" pitchFamily="18" charset="0"/>
+              </a:rPr>
+              <a:t>(</a:t>
+            </a:r>
+            <a:r>
+              <a:rPr lang="en-US" sz="2200" dirty="0">
+                <a:latin typeface="Times New Roman" panose="02020603050405020304" pitchFamily="18" charset="0"/>
+                <a:cs typeface="Times New Roman" panose="02020603050405020304" pitchFamily="18" charset="0"/>
+                <a:hlinkClick r:id="rId6"/>
+              </a:rPr>
+              <a:t>LOST</a:t>
+            </a:r>
+            <a:r>
+              <a:rPr lang="en-US" sz="2200" dirty="0">
+                <a:latin typeface="Times New Roman" panose="02020603050405020304" pitchFamily="18" charset="0"/>
+                <a:cs typeface="Times New Roman" panose="02020603050405020304" pitchFamily="18" charset="0"/>
+              </a:rPr>
+              <a:t>)</a:t>
+            </a:r>
+            <a:endParaRPr lang="en-US" sz="2200" b="1" dirty="0">
+              <a:latin typeface="Times New Roman" panose="02020603050405020304" pitchFamily="18" charset="0"/>
+              <a:cs typeface="Times New Roman" panose="02020603050405020304" pitchFamily="18" charset="0"/>
+            </a:endParaRPr>
+          </a:p>
+          <a:p>
+            <a:r>
+              <a:rPr lang="en-US" sz="2200" dirty="0">
+                <a:cs typeface="Times New Roman" panose="02020603050405020304" pitchFamily="18" charset="0"/>
+              </a:rPr>
+              <a:t>Google! Lots and lots of Google! (Stack Overflow)</a:t>
+            </a:r>
+            <a:r>
+              <a:rPr lang="en-US" sz="2200" dirty="0">
+                <a:latin typeface="Times New Roman" panose="02020603050405020304" pitchFamily="18" charset="0"/>
+                <a:cs typeface="Times New Roman" panose="02020603050405020304" pitchFamily="18" charset="0"/>
+              </a:rPr>
+              <a:t> </a:t>
+            </a:r>
+          </a:p>
+        </p:txBody>
+      </p:sp>
+    </p:spTree>
+    <p:extLst>
+      <p:ext uri="{BB962C8B-B14F-4D97-AF65-F5344CB8AC3E}">
+        <p14:creationId xmlns:p14="http://schemas.microsoft.com/office/powerpoint/2010/main" val="1179304942"/>
+      </p:ext>
+    </p:extLst>
+  </p:cSld>
+  <p:clrMapOvr>
+    <a:masterClrMapping/>
+  </p:clrMapOvr>
+</p:sld>
+</file>
+
 <file path=ppt/slides/slide25.xml><?xml version="1.0" encoding="utf-8"?>
 <p:sld xmlns:a="http://schemas.openxmlformats.org/drawingml/2006/main" xmlns:r="http://schemas.openxmlformats.org/officeDocument/2006/relationships" xmlns:p="http://schemas.openxmlformats.org/presentationml/2006/main">
   <p:cSld>
@@ -14438,210 +14195,6 @@
       </p:grpSpPr>
       <p:sp>
         <p:nvSpPr>
-          <p:cNvPr id="2" name="Title 1"/>
-          <p:cNvSpPr>
-            <a:spLocks noGrp="1"/>
-          </p:cNvSpPr>
-          <p:nvPr>
-            <p:ph type="title"/>
-          </p:nvPr>
-        </p:nvSpPr>
-        <p:spPr>
-          <a:xfrm>
-            <a:off x="609600" y="337392"/>
-            <a:ext cx="9601200" cy="624840"/>
-          </a:xfrm>
-        </p:spPr>
-        <p:txBody>
-          <a:bodyPr>
-            <a:normAutofit fontScale="90000"/>
-          </a:bodyPr>
-          <a:lstStyle/>
-          <a:p>
-            <a:r>
-              <a:rPr lang="en-US" dirty="0">
-                <a:latin typeface="Times New Roman" panose="02020603050405020304" pitchFamily="18" charset="0"/>
-                <a:cs typeface="Times New Roman" panose="02020603050405020304" pitchFamily="18" charset="0"/>
-              </a:rPr>
-              <a:t>Additional R Resources</a:t>
-            </a:r>
-          </a:p>
-        </p:txBody>
-      </p:sp>
-      <p:sp>
-        <p:nvSpPr>
-          <p:cNvPr id="3" name="Content Placeholder 2"/>
-          <p:cNvSpPr>
-            <a:spLocks noGrp="1"/>
-          </p:cNvSpPr>
-          <p:nvPr>
-            <p:ph idx="1"/>
-          </p:nvPr>
-        </p:nvSpPr>
-        <p:spPr>
-          <a:xfrm>
-            <a:off x="609600" y="1066801"/>
-            <a:ext cx="9130284" cy="5141388"/>
-          </a:xfrm>
-        </p:spPr>
-        <p:txBody>
-          <a:bodyPr>
-            <a:noAutofit/>
-          </a:bodyPr>
-          <a:lstStyle/>
-          <a:p>
-            <a:r>
-              <a:rPr lang="en-US" sz="2200" dirty="0">
-                <a:latin typeface="Times New Roman" panose="02020603050405020304" pitchFamily="18" charset="0"/>
-                <a:cs typeface="Times New Roman" panose="02020603050405020304" pitchFamily="18" charset="0"/>
-              </a:rPr>
-              <a:t>Appendix C in Motulsky:</a:t>
-            </a:r>
-          </a:p>
-          <a:p>
-            <a:r>
-              <a:rPr lang="en-US" sz="2200" dirty="0">
-                <a:cs typeface="Times New Roman" panose="02020603050405020304" pitchFamily="18" charset="0"/>
-              </a:rPr>
-              <a:t>R Markdown Cheat Sheet: </a:t>
-            </a:r>
-            <a:r>
-              <a:rPr lang="en-US" sz="2200" dirty="0">
-                <a:cs typeface="Times New Roman" panose="02020603050405020304" pitchFamily="18" charset="0"/>
-                <a:hlinkClick r:id="rId3"/>
-              </a:rPr>
-              <a:t>https://www.rstudio.com/wp-content/uploads/2015/02/rmarkdown-cheatsheet.pdf</a:t>
-            </a:r>
-            <a:endParaRPr lang="en-US" sz="2200" dirty="0">
-              <a:cs typeface="Times New Roman" panose="02020603050405020304" pitchFamily="18" charset="0"/>
-            </a:endParaRPr>
-          </a:p>
-          <a:p>
-            <a:r>
-              <a:rPr lang="en-US" sz="2200" dirty="0">
-                <a:latin typeface="Times New Roman" panose="02020603050405020304" pitchFamily="18" charset="0"/>
-                <a:cs typeface="Times New Roman" panose="02020603050405020304" pitchFamily="18" charset="0"/>
-              </a:rPr>
-              <a:t>Ggplot Cheat Sheet: </a:t>
-            </a:r>
-            <a:r>
-              <a:rPr lang="en-US" sz="2200" dirty="0">
-                <a:latin typeface="Times New Roman" panose="02020603050405020304" pitchFamily="18" charset="0"/>
-                <a:cs typeface="Times New Roman" panose="02020603050405020304" pitchFamily="18" charset="0"/>
-                <a:hlinkClick r:id="rId4"/>
-              </a:rPr>
-              <a:t>https://www.maths.usyd.edu.au/u/UG/SM/STAT3022/r/current/Misc/data-visualization-2.1.pdf</a:t>
-            </a:r>
-            <a:endParaRPr lang="en-US" sz="2200" dirty="0">
-              <a:latin typeface="Times New Roman" panose="02020603050405020304" pitchFamily="18" charset="0"/>
-              <a:cs typeface="Times New Roman" panose="02020603050405020304" pitchFamily="18" charset="0"/>
-            </a:endParaRPr>
-          </a:p>
-          <a:p>
-            <a:r>
-              <a:rPr lang="en-US" sz="2200" dirty="0">
-                <a:cs typeface="Times New Roman" panose="02020603050405020304" pitchFamily="18" charset="0"/>
-              </a:rPr>
-              <a:t>Great book on data visualization: “</a:t>
-            </a:r>
-            <a:r>
-              <a:rPr lang="en-US" sz="2200" dirty="0">
-                <a:cs typeface="Times New Roman" panose="02020603050405020304" pitchFamily="18" charset="0"/>
-                <a:hlinkClick r:id="rId5"/>
-              </a:rPr>
-              <a:t>Data Visualization: A Practical Introduction</a:t>
-            </a:r>
-            <a:r>
-              <a:rPr lang="en-US" sz="2200" dirty="0">
-                <a:cs typeface="Times New Roman" panose="02020603050405020304" pitchFamily="18" charset="0"/>
-              </a:rPr>
-              <a:t>”</a:t>
-            </a:r>
-          </a:p>
-          <a:p>
-            <a:r>
-              <a:rPr lang="en-US" sz="2200" b="1" dirty="0">
-                <a:latin typeface="Times New Roman" panose="02020603050405020304" pitchFamily="18" charset="0"/>
-                <a:cs typeface="Times New Roman" panose="02020603050405020304" pitchFamily="18" charset="0"/>
-              </a:rPr>
-              <a:t>Library of Statistical Techniques </a:t>
-            </a:r>
-            <a:r>
-              <a:rPr lang="en-US" sz="2200" dirty="0">
-                <a:latin typeface="Times New Roman" panose="02020603050405020304" pitchFamily="18" charset="0"/>
-                <a:cs typeface="Times New Roman" panose="02020603050405020304" pitchFamily="18" charset="0"/>
-              </a:rPr>
-              <a:t>(</a:t>
-            </a:r>
-            <a:r>
-              <a:rPr lang="en-US" sz="2200" dirty="0">
-                <a:latin typeface="Times New Roman" panose="02020603050405020304" pitchFamily="18" charset="0"/>
-                <a:cs typeface="Times New Roman" panose="02020603050405020304" pitchFamily="18" charset="0"/>
-                <a:hlinkClick r:id="rId6"/>
-              </a:rPr>
-              <a:t>LOST</a:t>
-            </a:r>
-            <a:r>
-              <a:rPr lang="en-US" sz="2200" dirty="0">
-                <a:latin typeface="Times New Roman" panose="02020603050405020304" pitchFamily="18" charset="0"/>
-                <a:cs typeface="Times New Roman" panose="02020603050405020304" pitchFamily="18" charset="0"/>
-              </a:rPr>
-              <a:t>)</a:t>
-            </a:r>
-            <a:endParaRPr lang="en-US" sz="2200" b="1" dirty="0">
-              <a:latin typeface="Times New Roman" panose="02020603050405020304" pitchFamily="18" charset="0"/>
-              <a:cs typeface="Times New Roman" panose="02020603050405020304" pitchFamily="18" charset="0"/>
-            </a:endParaRPr>
-          </a:p>
-          <a:p>
-            <a:r>
-              <a:rPr lang="en-US" sz="2200" dirty="0">
-                <a:cs typeface="Times New Roman" panose="02020603050405020304" pitchFamily="18" charset="0"/>
-              </a:rPr>
-              <a:t>Google! Lots and lots of Google! (Stack Overflow)</a:t>
-            </a:r>
-            <a:r>
-              <a:rPr lang="en-US" sz="2200" dirty="0">
-                <a:latin typeface="Times New Roman" panose="02020603050405020304" pitchFamily="18" charset="0"/>
-                <a:cs typeface="Times New Roman" panose="02020603050405020304" pitchFamily="18" charset="0"/>
-              </a:rPr>
-              <a:t> </a:t>
-            </a:r>
-          </a:p>
-        </p:txBody>
-      </p:sp>
-    </p:spTree>
-    <p:extLst>
-      <p:ext uri="{BB962C8B-B14F-4D97-AF65-F5344CB8AC3E}">
-        <p14:creationId xmlns:p14="http://schemas.microsoft.com/office/powerpoint/2010/main" val="1179304942"/>
-      </p:ext>
-    </p:extLst>
-  </p:cSld>
-  <p:clrMapOvr>
-    <a:masterClrMapping/>
-  </p:clrMapOvr>
-</p:sld>
-</file>
-
-<file path=ppt/slides/slide26.xml><?xml version="1.0" encoding="utf-8"?>
-<p:sld xmlns:a="http://schemas.openxmlformats.org/drawingml/2006/main" xmlns:r="http://schemas.openxmlformats.org/officeDocument/2006/relationships" xmlns:p="http://schemas.openxmlformats.org/presentationml/2006/main">
-  <p:cSld>
-    <p:spTree>
-      <p:nvGrpSpPr>
-        <p:cNvPr id="1" name=""/>
-        <p:cNvGrpSpPr/>
-        <p:nvPr/>
-      </p:nvGrpSpPr>
-      <p:grpSpPr>
-        <a:xfrm>
-          <a:off x="0" y="0"/>
-          <a:ext cx="0" cy="0"/>
-          <a:chOff x="0" y="0"/>
-          <a:chExt cx="0" cy="0"/>
-        </a:xfrm>
-      </p:grpSpPr>
-      <p:sp>
-        <p:nvSpPr>
           <p:cNvPr id="2" name="Title 1">
             <a:extLst>
               <a:ext uri="{FF2B5EF4-FFF2-40B4-BE49-F238E27FC236}">
@@ -14713,7 +14266,7 @@
 </p:sld>
 </file>
 
-<file path=ppt/slides/slide27.xml><?xml version="1.0" encoding="utf-8"?>
+<file path=ppt/slides/slide26.xml><?xml version="1.0" encoding="utf-8"?>
 <p:sld xmlns:a="http://schemas.openxmlformats.org/drawingml/2006/main" xmlns:r="http://schemas.openxmlformats.org/officeDocument/2006/relationships" xmlns:p="http://schemas.openxmlformats.org/presentationml/2006/main">
   <p:cSld>
     <p:spTree>
@@ -14869,7 +14422,7 @@
 </p:sld>
 </file>
 
-<file path=ppt/slides/slide28.xml><?xml version="1.0" encoding="utf-8"?>
+<file path=ppt/slides/slide27.xml><?xml version="1.0" encoding="utf-8"?>
 <p:sld xmlns:a="http://schemas.openxmlformats.org/drawingml/2006/main" xmlns:r="http://schemas.openxmlformats.org/officeDocument/2006/relationships" xmlns:p="http://schemas.openxmlformats.org/presentationml/2006/main">
   <p:cSld>
     <p:spTree>
@@ -15003,7 +14556,7 @@
 </p:sld>
 </file>
 
-<file path=ppt/slides/slide29.xml><?xml version="1.0" encoding="utf-8"?>
+<file path=ppt/slides/slide28.xml><?xml version="1.0" encoding="utf-8"?>
 <p:sld xmlns:a="http://schemas.openxmlformats.org/drawingml/2006/main" xmlns:r="http://schemas.openxmlformats.org/officeDocument/2006/relationships" xmlns:p="http://schemas.openxmlformats.org/presentationml/2006/main">
   <p:cSld>
     <p:spTree>
@@ -15161,157 +14714,7 @@
 </p:sld>
 </file>
 
-<file path=ppt/slides/slide3.xml><?xml version="1.0" encoding="utf-8"?>
-<p:sld xmlns:a="http://schemas.openxmlformats.org/drawingml/2006/main" xmlns:r="http://schemas.openxmlformats.org/officeDocument/2006/relationships" xmlns:p="http://schemas.openxmlformats.org/presentationml/2006/main">
-  <p:cSld>
-    <p:spTree>
-      <p:nvGrpSpPr>
-        <p:cNvPr id="1" name=""/>
-        <p:cNvGrpSpPr/>
-        <p:nvPr/>
-      </p:nvGrpSpPr>
-      <p:grpSpPr>
-        <a:xfrm>
-          <a:off x="0" y="0"/>
-          <a:ext cx="0" cy="0"/>
-          <a:chOff x="0" y="0"/>
-          <a:chExt cx="0" cy="0"/>
-        </a:xfrm>
-      </p:grpSpPr>
-      <p:sp>
-        <p:nvSpPr>
-          <p:cNvPr id="2" name="Title 1"/>
-          <p:cNvSpPr>
-            <a:spLocks noGrp="1"/>
-          </p:cNvSpPr>
-          <p:nvPr>
-            <p:ph type="title"/>
-          </p:nvPr>
-        </p:nvSpPr>
-        <p:spPr>
-          <a:xfrm>
-            <a:off x="609600" y="337392"/>
-            <a:ext cx="9601200" cy="624840"/>
-          </a:xfrm>
-        </p:spPr>
-        <p:txBody>
-          <a:bodyPr>
-            <a:normAutofit fontScale="90000"/>
-          </a:bodyPr>
-          <a:lstStyle/>
-          <a:p>
-            <a:r>
-              <a:rPr lang="en-US" dirty="0">
-                <a:cs typeface="Times New Roman" panose="02020603050405020304" pitchFamily="18" charset="0"/>
-              </a:rPr>
-              <a:t>But first: Double Counting in the Wild</a:t>
-            </a:r>
-            <a:endParaRPr lang="en-US" dirty="0">
-              <a:latin typeface="Times New Roman" panose="02020603050405020304" pitchFamily="18" charset="0"/>
-              <a:cs typeface="Times New Roman" panose="02020603050405020304" pitchFamily="18" charset="0"/>
-            </a:endParaRPr>
-          </a:p>
-        </p:txBody>
-      </p:sp>
-      <p:pic>
-        <p:nvPicPr>
-          <p:cNvPr id="11" name="Picture 10">
-            <a:extLst>
-              <a:ext uri="{FF2B5EF4-FFF2-40B4-BE49-F238E27FC236}">
-                <a16:creationId xmlns:a16="http://schemas.microsoft.com/office/drawing/2014/main" id="{D40F00DF-8C1B-FC13-6AA4-E3155314001E}"/>
-              </a:ext>
-            </a:extLst>
-          </p:cNvPr>
-          <p:cNvPicPr>
-            <a:picLocks noChangeAspect="1"/>
-          </p:cNvPicPr>
-          <p:nvPr/>
-        </p:nvPicPr>
-        <p:blipFill>
-          <a:blip r:embed="rId3"/>
-          <a:stretch>
-            <a:fillRect/>
-          </a:stretch>
-        </p:blipFill>
-        <p:spPr>
-          <a:xfrm>
-            <a:off x="6952715" y="3886200"/>
-            <a:ext cx="4001312" cy="2851347"/>
-          </a:xfrm>
-          <a:prstGeom prst="rect">
-            <a:avLst/>
-          </a:prstGeom>
-        </p:spPr>
-      </p:pic>
-      <p:pic>
-        <p:nvPicPr>
-          <p:cNvPr id="13" name="Picture 12">
-            <a:extLst>
-              <a:ext uri="{FF2B5EF4-FFF2-40B4-BE49-F238E27FC236}">
-                <a16:creationId xmlns:a16="http://schemas.microsoft.com/office/drawing/2014/main" id="{C8C0A975-F2EC-BF74-3AC3-3D0F349CED48}"/>
-              </a:ext>
-            </a:extLst>
-          </p:cNvPr>
-          <p:cNvPicPr>
-            <a:picLocks noChangeAspect="1"/>
-          </p:cNvPicPr>
-          <p:nvPr/>
-        </p:nvPicPr>
-        <p:blipFill>
-          <a:blip r:embed="rId4"/>
-          <a:stretch>
-            <a:fillRect/>
-          </a:stretch>
-        </p:blipFill>
-        <p:spPr>
-          <a:xfrm>
-            <a:off x="609600" y="1066800"/>
-            <a:ext cx="5131064" cy="1816193"/>
-          </a:xfrm>
-          <a:prstGeom prst="rect">
-            <a:avLst/>
-          </a:prstGeom>
-        </p:spPr>
-      </p:pic>
-      <p:pic>
-        <p:nvPicPr>
-          <p:cNvPr id="15" name="Picture 14">
-            <a:extLst>
-              <a:ext uri="{FF2B5EF4-FFF2-40B4-BE49-F238E27FC236}">
-                <a16:creationId xmlns:a16="http://schemas.microsoft.com/office/drawing/2014/main" id="{A68AE976-1ECF-3980-C723-E68BF3DF8888}"/>
-              </a:ext>
-            </a:extLst>
-          </p:cNvPr>
-          <p:cNvPicPr>
-            <a:picLocks noChangeAspect="1"/>
-          </p:cNvPicPr>
-          <p:nvPr/>
-        </p:nvPicPr>
-        <p:blipFill>
-          <a:blip r:embed="rId5"/>
-          <a:stretch>
-            <a:fillRect/>
-          </a:stretch>
-        </p:blipFill>
-        <p:spPr>
-          <a:xfrm>
-            <a:off x="609600" y="3591132"/>
-            <a:ext cx="6228728" cy="2851347"/>
-          </a:xfrm>
-          <a:prstGeom prst="rect">
-            <a:avLst/>
-          </a:prstGeom>
-        </p:spPr>
-      </p:pic>
-    </p:spTree>
-  </p:cSld>
-  <p:clrMapOvr>
-    <a:masterClrMapping/>
-  </p:clrMapOvr>
-</p:sld>
-</file>
-
-<file path=ppt/slides/slide30.xml><?xml version="1.0" encoding="utf-8"?>
+<file path=ppt/slides/slide29.xml><?xml version="1.0" encoding="utf-8"?>
 <p:sld xmlns:a="http://schemas.openxmlformats.org/drawingml/2006/main" xmlns:r="http://schemas.openxmlformats.org/officeDocument/2006/relationships" xmlns:p="http://schemas.openxmlformats.org/presentationml/2006/main">
   <p:cSld>
     <p:spTree>
@@ -15469,7 +14872,67 @@
 </p:sld>
 </file>
 
-<file path=ppt/slides/slide31.xml><?xml version="1.0" encoding="utf-8"?>
+<file path=ppt/slides/slide3.xml><?xml version="1.0" encoding="utf-8"?>
+<p:sld xmlns:a="http://schemas.openxmlformats.org/drawingml/2006/main" xmlns:r="http://schemas.openxmlformats.org/officeDocument/2006/relationships" xmlns:p="http://schemas.openxmlformats.org/presentationml/2006/main">
+  <p:cSld>
+    <p:spTree>
+      <p:nvGrpSpPr>
+        <p:cNvPr id="1" name=""/>
+        <p:cNvGrpSpPr/>
+        <p:nvPr/>
+      </p:nvGrpSpPr>
+      <p:grpSpPr>
+        <a:xfrm>
+          <a:off x="0" y="0"/>
+          <a:ext cx="0" cy="0"/>
+          <a:chOff x="0" y="0"/>
+          <a:chExt cx="0" cy="0"/>
+        </a:xfrm>
+      </p:grpSpPr>
+      <p:sp>
+        <p:nvSpPr>
+          <p:cNvPr id="2" name="Title 1"/>
+          <p:cNvSpPr>
+            <a:spLocks noGrp="1"/>
+          </p:cNvSpPr>
+          <p:nvPr>
+            <p:ph type="title"/>
+          </p:nvPr>
+        </p:nvSpPr>
+        <p:spPr>
+          <a:xfrm>
+            <a:off x="609600" y="337392"/>
+            <a:ext cx="9601200" cy="624840"/>
+          </a:xfrm>
+        </p:spPr>
+        <p:txBody>
+          <a:bodyPr>
+            <a:normAutofit fontScale="90000"/>
+          </a:bodyPr>
+          <a:lstStyle/>
+          <a:p>
+            <a:r>
+              <a:rPr lang="en-US" dirty="0">
+                <a:cs typeface="Times New Roman" panose="02020603050405020304" pitchFamily="18" charset="0"/>
+              </a:rPr>
+              <a:t>But first: case study</a:t>
+            </a:r>
+            <a:endParaRPr lang="en-US" dirty="0">
+              <a:latin typeface="Times New Roman" panose="02020603050405020304" pitchFamily="18" charset="0"/>
+              <a:cs typeface="Times New Roman" panose="02020603050405020304" pitchFamily="18" charset="0"/>
+            </a:endParaRPr>
+          </a:p>
+        </p:txBody>
+      </p:sp>
+    </p:spTree>
+  </p:cSld>
+  <p:clrMapOvr>
+    <a:masterClrMapping/>
+  </p:clrMapOvr>
+</p:sld>
+</file>
+
+<file path=ppt/slides/slide30.xml><?xml version="1.0" encoding="utf-8"?>
 <p:sld xmlns:a="http://schemas.openxmlformats.org/drawingml/2006/main" xmlns:r="http://schemas.openxmlformats.org/officeDocument/2006/relationships" xmlns:p="http://schemas.openxmlformats.org/presentationml/2006/main">
   <p:cSld>
     <p:spTree>
@@ -15669,6 +15132,203 @@
 </p:sld>
 </file>
 
+<file path=ppt/slides/slide31.xml><?xml version="1.0" encoding="utf-8"?>
+<p:sld xmlns:a="http://schemas.openxmlformats.org/drawingml/2006/main" xmlns:r="http://schemas.openxmlformats.org/officeDocument/2006/relationships" xmlns:p="http://schemas.openxmlformats.org/presentationml/2006/main">
+  <p:cSld>
+    <p:spTree>
+      <p:nvGrpSpPr>
+        <p:cNvPr id="1" name=""/>
+        <p:cNvGrpSpPr/>
+        <p:nvPr/>
+      </p:nvGrpSpPr>
+      <p:grpSpPr>
+        <a:xfrm>
+          <a:off x="0" y="0"/>
+          <a:ext cx="0" cy="0"/>
+          <a:chOff x="0" y="0"/>
+          <a:chExt cx="0" cy="0"/>
+        </a:xfrm>
+      </p:grpSpPr>
+      <p:sp>
+        <p:nvSpPr>
+          <p:cNvPr id="2" name="Title 1"/>
+          <p:cNvSpPr>
+            <a:spLocks noGrp="1"/>
+          </p:cNvSpPr>
+          <p:nvPr>
+            <p:ph type="title"/>
+          </p:nvPr>
+        </p:nvSpPr>
+        <p:spPr>
+          <a:xfrm>
+            <a:off x="609600" y="337392"/>
+            <a:ext cx="10439400" cy="624840"/>
+          </a:xfrm>
+        </p:spPr>
+        <p:txBody>
+          <a:bodyPr>
+            <a:noAutofit/>
+          </a:bodyPr>
+          <a:lstStyle/>
+          <a:p>
+            <a:r>
+              <a:rPr lang="en-US" sz="3600" dirty="0">
+                <a:cs typeface="Times New Roman" panose="02020603050405020304" pitchFamily="18" charset="0"/>
+              </a:rPr>
+              <a:t>Descriptive Statistics are Your Friend!</a:t>
+            </a:r>
+            <a:endParaRPr lang="en-US" sz="3600" dirty="0">
+              <a:latin typeface="Times New Roman" panose="02020603050405020304" pitchFamily="18" charset="0"/>
+              <a:cs typeface="Times New Roman" panose="02020603050405020304" pitchFamily="18" charset="0"/>
+            </a:endParaRPr>
+          </a:p>
+        </p:txBody>
+      </p:sp>
+      <p:sp>
+        <p:nvSpPr>
+          <p:cNvPr id="3" name="Content Placeholder 2"/>
+          <p:cNvSpPr>
+            <a:spLocks noGrp="1"/>
+          </p:cNvSpPr>
+          <p:nvPr>
+            <p:ph idx="1"/>
+          </p:nvPr>
+        </p:nvSpPr>
+        <p:spPr>
+          <a:xfrm>
+            <a:off x="1219199" y="1066801"/>
+            <a:ext cx="9829801" cy="5141388"/>
+          </a:xfrm>
+        </p:spPr>
+        <p:txBody>
+          <a:bodyPr>
+            <a:noAutofit/>
+          </a:bodyPr>
+          <a:lstStyle/>
+          <a:p>
+            <a:pPr marL="457200" indent="-457200">
+              <a:buAutoNum type="arabicPeriod"/>
+            </a:pPr>
+            <a:r>
+              <a:rPr lang="en-US" sz="2400" dirty="0">
+                <a:cs typeface="Times New Roman" panose="02020603050405020304" pitchFamily="18" charset="0"/>
+              </a:rPr>
+              <a:t>Tell us something about the “story” you have in mind</a:t>
+            </a:r>
+          </a:p>
+          <a:p>
+            <a:pPr marL="457200" indent="-457200">
+              <a:buFont typeface="+mj-lt"/>
+              <a:buAutoNum type="arabicPeriod"/>
+            </a:pPr>
+            <a:r>
+              <a:rPr lang="en-US" sz="2400" dirty="0">
+                <a:cs typeface="Times New Roman" panose="02020603050405020304" pitchFamily="18" charset="0"/>
+              </a:rPr>
+              <a:t>You can argue the </a:t>
+            </a:r>
+            <a:r>
+              <a:rPr lang="en-US" sz="2400" b="1" dirty="0">
+                <a:cs typeface="Times New Roman" panose="02020603050405020304" pitchFamily="18" charset="0"/>
+              </a:rPr>
+              <a:t>variation </a:t>
+            </a:r>
+            <a:r>
+              <a:rPr lang="en-US" sz="2400" dirty="0">
+                <a:cs typeface="Times New Roman" panose="02020603050405020304" pitchFamily="18" charset="0"/>
+              </a:rPr>
+              <a:t>you’re exploiting in fact exists!</a:t>
+            </a:r>
+          </a:p>
+          <a:p>
+            <a:pPr marL="457200" indent="-457200">
+              <a:buFont typeface="+mj-lt"/>
+              <a:buAutoNum type="arabicPeriod"/>
+            </a:pPr>
+            <a:r>
+              <a:rPr lang="en-US" sz="2400" dirty="0">
+                <a:cs typeface="Times New Roman" panose="02020603050405020304" pitchFamily="18" charset="0"/>
+              </a:rPr>
+              <a:t>Informs and motivates your model </a:t>
+            </a:r>
+          </a:p>
+          <a:p>
+            <a:pPr marL="457200" indent="-457200">
+              <a:buFont typeface="+mj-lt"/>
+              <a:buAutoNum type="arabicPeriod"/>
+            </a:pPr>
+            <a:r>
+              <a:rPr lang="en-US" sz="2400" dirty="0">
+                <a:cs typeface="Times New Roman" panose="02020603050405020304" pitchFamily="18" charset="0"/>
+              </a:rPr>
+              <a:t>Don’t forget to say something about whom your sample is representative</a:t>
+            </a:r>
+          </a:p>
+          <a:p>
+            <a:pPr lvl="1"/>
+            <a:r>
+              <a:rPr lang="en-US" sz="2200" dirty="0">
+                <a:cs typeface="Times New Roman" panose="02020603050405020304" pitchFamily="18" charset="0"/>
+              </a:rPr>
+              <a:t>Medicare Part D enrollees</a:t>
+            </a:r>
+          </a:p>
+          <a:p>
+            <a:pPr lvl="1"/>
+            <a:r>
+              <a:rPr lang="en-US" sz="2200" dirty="0">
+                <a:cs typeface="Times New Roman" panose="02020603050405020304" pitchFamily="18" charset="0"/>
+              </a:rPr>
+              <a:t>Subject to the donut hole</a:t>
+            </a:r>
+          </a:p>
+          <a:p>
+            <a:pPr lvl="1"/>
+            <a:r>
+              <a:rPr lang="en-US" sz="2200" i="1" dirty="0">
+                <a:cs typeface="Times New Roman" panose="02020603050405020304" pitchFamily="18" charset="0"/>
+              </a:rPr>
+              <a:t>Close to the kink point </a:t>
+            </a:r>
+            <a:r>
+              <a:rPr lang="en-US" sz="2200" dirty="0">
+                <a:cs typeface="Times New Roman" panose="02020603050405020304" pitchFamily="18" charset="0"/>
+              </a:rPr>
+              <a:t>(since they are using a bunching strategy)</a:t>
+            </a:r>
+          </a:p>
+          <a:p>
+            <a:pPr lvl="1"/>
+            <a:r>
+              <a:rPr lang="en-US" sz="2200" b="1" dirty="0">
+                <a:solidFill>
+                  <a:schemeClr val="accent3">
+                    <a:lumMod val="75000"/>
+                  </a:schemeClr>
+                </a:solidFill>
+                <a:cs typeface="Times New Roman" panose="02020603050405020304" pitchFamily="18" charset="0"/>
+              </a:rPr>
+              <a:t>How does/doesn’t this generalize?</a:t>
+            </a:r>
+            <a:endParaRPr lang="en-US" sz="2400" dirty="0">
+              <a:cs typeface="Times New Roman" panose="02020603050405020304" pitchFamily="18" charset="0"/>
+            </a:endParaRPr>
+          </a:p>
+        </p:txBody>
+      </p:sp>
+    </p:spTree>
+    <p:extLst>
+      <p:ext uri="{BB962C8B-B14F-4D97-AF65-F5344CB8AC3E}">
+        <p14:creationId xmlns:p14="http://schemas.microsoft.com/office/powerpoint/2010/main" val="3709033057"/>
+      </p:ext>
+    </p:extLst>
+  </p:cSld>
+  <p:clrMapOvr>
+    <a:masterClrMapping/>
+  </p:clrMapOvr>
+</p:sld>
+</file>
+
 <file path=ppt/slides/slide32.xml><?xml version="1.0" encoding="utf-8"?>
 <p:sld xmlns:a="http://schemas.openxmlformats.org/drawingml/2006/main" xmlns:r="http://schemas.openxmlformats.org/officeDocument/2006/relationships" xmlns:p="http://schemas.openxmlformats.org/presentationml/2006/main">
   <p:cSld>
@@ -15699,7 +15359,39 @@
         <p:spPr>
           <a:xfrm>
             <a:off x="609600" y="337392"/>
-            <a:ext cx="10439400" cy="624840"/>
+            <a:ext cx="9601200" cy="624840"/>
+          </a:xfrm>
+        </p:spPr>
+        <p:txBody>
+          <a:bodyPr>
+            <a:normAutofit fontScale="90000"/>
+          </a:bodyPr>
+          <a:lstStyle/>
+          <a:p>
+            <a:r>
+              <a:rPr lang="en-US" dirty="0">
+                <a:latin typeface="Times New Roman" panose="02020603050405020304" pitchFamily="18" charset="0"/>
+                <a:cs typeface="Times New Roman" panose="02020603050405020304" pitchFamily="18" charset="0"/>
+              </a:rPr>
+              <a:t>Data Types</a:t>
+            </a:r>
+          </a:p>
+        </p:txBody>
+      </p:sp>
+      <p:sp>
+        <p:nvSpPr>
+          <p:cNvPr id="3" name="Content Placeholder 2"/>
+          <p:cNvSpPr>
+            <a:spLocks noGrp="1"/>
+          </p:cNvSpPr>
+          <p:nvPr>
+            <p:ph idx="1"/>
+          </p:nvPr>
+        </p:nvSpPr>
+        <p:spPr>
+          <a:xfrm>
+            <a:off x="609600" y="1066801"/>
+            <a:ext cx="10210800" cy="5141388"/>
           </a:xfrm>
         </p:spPr>
         <p:txBody>
@@ -15708,155 +15400,53 @@
           </a:bodyPr>
           <a:lstStyle/>
           <a:p>
-            <a:r>
-              <a:rPr lang="en-US" sz="3600" dirty="0">
-                <a:cs typeface="Times New Roman" panose="02020603050405020304" pitchFamily="18" charset="0"/>
-              </a:rPr>
-              <a:t>Descriptive Statistics are Your Friend!</a:t>
-            </a:r>
-            <a:endParaRPr lang="en-US" sz="3600" dirty="0">
+            <a:pPr marL="457200" indent="-457200">
+              <a:buAutoNum type="arabicPeriod"/>
+            </a:pPr>
+            <a:r>
+              <a:rPr lang="en-US" sz="2200" b="1" dirty="0">
+                <a:latin typeface="Times New Roman" panose="02020603050405020304" pitchFamily="18" charset="0"/>
+                <a:cs typeface="Times New Roman" panose="02020603050405020304" pitchFamily="18" charset="0"/>
+              </a:rPr>
+              <a:t>Continuous Variables</a:t>
+            </a:r>
+            <a:r>
+              <a:rPr lang="en-US" sz="2200" dirty="0">
+                <a:latin typeface="Times New Roman" panose="02020603050405020304" pitchFamily="18" charset="0"/>
+                <a:cs typeface="Times New Roman" panose="02020603050405020304" pitchFamily="18" charset="0"/>
+              </a:rPr>
+              <a:t>: measured on the “real line” rather than integers</a:t>
+            </a:r>
+          </a:p>
+          <a:p>
+            <a:pPr lvl="1"/>
+            <a:r>
+              <a:rPr lang="en-US" sz="2200" dirty="0">
+                <a:latin typeface="Times New Roman" panose="02020603050405020304" pitchFamily="18" charset="0"/>
+                <a:cs typeface="Times New Roman" panose="02020603050405020304" pitchFamily="18" charset="0"/>
+              </a:rPr>
+              <a:t>Examples: income, weight, blood pressure, etc. </a:t>
+            </a:r>
+          </a:p>
+          <a:p>
+            <a:pPr lvl="1"/>
+            <a:r>
+              <a:rPr lang="en-US" sz="2200" dirty="0">
+                <a:cs typeface="Times New Roman" panose="02020603050405020304" pitchFamily="18" charset="0"/>
+              </a:rPr>
+              <a:t>Anything that is continuous “enough” can be treated as continuous (e.g., income)</a:t>
+            </a:r>
+            <a:endParaRPr lang="en-US" sz="2200" dirty="0">
               <a:latin typeface="Times New Roman" panose="02020603050405020304" pitchFamily="18" charset="0"/>
               <a:cs typeface="Times New Roman" panose="02020603050405020304" pitchFamily="18" charset="0"/>
             </a:endParaRPr>
           </a:p>
         </p:txBody>
       </p:sp>
-      <p:sp>
-        <p:nvSpPr>
-          <p:cNvPr id="3" name="Content Placeholder 2"/>
-          <p:cNvSpPr>
-            <a:spLocks noGrp="1"/>
-          </p:cNvSpPr>
-          <p:nvPr>
-            <p:ph idx="1"/>
-          </p:nvPr>
-        </p:nvSpPr>
-        <p:spPr>
-          <a:xfrm>
-            <a:off x="1219199" y="1066801"/>
-            <a:ext cx="9829801" cy="5141388"/>
-          </a:xfrm>
-        </p:spPr>
-        <p:txBody>
-          <a:bodyPr>
-            <a:noAutofit/>
-          </a:bodyPr>
-          <a:lstStyle/>
-          <a:p>
-            <a:pPr marL="457200" indent="-457200">
-              <a:buAutoNum type="arabicPeriod"/>
-            </a:pPr>
-            <a:r>
-              <a:rPr lang="en-US" sz="2400" dirty="0">
-                <a:cs typeface="Times New Roman" panose="02020603050405020304" pitchFamily="18" charset="0"/>
-              </a:rPr>
-              <a:t>Tell us something about the “story” you have in mind</a:t>
-            </a:r>
-          </a:p>
-          <a:p>
-            <a:pPr marL="457200" indent="-457200">
-              <a:buFont typeface="+mj-lt"/>
-              <a:buAutoNum type="arabicPeriod"/>
-            </a:pPr>
-            <a:r>
-              <a:rPr lang="en-US" sz="2400" dirty="0">
-                <a:cs typeface="Times New Roman" panose="02020603050405020304" pitchFamily="18" charset="0"/>
-              </a:rPr>
-              <a:t>You can argue the </a:t>
-            </a:r>
-            <a:r>
-              <a:rPr lang="en-US" sz="2400" b="1" dirty="0">
-                <a:cs typeface="Times New Roman" panose="02020603050405020304" pitchFamily="18" charset="0"/>
-              </a:rPr>
-              <a:t>variation </a:t>
-            </a:r>
-            <a:r>
-              <a:rPr lang="en-US" sz="2400" dirty="0">
-                <a:cs typeface="Times New Roman" panose="02020603050405020304" pitchFamily="18" charset="0"/>
-              </a:rPr>
-              <a:t>you’re exploiting in fact exists!</a:t>
-            </a:r>
-          </a:p>
-          <a:p>
-            <a:pPr marL="457200" indent="-457200">
-              <a:buFont typeface="+mj-lt"/>
-              <a:buAutoNum type="arabicPeriod"/>
-            </a:pPr>
-            <a:r>
-              <a:rPr lang="en-US" sz="2400" dirty="0">
-                <a:cs typeface="Times New Roman" panose="02020603050405020304" pitchFamily="18" charset="0"/>
-              </a:rPr>
-              <a:t>Informs and motivates your model </a:t>
-            </a:r>
-          </a:p>
-          <a:p>
-            <a:pPr marL="457200" indent="-457200">
-              <a:buFont typeface="+mj-lt"/>
-              <a:buAutoNum type="arabicPeriod"/>
-            </a:pPr>
-            <a:r>
-              <a:rPr lang="en-US" sz="2400" dirty="0">
-                <a:cs typeface="Times New Roman" panose="02020603050405020304" pitchFamily="18" charset="0"/>
-              </a:rPr>
-              <a:t>Don’t forget to say something about whom your sample is representative</a:t>
-            </a:r>
-          </a:p>
-          <a:p>
-            <a:pPr lvl="1"/>
-            <a:r>
-              <a:rPr lang="en-US" sz="2200" dirty="0">
-                <a:cs typeface="Times New Roman" panose="02020603050405020304" pitchFamily="18" charset="0"/>
-              </a:rPr>
-              <a:t>Medicare Part D enrollees</a:t>
-            </a:r>
-          </a:p>
-          <a:p>
-            <a:pPr lvl="1"/>
-            <a:r>
-              <a:rPr lang="en-US" sz="2200" dirty="0">
-                <a:cs typeface="Times New Roman" panose="02020603050405020304" pitchFamily="18" charset="0"/>
-              </a:rPr>
-              <a:t>Subject to the donut hole</a:t>
-            </a:r>
-          </a:p>
-          <a:p>
-            <a:pPr lvl="1"/>
-            <a:r>
-              <a:rPr lang="en-US" sz="2200" i="1" dirty="0">
-                <a:cs typeface="Times New Roman" panose="02020603050405020304" pitchFamily="18" charset="0"/>
-              </a:rPr>
-              <a:t>Close to the kink point </a:t>
-            </a:r>
-            <a:r>
-              <a:rPr lang="en-US" sz="2200" dirty="0">
-                <a:cs typeface="Times New Roman" panose="02020603050405020304" pitchFamily="18" charset="0"/>
-              </a:rPr>
-              <a:t>(since they are using a bunching strategy)</a:t>
-            </a:r>
-          </a:p>
-          <a:p>
-            <a:pPr lvl="1"/>
-            <a:r>
-              <a:rPr lang="en-US" sz="2200" b="1" dirty="0">
-                <a:solidFill>
-                  <a:schemeClr val="accent3">
-                    <a:lumMod val="75000"/>
-                  </a:schemeClr>
-                </a:solidFill>
-                <a:cs typeface="Times New Roman" panose="02020603050405020304" pitchFamily="18" charset="0"/>
-              </a:rPr>
-              <a:t>How does/doesn’t this generalize?</a:t>
-            </a:r>
-            <a:endParaRPr lang="en-US" sz="2400" dirty="0">
-              <a:cs typeface="Times New Roman" panose="02020603050405020304" pitchFamily="18" charset="0"/>
-            </a:endParaRPr>
-          </a:p>
-        </p:txBody>
-      </p:sp>
     </p:spTree>
     <p:extLst>
       <p:ext uri="{BB962C8B-B14F-4D97-AF65-F5344CB8AC3E}">
-        <p14:creationId xmlns:p14="http://schemas.microsoft.com/office/powerpoint/2010/main" val="3709033057"/>
+        <p14:creationId xmlns:p14="http://schemas.microsoft.com/office/powerpoint/2010/main" val="2149972375"/>
       </p:ext>
     </p:extLst>
   </p:cSld>
@@ -15978,133 +15568,6 @@
               <a:cs typeface="Times New Roman" panose="02020603050405020304" pitchFamily="18" charset="0"/>
             </a:endParaRPr>
           </a:p>
-        </p:txBody>
-      </p:sp>
-    </p:spTree>
-    <p:extLst>
-      <p:ext uri="{BB962C8B-B14F-4D97-AF65-F5344CB8AC3E}">
-        <p14:creationId xmlns:p14="http://schemas.microsoft.com/office/powerpoint/2010/main" val="2149972375"/>
-      </p:ext>
-    </p:extLst>
-  </p:cSld>
-  <p:clrMapOvr>
-    <a:masterClrMapping/>
-  </p:clrMapOvr>
-</p:sld>
-</file>
-
-<file path=ppt/slides/slide34.xml><?xml version="1.0" encoding="utf-8"?>
-<p:sld xmlns:a="http://schemas.openxmlformats.org/drawingml/2006/main" xmlns:r="http://schemas.openxmlformats.org/officeDocument/2006/relationships" xmlns:p="http://schemas.openxmlformats.org/presentationml/2006/main">
-  <p:cSld>
-    <p:spTree>
-      <p:nvGrpSpPr>
-        <p:cNvPr id="1" name=""/>
-        <p:cNvGrpSpPr/>
-        <p:nvPr/>
-      </p:nvGrpSpPr>
-      <p:grpSpPr>
-        <a:xfrm>
-          <a:off x="0" y="0"/>
-          <a:ext cx="0" cy="0"/>
-          <a:chOff x="0" y="0"/>
-          <a:chExt cx="0" cy="0"/>
-        </a:xfrm>
-      </p:grpSpPr>
-      <p:sp>
-        <p:nvSpPr>
-          <p:cNvPr id="2" name="Title 1"/>
-          <p:cNvSpPr>
-            <a:spLocks noGrp="1"/>
-          </p:cNvSpPr>
-          <p:nvPr>
-            <p:ph type="title"/>
-          </p:nvPr>
-        </p:nvSpPr>
-        <p:spPr>
-          <a:xfrm>
-            <a:off x="609600" y="337392"/>
-            <a:ext cx="9601200" cy="624840"/>
-          </a:xfrm>
-        </p:spPr>
-        <p:txBody>
-          <a:bodyPr>
-            <a:normAutofit fontScale="90000"/>
-          </a:bodyPr>
-          <a:lstStyle/>
-          <a:p>
-            <a:r>
-              <a:rPr lang="en-US" dirty="0">
-                <a:latin typeface="Times New Roman" panose="02020603050405020304" pitchFamily="18" charset="0"/>
-                <a:cs typeface="Times New Roman" panose="02020603050405020304" pitchFamily="18" charset="0"/>
-              </a:rPr>
-              <a:t>Data Types</a:t>
-            </a:r>
-          </a:p>
-        </p:txBody>
-      </p:sp>
-      <p:sp>
-        <p:nvSpPr>
-          <p:cNvPr id="3" name="Content Placeholder 2"/>
-          <p:cNvSpPr>
-            <a:spLocks noGrp="1"/>
-          </p:cNvSpPr>
-          <p:nvPr>
-            <p:ph idx="1"/>
-          </p:nvPr>
-        </p:nvSpPr>
-        <p:spPr>
-          <a:xfrm>
-            <a:off x="609600" y="1066801"/>
-            <a:ext cx="10210800" cy="5141388"/>
-          </a:xfrm>
-        </p:spPr>
-        <p:txBody>
-          <a:bodyPr>
-            <a:noAutofit/>
-          </a:bodyPr>
-          <a:lstStyle/>
-          <a:p>
-            <a:pPr marL="457200" indent="-457200">
-              <a:buAutoNum type="arabicPeriod"/>
-            </a:pPr>
-            <a:r>
-              <a:rPr lang="en-US" sz="2200" b="1" dirty="0">
-                <a:latin typeface="Times New Roman" panose="02020603050405020304" pitchFamily="18" charset="0"/>
-                <a:cs typeface="Times New Roman" panose="02020603050405020304" pitchFamily="18" charset="0"/>
-              </a:rPr>
-              <a:t>Continuous Variables</a:t>
-            </a:r>
-            <a:r>
-              <a:rPr lang="en-US" sz="2200" dirty="0">
-                <a:latin typeface="Times New Roman" panose="02020603050405020304" pitchFamily="18" charset="0"/>
-                <a:cs typeface="Times New Roman" panose="02020603050405020304" pitchFamily="18" charset="0"/>
-              </a:rPr>
-              <a:t>: measured on the “real line” rather than integers</a:t>
-            </a:r>
-          </a:p>
-          <a:p>
-            <a:pPr lvl="1"/>
-            <a:r>
-              <a:rPr lang="en-US" sz="2200" dirty="0">
-                <a:latin typeface="Times New Roman" panose="02020603050405020304" pitchFamily="18" charset="0"/>
-                <a:cs typeface="Times New Roman" panose="02020603050405020304" pitchFamily="18" charset="0"/>
-              </a:rPr>
-              <a:t>Examples: income, weight, blood pressure, etc. </a:t>
-            </a:r>
-          </a:p>
-          <a:p>
-            <a:pPr lvl="1"/>
-            <a:r>
-              <a:rPr lang="en-US" sz="2200" dirty="0">
-                <a:cs typeface="Times New Roman" panose="02020603050405020304" pitchFamily="18" charset="0"/>
-              </a:rPr>
-              <a:t>Anything that is continuous “enough” can be treated as continuous (e.g., income)</a:t>
-            </a:r>
-            <a:endParaRPr lang="en-US" sz="2200" dirty="0">
-              <a:latin typeface="Times New Roman" panose="02020603050405020304" pitchFamily="18" charset="0"/>
-              <a:cs typeface="Times New Roman" panose="02020603050405020304" pitchFamily="18" charset="0"/>
-            </a:endParaRPr>
-          </a:p>
           <a:p>
             <a:pPr marL="457200" indent="-457200">
               <a:buAutoNum type="arabicPeriod"/>
@@ -16175,7 +15638,7 @@
 </p:sld>
 </file>
 
-<file path=ppt/slides/slide35.xml><?xml version="1.0" encoding="utf-8"?>
+<file path=ppt/slides/slide34.xml><?xml version="1.0" encoding="utf-8"?>
 <p:sld xmlns:a="http://schemas.openxmlformats.org/drawingml/2006/main" xmlns:r="http://schemas.openxmlformats.org/officeDocument/2006/relationships" xmlns:p="http://schemas.openxmlformats.org/presentationml/2006/main">
   <p:cSld>
     <p:spTree>
@@ -16396,7 +15859,7 @@
 </p:sld>
 </file>
 
-<file path=ppt/slides/slide36.xml><?xml version="1.0" encoding="utf-8"?>
+<file path=ppt/slides/slide35.xml><?xml version="1.0" encoding="utf-8"?>
 <p:sld xmlns:a="http://schemas.openxmlformats.org/drawingml/2006/main" xmlns:r="http://schemas.openxmlformats.org/officeDocument/2006/relationships" xmlns:p="http://schemas.openxmlformats.org/presentationml/2006/main">
   <p:cSld>
     <p:spTree>
@@ -16650,7 +16113,7 @@
 </p:sld>
 </file>
 
-<file path=ppt/slides/slide37.xml><?xml version="1.0" encoding="utf-8"?>
+<file path=ppt/slides/slide36.xml><?xml version="1.0" encoding="utf-8"?>
 <p:sld xmlns:a="http://schemas.openxmlformats.org/drawingml/2006/main" xmlns:r="http://schemas.openxmlformats.org/officeDocument/2006/relationships" xmlns:p="http://schemas.openxmlformats.org/presentationml/2006/main">
   <p:cSld>
     <p:spTree>
@@ -16905,7 +16368,7 @@
 </p:sld>
 </file>
 
-<file path=ppt/slides/slide38.xml><?xml version="1.0" encoding="utf-8"?>
+<file path=ppt/slides/slide37.xml><?xml version="1.0" encoding="utf-8"?>
 <p:sld xmlns:a="http://schemas.openxmlformats.org/drawingml/2006/main" xmlns:r="http://schemas.openxmlformats.org/officeDocument/2006/relationships" xmlns:p="http://schemas.openxmlformats.org/presentationml/2006/main">
   <p:cSld>
     <p:spTree>
@@ -17034,7 +16497,7 @@
 </p:sld>
 </file>
 
-<file path=ppt/slides/slide39.xml><?xml version="1.0" encoding="utf-8"?>
+<file path=ppt/slides/slide38.xml><?xml version="1.0" encoding="utf-8"?>
 <p:sld xmlns:a="http://schemas.openxmlformats.org/drawingml/2006/main" xmlns:r="http://schemas.openxmlformats.org/officeDocument/2006/relationships" xmlns:p="http://schemas.openxmlformats.org/presentationml/2006/main">
   <p:cSld>
     <p:spTree>
@@ -17242,97 +16705,7 @@
 </p:sld>
 </file>
 
-<file path=ppt/slides/slide4.xml><?xml version="1.0" encoding="utf-8"?>
-<p:sld xmlns:a="http://schemas.openxmlformats.org/drawingml/2006/main" xmlns:r="http://schemas.openxmlformats.org/officeDocument/2006/relationships" xmlns:p="http://schemas.openxmlformats.org/presentationml/2006/main">
-  <p:cSld>
-    <p:spTree>
-      <p:nvGrpSpPr>
-        <p:cNvPr id="1" name=""/>
-        <p:cNvGrpSpPr/>
-        <p:nvPr/>
-      </p:nvGrpSpPr>
-      <p:grpSpPr>
-        <a:xfrm>
-          <a:off x="0" y="0"/>
-          <a:ext cx="0" cy="0"/>
-          <a:chOff x="0" y="0"/>
-          <a:chExt cx="0" cy="0"/>
-        </a:xfrm>
-      </p:grpSpPr>
-      <p:sp>
-        <p:nvSpPr>
-          <p:cNvPr id="2" name="Title 1">
-            <a:extLst>
-              <a:ext uri="{FF2B5EF4-FFF2-40B4-BE49-F238E27FC236}">
-                <a16:creationId xmlns:a16="http://schemas.microsoft.com/office/drawing/2014/main" id="{F6693EDF-660D-4391-A114-A6C54268E445}"/>
-              </a:ext>
-            </a:extLst>
-          </p:cNvPr>
-          <p:cNvSpPr>
-            <a:spLocks noGrp="1"/>
-          </p:cNvSpPr>
-          <p:nvPr>
-            <p:ph type="ctrTitle"/>
-          </p:nvPr>
-        </p:nvSpPr>
-        <p:spPr>
-          <a:xfrm>
-            <a:off x="1261872" y="758952"/>
-            <a:ext cx="10549128" cy="4041648"/>
-          </a:xfrm>
-        </p:spPr>
-        <p:txBody>
-          <a:bodyPr/>
-          <a:lstStyle/>
-          <a:p>
-            <a:r>
-              <a:rPr lang="en-US" dirty="0"/>
-              <a:t>Programming in R</a:t>
-            </a:r>
-          </a:p>
-        </p:txBody>
-      </p:sp>
-      <p:sp>
-        <p:nvSpPr>
-          <p:cNvPr id="3" name="Subtitle 2">
-            <a:extLst>
-              <a:ext uri="{FF2B5EF4-FFF2-40B4-BE49-F238E27FC236}">
-                <a16:creationId xmlns:a16="http://schemas.microsoft.com/office/drawing/2014/main" id="{9A7FADE3-4D7C-4B3A-B023-71CD85AECCCB}"/>
-              </a:ext>
-            </a:extLst>
-          </p:cNvPr>
-          <p:cNvSpPr>
-            <a:spLocks noGrp="1"/>
-          </p:cNvSpPr>
-          <p:nvPr>
-            <p:ph type="subTitle" idx="1"/>
-          </p:nvPr>
-        </p:nvSpPr>
-        <p:spPr/>
-        <p:txBody>
-          <a:bodyPr>
-            <a:normAutofit/>
-          </a:bodyPr>
-          <a:lstStyle/>
-          <a:p>
-            <a:endParaRPr lang="en-US" sz="4400" dirty="0"/>
-          </a:p>
-        </p:txBody>
-      </p:sp>
-    </p:spTree>
-    <p:extLst>
-      <p:ext uri="{BB962C8B-B14F-4D97-AF65-F5344CB8AC3E}">
-        <p14:creationId xmlns:p14="http://schemas.microsoft.com/office/powerpoint/2010/main" val="2953910715"/>
-      </p:ext>
-    </p:extLst>
-  </p:cSld>
-  <p:clrMapOvr>
-    <a:masterClrMapping/>
-  </p:clrMapOvr>
-</p:sld>
-</file>
-
-<file path=ppt/slides/slide40.xml><?xml version="1.0" encoding="utf-8"?>
+<file path=ppt/slides/slide39.xml><?xml version="1.0" encoding="utf-8"?>
 <p:sld xmlns:a="http://schemas.openxmlformats.org/drawingml/2006/main" xmlns:r="http://schemas.openxmlformats.org/officeDocument/2006/relationships" xmlns:p="http://schemas.openxmlformats.org/presentationml/2006/main">
   <p:cSld>
     <p:spTree>
@@ -17576,7 +16949,97 @@
 </p:sld>
 </file>
 
-<file path=ppt/slides/slide41.xml><?xml version="1.0" encoding="utf-8"?>
+<file path=ppt/slides/slide4.xml><?xml version="1.0" encoding="utf-8"?>
+<p:sld xmlns:a="http://schemas.openxmlformats.org/drawingml/2006/main" xmlns:r="http://schemas.openxmlformats.org/officeDocument/2006/relationships" xmlns:p="http://schemas.openxmlformats.org/presentationml/2006/main">
+  <p:cSld>
+    <p:spTree>
+      <p:nvGrpSpPr>
+        <p:cNvPr id="1" name=""/>
+        <p:cNvGrpSpPr/>
+        <p:nvPr/>
+      </p:nvGrpSpPr>
+      <p:grpSpPr>
+        <a:xfrm>
+          <a:off x="0" y="0"/>
+          <a:ext cx="0" cy="0"/>
+          <a:chOff x="0" y="0"/>
+          <a:chExt cx="0" cy="0"/>
+        </a:xfrm>
+      </p:grpSpPr>
+      <p:sp>
+        <p:nvSpPr>
+          <p:cNvPr id="2" name="Title 1">
+            <a:extLst>
+              <a:ext uri="{FF2B5EF4-FFF2-40B4-BE49-F238E27FC236}">
+                <a16:creationId xmlns:a16="http://schemas.microsoft.com/office/drawing/2014/main" id="{F6693EDF-660D-4391-A114-A6C54268E445}"/>
+              </a:ext>
+            </a:extLst>
+          </p:cNvPr>
+          <p:cNvSpPr>
+            <a:spLocks noGrp="1"/>
+          </p:cNvSpPr>
+          <p:nvPr>
+            <p:ph type="ctrTitle"/>
+          </p:nvPr>
+        </p:nvSpPr>
+        <p:spPr>
+          <a:xfrm>
+            <a:off x="1261872" y="758952"/>
+            <a:ext cx="10549128" cy="4041648"/>
+          </a:xfrm>
+        </p:spPr>
+        <p:txBody>
+          <a:bodyPr/>
+          <a:lstStyle/>
+          <a:p>
+            <a:r>
+              <a:rPr lang="en-US" dirty="0"/>
+              <a:t>Programming in R</a:t>
+            </a:r>
+          </a:p>
+        </p:txBody>
+      </p:sp>
+      <p:sp>
+        <p:nvSpPr>
+          <p:cNvPr id="3" name="Subtitle 2">
+            <a:extLst>
+              <a:ext uri="{FF2B5EF4-FFF2-40B4-BE49-F238E27FC236}">
+                <a16:creationId xmlns:a16="http://schemas.microsoft.com/office/drawing/2014/main" id="{9A7FADE3-4D7C-4B3A-B023-71CD85AECCCB}"/>
+              </a:ext>
+            </a:extLst>
+          </p:cNvPr>
+          <p:cNvSpPr>
+            <a:spLocks noGrp="1"/>
+          </p:cNvSpPr>
+          <p:nvPr>
+            <p:ph type="subTitle" idx="1"/>
+          </p:nvPr>
+        </p:nvSpPr>
+        <p:spPr/>
+        <p:txBody>
+          <a:bodyPr>
+            <a:normAutofit/>
+          </a:bodyPr>
+          <a:lstStyle/>
+          <a:p>
+            <a:endParaRPr lang="en-US" sz="4400" dirty="0"/>
+          </a:p>
+        </p:txBody>
+      </p:sp>
+    </p:spTree>
+    <p:extLst>
+      <p:ext uri="{BB962C8B-B14F-4D97-AF65-F5344CB8AC3E}">
+        <p14:creationId xmlns:p14="http://schemas.microsoft.com/office/powerpoint/2010/main" val="2953910715"/>
+      </p:ext>
+    </p:extLst>
+  </p:cSld>
+  <p:clrMapOvr>
+    <a:masterClrMapping/>
+  </p:clrMapOvr>
+</p:sld>
+</file>
+
+<file path=ppt/slides/slide40.xml><?xml version="1.0" encoding="utf-8"?>
 <p:sld xmlns:a="http://schemas.openxmlformats.org/drawingml/2006/main" xmlns:r="http://schemas.openxmlformats.org/officeDocument/2006/relationships" xmlns:p="http://schemas.openxmlformats.org/presentationml/2006/main">
   <p:cSld>
     <p:spTree>
@@ -17721,7 +17184,7 @@
 </p:sld>
 </file>
 
-<file path=ppt/slides/slide42.xml><?xml version="1.0" encoding="utf-8"?>
+<file path=ppt/slides/slide41.xml><?xml version="1.0" encoding="utf-8"?>
 <p:sld xmlns:a="http://schemas.openxmlformats.org/drawingml/2006/main" xmlns:r="http://schemas.openxmlformats.org/officeDocument/2006/relationships" xmlns:p="http://schemas.openxmlformats.org/presentationml/2006/main">
   <p:cSld>
     <p:spTree>
@@ -17866,7 +17329,7 @@
 </p:sld>
 </file>
 
-<file path=ppt/slides/slide43.xml><?xml version="1.0" encoding="utf-8"?>
+<file path=ppt/slides/slide42.xml><?xml version="1.0" encoding="utf-8"?>
 <p:sld xmlns:a="http://schemas.openxmlformats.org/drawingml/2006/main" xmlns:r="http://schemas.openxmlformats.org/officeDocument/2006/relationships" xmlns:p="http://schemas.openxmlformats.org/presentationml/2006/main">
   <p:cSld>
     <p:spTree>
@@ -18188,7 +17651,7 @@
 </p:sld>
 </file>
 
-<file path=ppt/slides/slide44.xml><?xml version="1.0" encoding="utf-8"?>
+<file path=ppt/slides/slide43.xml><?xml version="1.0" encoding="utf-8"?>
 <p:sld xmlns:a="http://schemas.openxmlformats.org/drawingml/2006/main" xmlns:r="http://schemas.openxmlformats.org/officeDocument/2006/relationships" xmlns:p="http://schemas.openxmlformats.org/presentationml/2006/main">
   <p:cSld>
     <p:spTree>
@@ -18640,7 +18103,7 @@
 </p:sld>
 </file>
 
-<file path=ppt/slides/slide45.xml><?xml version="1.0" encoding="utf-8"?>
+<file path=ppt/slides/slide44.xml><?xml version="1.0" encoding="utf-8"?>
 <p:sld xmlns:a="http://schemas.openxmlformats.org/drawingml/2006/main" xmlns:r="http://schemas.openxmlformats.org/officeDocument/2006/relationships" xmlns:p="http://schemas.openxmlformats.org/presentationml/2006/main">
   <p:cSld>
     <p:spTree>
@@ -18999,7 +18462,7 @@
 </p:sld>
 </file>
 
-<file path=ppt/slides/slide46.xml><?xml version="1.0" encoding="utf-8"?>
+<file path=ppt/slides/slide45.xml><?xml version="1.0" encoding="utf-8"?>
 <p:sld xmlns:a="http://schemas.openxmlformats.org/drawingml/2006/main" xmlns:r="http://schemas.openxmlformats.org/officeDocument/2006/relationships" xmlns:p="http://schemas.openxmlformats.org/presentationml/2006/main">
   <p:cSld>
     <p:spTree>
@@ -19396,7 +18859,7 @@
 </p:sld>
 </file>
 
-<file path=ppt/slides/slide47.xml><?xml version="1.0" encoding="utf-8"?>
+<file path=ppt/slides/slide46.xml><?xml version="1.0" encoding="utf-8"?>
 <p:sld xmlns:a="http://schemas.openxmlformats.org/drawingml/2006/main" xmlns:r="http://schemas.openxmlformats.org/officeDocument/2006/relationships" xmlns:p="http://schemas.openxmlformats.org/presentationml/2006/main">
   <p:cSld>
     <p:spTree>
@@ -19873,7 +19336,7 @@
 </p:sld>
 </file>
 
-<file path=ppt/slides/slide48.xml><?xml version="1.0" encoding="utf-8"?>
+<file path=ppt/slides/slide47.xml><?xml version="1.0" encoding="utf-8"?>
 <p:sld xmlns:a="http://schemas.openxmlformats.org/drawingml/2006/main" xmlns:r="http://schemas.openxmlformats.org/officeDocument/2006/relationships" xmlns:p="http://schemas.openxmlformats.org/presentationml/2006/main">
   <p:cSld>
     <p:spTree>
@@ -20147,7 +19610,7 @@
 </p:sld>
 </file>
 
-<file path=ppt/slides/slide49.xml><?xml version="1.0" encoding="utf-8"?>
+<file path=ppt/slides/slide48.xml><?xml version="1.0" encoding="utf-8"?>
 <p:sld xmlns:a="http://schemas.openxmlformats.org/drawingml/2006/main" xmlns:r="http://schemas.openxmlformats.org/officeDocument/2006/relationships" xmlns:p="http://schemas.openxmlformats.org/presentationml/2006/main">
   <p:cSld>
     <p:spTree>
@@ -20317,6 +19780,123 @@
     <p:extLst>
       <p:ext uri="{BB962C8B-B14F-4D97-AF65-F5344CB8AC3E}">
         <p14:creationId xmlns:p14="http://schemas.microsoft.com/office/powerpoint/2010/main" val="891383395"/>
+      </p:ext>
+    </p:extLst>
+  </p:cSld>
+  <p:clrMapOvr>
+    <a:masterClrMapping/>
+  </p:clrMapOvr>
+</p:sld>
+</file>
+
+<file path=ppt/slides/slide49.xml><?xml version="1.0" encoding="utf-8"?>
+<p:sld xmlns:a="http://schemas.openxmlformats.org/drawingml/2006/main" xmlns:r="http://schemas.openxmlformats.org/officeDocument/2006/relationships" xmlns:p="http://schemas.openxmlformats.org/presentationml/2006/main">
+  <p:cSld>
+    <p:spTree>
+      <p:nvGrpSpPr>
+        <p:cNvPr id="1" name=""/>
+        <p:cNvGrpSpPr/>
+        <p:nvPr/>
+      </p:nvGrpSpPr>
+      <p:grpSpPr>
+        <a:xfrm>
+          <a:off x="0" y="0"/>
+          <a:ext cx="0" cy="0"/>
+          <a:chOff x="0" y="0"/>
+          <a:chExt cx="0" cy="0"/>
+        </a:xfrm>
+      </p:grpSpPr>
+      <p:sp>
+        <p:nvSpPr>
+          <p:cNvPr id="2" name="Title 1"/>
+          <p:cNvSpPr>
+            <a:spLocks noGrp="1"/>
+          </p:cNvSpPr>
+          <p:nvPr>
+            <p:ph type="title"/>
+          </p:nvPr>
+        </p:nvSpPr>
+        <p:spPr>
+          <a:xfrm>
+            <a:off x="8318090" y="758952"/>
+            <a:ext cx="2802194" cy="4041648"/>
+          </a:xfrm>
+        </p:spPr>
+        <p:txBody>
+          <a:bodyPr vert="horz" lIns="91440" tIns="45720" rIns="91440" bIns="45720" rtlCol="0" anchor="b">
+            <a:normAutofit/>
+          </a:bodyPr>
+          <a:lstStyle/>
+          <a:p>
+            <a:pPr>
+              <a:lnSpc>
+                <a:spcPct val="85000"/>
+              </a:lnSpc>
+            </a:pPr>
+            <a:r>
+              <a:rPr lang="en-US" sz="3700">
+                <a:solidFill>
+                  <a:srgbClr val="FFFFFF"/>
+                </a:solidFill>
+                <a:latin typeface="+mj-lt"/>
+              </a:rPr>
+              <a:t>Measuring Variability: Variance and SDs</a:t>
+            </a:r>
+          </a:p>
+        </p:txBody>
+      </p:sp>
+      <p:pic>
+        <p:nvPicPr>
+          <p:cNvPr id="1030" name="Picture 6" descr="Finding and Using Health Statistics">
+            <a:extLst>
+              <a:ext uri="{FF2B5EF4-FFF2-40B4-BE49-F238E27FC236}">
+                <a16:creationId xmlns:a16="http://schemas.microsoft.com/office/drawing/2014/main" id="{AD7D260B-F26F-8D2C-DDEC-5DAEF5611B09}"/>
+              </a:ext>
+            </a:extLst>
+          </p:cNvPr>
+          <p:cNvPicPr>
+            <a:picLocks noGrp="1" noChangeAspect="1" noChangeArrowheads="1"/>
+          </p:cNvPicPr>
+          <p:nvPr>
+            <p:ph idx="1"/>
+          </p:nvPr>
+        </p:nvPicPr>
+        <p:blipFill>
+          <a:blip r:embed="rId3" cstate="print">
+            <a:extLst>
+              <a:ext uri="{28A0092B-C50C-407E-A947-70E740481C1C}">
+                <a14:useLocalDpi xmlns:a14="http://schemas.microsoft.com/office/drawing/2010/main" val="0"/>
+              </a:ext>
+            </a:extLst>
+          </a:blip>
+          <a:stretch>
+            <a:fillRect/>
+          </a:stretch>
+        </p:blipFill>
+        <p:spPr bwMode="auto">
+          <a:xfrm>
+            <a:off x="924375" y="522624"/>
+            <a:ext cx="6616823" cy="5806263"/>
+          </a:xfrm>
+          <a:prstGeom prst="rect">
+            <a:avLst/>
+          </a:prstGeom>
+          <a:noFill/>
+          <a:extLst>
+            <a:ext uri="{909E8E84-426E-40DD-AFC4-6F175D3DCCD1}">
+              <a14:hiddenFill xmlns:a14="http://schemas.microsoft.com/office/drawing/2010/main">
+                <a:solidFill>
+                  <a:srgbClr val="FFFFFF"/>
+                </a:solidFill>
+              </a14:hiddenFill>
+            </a:ext>
+          </a:extLst>
+        </p:spPr>
+      </p:pic>
+    </p:spTree>
+    <p:extLst>
+      <p:ext uri="{BB962C8B-B14F-4D97-AF65-F5344CB8AC3E}">
+        <p14:creationId xmlns:p14="http://schemas.microsoft.com/office/powerpoint/2010/main" val="858696867"/>
       </p:ext>
     </p:extLst>
   </p:cSld>
@@ -20554,170 +20134,6 @@
         </p:nvSpPr>
         <p:spPr>
           <a:xfrm>
-            <a:off x="8318090" y="758952"/>
-            <a:ext cx="2802194" cy="4041648"/>
-          </a:xfrm>
-        </p:spPr>
-        <p:txBody>
-          <a:bodyPr vert="horz" lIns="91440" tIns="45720" rIns="91440" bIns="45720" rtlCol="0" anchor="b">
-            <a:normAutofit/>
-          </a:bodyPr>
-          <a:lstStyle/>
-          <a:p>
-            <a:pPr>
-              <a:lnSpc>
-                <a:spcPct val="85000"/>
-              </a:lnSpc>
-            </a:pPr>
-            <a:r>
-              <a:rPr lang="en-US" sz="3700">
-                <a:solidFill>
-                  <a:srgbClr val="FFFFFF"/>
-                </a:solidFill>
-                <a:latin typeface="+mj-lt"/>
-              </a:rPr>
-              <a:t>Measuring Variability: Variance and SDs</a:t>
-            </a:r>
-          </a:p>
-        </p:txBody>
-      </p:sp>
-      <p:pic>
-        <p:nvPicPr>
-          <p:cNvPr id="1030" name="Picture 6" descr="Finding and Using Health Statistics">
-            <a:extLst>
-              <a:ext uri="{FF2B5EF4-FFF2-40B4-BE49-F238E27FC236}">
-                <a16:creationId xmlns:a16="http://schemas.microsoft.com/office/drawing/2014/main" id="{AD7D260B-F26F-8D2C-DDEC-5DAEF5611B09}"/>
-              </a:ext>
-            </a:extLst>
-          </p:cNvPr>
-          <p:cNvPicPr>
-            <a:picLocks noGrp="1" noChangeAspect="1" noChangeArrowheads="1"/>
-          </p:cNvPicPr>
-          <p:nvPr>
-            <p:ph idx="1"/>
-          </p:nvPr>
-        </p:nvPicPr>
-        <p:blipFill>
-          <a:blip r:embed="rId3" cstate="print">
-            <a:extLst>
-              <a:ext uri="{28A0092B-C50C-407E-A947-70E740481C1C}">
-                <a14:useLocalDpi xmlns:a14="http://schemas.microsoft.com/office/drawing/2010/main" val="0"/>
-              </a:ext>
-            </a:extLst>
-          </a:blip>
-          <a:stretch>
-            <a:fillRect/>
-          </a:stretch>
-        </p:blipFill>
-        <p:spPr bwMode="auto">
-          <a:xfrm>
-            <a:off x="924375" y="522624"/>
-            <a:ext cx="6616823" cy="5806263"/>
-          </a:xfrm>
-          <a:prstGeom prst="rect">
-            <a:avLst/>
-          </a:prstGeom>
-          <a:noFill/>
-          <a:extLst>
-            <a:ext uri="{909E8E84-426E-40DD-AFC4-6F175D3DCCD1}">
-              <a14:hiddenFill xmlns:a14="http://schemas.microsoft.com/office/drawing/2010/main">
-                <a:solidFill>
-                  <a:srgbClr val="FFFFFF"/>
-                </a:solidFill>
-              </a14:hiddenFill>
-            </a:ext>
-          </a:extLst>
-        </p:spPr>
-      </p:pic>
-      <p:pic>
-        <p:nvPicPr>
-          <p:cNvPr id="7" name="Picture 2" descr="RStudio - RStudio">
-            <a:extLst>
-              <a:ext uri="{FF2B5EF4-FFF2-40B4-BE49-F238E27FC236}">
-                <a16:creationId xmlns:a16="http://schemas.microsoft.com/office/drawing/2014/main" id="{D59C23ED-201A-1262-E961-36EDAE101E96}"/>
-              </a:ext>
-            </a:extLst>
-          </p:cNvPr>
-          <p:cNvPicPr>
-            <a:picLocks noChangeAspect="1" noChangeArrowheads="1"/>
-          </p:cNvPicPr>
-          <p:nvPr/>
-        </p:nvPicPr>
-        <p:blipFill>
-          <a:blip r:embed="rId4">
-            <a:extLst>
-              <a:ext uri="{28A0092B-C50C-407E-A947-70E740481C1C}">
-                <a14:useLocalDpi xmlns:a14="http://schemas.microsoft.com/office/drawing/2010/main" val="0"/>
-              </a:ext>
-            </a:extLst>
-          </a:blip>
-          <a:srcRect/>
-          <a:stretch>
-            <a:fillRect/>
-          </a:stretch>
-        </p:blipFill>
-        <p:spPr bwMode="auto">
-          <a:xfrm>
-            <a:off x="10581825" y="5257800"/>
-            <a:ext cx="1371600" cy="1371600"/>
-          </a:xfrm>
-          <a:prstGeom prst="rect">
-            <a:avLst/>
-          </a:prstGeom>
-          <a:noFill/>
-          <a:extLst>
-            <a:ext uri="{909E8E84-426E-40DD-AFC4-6F175D3DCCD1}">
-              <a14:hiddenFill xmlns:a14="http://schemas.microsoft.com/office/drawing/2010/main">
-                <a:solidFill>
-                  <a:srgbClr val="FFFFFF"/>
-                </a:solidFill>
-              </a14:hiddenFill>
-            </a:ext>
-          </a:extLst>
-        </p:spPr>
-      </p:pic>
-    </p:spTree>
-    <p:extLst>
-      <p:ext uri="{BB962C8B-B14F-4D97-AF65-F5344CB8AC3E}">
-        <p14:creationId xmlns:p14="http://schemas.microsoft.com/office/powerpoint/2010/main" val="858696867"/>
-      </p:ext>
-    </p:extLst>
-  </p:cSld>
-  <p:clrMapOvr>
-    <a:masterClrMapping/>
-  </p:clrMapOvr>
-</p:sld>
-</file>
-
-<file path=ppt/slides/slide51.xml><?xml version="1.0" encoding="utf-8"?>
-<p:sld xmlns:a="http://schemas.openxmlformats.org/drawingml/2006/main" xmlns:r="http://schemas.openxmlformats.org/officeDocument/2006/relationships" xmlns:p="http://schemas.openxmlformats.org/presentationml/2006/main">
-  <p:cSld>
-    <p:spTree>
-      <p:nvGrpSpPr>
-        <p:cNvPr id="1" name=""/>
-        <p:cNvGrpSpPr/>
-        <p:nvPr/>
-      </p:nvGrpSpPr>
-      <p:grpSpPr>
-        <a:xfrm>
-          <a:off x="0" y="0"/>
-          <a:ext cx="0" cy="0"/>
-          <a:chOff x="0" y="0"/>
-          <a:chExt cx="0" cy="0"/>
-        </a:xfrm>
-      </p:grpSpPr>
-      <p:sp>
-        <p:nvSpPr>
-          <p:cNvPr id="2" name="Title 1"/>
-          <p:cNvSpPr>
-            <a:spLocks noGrp="1"/>
-          </p:cNvSpPr>
-          <p:nvPr>
-            <p:ph type="title"/>
-          </p:nvPr>
-        </p:nvSpPr>
-        <p:spPr>
-          <a:xfrm>
             <a:off x="609600" y="337392"/>
             <a:ext cx="9601200" cy="624840"/>
           </a:xfrm>
@@ -20780,7 +20196,7 @@
 </p:sld>
 </file>
 
-<file path=ppt/slides/slide52.xml><?xml version="1.0" encoding="utf-8"?>
+<file path=ppt/slides/slide51.xml><?xml version="1.0" encoding="utf-8"?>
 <p:sld xmlns:a="http://schemas.openxmlformats.org/drawingml/2006/main" xmlns:r="http://schemas.openxmlformats.org/officeDocument/2006/relationships" xmlns:p="http://schemas.openxmlformats.org/presentationml/2006/main">
   <p:cSld>
     <p:spTree>
@@ -21168,7 +20584,7 @@
 </p:sld>
 </file>
 
-<file path=ppt/slides/slide53.xml><?xml version="1.0" encoding="utf-8"?>
+<file path=ppt/slides/slide52.xml><?xml version="1.0" encoding="utf-8"?>
 <p:sld xmlns:a="http://schemas.openxmlformats.org/drawingml/2006/main" xmlns:r="http://schemas.openxmlformats.org/officeDocument/2006/relationships" xmlns:p="http://schemas.openxmlformats.org/presentationml/2006/main">
   <p:cSld>
     <p:spTree>
@@ -21348,7 +20764,7 @@
 </p:sld>
 </file>
 
-<file path=ppt/slides/slide54.xml><?xml version="1.0" encoding="utf-8"?>
+<file path=ppt/slides/slide53.xml><?xml version="1.0" encoding="utf-8"?>
 <p:sld xmlns:a="http://schemas.openxmlformats.org/drawingml/2006/main" xmlns:r="http://schemas.openxmlformats.org/officeDocument/2006/relationships" xmlns:p="http://schemas.openxmlformats.org/presentationml/2006/main">
   <p:cSld>
     <p:spTree>
@@ -21447,7 +20863,7 @@
 </p:sld>
 </file>
 
-<file path=ppt/slides/slide55.xml><?xml version="1.0" encoding="utf-8"?>
+<file path=ppt/slides/slide54.xml><?xml version="1.0" encoding="utf-8"?>
 <p:sld xmlns:a="http://schemas.openxmlformats.org/drawingml/2006/main" xmlns:r="http://schemas.openxmlformats.org/officeDocument/2006/relationships" xmlns:p="http://schemas.openxmlformats.org/presentationml/2006/main">
   <p:cSld>
     <p:spTree>
@@ -21611,7 +21027,7 @@
 </p:sld>
 </file>
 
-<file path=ppt/slides/slide56.xml><?xml version="1.0" encoding="utf-8"?>
+<file path=ppt/slides/slide55.xml><?xml version="1.0" encoding="utf-8"?>
 <p:sld xmlns:a="http://schemas.openxmlformats.org/drawingml/2006/main" xmlns:r="http://schemas.openxmlformats.org/officeDocument/2006/relationships" xmlns:p="http://schemas.openxmlformats.org/presentationml/2006/main">
   <p:cSld>
     <p:spTree>
@@ -21783,7 +21199,7 @@
 </p:sld>
 </file>
 
-<file path=ppt/slides/slide57.xml><?xml version="1.0" encoding="utf-8"?>
+<file path=ppt/slides/slide56.xml><?xml version="1.0" encoding="utf-8"?>
 <p:sld xmlns:a="http://schemas.openxmlformats.org/drawingml/2006/main" xmlns:r="http://schemas.openxmlformats.org/officeDocument/2006/relationships" xmlns:p="http://schemas.openxmlformats.org/presentationml/2006/main">
   <p:cSld>
     <p:spTree>
@@ -21955,7 +21371,7 @@
 </p:sld>
 </file>
 
-<file path=ppt/slides/slide58.xml><?xml version="1.0" encoding="utf-8"?>
+<file path=ppt/slides/slide57.xml><?xml version="1.0" encoding="utf-8"?>
 <p:sld xmlns:a="http://schemas.openxmlformats.org/drawingml/2006/main" xmlns:r="http://schemas.openxmlformats.org/officeDocument/2006/relationships" xmlns:p="http://schemas.openxmlformats.org/presentationml/2006/main">
   <p:cSld>
     <p:spTree>
@@ -22246,7 +21662,7 @@
 </p:sld>
 </file>
 
-<file path=ppt/slides/slide59.xml><?xml version="1.0" encoding="utf-8"?>
+<file path=ppt/slides/slide58.xml><?xml version="1.0" encoding="utf-8"?>
 <p:sld xmlns:a="http://schemas.openxmlformats.org/drawingml/2006/main" xmlns:r="http://schemas.openxmlformats.org/officeDocument/2006/relationships" xmlns:p="http://schemas.openxmlformats.org/presentationml/2006/main">
   <p:cSld>
     <p:spTree>
@@ -22392,279 +21808,7 @@
 </p:sld>
 </file>
 
-<file path=ppt/slides/slide6.xml><?xml version="1.0" encoding="utf-8"?>
-<p:sld xmlns:a="http://schemas.openxmlformats.org/drawingml/2006/main" xmlns:r="http://schemas.openxmlformats.org/officeDocument/2006/relationships" xmlns:p="http://schemas.openxmlformats.org/presentationml/2006/main">
-  <p:cSld>
-    <p:spTree>
-      <p:nvGrpSpPr>
-        <p:cNvPr id="1" name=""/>
-        <p:cNvGrpSpPr/>
-        <p:nvPr/>
-      </p:nvGrpSpPr>
-      <p:grpSpPr>
-        <a:xfrm>
-          <a:off x="0" y="0"/>
-          <a:ext cx="0" cy="0"/>
-          <a:chOff x="0" y="0"/>
-          <a:chExt cx="0" cy="0"/>
-        </a:xfrm>
-      </p:grpSpPr>
-      <p:sp>
-        <p:nvSpPr>
-          <p:cNvPr id="2" name="Title 1"/>
-          <p:cNvSpPr>
-            <a:spLocks noGrp="1"/>
-          </p:cNvSpPr>
-          <p:nvPr>
-            <p:ph type="title"/>
-          </p:nvPr>
-        </p:nvSpPr>
-        <p:spPr>
-          <a:xfrm>
-            <a:off x="609600" y="337392"/>
-            <a:ext cx="9601200" cy="624840"/>
-          </a:xfrm>
-        </p:spPr>
-        <p:txBody>
-          <a:bodyPr>
-            <a:normAutofit fontScale="90000"/>
-          </a:bodyPr>
-          <a:lstStyle/>
-          <a:p>
-            <a:r>
-              <a:rPr lang="en-US" dirty="0">
-                <a:cs typeface="Times New Roman" panose="02020603050405020304" pitchFamily="18" charset="0"/>
-              </a:rPr>
-              <a:t>Project Management: Workflow</a:t>
-            </a:r>
-            <a:endParaRPr lang="en-US" dirty="0">
-              <a:latin typeface="Times New Roman" panose="02020603050405020304" pitchFamily="18" charset="0"/>
-              <a:cs typeface="Times New Roman" panose="02020603050405020304" pitchFamily="18" charset="0"/>
-            </a:endParaRPr>
-          </a:p>
-        </p:txBody>
-      </p:sp>
-      <p:sp>
-        <p:nvSpPr>
-          <p:cNvPr id="3" name="Content Placeholder 2"/>
-          <p:cNvSpPr>
-            <a:spLocks noGrp="1"/>
-          </p:cNvSpPr>
-          <p:nvPr>
-            <p:ph idx="1"/>
-          </p:nvPr>
-        </p:nvSpPr>
-        <p:spPr>
-          <a:xfrm>
-            <a:off x="1219200" y="1066801"/>
-            <a:ext cx="8520684" cy="5141388"/>
-          </a:xfrm>
-        </p:spPr>
-        <p:txBody>
-          <a:bodyPr>
-            <a:noAutofit/>
-          </a:bodyPr>
-          <a:lstStyle/>
-          <a:p>
-            <a:r>
-              <a:rPr lang="en-US" sz="2400" dirty="0">
-                <a:cs typeface="Times New Roman" panose="02020603050405020304" pitchFamily="18" charset="0"/>
-              </a:rPr>
-              <a:t>Setting up copilot in Microsoft VSC</a:t>
-            </a:r>
-          </a:p>
-          <a:p>
-            <a:endParaRPr lang="en-US" sz="2400" dirty="0">
-              <a:cs typeface="Times New Roman" panose="02020603050405020304" pitchFamily="18" charset="0"/>
-            </a:endParaRPr>
-          </a:p>
-          <a:p>
-            <a:endParaRPr lang="en-US" sz="2400" dirty="0">
-              <a:latin typeface="Times New Roman" panose="02020603050405020304" pitchFamily="18" charset="0"/>
-              <a:cs typeface="Times New Roman" panose="02020603050405020304" pitchFamily="18" charset="0"/>
-            </a:endParaRPr>
-          </a:p>
-          <a:p>
-            <a:endParaRPr lang="en-US" sz="2400" dirty="0">
-              <a:cs typeface="Times New Roman" panose="02020603050405020304" pitchFamily="18" charset="0"/>
-            </a:endParaRPr>
-          </a:p>
-          <a:p>
-            <a:endParaRPr lang="en-US" sz="2400" dirty="0">
-              <a:latin typeface="Times New Roman" panose="02020603050405020304" pitchFamily="18" charset="0"/>
-              <a:cs typeface="Times New Roman" panose="02020603050405020304" pitchFamily="18" charset="0"/>
-            </a:endParaRPr>
-          </a:p>
-          <a:p>
-            <a:endParaRPr lang="en-US" sz="2400" dirty="0">
-              <a:cs typeface="Times New Roman" panose="02020603050405020304" pitchFamily="18" charset="0"/>
-            </a:endParaRPr>
-          </a:p>
-          <a:p>
-            <a:endParaRPr lang="en-US" sz="2400" dirty="0">
-              <a:latin typeface="Times New Roman" panose="02020603050405020304" pitchFamily="18" charset="0"/>
-              <a:cs typeface="Times New Roman" panose="02020603050405020304" pitchFamily="18" charset="0"/>
-            </a:endParaRPr>
-          </a:p>
-          <a:p>
-            <a:r>
-              <a:rPr lang="en-US" sz="2400" dirty="0">
-                <a:latin typeface="Times New Roman" panose="02020603050405020304" pitchFamily="18" charset="0"/>
-                <a:cs typeface="Times New Roman" panose="02020603050405020304" pitchFamily="18" charset="0"/>
-              </a:rPr>
-              <a:t>Code editors</a:t>
-            </a:r>
-          </a:p>
-          <a:p>
-            <a:r>
-              <a:rPr lang="en-US" sz="2400" dirty="0">
-                <a:cs typeface="Times New Roman" panose="02020603050405020304" pitchFamily="18" charset="0"/>
-              </a:rPr>
-              <a:t>Projects + files (next slide)</a:t>
-            </a:r>
-            <a:endParaRPr lang="en-US" sz="2400" dirty="0">
-              <a:latin typeface="Times New Roman" panose="02020603050405020304" pitchFamily="18" charset="0"/>
-              <a:cs typeface="Times New Roman" panose="02020603050405020304" pitchFamily="18" charset="0"/>
-            </a:endParaRPr>
-          </a:p>
-          <a:p>
-            <a:endParaRPr lang="en-US" sz="2400" dirty="0">
-              <a:cs typeface="Times New Roman" panose="02020603050405020304" pitchFamily="18" charset="0"/>
-            </a:endParaRPr>
-          </a:p>
-          <a:p>
-            <a:endParaRPr lang="en-US" sz="2400" dirty="0">
-              <a:latin typeface="Times New Roman" panose="02020603050405020304" pitchFamily="18" charset="0"/>
-              <a:cs typeface="Times New Roman" panose="02020603050405020304" pitchFamily="18" charset="0"/>
-            </a:endParaRPr>
-          </a:p>
-          <a:p>
-            <a:endParaRPr lang="en-US" sz="2400" dirty="0">
-              <a:latin typeface="Times New Roman" panose="02020603050405020304" pitchFamily="18" charset="0"/>
-              <a:cs typeface="Times New Roman" panose="02020603050405020304" pitchFamily="18" charset="0"/>
-            </a:endParaRPr>
-          </a:p>
-          <a:p>
-            <a:endParaRPr lang="en-US" sz="2400" dirty="0">
-              <a:cs typeface="Times New Roman" panose="02020603050405020304" pitchFamily="18" charset="0"/>
-            </a:endParaRPr>
-          </a:p>
-          <a:p>
-            <a:endParaRPr lang="en-US" sz="2400" dirty="0">
-              <a:latin typeface="Times New Roman" panose="02020603050405020304" pitchFamily="18" charset="0"/>
-              <a:cs typeface="Times New Roman" panose="02020603050405020304" pitchFamily="18" charset="0"/>
-            </a:endParaRPr>
-          </a:p>
-          <a:p>
-            <a:pPr marL="0" indent="0">
-              <a:buNone/>
-            </a:pPr>
-            <a:endParaRPr lang="en-US" sz="2400" dirty="0">
-              <a:cs typeface="Times New Roman" panose="02020603050405020304" pitchFamily="18" charset="0"/>
-            </a:endParaRPr>
-          </a:p>
-          <a:p>
-            <a:pPr marL="0" indent="0">
-              <a:buNone/>
-            </a:pPr>
-            <a:endParaRPr lang="en-US" sz="2400" dirty="0">
-              <a:latin typeface="Times New Roman" panose="02020603050405020304" pitchFamily="18" charset="0"/>
-              <a:cs typeface="Times New Roman" panose="02020603050405020304" pitchFamily="18" charset="0"/>
-            </a:endParaRPr>
-          </a:p>
-        </p:txBody>
-      </p:sp>
-      <p:pic>
-        <p:nvPicPr>
-          <p:cNvPr id="6" name="Picture 2" descr="RStudio - RStudio">
-            <a:extLst>
-              <a:ext uri="{FF2B5EF4-FFF2-40B4-BE49-F238E27FC236}">
-                <a16:creationId xmlns:a16="http://schemas.microsoft.com/office/drawing/2014/main" id="{59FB3826-1290-26A4-BD72-3C5A2C188DE5}"/>
-              </a:ext>
-            </a:extLst>
-          </p:cNvPr>
-          <p:cNvPicPr>
-            <a:picLocks noChangeAspect="1" noChangeArrowheads="1"/>
-          </p:cNvPicPr>
-          <p:nvPr/>
-        </p:nvPicPr>
-        <p:blipFill>
-          <a:blip r:embed="rId3">
-            <a:extLst>
-              <a:ext uri="{28A0092B-C50C-407E-A947-70E740481C1C}">
-                <a14:useLocalDpi xmlns:a14="http://schemas.microsoft.com/office/drawing/2010/main" val="0"/>
-              </a:ext>
-            </a:extLst>
-          </a:blip>
-          <a:srcRect/>
-          <a:stretch>
-            <a:fillRect/>
-          </a:stretch>
-        </p:blipFill>
-        <p:spPr bwMode="auto">
-          <a:xfrm>
-            <a:off x="9677400" y="5257800"/>
-            <a:ext cx="1371600" cy="1371600"/>
-          </a:xfrm>
-          <a:prstGeom prst="rect">
-            <a:avLst/>
-          </a:prstGeom>
-          <a:noFill/>
-          <a:extLst>
-            <a:ext uri="{909E8E84-426E-40DD-AFC4-6F175D3DCCD1}">
-              <a14:hiddenFill xmlns:a14="http://schemas.microsoft.com/office/drawing/2010/main">
-                <a:solidFill>
-                  <a:srgbClr val="FFFFFF"/>
-                </a:solidFill>
-              </a14:hiddenFill>
-            </a:ext>
-          </a:extLst>
-        </p:spPr>
-      </p:pic>
-      <p:pic>
-        <p:nvPicPr>
-          <p:cNvPr id="7" name="Picture 6">
-            <a:extLst>
-              <a:ext uri="{FF2B5EF4-FFF2-40B4-BE49-F238E27FC236}">
-                <a16:creationId xmlns:a16="http://schemas.microsoft.com/office/drawing/2014/main" id="{DCEB48D6-B357-2CD2-9514-85262437B15F}"/>
-              </a:ext>
-            </a:extLst>
-          </p:cNvPr>
-          <p:cNvPicPr>
-            <a:picLocks noChangeAspect="1"/>
-          </p:cNvPicPr>
-          <p:nvPr/>
-        </p:nvPicPr>
-        <p:blipFill>
-          <a:blip r:embed="rId4"/>
-          <a:stretch>
-            <a:fillRect/>
-          </a:stretch>
-        </p:blipFill>
-        <p:spPr>
-          <a:xfrm>
-            <a:off x="1524000" y="1524000"/>
-            <a:ext cx="7264773" cy="2921150"/>
-          </a:xfrm>
-          <a:prstGeom prst="rect">
-            <a:avLst/>
-          </a:prstGeom>
-        </p:spPr>
-      </p:pic>
-    </p:spTree>
-    <p:extLst>
-      <p:ext uri="{BB962C8B-B14F-4D97-AF65-F5344CB8AC3E}">
-        <p14:creationId xmlns:p14="http://schemas.microsoft.com/office/powerpoint/2010/main" val="4184081096"/>
-      </p:ext>
-    </p:extLst>
-  </p:cSld>
-  <p:clrMapOvr>
-    <a:masterClrMapping/>
-  </p:clrMapOvr>
-</p:sld>
-</file>
-
-<file path=ppt/slides/slide60.xml><?xml version="1.0" encoding="utf-8"?>
+<file path=ppt/slides/slide59.xml><?xml version="1.0" encoding="utf-8"?>
 <p:sld xmlns:a="http://schemas.openxmlformats.org/drawingml/2006/main" xmlns:r="http://schemas.openxmlformats.org/officeDocument/2006/relationships" xmlns:p="http://schemas.openxmlformats.org/presentationml/2006/main">
   <p:cSld>
     <p:spTree>
@@ -23696,7 +22840,7 @@
 </p:sld>
 </file>
 
-<file path=ppt/slides/slide7.xml><?xml version="1.0" encoding="utf-8"?>
+<file path=ppt/slides/slide6.xml><?xml version="1.0" encoding="utf-8"?>
 <p:sld xmlns:a="http://schemas.openxmlformats.org/drawingml/2006/main" xmlns:r="http://schemas.openxmlformats.org/officeDocument/2006/relationships" xmlns:p="http://schemas.openxmlformats.org/presentationml/2006/main">
   <p:cSld>
     <p:spTree>
@@ -23931,6 +23075,331 @@
     <p:extLst>
       <p:ext uri="{BB962C8B-B14F-4D97-AF65-F5344CB8AC3E}">
         <p14:creationId xmlns:p14="http://schemas.microsoft.com/office/powerpoint/2010/main" val="881280983"/>
+      </p:ext>
+    </p:extLst>
+  </p:cSld>
+  <p:clrMapOvr>
+    <a:masterClrMapping/>
+  </p:clrMapOvr>
+</p:sld>
+</file>
+
+<file path=ppt/slides/slide7.xml><?xml version="1.0" encoding="utf-8"?>
+<p:sld xmlns:a="http://schemas.openxmlformats.org/drawingml/2006/main" xmlns:r="http://schemas.openxmlformats.org/officeDocument/2006/relationships" xmlns:p="http://schemas.openxmlformats.org/presentationml/2006/main">
+  <p:cSld>
+    <p:spTree>
+      <p:nvGrpSpPr>
+        <p:cNvPr id="1" name=""/>
+        <p:cNvGrpSpPr/>
+        <p:nvPr/>
+      </p:nvGrpSpPr>
+      <p:grpSpPr>
+        <a:xfrm>
+          <a:off x="0" y="0"/>
+          <a:ext cx="0" cy="0"/>
+          <a:chOff x="0" y="0"/>
+          <a:chExt cx="0" cy="0"/>
+        </a:xfrm>
+      </p:grpSpPr>
+      <p:sp>
+        <p:nvSpPr>
+          <p:cNvPr id="2" name="Title 1"/>
+          <p:cNvSpPr>
+            <a:spLocks noGrp="1"/>
+          </p:cNvSpPr>
+          <p:nvPr>
+            <p:ph type="title"/>
+          </p:nvPr>
+        </p:nvSpPr>
+        <p:spPr>
+          <a:xfrm>
+            <a:off x="609600" y="337392"/>
+            <a:ext cx="9601200" cy="624840"/>
+          </a:xfrm>
+        </p:spPr>
+        <p:txBody>
+          <a:bodyPr>
+            <a:normAutofit fontScale="90000"/>
+          </a:bodyPr>
+          <a:lstStyle/>
+          <a:p>
+            <a:r>
+              <a:rPr lang="en-US" dirty="0">
+                <a:latin typeface="Times New Roman" panose="02020603050405020304" pitchFamily="18" charset="0"/>
+                <a:cs typeface="Times New Roman" panose="02020603050405020304" pitchFamily="18" charset="0"/>
+              </a:rPr>
+              <a:t>What does it look like to use RStudio?</a:t>
+            </a:r>
+          </a:p>
+        </p:txBody>
+      </p:sp>
+      <p:sp>
+        <p:nvSpPr>
+          <p:cNvPr id="3" name="Content Placeholder 2"/>
+          <p:cNvSpPr>
+            <a:spLocks noGrp="1"/>
+          </p:cNvSpPr>
+          <p:nvPr>
+            <p:ph idx="1"/>
+          </p:nvPr>
+        </p:nvSpPr>
+        <p:spPr>
+          <a:xfrm>
+            <a:off x="609600" y="1066801"/>
+            <a:ext cx="9130284" cy="5141388"/>
+          </a:xfrm>
+        </p:spPr>
+        <p:txBody>
+          <a:bodyPr>
+            <a:noAutofit/>
+          </a:bodyPr>
+          <a:lstStyle/>
+          <a:p>
+            <a:r>
+              <a:rPr lang="en-US" sz="2200" dirty="0">
+                <a:latin typeface="Times New Roman" panose="02020603050405020304" pitchFamily="18" charset="0"/>
+                <a:cs typeface="Times New Roman" panose="02020603050405020304" pitchFamily="18" charset="0"/>
+              </a:rPr>
+              <a:t>4 panes (each of them useful)! </a:t>
+            </a:r>
+          </a:p>
+          <a:p>
+            <a:r>
+              <a:rPr lang="en-US" sz="2200" dirty="0">
+                <a:latin typeface="Times New Roman" panose="02020603050405020304" pitchFamily="18" charset="0"/>
+                <a:cs typeface="Times New Roman" panose="02020603050405020304" pitchFamily="18" charset="0"/>
+              </a:rPr>
+              <a:t>Create a new .</a:t>
+            </a:r>
+            <a:r>
+              <a:rPr lang="en-US" sz="2200" dirty="0" err="1">
+                <a:latin typeface="Times New Roman" panose="02020603050405020304" pitchFamily="18" charset="0"/>
+                <a:cs typeface="Times New Roman" panose="02020603050405020304" pitchFamily="18" charset="0"/>
+              </a:rPr>
+              <a:t>Rmd</a:t>
+            </a:r>
+            <a:r>
+              <a:rPr lang="en-US" sz="2200" dirty="0">
+                <a:latin typeface="Times New Roman" panose="02020603050405020304" pitchFamily="18" charset="0"/>
+                <a:cs typeface="Times New Roman" panose="02020603050405020304" pitchFamily="18" charset="0"/>
+              </a:rPr>
+              <a:t> file (`File` &gt; `New File`  &gt; `R Markdown`, and save it (preferably in a separate folder for this class)</a:t>
+            </a:r>
+          </a:p>
+          <a:p>
+            <a:r>
+              <a:rPr lang="en-US" sz="2200" dirty="0">
+                <a:cs typeface="Times New Roman" panose="02020603050405020304" pitchFamily="18" charset="0"/>
+              </a:rPr>
+              <a:t>Visual mode for .</a:t>
+            </a:r>
+            <a:r>
+              <a:rPr lang="en-US" sz="2200" dirty="0" err="1">
+                <a:cs typeface="Times New Roman" panose="02020603050405020304" pitchFamily="18" charset="0"/>
+              </a:rPr>
+              <a:t>Rmd</a:t>
+            </a:r>
+            <a:r>
+              <a:rPr lang="en-US" sz="2200" dirty="0">
+                <a:cs typeface="Times New Roman" panose="02020603050405020304" pitchFamily="18" charset="0"/>
+              </a:rPr>
+              <a:t> files</a:t>
+            </a:r>
+          </a:p>
+          <a:p>
+            <a:r>
+              <a:rPr lang="en-US" sz="2200" dirty="0">
+                <a:latin typeface="Times New Roman" panose="02020603050405020304" pitchFamily="18" charset="0"/>
+                <a:cs typeface="Times New Roman" panose="02020603050405020304" pitchFamily="18" charset="0"/>
+              </a:rPr>
+              <a:t>Why use .</a:t>
+            </a:r>
+            <a:r>
+              <a:rPr lang="en-US" sz="2200" dirty="0" err="1">
+                <a:cs typeface="Times New Roman" panose="02020603050405020304" pitchFamily="18" charset="0"/>
+              </a:rPr>
+              <a:t>Rmd</a:t>
+            </a:r>
+            <a:r>
+              <a:rPr lang="en-US" sz="2200" dirty="0">
+                <a:cs typeface="Times New Roman" panose="02020603050405020304" pitchFamily="18" charset="0"/>
+              </a:rPr>
+              <a:t> files? </a:t>
+            </a:r>
+          </a:p>
+          <a:p>
+            <a:r>
+              <a:rPr lang="en-US" sz="2200" dirty="0">
+                <a:latin typeface="Times New Roman" panose="02020603050405020304" pitchFamily="18" charset="0"/>
+                <a:cs typeface="Times New Roman" panose="02020603050405020304" pitchFamily="18" charset="0"/>
+              </a:rPr>
+              <a:t>How to separate (and name!) code chunks and text</a:t>
+            </a:r>
+          </a:p>
+          <a:p>
+            <a:r>
+              <a:rPr lang="en-US" sz="2200" dirty="0">
+                <a:latin typeface="Times New Roman" panose="02020603050405020304" pitchFamily="18" charset="0"/>
+                <a:cs typeface="Times New Roman" panose="02020603050405020304" pitchFamily="18" charset="0"/>
+              </a:rPr>
+              <a:t>How to incorporate Copilot (test it out: type </a:t>
+            </a:r>
+            <a:r>
+              <a:rPr lang="en-US" sz="1800" b="1" dirty="0">
+                <a:effectLst/>
+                <a:latin typeface="Courier New" panose="02070309020205020404" pitchFamily="49" charset="0"/>
+                <a:ea typeface="Times New Roman" panose="02020603050405020304" pitchFamily="18" charset="0"/>
+              </a:rPr>
+              <a:t># Calculate the mean of the variable </a:t>
+            </a:r>
+            <a:r>
+              <a:rPr lang="en-US" sz="1800" b="1" dirty="0" err="1">
+                <a:effectLst/>
+                <a:latin typeface="Courier New" panose="02070309020205020404" pitchFamily="49" charset="0"/>
+                <a:ea typeface="Times New Roman" panose="02020603050405020304" pitchFamily="18" charset="0"/>
+              </a:rPr>
+              <a:t>myvar</a:t>
+            </a:r>
+            <a:r>
+              <a:rPr lang="en-US" sz="1800" b="1" dirty="0">
+                <a:effectLst/>
+                <a:latin typeface="Courier New" panose="02070309020205020404" pitchFamily="49" charset="0"/>
+                <a:ea typeface="Times New Roman" panose="02020603050405020304" pitchFamily="18" charset="0"/>
+              </a:rPr>
+              <a:t> </a:t>
+            </a:r>
+            <a:r>
+              <a:rPr lang="en-US" sz="2200" dirty="0">
+                <a:effectLst/>
+                <a:ea typeface="Times New Roman" panose="02020603050405020304" pitchFamily="18" charset="0"/>
+                <a:cs typeface="Times New Roman" panose="02020603050405020304" pitchFamily="18" charset="0"/>
+              </a:rPr>
+              <a:t>into a code chunk)</a:t>
+            </a:r>
+          </a:p>
+          <a:p>
+            <a:r>
+              <a:rPr lang="en-US" sz="2200" dirty="0">
+                <a:ea typeface="Times New Roman" panose="02020603050405020304" pitchFamily="18" charset="0"/>
+                <a:cs typeface="Times New Roman" panose="02020603050405020304" pitchFamily="18" charset="0"/>
+              </a:rPr>
+              <a:t>How to run a code chunk (just one!) </a:t>
+            </a:r>
+          </a:p>
+          <a:p>
+            <a:r>
+              <a:rPr lang="en-US" sz="2200" dirty="0">
+                <a:effectLst/>
+                <a:ea typeface="Times New Roman" panose="02020603050405020304" pitchFamily="18" charset="0"/>
+                <a:cs typeface="Times New Roman" panose="02020603050405020304" pitchFamily="18" charset="0"/>
+              </a:rPr>
+              <a:t>Eventually, we’ll talk about how to knit the whole file</a:t>
+            </a:r>
+          </a:p>
+          <a:p>
+            <a:endParaRPr lang="en-US" sz="2200" dirty="0">
+              <a:latin typeface="Times New Roman" panose="02020603050405020304" pitchFamily="18" charset="0"/>
+              <a:cs typeface="Times New Roman" panose="02020603050405020304" pitchFamily="18" charset="0"/>
+            </a:endParaRPr>
+          </a:p>
+          <a:p>
+            <a:endParaRPr lang="en-US" sz="2200" dirty="0">
+              <a:cs typeface="Times New Roman" panose="02020603050405020304" pitchFamily="18" charset="0"/>
+            </a:endParaRPr>
+          </a:p>
+          <a:p>
+            <a:endParaRPr lang="en-US" sz="2200" dirty="0">
+              <a:latin typeface="Times New Roman" panose="02020603050405020304" pitchFamily="18" charset="0"/>
+              <a:cs typeface="Times New Roman" panose="02020603050405020304" pitchFamily="18" charset="0"/>
+            </a:endParaRPr>
+          </a:p>
+          <a:p>
+            <a:endParaRPr lang="en-US" sz="2200" dirty="0">
+              <a:latin typeface="Times New Roman" panose="02020603050405020304" pitchFamily="18" charset="0"/>
+              <a:cs typeface="Times New Roman" panose="02020603050405020304" pitchFamily="18" charset="0"/>
+            </a:endParaRPr>
+          </a:p>
+          <a:p>
+            <a:endParaRPr lang="en-US" sz="2200" dirty="0">
+              <a:cs typeface="Times New Roman" panose="02020603050405020304" pitchFamily="18" charset="0"/>
+            </a:endParaRPr>
+          </a:p>
+          <a:p>
+            <a:endParaRPr lang="en-US" sz="2200" dirty="0">
+              <a:latin typeface="Times New Roman" panose="02020603050405020304" pitchFamily="18" charset="0"/>
+              <a:cs typeface="Times New Roman" panose="02020603050405020304" pitchFamily="18" charset="0"/>
+            </a:endParaRPr>
+          </a:p>
+          <a:p>
+            <a:pPr marL="0" indent="0">
+              <a:buNone/>
+            </a:pPr>
+            <a:endParaRPr lang="en-US" sz="2200" dirty="0">
+              <a:cs typeface="Times New Roman" panose="02020603050405020304" pitchFamily="18" charset="0"/>
+            </a:endParaRPr>
+          </a:p>
+          <a:p>
+            <a:pPr marL="0" indent="0">
+              <a:buNone/>
+            </a:pPr>
+            <a:endParaRPr lang="en-US" sz="900" dirty="0">
+              <a:latin typeface="Times New Roman" panose="02020603050405020304" pitchFamily="18" charset="0"/>
+              <a:cs typeface="Times New Roman" panose="02020603050405020304" pitchFamily="18" charset="0"/>
+            </a:endParaRPr>
+          </a:p>
+        </p:txBody>
+      </p:sp>
+      <p:pic>
+        <p:nvPicPr>
+          <p:cNvPr id="4" name="Picture 2" descr="RStudio - RStudio">
+            <a:extLst>
+              <a:ext uri="{FF2B5EF4-FFF2-40B4-BE49-F238E27FC236}">
+                <a16:creationId xmlns:a16="http://schemas.microsoft.com/office/drawing/2014/main" id="{CE488243-4695-475A-997E-FEFB198BB1A8}"/>
+              </a:ext>
+            </a:extLst>
+          </p:cNvPr>
+          <p:cNvPicPr>
+            <a:picLocks noChangeAspect="1" noChangeArrowheads="1"/>
+          </p:cNvPicPr>
+          <p:nvPr/>
+        </p:nvPicPr>
+        <p:blipFill>
+          <a:blip r:embed="rId3">
+            <a:extLst>
+              <a:ext uri="{28A0092B-C50C-407E-A947-70E740481C1C}">
+                <a14:useLocalDpi xmlns:a14="http://schemas.microsoft.com/office/drawing/2010/main" val="0"/>
+              </a:ext>
+            </a:extLst>
+          </a:blip>
+          <a:srcRect/>
+          <a:stretch>
+            <a:fillRect/>
+          </a:stretch>
+        </p:blipFill>
+        <p:spPr bwMode="auto">
+          <a:xfrm>
+            <a:off x="9677400" y="5257800"/>
+            <a:ext cx="1371600" cy="1371600"/>
+          </a:xfrm>
+          <a:prstGeom prst="rect">
+            <a:avLst/>
+          </a:prstGeom>
+          <a:noFill/>
+          <a:extLst>
+            <a:ext uri="{909E8E84-426E-40DD-AFC4-6F175D3DCCD1}">
+              <a14:hiddenFill xmlns:a14="http://schemas.microsoft.com/office/drawing/2010/main">
+                <a:solidFill>
+                  <a:srgbClr val="FFFFFF"/>
+                </a:solidFill>
+              </a14:hiddenFill>
+            </a:ext>
+          </a:extLst>
+        </p:spPr>
+      </p:pic>
+    </p:spTree>
+    <p:extLst>
+      <p:ext uri="{BB962C8B-B14F-4D97-AF65-F5344CB8AC3E}">
+        <p14:creationId xmlns:p14="http://schemas.microsoft.com/office/powerpoint/2010/main" val="2818119148"/>
       </p:ext>
     </p:extLst>
   </p:cSld>
@@ -24200,7 +23669,7 @@
                 <a:latin typeface="Times New Roman" panose="02020603050405020304" pitchFamily="18" charset="0"/>
                 <a:cs typeface="Times New Roman" panose="02020603050405020304" pitchFamily="18" charset="0"/>
               </a:rPr>
-              <a:t>What does it look like to use RStudio?</a:t>
+              <a:t>Assigning variables in R</a:t>
             </a:r>
           </a:p>
         </p:txBody>
@@ -24232,121 +23701,60 @@
                 <a:latin typeface="Times New Roman" panose="02020603050405020304" pitchFamily="18" charset="0"/>
                 <a:cs typeface="Times New Roman" panose="02020603050405020304" pitchFamily="18" charset="0"/>
               </a:rPr>
-              <a:t>4 panes (each of them useful)! </a:t>
-            </a:r>
-          </a:p>
-          <a:p>
-            <a:r>
-              <a:rPr lang="en-US" sz="2200" dirty="0">
-                <a:latin typeface="Times New Roman" panose="02020603050405020304" pitchFamily="18" charset="0"/>
-                <a:cs typeface="Times New Roman" panose="02020603050405020304" pitchFamily="18" charset="0"/>
-              </a:rPr>
-              <a:t>Create a new .</a:t>
-            </a:r>
-            <a:r>
-              <a:rPr lang="en-US" sz="2200" dirty="0" err="1">
-                <a:latin typeface="Times New Roman" panose="02020603050405020304" pitchFamily="18" charset="0"/>
-                <a:cs typeface="Times New Roman" panose="02020603050405020304" pitchFamily="18" charset="0"/>
-              </a:rPr>
-              <a:t>Rmd</a:t>
-            </a:r>
-            <a:r>
-              <a:rPr lang="en-US" sz="2200" dirty="0">
-                <a:latin typeface="Times New Roman" panose="02020603050405020304" pitchFamily="18" charset="0"/>
-                <a:cs typeface="Times New Roman" panose="02020603050405020304" pitchFamily="18" charset="0"/>
-              </a:rPr>
-              <a:t> file (`File` &gt; `New File`  &gt; `R Markdown`, and save it (preferably in a separate folder for this class)</a:t>
-            </a:r>
-          </a:p>
-          <a:p>
-            <a:r>
-              <a:rPr lang="en-US" sz="2200" dirty="0">
-                <a:cs typeface="Times New Roman" panose="02020603050405020304" pitchFamily="18" charset="0"/>
-              </a:rPr>
-              <a:t>Visual mode for .</a:t>
-            </a:r>
-            <a:r>
-              <a:rPr lang="en-US" sz="2200" dirty="0" err="1">
-                <a:cs typeface="Times New Roman" panose="02020603050405020304" pitchFamily="18" charset="0"/>
-              </a:rPr>
-              <a:t>Rmd</a:t>
-            </a:r>
-            <a:r>
-              <a:rPr lang="en-US" sz="2200" dirty="0">
-                <a:cs typeface="Times New Roman" panose="02020603050405020304" pitchFamily="18" charset="0"/>
-              </a:rPr>
-              <a:t> files</a:t>
-            </a:r>
-          </a:p>
-          <a:p>
-            <a:r>
-              <a:rPr lang="en-US" sz="2200" dirty="0">
-                <a:latin typeface="Times New Roman" panose="02020603050405020304" pitchFamily="18" charset="0"/>
-                <a:cs typeface="Times New Roman" panose="02020603050405020304" pitchFamily="18" charset="0"/>
-              </a:rPr>
-              <a:t>Why use .</a:t>
-            </a:r>
-            <a:r>
-              <a:rPr lang="en-US" sz="2200" dirty="0" err="1">
-                <a:cs typeface="Times New Roman" panose="02020603050405020304" pitchFamily="18" charset="0"/>
-              </a:rPr>
-              <a:t>Rmd</a:t>
-            </a:r>
-            <a:r>
-              <a:rPr lang="en-US" sz="2200" dirty="0">
-                <a:cs typeface="Times New Roman" panose="02020603050405020304" pitchFamily="18" charset="0"/>
-              </a:rPr>
-              <a:t> files? </a:t>
-            </a:r>
-          </a:p>
-          <a:p>
-            <a:r>
-              <a:rPr lang="en-US" sz="2200" dirty="0">
-                <a:latin typeface="Times New Roman" panose="02020603050405020304" pitchFamily="18" charset="0"/>
-                <a:cs typeface="Times New Roman" panose="02020603050405020304" pitchFamily="18" charset="0"/>
-              </a:rPr>
-              <a:t>How to separate (and name!) code chunks and text</a:t>
-            </a:r>
-          </a:p>
-          <a:p>
-            <a:r>
-              <a:rPr lang="en-US" sz="2200" dirty="0">
-                <a:latin typeface="Times New Roman" panose="02020603050405020304" pitchFamily="18" charset="0"/>
-                <a:cs typeface="Times New Roman" panose="02020603050405020304" pitchFamily="18" charset="0"/>
-              </a:rPr>
-              <a:t>How to incorporate Copilot (test it out: type </a:t>
-            </a:r>
-            <a:r>
-              <a:rPr lang="en-US" sz="1800" b="1" dirty="0">
-                <a:effectLst/>
-                <a:latin typeface="Courier New" panose="02070309020205020404" pitchFamily="49" charset="0"/>
-                <a:ea typeface="Times New Roman" panose="02020603050405020304" pitchFamily="18" charset="0"/>
-              </a:rPr>
-              <a:t># Calculate the mean of the variable </a:t>
-            </a:r>
-            <a:r>
-              <a:rPr lang="en-US" sz="1800" b="1" dirty="0" err="1">
-                <a:effectLst/>
-                <a:latin typeface="Courier New" panose="02070309020205020404" pitchFamily="49" charset="0"/>
-                <a:ea typeface="Times New Roman" panose="02020603050405020304" pitchFamily="18" charset="0"/>
-              </a:rPr>
-              <a:t>myvar</a:t>
-            </a:r>
-            <a:r>
-              <a:rPr lang="en-US" sz="1800" b="1" dirty="0">
-                <a:effectLst/>
-                <a:latin typeface="Courier New" panose="02070309020205020404" pitchFamily="49" charset="0"/>
-                <a:ea typeface="Times New Roman" panose="02020603050405020304" pitchFamily="18" charset="0"/>
-              </a:rPr>
-              <a:t> </a:t>
-            </a:r>
-            <a:r>
-              <a:rPr lang="en-US" sz="2200" dirty="0">
+              <a:t>R can handle multiple objects all at once: </a:t>
+            </a:r>
+          </a:p>
+          <a:p>
+            <a:pPr lvl="1"/>
+            <a:r>
+              <a:rPr lang="en-US" sz="2000" dirty="0">
                 <a:effectLst/>
                 <a:ea typeface="Times New Roman" panose="02020603050405020304" pitchFamily="18" charset="0"/>
                 <a:cs typeface="Times New Roman" panose="02020603050405020304" pitchFamily="18" charset="0"/>
               </a:rPr>
-              <a:t>into a code chunk)</a:t>
+              <a:t>Datasets</a:t>
+            </a:r>
+          </a:p>
+          <a:p>
+            <a:pPr lvl="1"/>
+            <a:r>
+              <a:rPr lang="en-US" sz="2000" dirty="0">
+                <a:ea typeface="Times New Roman" panose="02020603050405020304" pitchFamily="18" charset="0"/>
+                <a:cs typeface="Times New Roman" panose="02020603050405020304" pitchFamily="18" charset="0"/>
+              </a:rPr>
+              <a:t>Functions</a:t>
+            </a:r>
+          </a:p>
+          <a:p>
+            <a:pPr lvl="1"/>
+            <a:r>
+              <a:rPr lang="en-US" sz="2000" dirty="0">
+                <a:effectLst/>
+                <a:ea typeface="Times New Roman" panose="02020603050405020304" pitchFamily="18" charset="0"/>
+                <a:cs typeface="Times New Roman" panose="02020603050405020304" pitchFamily="18" charset="0"/>
+              </a:rPr>
+              <a:t>Integers/scalars</a:t>
+            </a:r>
+          </a:p>
+          <a:p>
+            <a:pPr lvl="1"/>
+            <a:r>
+              <a:rPr lang="en-US" sz="2000" dirty="0">
+                <a:ea typeface="Times New Roman" panose="02020603050405020304" pitchFamily="18" charset="0"/>
+                <a:cs typeface="Times New Roman" panose="02020603050405020304" pitchFamily="18" charset="0"/>
+              </a:rPr>
+              <a:t>Lists</a:t>
+            </a:r>
+          </a:p>
+          <a:p>
+            <a:pPr lvl="1"/>
+            <a:r>
+              <a:rPr lang="en-US" sz="2000" dirty="0">
+                <a:effectLst/>
+                <a:ea typeface="Times New Roman" panose="02020603050405020304" pitchFamily="18" charset="0"/>
+                <a:cs typeface="Times New Roman" panose="02020603050405020304" pitchFamily="18" charset="0"/>
+              </a:rPr>
+              <a:t>Etc.!</a:t>
             </a:r>
           </a:p>
           <a:p>
@@ -24355,18 +23763,15 @@
                 <a:ea typeface="Times New Roman" panose="02020603050405020304" pitchFamily="18" charset="0"/>
                 <a:cs typeface="Times New Roman" panose="02020603050405020304" pitchFamily="18" charset="0"/>
               </a:rPr>
-              <a:t>How to run a code chunk (just one!) </a:t>
-            </a:r>
-          </a:p>
-          <a:p>
-            <a:r>
-              <a:rPr lang="en-US" sz="2200" dirty="0">
-                <a:effectLst/>
-                <a:ea typeface="Times New Roman" panose="02020603050405020304" pitchFamily="18" charset="0"/>
-                <a:cs typeface="Times New Roman" panose="02020603050405020304" pitchFamily="18" charset="0"/>
-              </a:rPr>
-              <a:t>Eventually, we’ll talk about how to knit the whole file</a:t>
-            </a:r>
+              <a:t>To assign an object: </a:t>
+            </a:r>
+          </a:p>
+          <a:p>
+            <a:endParaRPr lang="en-US" sz="2200" dirty="0">
+              <a:effectLst/>
+              <a:ea typeface="Times New Roman" panose="02020603050405020304" pitchFamily="18" charset="0"/>
+              <a:cs typeface="Times New Roman" panose="02020603050405020304" pitchFamily="18" charset="0"/>
+            </a:endParaRPr>
           </a:p>
           <a:p>
             <a:endParaRPr lang="en-US" sz="2200" dirty="0">
@@ -24468,10 +23873,40 @@
           </a:extLst>
         </p:spPr>
       </p:pic>
+      <p:pic>
+        <p:nvPicPr>
+          <p:cNvPr id="6" name="Picture 5">
+            <a:extLst>
+              <a:ext uri="{FF2B5EF4-FFF2-40B4-BE49-F238E27FC236}">
+                <a16:creationId xmlns:a16="http://schemas.microsoft.com/office/drawing/2014/main" id="{E11979ED-2456-8B1F-24BF-0EE3F089A76C}"/>
+              </a:ext>
+            </a:extLst>
+          </p:cNvPr>
+          <p:cNvPicPr>
+            <a:picLocks noChangeAspect="1"/>
+          </p:cNvPicPr>
+          <p:nvPr/>
+        </p:nvPicPr>
+        <p:blipFill>
+          <a:blip r:embed="rId4"/>
+          <a:stretch>
+            <a:fillRect/>
+          </a:stretch>
+        </p:blipFill>
+        <p:spPr>
+          <a:xfrm>
+            <a:off x="360650" y="3786687"/>
+            <a:ext cx="7335550" cy="2842713"/>
+          </a:xfrm>
+          <a:prstGeom prst="rect">
+            <a:avLst/>
+          </a:prstGeom>
+        </p:spPr>
+      </p:pic>
     </p:spTree>
     <p:extLst>
       <p:ext uri="{BB962C8B-B14F-4D97-AF65-F5344CB8AC3E}">
-        <p14:creationId xmlns:p14="http://schemas.microsoft.com/office/powerpoint/2010/main" val="2818119148"/>
+        <p14:creationId xmlns:p14="http://schemas.microsoft.com/office/powerpoint/2010/main" val="1074387566"/>
       </p:ext>
     </p:extLst>
   </p:cSld>

--- a/Lectures/Lecture02_Intro-to-R_DescriptiveStatistics/Lecture2_RIntro_Descriptives.pptx
+++ b/Lectures/Lecture02_Intro-to-R_DescriptiveStatistics/Lecture2_RIntro_Descriptives.pptx
@@ -5,68 +5,67 @@
     <p:sldMasterId id="2147483738" r:id="rId1"/>
   </p:sldMasterIdLst>
   <p:notesMasterIdLst>
-    <p:notesMasterId r:id="rId61"/>
+    <p:notesMasterId r:id="rId60"/>
   </p:notesMasterIdLst>
   <p:sldIdLst>
     <p:sldId id="256" r:id="rId2"/>
     <p:sldId id="417" r:id="rId3"/>
-    <p:sldId id="257" r:id="rId4"/>
-    <p:sldId id="398" r:id="rId5"/>
-    <p:sldId id="459" r:id="rId6"/>
-    <p:sldId id="419" r:id="rId7"/>
-    <p:sldId id="462" r:id="rId8"/>
-    <p:sldId id="366" r:id="rId9"/>
-    <p:sldId id="463" r:id="rId10"/>
-    <p:sldId id="464" r:id="rId11"/>
-    <p:sldId id="465" r:id="rId12"/>
-    <p:sldId id="466" r:id="rId13"/>
-    <p:sldId id="467" r:id="rId14"/>
-    <p:sldId id="468" r:id="rId15"/>
-    <p:sldId id="469" r:id="rId16"/>
-    <p:sldId id="470" r:id="rId17"/>
-    <p:sldId id="471" r:id="rId18"/>
-    <p:sldId id="472" r:id="rId19"/>
-    <p:sldId id="473" r:id="rId20"/>
-    <p:sldId id="474" r:id="rId21"/>
-    <p:sldId id="475" r:id="rId22"/>
-    <p:sldId id="476" r:id="rId23"/>
-    <p:sldId id="477" r:id="rId24"/>
-    <p:sldId id="421" r:id="rId25"/>
-    <p:sldId id="460" r:id="rId26"/>
-    <p:sldId id="478" r:id="rId27"/>
-    <p:sldId id="712" r:id="rId28"/>
-    <p:sldId id="713" r:id="rId29"/>
-    <p:sldId id="714" r:id="rId30"/>
-    <p:sldId id="715" r:id="rId31"/>
-    <p:sldId id="716" r:id="rId32"/>
-    <p:sldId id="435" r:id="rId33"/>
-    <p:sldId id="424" r:id="rId34"/>
-    <p:sldId id="717" r:id="rId35"/>
-    <p:sldId id="718" r:id="rId36"/>
-    <p:sldId id="423" r:id="rId37"/>
-    <p:sldId id="719" r:id="rId38"/>
-    <p:sldId id="720" r:id="rId39"/>
-    <p:sldId id="721" r:id="rId40"/>
-    <p:sldId id="722" r:id="rId41"/>
-    <p:sldId id="723" r:id="rId42"/>
-    <p:sldId id="427" r:id="rId43"/>
-    <p:sldId id="724" r:id="rId44"/>
-    <p:sldId id="426" r:id="rId45"/>
-    <p:sldId id="428" r:id="rId46"/>
-    <p:sldId id="725" r:id="rId47"/>
-    <p:sldId id="726" r:id="rId48"/>
-    <p:sldId id="727" r:id="rId49"/>
-    <p:sldId id="443" r:id="rId50"/>
-    <p:sldId id="440" r:id="rId51"/>
-    <p:sldId id="445" r:id="rId52"/>
-    <p:sldId id="728" r:id="rId53"/>
-    <p:sldId id="729" r:id="rId54"/>
-    <p:sldId id="730" r:id="rId55"/>
-    <p:sldId id="731" r:id="rId56"/>
-    <p:sldId id="732" r:id="rId57"/>
-    <p:sldId id="449" r:id="rId58"/>
-    <p:sldId id="733" r:id="rId59"/>
-    <p:sldId id="444" r:id="rId60"/>
+    <p:sldId id="398" r:id="rId4"/>
+    <p:sldId id="459" r:id="rId5"/>
+    <p:sldId id="419" r:id="rId6"/>
+    <p:sldId id="462" r:id="rId7"/>
+    <p:sldId id="366" r:id="rId8"/>
+    <p:sldId id="463" r:id="rId9"/>
+    <p:sldId id="464" r:id="rId10"/>
+    <p:sldId id="465" r:id="rId11"/>
+    <p:sldId id="466" r:id="rId12"/>
+    <p:sldId id="467" r:id="rId13"/>
+    <p:sldId id="468" r:id="rId14"/>
+    <p:sldId id="469" r:id="rId15"/>
+    <p:sldId id="470" r:id="rId16"/>
+    <p:sldId id="471" r:id="rId17"/>
+    <p:sldId id="472" r:id="rId18"/>
+    <p:sldId id="473" r:id="rId19"/>
+    <p:sldId id="474" r:id="rId20"/>
+    <p:sldId id="475" r:id="rId21"/>
+    <p:sldId id="476" r:id="rId22"/>
+    <p:sldId id="477" r:id="rId23"/>
+    <p:sldId id="421" r:id="rId24"/>
+    <p:sldId id="460" r:id="rId25"/>
+    <p:sldId id="478" r:id="rId26"/>
+    <p:sldId id="712" r:id="rId27"/>
+    <p:sldId id="713" r:id="rId28"/>
+    <p:sldId id="714" r:id="rId29"/>
+    <p:sldId id="715" r:id="rId30"/>
+    <p:sldId id="716" r:id="rId31"/>
+    <p:sldId id="435" r:id="rId32"/>
+    <p:sldId id="424" r:id="rId33"/>
+    <p:sldId id="717" r:id="rId34"/>
+    <p:sldId id="718" r:id="rId35"/>
+    <p:sldId id="423" r:id="rId36"/>
+    <p:sldId id="719" r:id="rId37"/>
+    <p:sldId id="720" r:id="rId38"/>
+    <p:sldId id="721" r:id="rId39"/>
+    <p:sldId id="722" r:id="rId40"/>
+    <p:sldId id="723" r:id="rId41"/>
+    <p:sldId id="427" r:id="rId42"/>
+    <p:sldId id="724" r:id="rId43"/>
+    <p:sldId id="426" r:id="rId44"/>
+    <p:sldId id="428" r:id="rId45"/>
+    <p:sldId id="725" r:id="rId46"/>
+    <p:sldId id="726" r:id="rId47"/>
+    <p:sldId id="727" r:id="rId48"/>
+    <p:sldId id="443" r:id="rId49"/>
+    <p:sldId id="440" r:id="rId50"/>
+    <p:sldId id="445" r:id="rId51"/>
+    <p:sldId id="728" r:id="rId52"/>
+    <p:sldId id="729" r:id="rId53"/>
+    <p:sldId id="730" r:id="rId54"/>
+    <p:sldId id="731" r:id="rId55"/>
+    <p:sldId id="732" r:id="rId56"/>
+    <p:sldId id="449" r:id="rId57"/>
+    <p:sldId id="733" r:id="rId58"/>
+    <p:sldId id="444" r:id="rId59"/>
   </p:sldIdLst>
   <p:sldSz cx="12192000" cy="6858000"/>
   <p:notesSz cx="7010400" cy="9296400"/>
@@ -266,7 +265,7 @@
           <a:p>
             <a:fld id="{EF911157-0FC2-4F06-8D61-FD647FE4E19D}" type="datetimeFigureOut">
               <a:rPr lang="en-US" smtClean="0"/>
-              <a:t>1/7/2025</a:t>
+              <a:t>1/15/2025</a:t>
             </a:fld>
             <a:endParaRPr lang="en-US"/>
           </a:p>
@@ -703,7 +702,7 @@
     </p:spTree>
     <p:extLst>
       <p:ext uri="{BB962C8B-B14F-4D97-AF65-F5344CB8AC3E}">
-        <p14:creationId xmlns:p14="http://schemas.microsoft.com/office/powerpoint/2010/main" val="3578600966"/>
+        <p14:creationId xmlns:p14="http://schemas.microsoft.com/office/powerpoint/2010/main" val="2953554036"/>
       </p:ext>
     </p:extLst>
   </p:cSld>
@@ -787,7 +786,7 @@
     </p:spTree>
     <p:extLst>
       <p:ext uri="{BB962C8B-B14F-4D97-AF65-F5344CB8AC3E}">
-        <p14:creationId xmlns:p14="http://schemas.microsoft.com/office/powerpoint/2010/main" val="2953554036"/>
+        <p14:creationId xmlns:p14="http://schemas.microsoft.com/office/powerpoint/2010/main" val="4808845"/>
       </p:ext>
     </p:extLst>
   </p:cSld>
@@ -871,7 +870,7 @@
     </p:spTree>
     <p:extLst>
       <p:ext uri="{BB962C8B-B14F-4D97-AF65-F5344CB8AC3E}">
-        <p14:creationId xmlns:p14="http://schemas.microsoft.com/office/powerpoint/2010/main" val="4808845"/>
+        <p14:creationId xmlns:p14="http://schemas.microsoft.com/office/powerpoint/2010/main" val="2573641822"/>
       </p:ext>
     </p:extLst>
   </p:cSld>
@@ -955,7 +954,7 @@
     </p:spTree>
     <p:extLst>
       <p:ext uri="{BB962C8B-B14F-4D97-AF65-F5344CB8AC3E}">
-        <p14:creationId xmlns:p14="http://schemas.microsoft.com/office/powerpoint/2010/main" val="2573641822"/>
+        <p14:creationId xmlns:p14="http://schemas.microsoft.com/office/powerpoint/2010/main" val="2158795153"/>
       </p:ext>
     </p:extLst>
   </p:cSld>
@@ -1039,7 +1038,7 @@
     </p:spTree>
     <p:extLst>
       <p:ext uri="{BB962C8B-B14F-4D97-AF65-F5344CB8AC3E}">
-        <p14:creationId xmlns:p14="http://schemas.microsoft.com/office/powerpoint/2010/main" val="2158795153"/>
+        <p14:creationId xmlns:p14="http://schemas.microsoft.com/office/powerpoint/2010/main" val="2685842003"/>
       </p:ext>
     </p:extLst>
   </p:cSld>
@@ -1123,7 +1122,7 @@
     </p:spTree>
     <p:extLst>
       <p:ext uri="{BB962C8B-B14F-4D97-AF65-F5344CB8AC3E}">
-        <p14:creationId xmlns:p14="http://schemas.microsoft.com/office/powerpoint/2010/main" val="2685842003"/>
+        <p14:creationId xmlns:p14="http://schemas.microsoft.com/office/powerpoint/2010/main" val="300387900"/>
       </p:ext>
     </p:extLst>
   </p:cSld>
@@ -1207,7 +1206,7 @@
     </p:spTree>
     <p:extLst>
       <p:ext uri="{BB962C8B-B14F-4D97-AF65-F5344CB8AC3E}">
-        <p14:creationId xmlns:p14="http://schemas.microsoft.com/office/powerpoint/2010/main" val="300387900"/>
+        <p14:creationId xmlns:p14="http://schemas.microsoft.com/office/powerpoint/2010/main" val="2959492835"/>
       </p:ext>
     </p:extLst>
   </p:cSld>
@@ -1261,6 +1260,97 @@
           <a:bodyPr/>
           <a:lstStyle/>
           <a:p>
+            <a:pPr marL="0" marR="0" lvl="0" indent="0" algn="l" defTabSz="914400" rtl="0" eaLnBrk="1" fontAlgn="auto" latinLnBrk="0" hangingPunct="1">
+              <a:lnSpc>
+                <a:spcPct val="100000"/>
+              </a:lnSpc>
+              <a:spcBef>
+                <a:spcPts val="0"/>
+              </a:spcBef>
+              <a:spcAft>
+                <a:spcPts val="0"/>
+              </a:spcAft>
+              <a:buClrTx/>
+              <a:buSzTx/>
+              <a:buFontTx/>
+              <a:buNone/>
+              <a:tabLst/>
+              <a:defRPr/>
+            </a:pPr>
+            <a:r>
+              <a:rPr lang="en-US" sz="1800" dirty="0">
+                <a:effectLst/>
+                <a:latin typeface="Times New Roman" panose="02020603050405020304" pitchFamily="18" charset="0"/>
+                <a:ea typeface="Times New Roman" panose="02020603050405020304" pitchFamily="18" charset="0"/>
+              </a:rPr>
+              <a:t>The first line installs the package you want to use – </a:t>
+            </a:r>
+            <a:r>
+              <a:rPr lang="en-US" sz="1800" u="sng" dirty="0">
+                <a:effectLst/>
+                <a:latin typeface="Times New Roman" panose="02020603050405020304" pitchFamily="18" charset="0"/>
+                <a:ea typeface="Times New Roman" panose="02020603050405020304" pitchFamily="18" charset="0"/>
+              </a:rPr>
+              <a:t>you only need to run this once on your computer</a:t>
+            </a:r>
+            <a:r>
+              <a:rPr lang="en-US" sz="1800" dirty="0">
+                <a:effectLst/>
+                <a:latin typeface="Times New Roman" panose="02020603050405020304" pitchFamily="18" charset="0"/>
+                <a:ea typeface="Times New Roman" panose="02020603050405020304" pitchFamily="18" charset="0"/>
+              </a:rPr>
+              <a:t> (and don’t forget the quotation marks). Then, </a:t>
+            </a:r>
+            <a:r>
+              <a:rPr lang="en-US" sz="1800" u="sng" dirty="0">
+                <a:effectLst/>
+                <a:latin typeface="Times New Roman" panose="02020603050405020304" pitchFamily="18" charset="0"/>
+                <a:ea typeface="Times New Roman" panose="02020603050405020304" pitchFamily="18" charset="0"/>
+              </a:rPr>
+              <a:t>each time you open RStudio</a:t>
+            </a:r>
+            <a:r>
+              <a:rPr lang="en-US" sz="1800" dirty="0">
+                <a:effectLst/>
+                <a:latin typeface="Times New Roman" panose="02020603050405020304" pitchFamily="18" charset="0"/>
+                <a:ea typeface="Times New Roman" panose="02020603050405020304" pitchFamily="18" charset="0"/>
+              </a:rPr>
+              <a:t>, you need to “call” the package (think about this like inviting the vampire into your house, but in a nice way). That’s done on the second line. Then, the third line uses the command “</a:t>
+            </a:r>
+            <a:r>
+              <a:rPr lang="en-US" sz="1800" dirty="0" err="1">
+                <a:effectLst/>
+                <a:latin typeface="Times New Roman" panose="02020603050405020304" pitchFamily="18" charset="0"/>
+                <a:ea typeface="Times New Roman" panose="02020603050405020304" pitchFamily="18" charset="0"/>
+              </a:rPr>
+              <a:t>read_xlsx</a:t>
+            </a:r>
+            <a:r>
+              <a:rPr lang="en-US" sz="1800" dirty="0">
+                <a:effectLst/>
+                <a:latin typeface="Times New Roman" panose="02020603050405020304" pitchFamily="18" charset="0"/>
+                <a:ea typeface="Times New Roman" panose="02020603050405020304" pitchFamily="18" charset="0"/>
+              </a:rPr>
+              <a:t>” from the </a:t>
+            </a:r>
+            <a:r>
+              <a:rPr lang="en-US" sz="1800" dirty="0" err="1">
+                <a:effectLst/>
+                <a:latin typeface="Times New Roman" panose="02020603050405020304" pitchFamily="18" charset="0"/>
+                <a:ea typeface="Times New Roman" panose="02020603050405020304" pitchFamily="18" charset="0"/>
+              </a:rPr>
+              <a:t>readxl</a:t>
+            </a:r>
+            <a:r>
+              <a:rPr lang="en-US" sz="1800" dirty="0">
+                <a:effectLst/>
+                <a:latin typeface="Times New Roman" panose="02020603050405020304" pitchFamily="18" charset="0"/>
+                <a:ea typeface="Times New Roman" panose="02020603050405020304" pitchFamily="18" charset="0"/>
+              </a:rPr>
+              <a:t> package to load your dataset. </a:t>
+            </a:r>
+          </a:p>
+          <a:p>
             <a:endParaRPr lang="en-US" dirty="0"/>
           </a:p>
         </p:txBody>
@@ -1291,7 +1381,7 @@
     </p:spTree>
     <p:extLst>
       <p:ext uri="{BB962C8B-B14F-4D97-AF65-F5344CB8AC3E}">
-        <p14:creationId xmlns:p14="http://schemas.microsoft.com/office/powerpoint/2010/main" val="2959492835"/>
+        <p14:creationId xmlns:p14="http://schemas.microsoft.com/office/powerpoint/2010/main" val="2607172519"/>
       </p:ext>
     </p:extLst>
   </p:cSld>
@@ -1345,97 +1435,6 @@
           <a:bodyPr/>
           <a:lstStyle/>
           <a:p>
-            <a:pPr marL="0" marR="0" lvl="0" indent="0" algn="l" defTabSz="914400" rtl="0" eaLnBrk="1" fontAlgn="auto" latinLnBrk="0" hangingPunct="1">
-              <a:lnSpc>
-                <a:spcPct val="100000"/>
-              </a:lnSpc>
-              <a:spcBef>
-                <a:spcPts val="0"/>
-              </a:spcBef>
-              <a:spcAft>
-                <a:spcPts val="0"/>
-              </a:spcAft>
-              <a:buClrTx/>
-              <a:buSzTx/>
-              <a:buFontTx/>
-              <a:buNone/>
-              <a:tabLst/>
-              <a:defRPr/>
-            </a:pPr>
-            <a:r>
-              <a:rPr lang="en-US" sz="1800" dirty="0">
-                <a:effectLst/>
-                <a:latin typeface="Times New Roman" panose="02020603050405020304" pitchFamily="18" charset="0"/>
-                <a:ea typeface="Times New Roman" panose="02020603050405020304" pitchFamily="18" charset="0"/>
-              </a:rPr>
-              <a:t>The first line installs the package you want to use – </a:t>
-            </a:r>
-            <a:r>
-              <a:rPr lang="en-US" sz="1800" u="sng" dirty="0">
-                <a:effectLst/>
-                <a:latin typeface="Times New Roman" panose="02020603050405020304" pitchFamily="18" charset="0"/>
-                <a:ea typeface="Times New Roman" panose="02020603050405020304" pitchFamily="18" charset="0"/>
-              </a:rPr>
-              <a:t>you only need to run this once on your computer</a:t>
-            </a:r>
-            <a:r>
-              <a:rPr lang="en-US" sz="1800" dirty="0">
-                <a:effectLst/>
-                <a:latin typeface="Times New Roman" panose="02020603050405020304" pitchFamily="18" charset="0"/>
-                <a:ea typeface="Times New Roman" panose="02020603050405020304" pitchFamily="18" charset="0"/>
-              </a:rPr>
-              <a:t> (and don’t forget the quotation marks). Then, </a:t>
-            </a:r>
-            <a:r>
-              <a:rPr lang="en-US" sz="1800" u="sng" dirty="0">
-                <a:effectLst/>
-                <a:latin typeface="Times New Roman" panose="02020603050405020304" pitchFamily="18" charset="0"/>
-                <a:ea typeface="Times New Roman" panose="02020603050405020304" pitchFamily="18" charset="0"/>
-              </a:rPr>
-              <a:t>each time you open RStudio</a:t>
-            </a:r>
-            <a:r>
-              <a:rPr lang="en-US" sz="1800" dirty="0">
-                <a:effectLst/>
-                <a:latin typeface="Times New Roman" panose="02020603050405020304" pitchFamily="18" charset="0"/>
-                <a:ea typeface="Times New Roman" panose="02020603050405020304" pitchFamily="18" charset="0"/>
-              </a:rPr>
-              <a:t>, you need to “call” the package (think about this like inviting the vampire into your house, but in a nice way). That’s done on the second line. Then, the third line uses the command “</a:t>
-            </a:r>
-            <a:r>
-              <a:rPr lang="en-US" sz="1800" dirty="0" err="1">
-                <a:effectLst/>
-                <a:latin typeface="Times New Roman" panose="02020603050405020304" pitchFamily="18" charset="0"/>
-                <a:ea typeface="Times New Roman" panose="02020603050405020304" pitchFamily="18" charset="0"/>
-              </a:rPr>
-              <a:t>read_xlsx</a:t>
-            </a:r>
-            <a:r>
-              <a:rPr lang="en-US" sz="1800" dirty="0">
-                <a:effectLst/>
-                <a:latin typeface="Times New Roman" panose="02020603050405020304" pitchFamily="18" charset="0"/>
-                <a:ea typeface="Times New Roman" panose="02020603050405020304" pitchFamily="18" charset="0"/>
-              </a:rPr>
-              <a:t>” from the </a:t>
-            </a:r>
-            <a:r>
-              <a:rPr lang="en-US" sz="1800" dirty="0" err="1">
-                <a:effectLst/>
-                <a:latin typeface="Times New Roman" panose="02020603050405020304" pitchFamily="18" charset="0"/>
-                <a:ea typeface="Times New Roman" panose="02020603050405020304" pitchFamily="18" charset="0"/>
-              </a:rPr>
-              <a:t>readxl</a:t>
-            </a:r>
-            <a:r>
-              <a:rPr lang="en-US" sz="1800" dirty="0">
-                <a:effectLst/>
-                <a:latin typeface="Times New Roman" panose="02020603050405020304" pitchFamily="18" charset="0"/>
-                <a:ea typeface="Times New Roman" panose="02020603050405020304" pitchFamily="18" charset="0"/>
-              </a:rPr>
-              <a:t> package to load your dataset. </a:t>
-            </a:r>
-          </a:p>
-          <a:p>
             <a:endParaRPr lang="en-US" dirty="0"/>
           </a:p>
         </p:txBody>
@@ -1466,7 +1465,7 @@
     </p:spTree>
     <p:extLst>
       <p:ext uri="{BB962C8B-B14F-4D97-AF65-F5344CB8AC3E}">
-        <p14:creationId xmlns:p14="http://schemas.microsoft.com/office/powerpoint/2010/main" val="2607172519"/>
+        <p14:creationId xmlns:p14="http://schemas.microsoft.com/office/powerpoint/2010/main" val="1369668476"/>
       </p:ext>
     </p:extLst>
   </p:cSld>
@@ -1550,7 +1549,7 @@
     </p:spTree>
     <p:extLst>
       <p:ext uri="{BB962C8B-B14F-4D97-AF65-F5344CB8AC3E}">
-        <p14:creationId xmlns:p14="http://schemas.microsoft.com/office/powerpoint/2010/main" val="1369668476"/>
+        <p14:creationId xmlns:p14="http://schemas.microsoft.com/office/powerpoint/2010/main" val="1816552483"/>
       </p:ext>
     </p:extLst>
   </p:cSld>
@@ -1725,7 +1724,7 @@
     </p:spTree>
     <p:extLst>
       <p:ext uri="{BB962C8B-B14F-4D97-AF65-F5344CB8AC3E}">
-        <p14:creationId xmlns:p14="http://schemas.microsoft.com/office/powerpoint/2010/main" val="1816552483"/>
+        <p14:creationId xmlns:p14="http://schemas.microsoft.com/office/powerpoint/2010/main" val="3510445925"/>
       </p:ext>
     </p:extLst>
   </p:cSld>
@@ -1809,7 +1808,7 @@
     </p:spTree>
     <p:extLst>
       <p:ext uri="{BB962C8B-B14F-4D97-AF65-F5344CB8AC3E}">
-        <p14:creationId xmlns:p14="http://schemas.microsoft.com/office/powerpoint/2010/main" val="3510445925"/>
+        <p14:creationId xmlns:p14="http://schemas.microsoft.com/office/powerpoint/2010/main" val="3475462495"/>
       </p:ext>
     </p:extLst>
   </p:cSld>
@@ -1863,6 +1862,113 @@
           <a:bodyPr/>
           <a:lstStyle/>
           <a:p>
+            <a:pPr marL="0" marR="0" lvl="0" indent="0" algn="l" defTabSz="914400" rtl="0" eaLnBrk="1" fontAlgn="auto" latinLnBrk="0" hangingPunct="1">
+              <a:lnSpc>
+                <a:spcPct val="100000"/>
+              </a:lnSpc>
+              <a:spcBef>
+                <a:spcPts val="0"/>
+              </a:spcBef>
+              <a:spcAft>
+                <a:spcPts val="0"/>
+              </a:spcAft>
+              <a:buClrTx/>
+              <a:buSzTx/>
+              <a:buFontTx/>
+              <a:buNone/>
+              <a:tabLst/>
+              <a:defRPr/>
+            </a:pPr>
+            <a:r>
+              <a:rPr lang="en-US" sz="1800" dirty="0">
+                <a:effectLst/>
+                <a:latin typeface="Times New Roman" panose="02020603050405020304" pitchFamily="18" charset="0"/>
+                <a:ea typeface="Times New Roman" panose="02020603050405020304" pitchFamily="18" charset="0"/>
+              </a:rPr>
+              <a:t>Most of the time, you want to “Knit to Word.” Once you click this, your .</a:t>
+            </a:r>
+            <a:r>
+              <a:rPr lang="en-US" sz="1800" dirty="0" err="1">
+                <a:effectLst/>
+                <a:latin typeface="Times New Roman" panose="02020603050405020304" pitchFamily="18" charset="0"/>
+                <a:ea typeface="Times New Roman" panose="02020603050405020304" pitchFamily="18" charset="0"/>
+              </a:rPr>
+              <a:t>Rmd</a:t>
+            </a:r>
+            <a:r>
+              <a:rPr lang="en-US" sz="1800" dirty="0">
+                <a:effectLst/>
+                <a:latin typeface="Times New Roman" panose="02020603050405020304" pitchFamily="18" charset="0"/>
+                <a:ea typeface="Times New Roman" panose="02020603050405020304" pitchFamily="18" charset="0"/>
+              </a:rPr>
+              <a:t> file will </a:t>
+            </a:r>
+            <a:r>
+              <a:rPr lang="en-US" sz="1800" b="1" u="sng" dirty="0">
+                <a:effectLst/>
+                <a:latin typeface="Times New Roman" panose="02020603050405020304" pitchFamily="18" charset="0"/>
+                <a:ea typeface="Times New Roman" panose="02020603050405020304" pitchFamily="18" charset="0"/>
+              </a:rPr>
+              <a:t>run all code in your document </a:t>
+            </a:r>
+            <a:r>
+              <a:rPr lang="en-US" sz="1800" dirty="0">
+                <a:effectLst/>
+                <a:latin typeface="Times New Roman" panose="02020603050405020304" pitchFamily="18" charset="0"/>
+                <a:ea typeface="Times New Roman" panose="02020603050405020304" pitchFamily="18" charset="0"/>
+              </a:rPr>
+              <a:t>and then produce a Word file with the outputs of your code and the text you wrote to describe it. In order to knit, your R software will start entirely from scratch. This means that </a:t>
+            </a:r>
+            <a:r>
+              <a:rPr lang="en-US" sz="1800" b="1" u="sng" dirty="0">
+                <a:effectLst/>
+                <a:latin typeface="Times New Roman" panose="02020603050405020304" pitchFamily="18" charset="0"/>
+                <a:ea typeface="Times New Roman" panose="02020603050405020304" pitchFamily="18" charset="0"/>
+              </a:rPr>
+              <a:t>every line of code you needed to complete the analysis must be in your .</a:t>
+            </a:r>
+            <a:r>
+              <a:rPr lang="en-US" sz="1800" b="1" u="sng" dirty="0" err="1">
+                <a:effectLst/>
+                <a:latin typeface="Times New Roman" panose="02020603050405020304" pitchFamily="18" charset="0"/>
+                <a:ea typeface="Times New Roman" panose="02020603050405020304" pitchFamily="18" charset="0"/>
+              </a:rPr>
+              <a:t>Rmd</a:t>
+            </a:r>
+            <a:r>
+              <a:rPr lang="en-US" sz="1800" b="1" u="sng" dirty="0">
+                <a:effectLst/>
+                <a:latin typeface="Times New Roman" panose="02020603050405020304" pitchFamily="18" charset="0"/>
+                <a:ea typeface="Times New Roman" panose="02020603050405020304" pitchFamily="18" charset="0"/>
+              </a:rPr>
+              <a:t> file</a:t>
+            </a:r>
+            <a:r>
+              <a:rPr lang="en-US" sz="1800" dirty="0">
+                <a:effectLst/>
+                <a:latin typeface="Times New Roman" panose="02020603050405020304" pitchFamily="18" charset="0"/>
+                <a:ea typeface="Times New Roman" panose="02020603050405020304" pitchFamily="18" charset="0"/>
+              </a:rPr>
+              <a:t>. Frequently, we switch to the console to play around or test/debug something we’re trying to do. If you do this, you have to make sure your code ends up back in the .</a:t>
+            </a:r>
+            <a:r>
+              <a:rPr lang="en-US" sz="1800" dirty="0" err="1">
+                <a:effectLst/>
+                <a:latin typeface="Times New Roman" panose="02020603050405020304" pitchFamily="18" charset="0"/>
+                <a:ea typeface="Times New Roman" panose="02020603050405020304" pitchFamily="18" charset="0"/>
+              </a:rPr>
+              <a:t>Rmd</a:t>
+            </a:r>
+            <a:r>
+              <a:rPr lang="en-US" sz="1800" dirty="0">
+                <a:effectLst/>
+                <a:latin typeface="Times New Roman" panose="02020603050405020304" pitchFamily="18" charset="0"/>
+                <a:ea typeface="Times New Roman" panose="02020603050405020304" pitchFamily="18" charset="0"/>
+              </a:rPr>
+              <a:t> file or your file will not knit. </a:t>
+            </a:r>
+          </a:p>
+          <a:p>
             <a:endParaRPr lang="en-US" dirty="0"/>
           </a:p>
         </p:txBody>
@@ -1893,7 +1999,7 @@
     </p:spTree>
     <p:extLst>
       <p:ext uri="{BB962C8B-B14F-4D97-AF65-F5344CB8AC3E}">
-        <p14:creationId xmlns:p14="http://schemas.microsoft.com/office/powerpoint/2010/main" val="3475462495"/>
+        <p14:creationId xmlns:p14="http://schemas.microsoft.com/office/powerpoint/2010/main" val="1421499041"/>
       </p:ext>
     </p:extLst>
   </p:cSld>
@@ -1947,114 +2053,10 @@
           <a:bodyPr/>
           <a:lstStyle/>
           <a:p>
-            <a:pPr marL="0" marR="0" lvl="0" indent="0" algn="l" defTabSz="914400" rtl="0" eaLnBrk="1" fontAlgn="auto" latinLnBrk="0" hangingPunct="1">
-              <a:lnSpc>
-                <a:spcPct val="100000"/>
-              </a:lnSpc>
-              <a:spcBef>
-                <a:spcPts val="0"/>
-              </a:spcBef>
-              <a:spcAft>
-                <a:spcPts val="0"/>
-              </a:spcAft>
-              <a:buClrTx/>
-              <a:buSzTx/>
-              <a:buFontTx/>
-              <a:buNone/>
-              <a:tabLst/>
-              <a:defRPr/>
-            </a:pPr>
-            <a:r>
-              <a:rPr lang="en-US" sz="1800" dirty="0">
-                <a:effectLst/>
-                <a:latin typeface="Times New Roman" panose="02020603050405020304" pitchFamily="18" charset="0"/>
-                <a:ea typeface="Times New Roman" panose="02020603050405020304" pitchFamily="18" charset="0"/>
-              </a:rPr>
-              <a:t>Most of the time, you want to “Knit to Word.” Once you click this, your .</a:t>
-            </a:r>
-            <a:r>
-              <a:rPr lang="en-US" sz="1800" dirty="0" err="1">
-                <a:effectLst/>
-                <a:latin typeface="Times New Roman" panose="02020603050405020304" pitchFamily="18" charset="0"/>
-                <a:ea typeface="Times New Roman" panose="02020603050405020304" pitchFamily="18" charset="0"/>
-              </a:rPr>
-              <a:t>Rmd</a:t>
-            </a:r>
-            <a:r>
-              <a:rPr lang="en-US" sz="1800" dirty="0">
-                <a:effectLst/>
-                <a:latin typeface="Times New Roman" panose="02020603050405020304" pitchFamily="18" charset="0"/>
-                <a:ea typeface="Times New Roman" panose="02020603050405020304" pitchFamily="18" charset="0"/>
-              </a:rPr>
-              <a:t> file will </a:t>
-            </a:r>
-            <a:r>
-              <a:rPr lang="en-US" sz="1800" b="1" u="sng" dirty="0">
-                <a:effectLst/>
-                <a:latin typeface="Times New Roman" panose="02020603050405020304" pitchFamily="18" charset="0"/>
-                <a:ea typeface="Times New Roman" panose="02020603050405020304" pitchFamily="18" charset="0"/>
-              </a:rPr>
-              <a:t>run all code in your document </a:t>
-            </a:r>
-            <a:r>
-              <a:rPr lang="en-US" sz="1800" dirty="0">
-                <a:effectLst/>
-                <a:latin typeface="Times New Roman" panose="02020603050405020304" pitchFamily="18" charset="0"/>
-                <a:ea typeface="Times New Roman" panose="02020603050405020304" pitchFamily="18" charset="0"/>
-              </a:rPr>
-              <a:t>and then produce a Word file with the outputs of your code and the text you wrote to describe it. In order to knit, your R software will start entirely from scratch. This means that </a:t>
-            </a:r>
-            <a:r>
-              <a:rPr lang="en-US" sz="1800" b="1" u="sng" dirty="0">
-                <a:effectLst/>
-                <a:latin typeface="Times New Roman" panose="02020603050405020304" pitchFamily="18" charset="0"/>
-                <a:ea typeface="Times New Roman" panose="02020603050405020304" pitchFamily="18" charset="0"/>
-              </a:rPr>
-              <a:t>every line of code you needed to complete the analysis must be in your .</a:t>
-            </a:r>
-            <a:r>
-              <a:rPr lang="en-US" sz="1800" b="1" u="sng" dirty="0" err="1">
-                <a:effectLst/>
-                <a:latin typeface="Times New Roman" panose="02020603050405020304" pitchFamily="18" charset="0"/>
-                <a:ea typeface="Times New Roman" panose="02020603050405020304" pitchFamily="18" charset="0"/>
-              </a:rPr>
-              <a:t>Rmd</a:t>
-            </a:r>
-            <a:r>
-              <a:rPr lang="en-US" sz="1800" b="1" u="sng" dirty="0">
-                <a:effectLst/>
-                <a:latin typeface="Times New Roman" panose="02020603050405020304" pitchFamily="18" charset="0"/>
-                <a:ea typeface="Times New Roman" panose="02020603050405020304" pitchFamily="18" charset="0"/>
-              </a:rPr>
-              <a:t> file</a:t>
-            </a:r>
-            <a:r>
-              <a:rPr lang="en-US" sz="1800" dirty="0">
-                <a:effectLst/>
-                <a:latin typeface="Times New Roman" panose="02020603050405020304" pitchFamily="18" charset="0"/>
-                <a:ea typeface="Times New Roman" panose="02020603050405020304" pitchFamily="18" charset="0"/>
-              </a:rPr>
-              <a:t>. Frequently, we switch to the console to play around or test/debug something we’re trying to do. If you do this, you have to make sure your code ends up back in the .</a:t>
-            </a:r>
-            <a:r>
-              <a:rPr lang="en-US" sz="1800" dirty="0" err="1">
-                <a:effectLst/>
-                <a:latin typeface="Times New Roman" panose="02020603050405020304" pitchFamily="18" charset="0"/>
-                <a:ea typeface="Times New Roman" panose="02020603050405020304" pitchFamily="18" charset="0"/>
-              </a:rPr>
-              <a:t>Rmd</a:t>
-            </a:r>
-            <a:r>
-              <a:rPr lang="en-US" sz="1800" dirty="0">
-                <a:effectLst/>
-                <a:latin typeface="Times New Roman" panose="02020603050405020304" pitchFamily="18" charset="0"/>
-                <a:ea typeface="Times New Roman" panose="02020603050405020304" pitchFamily="18" charset="0"/>
-              </a:rPr>
-              <a:t> file or your file will not knit. </a:t>
-            </a:r>
-          </a:p>
-          <a:p>
-            <a:endParaRPr lang="en-US" dirty="0"/>
+            <a:r>
+              <a:rPr lang="en-US" dirty="0"/>
+              <a:t>If you find a source that’s really helpful to you, send it my way! Want to include it here. Crowd-sourcing is what R is built on after all. </a:t>
+            </a:r>
           </a:p>
         </p:txBody>
       </p:sp>
@@ -2084,7 +2086,7 @@
     </p:spTree>
     <p:extLst>
       <p:ext uri="{BB962C8B-B14F-4D97-AF65-F5344CB8AC3E}">
-        <p14:creationId xmlns:p14="http://schemas.microsoft.com/office/powerpoint/2010/main" val="1421499041"/>
+        <p14:creationId xmlns:p14="http://schemas.microsoft.com/office/powerpoint/2010/main" val="3327393859"/>
       </p:ext>
     </p:extLst>
   </p:cSld>
@@ -2138,10 +2140,7 @@
           <a:bodyPr/>
           <a:lstStyle/>
           <a:p>
-            <a:r>
-              <a:rPr lang="en-US" dirty="0"/>
-              <a:t>If you find a source that’s really helpful to you, send it my way! Want to include it here. Crowd-sourcing is what R is built on after all. </a:t>
-            </a:r>
+            <a:endParaRPr lang="en-US" dirty="0"/>
           </a:p>
         </p:txBody>
       </p:sp>
@@ -2163,90 +2162,6 @@
             <a:fld id="{4AF79E1B-2C51-4B9B-8EA4-26DE9E345AFF}" type="slidenum">
               <a:rPr lang="en-US" smtClean="0"/>
               <a:t>24</a:t>
-            </a:fld>
-            <a:endParaRPr lang="en-US"/>
-          </a:p>
-        </p:txBody>
-      </p:sp>
-    </p:spTree>
-    <p:extLst>
-      <p:ext uri="{BB962C8B-B14F-4D97-AF65-F5344CB8AC3E}">
-        <p14:creationId xmlns:p14="http://schemas.microsoft.com/office/powerpoint/2010/main" val="3327393859"/>
-      </p:ext>
-    </p:extLst>
-  </p:cSld>
-  <p:clrMapOvr>
-    <a:masterClrMapping/>
-  </p:clrMapOvr>
-</p:notes>
-</file>
-
-<file path=ppt/notesSlides/notesSlide25.xml><?xml version="1.0" encoding="utf-8"?>
-<p:notes xmlns:a="http://schemas.openxmlformats.org/drawingml/2006/main" xmlns:r="http://schemas.openxmlformats.org/officeDocument/2006/relationships" xmlns:p="http://schemas.openxmlformats.org/presentationml/2006/main">
-  <p:cSld>
-    <p:spTree>
-      <p:nvGrpSpPr>
-        <p:cNvPr id="1" name=""/>
-        <p:cNvGrpSpPr/>
-        <p:nvPr/>
-      </p:nvGrpSpPr>
-      <p:grpSpPr>
-        <a:xfrm>
-          <a:off x="0" y="0"/>
-          <a:ext cx="0" cy="0"/>
-          <a:chOff x="0" y="0"/>
-          <a:chExt cx="0" cy="0"/>
-        </a:xfrm>
-      </p:grpSpPr>
-      <p:sp>
-        <p:nvSpPr>
-          <p:cNvPr id="2" name="Slide Image Placeholder 1"/>
-          <p:cNvSpPr>
-            <a:spLocks noGrp="1" noRot="1" noChangeAspect="1"/>
-          </p:cNvSpPr>
-          <p:nvPr>
-            <p:ph type="sldImg"/>
-          </p:nvPr>
-        </p:nvSpPr>
-        <p:spPr/>
-      </p:sp>
-      <p:sp>
-        <p:nvSpPr>
-          <p:cNvPr id="3" name="Notes Placeholder 2"/>
-          <p:cNvSpPr>
-            <a:spLocks noGrp="1"/>
-          </p:cNvSpPr>
-          <p:nvPr>
-            <p:ph type="body" idx="1"/>
-          </p:nvPr>
-        </p:nvSpPr>
-        <p:spPr/>
-        <p:txBody>
-          <a:bodyPr/>
-          <a:lstStyle/>
-          <a:p>
-            <a:endParaRPr lang="en-US" dirty="0"/>
-          </a:p>
-        </p:txBody>
-      </p:sp>
-      <p:sp>
-        <p:nvSpPr>
-          <p:cNvPr id="4" name="Slide Number Placeholder 3"/>
-          <p:cNvSpPr>
-            <a:spLocks noGrp="1"/>
-          </p:cNvSpPr>
-          <p:nvPr>
-            <p:ph type="sldNum" sz="quarter" idx="5"/>
-          </p:nvPr>
-        </p:nvSpPr>
-        <p:spPr/>
-        <p:txBody>
-          <a:bodyPr/>
-          <a:lstStyle/>
-          <a:p>
-            <a:fld id="{4AF79E1B-2C51-4B9B-8EA4-26DE9E345AFF}" type="slidenum">
-              <a:rPr lang="en-US" smtClean="0"/>
-              <a:t>25</a:t>
             </a:fld>
             <a:endParaRPr lang="en-US"/>
           </a:p>
@@ -2265,7 +2180,7 @@
 </p:notes>
 </file>
 
-<file path=ppt/notesSlides/notesSlide26.xml><?xml version="1.0" encoding="utf-8"?>
+<file path=ppt/notesSlides/notesSlide25.xml><?xml version="1.0" encoding="utf-8"?>
 <p:notes xmlns:a="http://schemas.openxmlformats.org/drawingml/2006/main" xmlns:r="http://schemas.openxmlformats.org/officeDocument/2006/relationships" xmlns:p="http://schemas.openxmlformats.org/presentationml/2006/main">
   <p:cSld>
     <p:spTree>
@@ -2354,7 +2269,7 @@
           <a:p>
             <a:fld id="{4AF79E1B-2C51-4B9B-8EA4-26DE9E345AFF}" type="slidenum">
               <a:rPr lang="en-US" smtClean="0"/>
-              <a:t>26</a:t>
+              <a:t>25</a:t>
             </a:fld>
             <a:endParaRPr lang="en-US"/>
           </a:p>
@@ -2364,6 +2279,126 @@
     <p:extLst>
       <p:ext uri="{BB962C8B-B14F-4D97-AF65-F5344CB8AC3E}">
         <p14:creationId xmlns:p14="http://schemas.microsoft.com/office/powerpoint/2010/main" val="4146625612"/>
+      </p:ext>
+    </p:extLst>
+  </p:cSld>
+  <p:clrMapOvr>
+    <a:masterClrMapping/>
+  </p:clrMapOvr>
+</p:notes>
+</file>
+
+<file path=ppt/notesSlides/notesSlide26.xml><?xml version="1.0" encoding="utf-8"?>
+<p:notes xmlns:a="http://schemas.openxmlformats.org/drawingml/2006/main" xmlns:r="http://schemas.openxmlformats.org/officeDocument/2006/relationships" xmlns:p="http://schemas.openxmlformats.org/presentationml/2006/main">
+  <p:cSld>
+    <p:spTree>
+      <p:nvGrpSpPr>
+        <p:cNvPr id="1" name=""/>
+        <p:cNvGrpSpPr/>
+        <p:nvPr/>
+      </p:nvGrpSpPr>
+      <p:grpSpPr>
+        <a:xfrm>
+          <a:off x="0" y="0"/>
+          <a:ext cx="0" cy="0"/>
+          <a:chOff x="0" y="0"/>
+          <a:chExt cx="0" cy="0"/>
+        </a:xfrm>
+      </p:grpSpPr>
+      <p:sp>
+        <p:nvSpPr>
+          <p:cNvPr id="2" name="Slide Image Placeholder 1"/>
+          <p:cNvSpPr>
+            <a:spLocks noGrp="1" noRot="1" noChangeAspect="1"/>
+          </p:cNvSpPr>
+          <p:nvPr>
+            <p:ph type="sldImg"/>
+          </p:nvPr>
+        </p:nvSpPr>
+        <p:spPr/>
+      </p:sp>
+      <p:sp>
+        <p:nvSpPr>
+          <p:cNvPr id="3" name="Notes Placeholder 2"/>
+          <p:cNvSpPr>
+            <a:spLocks noGrp="1"/>
+          </p:cNvSpPr>
+          <p:nvPr>
+            <p:ph type="body" idx="1"/>
+          </p:nvPr>
+        </p:nvSpPr>
+        <p:spPr/>
+        <p:txBody>
+          <a:bodyPr/>
+          <a:lstStyle/>
+          <a:p>
+            <a:r>
+              <a:rPr lang="en-US" dirty="0"/>
+              <a:t>See “Mere description” in the folder. Even though we’re after a causal pathway, a solid set of descriptive stats (or better, a single descriptive figure that tells your story) helps you to sell your work before it begins. By </a:t>
+            </a:r>
+            <a:r>
+              <a:rPr lang="en-US" dirty="0" err="1"/>
+              <a:t>descriptives</a:t>
+            </a:r>
+            <a:r>
+              <a:rPr lang="en-US" dirty="0"/>
+              <a:t> we mean just looking at patterns in the data, not trying to recover causal pathways. </a:t>
+            </a:r>
+          </a:p>
+          <a:p>
+            <a:endParaRPr lang="en-US" dirty="0"/>
+          </a:p>
+          <a:p>
+            <a:r>
+              <a:rPr lang="en-US" dirty="0"/>
+              <a:t>Example: donut hole in Medicare (subsidies before/after a region, but a middle part where you have to pay 100% of expenses) (</a:t>
+            </a:r>
+            <a:r>
+              <a:rPr lang="en-US" dirty="0" err="1"/>
+              <a:t>Einav</a:t>
+            </a:r>
+            <a:r>
+              <a:rPr lang="en-US" dirty="0"/>
+              <a:t>, Finkelstein, and </a:t>
+            </a:r>
+            <a:r>
+              <a:rPr lang="en-US" dirty="0" err="1"/>
+              <a:t>Schrimpf</a:t>
+            </a:r>
+            <a:r>
+              <a:rPr lang="en-US" dirty="0"/>
+              <a:t> 2015)</a:t>
+            </a:r>
+          </a:p>
+        </p:txBody>
+      </p:sp>
+      <p:sp>
+        <p:nvSpPr>
+          <p:cNvPr id="4" name="Slide Number Placeholder 3"/>
+          <p:cNvSpPr>
+            <a:spLocks noGrp="1"/>
+          </p:cNvSpPr>
+          <p:nvPr>
+            <p:ph type="sldNum" sz="quarter" idx="5"/>
+          </p:nvPr>
+        </p:nvSpPr>
+        <p:spPr/>
+        <p:txBody>
+          <a:bodyPr/>
+          <a:lstStyle/>
+          <a:p>
+            <a:fld id="{4AF79E1B-2C51-4B9B-8EA4-26DE9E345AFF}" type="slidenum">
+              <a:rPr lang="en-US" smtClean="0"/>
+              <a:t>26</a:t>
+            </a:fld>
+            <a:endParaRPr lang="en-US"/>
+          </a:p>
+        </p:txBody>
+      </p:sp>
+    </p:spTree>
+    <p:extLst>
+      <p:ext uri="{BB962C8B-B14F-4D97-AF65-F5344CB8AC3E}">
+        <p14:creationId xmlns:p14="http://schemas.microsoft.com/office/powerpoint/2010/main" val="1753474815"/>
       </p:ext>
     </p:extLst>
   </p:cSld>
@@ -2419,40 +2454,15 @@
           <a:p>
             <a:r>
               <a:rPr lang="en-US" dirty="0"/>
-              <a:t>See “Mere description” in the folder. Even though we’re after a causal pathway, a solid set of descriptive stats (or better, a single descriptive figure that tells your story) helps you to sell your work before it begins. By </a:t>
-            </a:r>
-            <a:r>
-              <a:rPr lang="en-US" dirty="0" err="1"/>
-              <a:t>descriptives</a:t>
+              <a:t>In this case, the variation is bunching at the kink of the donut hole. Here we’re trying to move beyond </a:t>
+            </a:r>
+            <a:r>
+              <a:rPr lang="en-US"/>
+              <a:t>just summary stats and into the </a:t>
             </a:r>
             <a:r>
               <a:rPr lang="en-US" dirty="0"/>
-              <a:t> we mean just looking at patterns in the data, not trying to recover causal pathways. </a:t>
-            </a:r>
-          </a:p>
-          <a:p>
-            <a:endParaRPr lang="en-US" dirty="0"/>
-          </a:p>
-          <a:p>
-            <a:r>
-              <a:rPr lang="en-US" dirty="0"/>
-              <a:t>Example: donut hole in Medicare (subsidies before/after a region, but a middle part where you have to pay 100% of expenses) (</a:t>
-            </a:r>
-            <a:r>
-              <a:rPr lang="en-US" dirty="0" err="1"/>
-              <a:t>Einav</a:t>
-            </a:r>
-            <a:r>
-              <a:rPr lang="en-US" dirty="0"/>
-              <a:t>, Finkelstein, and </a:t>
-            </a:r>
-            <a:r>
-              <a:rPr lang="en-US" dirty="0" err="1"/>
-              <a:t>Schrimpf</a:t>
-            </a:r>
-            <a:r>
-              <a:rPr lang="en-US" dirty="0"/>
-              <a:t> 2015)</a:t>
+              <a:t>key variation in your data (is it over time? Over geography? Over people?)</a:t>
             </a:r>
           </a:p>
         </p:txBody>
@@ -2483,7 +2493,7 @@
     </p:spTree>
     <p:extLst>
       <p:ext uri="{BB962C8B-B14F-4D97-AF65-F5344CB8AC3E}">
-        <p14:creationId xmlns:p14="http://schemas.microsoft.com/office/powerpoint/2010/main" val="1753474815"/>
+        <p14:creationId xmlns:p14="http://schemas.microsoft.com/office/powerpoint/2010/main" val="1515882844"/>
       </p:ext>
     </p:extLst>
   </p:cSld>
@@ -2539,15 +2549,7 @@
           <a:p>
             <a:r>
               <a:rPr lang="en-US" dirty="0"/>
-              <a:t>In this case, the variation is bunching at the kink of the donut hole. Here we’re trying to move beyond </a:t>
-            </a:r>
-            <a:r>
-              <a:rPr lang="en-US"/>
-              <a:t>just summary stats and into the </a:t>
-            </a:r>
-            <a:r>
-              <a:rPr lang="en-US" dirty="0"/>
-              <a:t>key variation in your data (is it over time? Over geography? Over people?)</a:t>
+              <a:t>In this case, the variation is bunching at the kink of the donut hole</a:t>
             </a:r>
           </a:p>
         </p:txBody>
@@ -2578,7 +2580,7 @@
     </p:spTree>
     <p:extLst>
       <p:ext uri="{BB962C8B-B14F-4D97-AF65-F5344CB8AC3E}">
-        <p14:creationId xmlns:p14="http://schemas.microsoft.com/office/powerpoint/2010/main" val="1515882844"/>
+        <p14:creationId xmlns:p14="http://schemas.microsoft.com/office/powerpoint/2010/main" val="1205275544"/>
       </p:ext>
     </p:extLst>
   </p:cSld>
@@ -2634,7 +2636,31 @@
           <a:p>
             <a:r>
               <a:rPr lang="en-US" dirty="0"/>
-              <a:t>In this case, the variation is bunching at the kink of the donut hole</a:t>
+              <a:t>In this case, show that consumers respond before the end of the year, but less than they do at the end of the year (so consumers aren’t fully forward looking). The </a:t>
+            </a:r>
+            <a:r>
+              <a:rPr lang="en-US" dirty="0" err="1"/>
+              <a:t>descriptives</a:t>
+            </a:r>
+            <a:r>
+              <a:rPr lang="en-US" dirty="0"/>
+              <a:t> provide evidence of a kink, but don’t allow you to quantify it without a causal model – ding </a:t>
+            </a:r>
+            <a:r>
+              <a:rPr lang="en-US" dirty="0" err="1"/>
+              <a:t>ding</a:t>
+            </a:r>
+            <a:r>
+              <a:rPr lang="en-US" dirty="0"/>
+              <a:t> </a:t>
+            </a:r>
+            <a:r>
+              <a:rPr lang="en-US" dirty="0" err="1"/>
+              <a:t>ding</a:t>
+            </a:r>
+            <a:r>
+              <a:rPr lang="en-US" dirty="0"/>
+              <a:t> you have a paper!</a:t>
             </a:r>
           </a:p>
         </p:txBody>
@@ -2665,7 +2691,7 @@
     </p:spTree>
     <p:extLst>
       <p:ext uri="{BB962C8B-B14F-4D97-AF65-F5344CB8AC3E}">
-        <p14:creationId xmlns:p14="http://schemas.microsoft.com/office/powerpoint/2010/main" val="1205275544"/>
+        <p14:creationId xmlns:p14="http://schemas.microsoft.com/office/powerpoint/2010/main" val="1408348725"/>
       </p:ext>
     </p:extLst>
   </p:cSld>
@@ -2719,10 +2745,7 @@
           <a:bodyPr/>
           <a:lstStyle/>
           <a:p>
-            <a:r>
-              <a:rPr lang="en-US" dirty="0"/>
-              <a:t>Based on course review</a:t>
-            </a:r>
+            <a:endParaRPr lang="en-US" dirty="0"/>
           </a:p>
         </p:txBody>
       </p:sp>
@@ -2752,7 +2775,7 @@
     </p:spTree>
     <p:extLst>
       <p:ext uri="{BB962C8B-B14F-4D97-AF65-F5344CB8AC3E}">
-        <p14:creationId xmlns:p14="http://schemas.microsoft.com/office/powerpoint/2010/main" val="3428859710"/>
+        <p14:creationId xmlns:p14="http://schemas.microsoft.com/office/powerpoint/2010/main" val="3366095260"/>
       </p:ext>
     </p:extLst>
   </p:cSld>
@@ -2808,31 +2831,7 @@
           <a:p>
             <a:r>
               <a:rPr lang="en-US" dirty="0"/>
-              <a:t>In this case, show that consumers respond before the end of the year, but less than they do at the end of the year (so consumers aren’t fully forward looking). The </a:t>
-            </a:r>
-            <a:r>
-              <a:rPr lang="en-US" dirty="0" err="1"/>
-              <a:t>descriptives</a:t>
-            </a:r>
-            <a:r>
-              <a:rPr lang="en-US" dirty="0"/>
-              <a:t> provide evidence of a kink, but don’t allow you to quantify it without a causal model – ding </a:t>
-            </a:r>
-            <a:r>
-              <a:rPr lang="en-US" dirty="0" err="1"/>
-              <a:t>ding</a:t>
-            </a:r>
-            <a:r>
-              <a:rPr lang="en-US" dirty="0"/>
-              <a:t> </a:t>
-            </a:r>
-            <a:r>
-              <a:rPr lang="en-US" dirty="0" err="1"/>
-              <a:t>ding</a:t>
-            </a:r>
-            <a:r>
-              <a:rPr lang="en-US" dirty="0"/>
-              <a:t> you have a paper!</a:t>
+              <a:t>Who are we looking at in this case? Seniors with Part D coverage – does that expand to other populations? Maybe, maybe not. </a:t>
             </a:r>
           </a:p>
         </p:txBody>
@@ -2863,7 +2862,7 @@
     </p:spTree>
     <p:extLst>
       <p:ext uri="{BB962C8B-B14F-4D97-AF65-F5344CB8AC3E}">
-        <p14:creationId xmlns:p14="http://schemas.microsoft.com/office/powerpoint/2010/main" val="1408348725"/>
+        <p14:creationId xmlns:p14="http://schemas.microsoft.com/office/powerpoint/2010/main" val="384865399"/>
       </p:ext>
     </p:extLst>
   </p:cSld>
@@ -2919,7 +2918,7 @@
           <a:p>
             <a:r>
               <a:rPr lang="en-US" dirty="0"/>
-              <a:t>Who are we looking at in this case? Seniors with Part D coverage – does that expand to other populations? Maybe, maybe not. </a:t>
+              <a:t>A variable is a group of observations of the same thing (534 heights of children in Ontario)</a:t>
             </a:r>
           </a:p>
         </p:txBody>
@@ -2950,7 +2949,7 @@
     </p:spTree>
     <p:extLst>
       <p:ext uri="{BB962C8B-B14F-4D97-AF65-F5344CB8AC3E}">
-        <p14:creationId xmlns:p14="http://schemas.microsoft.com/office/powerpoint/2010/main" val="384865399"/>
+        <p14:creationId xmlns:p14="http://schemas.microsoft.com/office/powerpoint/2010/main" val="1086576460"/>
       </p:ext>
     </p:extLst>
   </p:cSld>
@@ -3004,10 +3003,7 @@
           <a:bodyPr/>
           <a:lstStyle/>
           <a:p>
-            <a:r>
-              <a:rPr lang="en-US" dirty="0"/>
-              <a:t>A variable is a group of observations of the same thing (534 heights of children in Ontario)</a:t>
-            </a:r>
+            <a:endParaRPr lang="en-US" dirty="0"/>
           </a:p>
         </p:txBody>
       </p:sp>
@@ -3029,90 +3025,6 @@
             <a:fld id="{4AF79E1B-2C51-4B9B-8EA4-26DE9E345AFF}" type="slidenum">
               <a:rPr lang="en-US" smtClean="0"/>
               <a:t>32</a:t>
-            </a:fld>
-            <a:endParaRPr lang="en-US"/>
-          </a:p>
-        </p:txBody>
-      </p:sp>
-    </p:spTree>
-    <p:extLst>
-      <p:ext uri="{BB962C8B-B14F-4D97-AF65-F5344CB8AC3E}">
-        <p14:creationId xmlns:p14="http://schemas.microsoft.com/office/powerpoint/2010/main" val="1086576460"/>
-      </p:ext>
-    </p:extLst>
-  </p:cSld>
-  <p:clrMapOvr>
-    <a:masterClrMapping/>
-  </p:clrMapOvr>
-</p:notes>
-</file>
-
-<file path=ppt/notesSlides/notesSlide33.xml><?xml version="1.0" encoding="utf-8"?>
-<p:notes xmlns:a="http://schemas.openxmlformats.org/drawingml/2006/main" xmlns:r="http://schemas.openxmlformats.org/officeDocument/2006/relationships" xmlns:p="http://schemas.openxmlformats.org/presentationml/2006/main">
-  <p:cSld>
-    <p:spTree>
-      <p:nvGrpSpPr>
-        <p:cNvPr id="1" name=""/>
-        <p:cNvGrpSpPr/>
-        <p:nvPr/>
-      </p:nvGrpSpPr>
-      <p:grpSpPr>
-        <a:xfrm>
-          <a:off x="0" y="0"/>
-          <a:ext cx="0" cy="0"/>
-          <a:chOff x="0" y="0"/>
-          <a:chExt cx="0" cy="0"/>
-        </a:xfrm>
-      </p:grpSpPr>
-      <p:sp>
-        <p:nvSpPr>
-          <p:cNvPr id="2" name="Slide Image Placeholder 1"/>
-          <p:cNvSpPr>
-            <a:spLocks noGrp="1" noRot="1" noChangeAspect="1"/>
-          </p:cNvSpPr>
-          <p:nvPr>
-            <p:ph type="sldImg"/>
-          </p:nvPr>
-        </p:nvSpPr>
-        <p:spPr/>
-      </p:sp>
-      <p:sp>
-        <p:nvSpPr>
-          <p:cNvPr id="3" name="Notes Placeholder 2"/>
-          <p:cNvSpPr>
-            <a:spLocks noGrp="1"/>
-          </p:cNvSpPr>
-          <p:nvPr>
-            <p:ph type="body" idx="1"/>
-          </p:nvPr>
-        </p:nvSpPr>
-        <p:spPr/>
-        <p:txBody>
-          <a:bodyPr/>
-          <a:lstStyle/>
-          <a:p>
-            <a:endParaRPr lang="en-US" dirty="0"/>
-          </a:p>
-        </p:txBody>
-      </p:sp>
-      <p:sp>
-        <p:nvSpPr>
-          <p:cNvPr id="4" name="Slide Number Placeholder 3"/>
-          <p:cNvSpPr>
-            <a:spLocks noGrp="1"/>
-          </p:cNvSpPr>
-          <p:nvPr>
-            <p:ph type="sldNum" sz="quarter" idx="5"/>
-          </p:nvPr>
-        </p:nvSpPr>
-        <p:spPr/>
-        <p:txBody>
-          <a:bodyPr/>
-          <a:lstStyle/>
-          <a:p>
-            <a:fld id="{4AF79E1B-2C51-4B9B-8EA4-26DE9E345AFF}" type="slidenum">
-              <a:rPr lang="en-US" smtClean="0"/>
-              <a:t>33</a:t>
             </a:fld>
             <a:endParaRPr lang="en-US"/>
           </a:p>
@@ -3131,7 +3043,7 @@
 </p:notes>
 </file>
 
-<file path=ppt/notesSlides/notesSlide34.xml><?xml version="1.0" encoding="utf-8"?>
+<file path=ppt/notesSlides/notesSlide33.xml><?xml version="1.0" encoding="utf-8"?>
 <p:notes xmlns:a="http://schemas.openxmlformats.org/drawingml/2006/main" xmlns:r="http://schemas.openxmlformats.org/officeDocument/2006/relationships" xmlns:p="http://schemas.openxmlformats.org/presentationml/2006/main">
   <p:cSld>
     <p:spTree>
@@ -3220,7 +3132,7 @@
           <a:p>
             <a:fld id="{4AF79E1B-2C51-4B9B-8EA4-26DE9E345AFF}" type="slidenum">
               <a:rPr lang="en-US" smtClean="0"/>
-              <a:t>34</a:t>
+              <a:t>33</a:t>
             </a:fld>
             <a:endParaRPr lang="en-US"/>
           </a:p>
@@ -3239,7 +3151,7 @@
 </p:notes>
 </file>
 
-<file path=ppt/notesSlides/notesSlide35.xml><?xml version="1.0" encoding="utf-8"?>
+<file path=ppt/notesSlides/notesSlide34.xml><?xml version="1.0" encoding="utf-8"?>
 <p:notes xmlns:a="http://schemas.openxmlformats.org/drawingml/2006/main" xmlns:r="http://schemas.openxmlformats.org/officeDocument/2006/relationships" xmlns:p="http://schemas.openxmlformats.org/presentationml/2006/main">
   <p:cSld>
     <p:spTree>
@@ -3328,7 +3240,7 @@
           <a:p>
             <a:fld id="{4AF79E1B-2C51-4B9B-8EA4-26DE9E345AFF}" type="slidenum">
               <a:rPr lang="en-US" smtClean="0"/>
-              <a:t>35</a:t>
+              <a:t>34</a:t>
             </a:fld>
             <a:endParaRPr lang="en-US"/>
           </a:p>
@@ -3347,7 +3259,7 @@
 </p:notes>
 </file>
 
-<file path=ppt/notesSlides/notesSlide36.xml><?xml version="1.0" encoding="utf-8"?>
+<file path=ppt/notesSlides/notesSlide35.xml><?xml version="1.0" encoding="utf-8"?>
 <p:notes xmlns:a="http://schemas.openxmlformats.org/drawingml/2006/main" xmlns:r="http://schemas.openxmlformats.org/officeDocument/2006/relationships" xmlns:p="http://schemas.openxmlformats.org/presentationml/2006/main">
   <p:cSld>
     <p:spTree>
@@ -3412,7 +3324,7 @@
           <a:p>
             <a:fld id="{4AF79E1B-2C51-4B9B-8EA4-26DE9E345AFF}" type="slidenum">
               <a:rPr lang="en-US" smtClean="0"/>
-              <a:t>36</a:t>
+              <a:t>35</a:t>
             </a:fld>
             <a:endParaRPr lang="en-US"/>
           </a:p>
@@ -3431,7 +3343,7 @@
 </p:notes>
 </file>
 
-<file path=ppt/notesSlides/notesSlide37.xml><?xml version="1.0" encoding="utf-8"?>
+<file path=ppt/notesSlides/notesSlide36.xml><?xml version="1.0" encoding="utf-8"?>
 <p:notes xmlns:a="http://schemas.openxmlformats.org/drawingml/2006/main" xmlns:r="http://schemas.openxmlformats.org/officeDocument/2006/relationships" xmlns:p="http://schemas.openxmlformats.org/presentationml/2006/main">
   <p:cSld>
     <p:spTree>
@@ -3523,7 +3435,7 @@
           <a:p>
             <a:fld id="{4AF79E1B-2C51-4B9B-8EA4-26DE9E345AFF}" type="slidenum">
               <a:rPr lang="en-US" smtClean="0"/>
-              <a:t>37</a:t>
+              <a:t>36</a:t>
             </a:fld>
             <a:endParaRPr lang="en-US"/>
           </a:p>
@@ -3542,7 +3454,7 @@
 </p:notes>
 </file>
 
-<file path=ppt/notesSlides/notesSlide38.xml><?xml version="1.0" encoding="utf-8"?>
+<file path=ppt/notesSlides/notesSlide37.xml><?xml version="1.0" encoding="utf-8"?>
 <p:notes xmlns:a="http://schemas.openxmlformats.org/drawingml/2006/main" xmlns:r="http://schemas.openxmlformats.org/officeDocument/2006/relationships" xmlns:p="http://schemas.openxmlformats.org/presentationml/2006/main">
   <p:cSld>
     <p:spTree>
@@ -3631,7 +3543,7 @@
           <a:p>
             <a:fld id="{4AF79E1B-2C51-4B9B-8EA4-26DE9E345AFF}" type="slidenum">
               <a:rPr lang="en-US" smtClean="0"/>
-              <a:t>38</a:t>
+              <a:t>37</a:t>
             </a:fld>
             <a:endParaRPr lang="en-US"/>
           </a:p>
@@ -3650,7 +3562,7 @@
 </p:notes>
 </file>
 
-<file path=ppt/notesSlides/notesSlide39.xml><?xml version="1.0" encoding="utf-8"?>
+<file path=ppt/notesSlides/notesSlide38.xml><?xml version="1.0" encoding="utf-8"?>
 <p:notes xmlns:a="http://schemas.openxmlformats.org/drawingml/2006/main" xmlns:r="http://schemas.openxmlformats.org/officeDocument/2006/relationships" xmlns:p="http://schemas.openxmlformats.org/presentationml/2006/main">
   <p:cSld>
     <p:spTree>
@@ -3739,7 +3651,7 @@
           <a:p>
             <a:fld id="{4AF79E1B-2C51-4B9B-8EA4-26DE9E345AFF}" type="slidenum">
               <a:rPr lang="en-US" smtClean="0"/>
-              <a:t>39</a:t>
+              <a:t>38</a:t>
             </a:fld>
             <a:endParaRPr lang="en-US"/>
           </a:p>
@@ -3749,6 +3661,121 @@
     <p:extLst>
       <p:ext uri="{BB962C8B-B14F-4D97-AF65-F5344CB8AC3E}">
         <p14:creationId xmlns:p14="http://schemas.microsoft.com/office/powerpoint/2010/main" val="3522004286"/>
+      </p:ext>
+    </p:extLst>
+  </p:cSld>
+  <p:clrMapOvr>
+    <a:masterClrMapping/>
+  </p:clrMapOvr>
+</p:notes>
+</file>
+
+<file path=ppt/notesSlides/notesSlide39.xml><?xml version="1.0" encoding="utf-8"?>
+<p:notes xmlns:a="http://schemas.openxmlformats.org/drawingml/2006/main" xmlns:r="http://schemas.openxmlformats.org/officeDocument/2006/relationships" xmlns:p="http://schemas.openxmlformats.org/presentationml/2006/main">
+  <p:cSld>
+    <p:spTree>
+      <p:nvGrpSpPr>
+        <p:cNvPr id="1" name="">
+          <a:extLst>
+            <a:ext uri="{FF2B5EF4-FFF2-40B4-BE49-F238E27FC236}">
+              <a16:creationId xmlns:a16="http://schemas.microsoft.com/office/drawing/2014/main" id="{49A5E7DC-6CC9-73CF-3C87-25266B2238F3}"/>
+            </a:ext>
+          </a:extLst>
+        </p:cNvPr>
+        <p:cNvGrpSpPr/>
+        <p:nvPr/>
+      </p:nvGrpSpPr>
+      <p:grpSpPr>
+        <a:xfrm>
+          <a:off x="0" y="0"/>
+          <a:ext cx="0" cy="0"/>
+          <a:chOff x="0" y="0"/>
+          <a:chExt cx="0" cy="0"/>
+        </a:xfrm>
+      </p:grpSpPr>
+      <p:sp>
+        <p:nvSpPr>
+          <p:cNvPr id="2" name="Slide Image Placeholder 1">
+            <a:extLst>
+              <a:ext uri="{FF2B5EF4-FFF2-40B4-BE49-F238E27FC236}">
+                <a16:creationId xmlns:a16="http://schemas.microsoft.com/office/drawing/2014/main" id="{6E228D82-087F-4C7C-0C90-3D8C7904DD8D}"/>
+              </a:ext>
+            </a:extLst>
+          </p:cNvPr>
+          <p:cNvSpPr>
+            <a:spLocks noGrp="1" noRot="1" noChangeAspect="1"/>
+          </p:cNvSpPr>
+          <p:nvPr>
+            <p:ph type="sldImg"/>
+          </p:nvPr>
+        </p:nvSpPr>
+        <p:spPr/>
+      </p:sp>
+      <p:sp>
+        <p:nvSpPr>
+          <p:cNvPr id="3" name="Notes Placeholder 2">
+            <a:extLst>
+              <a:ext uri="{FF2B5EF4-FFF2-40B4-BE49-F238E27FC236}">
+                <a16:creationId xmlns:a16="http://schemas.microsoft.com/office/drawing/2014/main" id="{CCBA3560-A6BC-F107-45C9-763B1DE830A1}"/>
+              </a:ext>
+            </a:extLst>
+          </p:cNvPr>
+          <p:cNvSpPr>
+            <a:spLocks noGrp="1"/>
+          </p:cNvSpPr>
+          <p:nvPr>
+            <p:ph type="body" idx="1"/>
+          </p:nvPr>
+        </p:nvSpPr>
+        <p:spPr/>
+        <p:txBody>
+          <a:bodyPr/>
+          <a:lstStyle/>
+          <a:p>
+            <a:r>
+              <a:rPr lang="en-US" dirty="0"/>
+              <a:t>Here, we can’t show every single data point – but we can visualize a “bin” of data and treat the data as if it were discrete. Note: what does the log scale mean here? See the discussion about means/medians below! </a:t>
+            </a:r>
+            <a:r>
+              <a:rPr lang="en-US" b="1" dirty="0"/>
+              <a:t>This is a good place to talk about skew and long tails, since we won’t cover it explicitly (but the book does)</a:t>
+            </a:r>
+          </a:p>
+        </p:txBody>
+      </p:sp>
+      <p:sp>
+        <p:nvSpPr>
+          <p:cNvPr id="4" name="Slide Number Placeholder 3">
+            <a:extLst>
+              <a:ext uri="{FF2B5EF4-FFF2-40B4-BE49-F238E27FC236}">
+                <a16:creationId xmlns:a16="http://schemas.microsoft.com/office/drawing/2014/main" id="{EC0FE324-8ACC-0755-502B-888C1870B3B2}"/>
+              </a:ext>
+            </a:extLst>
+          </p:cNvPr>
+          <p:cNvSpPr>
+            <a:spLocks noGrp="1"/>
+          </p:cNvSpPr>
+          <p:nvPr>
+            <p:ph type="sldNum" sz="quarter" idx="5"/>
+          </p:nvPr>
+        </p:nvSpPr>
+        <p:spPr/>
+        <p:txBody>
+          <a:bodyPr/>
+          <a:lstStyle/>
+          <a:p>
+            <a:fld id="{4AF79E1B-2C51-4B9B-8EA4-26DE9E345AFF}" type="slidenum">
+              <a:rPr lang="en-US" smtClean="0"/>
+              <a:t>39</a:t>
+            </a:fld>
+            <a:endParaRPr lang="en-US"/>
+          </a:p>
+        </p:txBody>
+      </p:sp>
+    </p:spTree>
+    <p:extLst>
+      <p:ext uri="{BB962C8B-B14F-4D97-AF65-F5344CB8AC3E}">
+        <p14:creationId xmlns:p14="http://schemas.microsoft.com/office/powerpoint/2010/main" val="1548327794"/>
       </p:ext>
     </p:extLst>
   </p:cSld>
@@ -3802,7 +3829,34 @@
           <a:bodyPr/>
           <a:lstStyle/>
           <a:p>
-            <a:endParaRPr lang="en-US" dirty="0"/>
+            <a:r>
+              <a:rPr lang="en-US" dirty="0"/>
+              <a:t>Apparently folders are going out of vogue – I will fight to save these till my dying breath! Urge you to start your shared projects using a structure like this (and </a:t>
+            </a:r>
+            <a:r>
+              <a:rPr lang="en-US" dirty="0" err="1"/>
+              <a:t>Github</a:t>
+            </a:r>
+            <a:r>
+              <a:rPr lang="en-US" dirty="0"/>
+              <a:t> and/or Dropbox and/or Overleaf and/or Trello – the dream team). Also have your </a:t>
+            </a:r>
+            <a:r>
+              <a:rPr lang="en-US" dirty="0" err="1"/>
+              <a:t>Rproject</a:t>
+            </a:r>
+            <a:r>
+              <a:rPr lang="en-US" dirty="0"/>
+              <a:t> here, so that you can have raw data (which you don’t touch), analytical data, code, and outputs all in separate places. Then draft can either be </a:t>
+            </a:r>
+            <a:r>
+              <a:rPr lang="en-US" dirty="0" err="1"/>
+              <a:t>Rmd</a:t>
+            </a:r>
+            <a:r>
+              <a:rPr lang="en-US" dirty="0"/>
+              <a:t> or Latex, Word, etc. </a:t>
+            </a:r>
           </a:p>
         </p:txBody>
       </p:sp>
@@ -3832,7 +3886,7 @@
     </p:spTree>
     <p:extLst>
       <p:ext uri="{BB962C8B-B14F-4D97-AF65-F5344CB8AC3E}">
-        <p14:creationId xmlns:p14="http://schemas.microsoft.com/office/powerpoint/2010/main" val="3366095260"/>
+        <p14:creationId xmlns:p14="http://schemas.microsoft.com/office/powerpoint/2010/main" val="3967359929"/>
       </p:ext>
     </p:extLst>
   </p:cSld>
@@ -3843,121 +3897,6 @@
 </file>
 
 <file path=ppt/notesSlides/notesSlide40.xml><?xml version="1.0" encoding="utf-8"?>
-<p:notes xmlns:a="http://schemas.openxmlformats.org/drawingml/2006/main" xmlns:r="http://schemas.openxmlformats.org/officeDocument/2006/relationships" xmlns:p="http://schemas.openxmlformats.org/presentationml/2006/main">
-  <p:cSld>
-    <p:spTree>
-      <p:nvGrpSpPr>
-        <p:cNvPr id="1" name="">
-          <a:extLst>
-            <a:ext uri="{FF2B5EF4-FFF2-40B4-BE49-F238E27FC236}">
-              <a16:creationId xmlns:a16="http://schemas.microsoft.com/office/drawing/2014/main" id="{49A5E7DC-6CC9-73CF-3C87-25266B2238F3}"/>
-            </a:ext>
-          </a:extLst>
-        </p:cNvPr>
-        <p:cNvGrpSpPr/>
-        <p:nvPr/>
-      </p:nvGrpSpPr>
-      <p:grpSpPr>
-        <a:xfrm>
-          <a:off x="0" y="0"/>
-          <a:ext cx="0" cy="0"/>
-          <a:chOff x="0" y="0"/>
-          <a:chExt cx="0" cy="0"/>
-        </a:xfrm>
-      </p:grpSpPr>
-      <p:sp>
-        <p:nvSpPr>
-          <p:cNvPr id="2" name="Slide Image Placeholder 1">
-            <a:extLst>
-              <a:ext uri="{FF2B5EF4-FFF2-40B4-BE49-F238E27FC236}">
-                <a16:creationId xmlns:a16="http://schemas.microsoft.com/office/drawing/2014/main" id="{6E228D82-087F-4C7C-0C90-3D8C7904DD8D}"/>
-              </a:ext>
-            </a:extLst>
-          </p:cNvPr>
-          <p:cNvSpPr>
-            <a:spLocks noGrp="1" noRot="1" noChangeAspect="1"/>
-          </p:cNvSpPr>
-          <p:nvPr>
-            <p:ph type="sldImg"/>
-          </p:nvPr>
-        </p:nvSpPr>
-        <p:spPr/>
-      </p:sp>
-      <p:sp>
-        <p:nvSpPr>
-          <p:cNvPr id="3" name="Notes Placeholder 2">
-            <a:extLst>
-              <a:ext uri="{FF2B5EF4-FFF2-40B4-BE49-F238E27FC236}">
-                <a16:creationId xmlns:a16="http://schemas.microsoft.com/office/drawing/2014/main" id="{CCBA3560-A6BC-F107-45C9-763B1DE830A1}"/>
-              </a:ext>
-            </a:extLst>
-          </p:cNvPr>
-          <p:cNvSpPr>
-            <a:spLocks noGrp="1"/>
-          </p:cNvSpPr>
-          <p:nvPr>
-            <p:ph type="body" idx="1"/>
-          </p:nvPr>
-        </p:nvSpPr>
-        <p:spPr/>
-        <p:txBody>
-          <a:bodyPr/>
-          <a:lstStyle/>
-          <a:p>
-            <a:r>
-              <a:rPr lang="en-US" dirty="0"/>
-              <a:t>Here, we can’t show every single data point – but we can visualize a “bin” of data and treat the data as if it were discrete. Note: what does the log scale mean here? See the discussion about means/medians below! </a:t>
-            </a:r>
-            <a:r>
-              <a:rPr lang="en-US" b="1" dirty="0"/>
-              <a:t>This is a good place to talk about skew and long tails, since we won’t cover it explicitly (but the book does)</a:t>
-            </a:r>
-          </a:p>
-        </p:txBody>
-      </p:sp>
-      <p:sp>
-        <p:nvSpPr>
-          <p:cNvPr id="4" name="Slide Number Placeholder 3">
-            <a:extLst>
-              <a:ext uri="{FF2B5EF4-FFF2-40B4-BE49-F238E27FC236}">
-                <a16:creationId xmlns:a16="http://schemas.microsoft.com/office/drawing/2014/main" id="{EC0FE324-8ACC-0755-502B-888C1870B3B2}"/>
-              </a:ext>
-            </a:extLst>
-          </p:cNvPr>
-          <p:cNvSpPr>
-            <a:spLocks noGrp="1"/>
-          </p:cNvSpPr>
-          <p:nvPr>
-            <p:ph type="sldNum" sz="quarter" idx="5"/>
-          </p:nvPr>
-        </p:nvSpPr>
-        <p:spPr/>
-        <p:txBody>
-          <a:bodyPr/>
-          <a:lstStyle/>
-          <a:p>
-            <a:fld id="{4AF79E1B-2C51-4B9B-8EA4-26DE9E345AFF}" type="slidenum">
-              <a:rPr lang="en-US" smtClean="0"/>
-              <a:t>40</a:t>
-            </a:fld>
-            <a:endParaRPr lang="en-US"/>
-          </a:p>
-        </p:txBody>
-      </p:sp>
-    </p:spTree>
-    <p:extLst>
-      <p:ext uri="{BB962C8B-B14F-4D97-AF65-F5344CB8AC3E}">
-        <p14:creationId xmlns:p14="http://schemas.microsoft.com/office/powerpoint/2010/main" val="1548327794"/>
-      </p:ext>
-    </p:extLst>
-  </p:cSld>
-  <p:clrMapOvr>
-    <a:masterClrMapping/>
-  </p:clrMapOvr>
-</p:notes>
-</file>
-
-<file path=ppt/notesSlides/notesSlide41.xml><?xml version="1.0" encoding="utf-8"?>
 <p:notes xmlns:a="http://schemas.openxmlformats.org/drawingml/2006/main" xmlns:r="http://schemas.openxmlformats.org/officeDocument/2006/relationships" xmlns:p="http://schemas.openxmlformats.org/presentationml/2006/main">
   <p:cSld>
     <p:spTree>
@@ -4049,7 +3988,7 @@
           <a:p>
             <a:fld id="{4AF79E1B-2C51-4B9B-8EA4-26DE9E345AFF}" type="slidenum">
               <a:rPr lang="en-US" smtClean="0"/>
-              <a:t>41</a:t>
+              <a:t>40</a:t>
             </a:fld>
             <a:endParaRPr lang="en-US"/>
           </a:p>
@@ -4068,7 +4007,7 @@
 </p:notes>
 </file>
 
-<file path=ppt/notesSlides/notesSlide42.xml><?xml version="1.0" encoding="utf-8"?>
+<file path=ppt/notesSlides/notesSlide41.xml><?xml version="1.0" encoding="utf-8"?>
 <p:notes xmlns:a="http://schemas.openxmlformats.org/drawingml/2006/main" xmlns:r="http://schemas.openxmlformats.org/officeDocument/2006/relationships" xmlns:p="http://schemas.openxmlformats.org/presentationml/2006/main">
   <p:cSld>
     <p:spTree>
@@ -4136,7 +4075,7 @@
           <a:p>
             <a:fld id="{4AF79E1B-2C51-4B9B-8EA4-26DE9E345AFF}" type="slidenum">
               <a:rPr lang="en-US" smtClean="0"/>
-              <a:t>42</a:t>
+              <a:t>41</a:t>
             </a:fld>
             <a:endParaRPr lang="en-US"/>
           </a:p>
@@ -4155,7 +4094,7 @@
 </p:notes>
 </file>
 
-<file path=ppt/notesSlides/notesSlide43.xml><?xml version="1.0" encoding="utf-8"?>
+<file path=ppt/notesSlides/notesSlide42.xml><?xml version="1.0" encoding="utf-8"?>
 <p:notes xmlns:a="http://schemas.openxmlformats.org/drawingml/2006/main" xmlns:r="http://schemas.openxmlformats.org/officeDocument/2006/relationships" xmlns:p="http://schemas.openxmlformats.org/presentationml/2006/main">
   <p:cSld>
     <p:spTree>
@@ -4247,7 +4186,7 @@
           <a:p>
             <a:fld id="{4AF79E1B-2C51-4B9B-8EA4-26DE9E345AFF}" type="slidenum">
               <a:rPr lang="en-US" smtClean="0"/>
-              <a:t>43</a:t>
+              <a:t>42</a:t>
             </a:fld>
             <a:endParaRPr lang="en-US"/>
           </a:p>
@@ -4257,6 +4196,93 @@
     <p:extLst>
       <p:ext uri="{BB962C8B-B14F-4D97-AF65-F5344CB8AC3E}">
         <p14:creationId xmlns:p14="http://schemas.microsoft.com/office/powerpoint/2010/main" val="161563147"/>
+      </p:ext>
+    </p:extLst>
+  </p:cSld>
+  <p:clrMapOvr>
+    <a:masterClrMapping/>
+  </p:clrMapOvr>
+</p:notes>
+</file>
+
+<file path=ppt/notesSlides/notesSlide43.xml><?xml version="1.0" encoding="utf-8"?>
+<p:notes xmlns:a="http://schemas.openxmlformats.org/drawingml/2006/main" xmlns:r="http://schemas.openxmlformats.org/officeDocument/2006/relationships" xmlns:p="http://schemas.openxmlformats.org/presentationml/2006/main">
+  <p:cSld>
+    <p:spTree>
+      <p:nvGrpSpPr>
+        <p:cNvPr id="1" name=""/>
+        <p:cNvGrpSpPr/>
+        <p:nvPr/>
+      </p:nvGrpSpPr>
+      <p:grpSpPr>
+        <a:xfrm>
+          <a:off x="0" y="0"/>
+          <a:ext cx="0" cy="0"/>
+          <a:chOff x="0" y="0"/>
+          <a:chExt cx="0" cy="0"/>
+        </a:xfrm>
+      </p:grpSpPr>
+      <p:sp>
+        <p:nvSpPr>
+          <p:cNvPr id="2" name="Slide Image Placeholder 1"/>
+          <p:cNvSpPr>
+            <a:spLocks noGrp="1" noRot="1" noChangeAspect="1"/>
+          </p:cNvSpPr>
+          <p:nvPr>
+            <p:ph type="sldImg"/>
+          </p:nvPr>
+        </p:nvSpPr>
+        <p:spPr/>
+      </p:sp>
+      <p:sp>
+        <p:nvSpPr>
+          <p:cNvPr id="3" name="Notes Placeholder 2"/>
+          <p:cNvSpPr>
+            <a:spLocks noGrp="1"/>
+          </p:cNvSpPr>
+          <p:nvPr>
+            <p:ph type="body" idx="1"/>
+          </p:nvPr>
+        </p:nvSpPr>
+        <p:spPr/>
+        <p:txBody>
+          <a:bodyPr/>
+          <a:lstStyle/>
+          <a:p>
+            <a:r>
+              <a:rPr lang="en-US" dirty="0"/>
+              <a:t>Introduce the math notation</a:t>
+            </a:r>
+          </a:p>
+        </p:txBody>
+      </p:sp>
+      <p:sp>
+        <p:nvSpPr>
+          <p:cNvPr id="4" name="Slide Number Placeholder 3"/>
+          <p:cNvSpPr>
+            <a:spLocks noGrp="1"/>
+          </p:cNvSpPr>
+          <p:nvPr>
+            <p:ph type="sldNum" sz="quarter" idx="5"/>
+          </p:nvPr>
+        </p:nvSpPr>
+        <p:spPr/>
+        <p:txBody>
+          <a:bodyPr/>
+          <a:lstStyle/>
+          <a:p>
+            <a:fld id="{4AF79E1B-2C51-4B9B-8EA4-26DE9E345AFF}" type="slidenum">
+              <a:rPr lang="en-US" smtClean="0"/>
+              <a:t>43</a:t>
+            </a:fld>
+            <a:endParaRPr lang="en-US"/>
+          </a:p>
+        </p:txBody>
+      </p:sp>
+    </p:spTree>
+    <p:extLst>
+      <p:ext uri="{BB962C8B-B14F-4D97-AF65-F5344CB8AC3E}">
+        <p14:creationId xmlns:p14="http://schemas.microsoft.com/office/powerpoint/2010/main" val="1530705670"/>
       </p:ext>
     </p:extLst>
   </p:cSld>
@@ -4312,7 +4338,15 @@
           <a:p>
             <a:r>
               <a:rPr lang="en-US" dirty="0"/>
-              <a:t>Introduce the math notation</a:t>
+              <a:t>Draw this on the board and kind of “cut” out the next few percentiles. Note that the 50</a:t>
+            </a:r>
+            <a:r>
+              <a:rPr lang="en-US" baseline="30000" dirty="0"/>
+              <a:t>th</a:t>
+            </a:r>
+            <a:r>
+              <a:rPr lang="en-US" dirty="0"/>
+              <a:t> percentile is the same as the median! </a:t>
             </a:r>
           </a:p>
         </p:txBody>
@@ -4335,101 +4369,6 @@
             <a:fld id="{4AF79E1B-2C51-4B9B-8EA4-26DE9E345AFF}" type="slidenum">
               <a:rPr lang="en-US" smtClean="0"/>
               <a:t>44</a:t>
-            </a:fld>
-            <a:endParaRPr lang="en-US"/>
-          </a:p>
-        </p:txBody>
-      </p:sp>
-    </p:spTree>
-    <p:extLst>
-      <p:ext uri="{BB962C8B-B14F-4D97-AF65-F5344CB8AC3E}">
-        <p14:creationId xmlns:p14="http://schemas.microsoft.com/office/powerpoint/2010/main" val="1530705670"/>
-      </p:ext>
-    </p:extLst>
-  </p:cSld>
-  <p:clrMapOvr>
-    <a:masterClrMapping/>
-  </p:clrMapOvr>
-</p:notes>
-</file>
-
-<file path=ppt/notesSlides/notesSlide45.xml><?xml version="1.0" encoding="utf-8"?>
-<p:notes xmlns:a="http://schemas.openxmlformats.org/drawingml/2006/main" xmlns:r="http://schemas.openxmlformats.org/officeDocument/2006/relationships" xmlns:p="http://schemas.openxmlformats.org/presentationml/2006/main">
-  <p:cSld>
-    <p:spTree>
-      <p:nvGrpSpPr>
-        <p:cNvPr id="1" name=""/>
-        <p:cNvGrpSpPr/>
-        <p:nvPr/>
-      </p:nvGrpSpPr>
-      <p:grpSpPr>
-        <a:xfrm>
-          <a:off x="0" y="0"/>
-          <a:ext cx="0" cy="0"/>
-          <a:chOff x="0" y="0"/>
-          <a:chExt cx="0" cy="0"/>
-        </a:xfrm>
-      </p:grpSpPr>
-      <p:sp>
-        <p:nvSpPr>
-          <p:cNvPr id="2" name="Slide Image Placeholder 1"/>
-          <p:cNvSpPr>
-            <a:spLocks noGrp="1" noRot="1" noChangeAspect="1"/>
-          </p:cNvSpPr>
-          <p:nvPr>
-            <p:ph type="sldImg"/>
-          </p:nvPr>
-        </p:nvSpPr>
-        <p:spPr/>
-      </p:sp>
-      <p:sp>
-        <p:nvSpPr>
-          <p:cNvPr id="3" name="Notes Placeholder 2"/>
-          <p:cNvSpPr>
-            <a:spLocks noGrp="1"/>
-          </p:cNvSpPr>
-          <p:nvPr>
-            <p:ph type="body" idx="1"/>
-          </p:nvPr>
-        </p:nvSpPr>
-        <p:spPr/>
-        <p:txBody>
-          <a:bodyPr/>
-          <a:lstStyle/>
-          <a:p>
-            <a:r>
-              <a:rPr lang="en-US" dirty="0"/>
-              <a:t>Draw this on the board and kind of “cut” out the next few percentiles. Note that the 50</a:t>
-            </a:r>
-            <a:r>
-              <a:rPr lang="en-US" baseline="30000" dirty="0"/>
-              <a:t>th</a:t>
-            </a:r>
-            <a:r>
-              <a:rPr lang="en-US" dirty="0"/>
-              <a:t> percentile is the same as the median! </a:t>
-            </a:r>
-          </a:p>
-        </p:txBody>
-      </p:sp>
-      <p:sp>
-        <p:nvSpPr>
-          <p:cNvPr id="4" name="Slide Number Placeholder 3"/>
-          <p:cNvSpPr>
-            <a:spLocks noGrp="1"/>
-          </p:cNvSpPr>
-          <p:nvPr>
-            <p:ph type="sldNum" sz="quarter" idx="5"/>
-          </p:nvPr>
-        </p:nvSpPr>
-        <p:spPr/>
-        <p:txBody>
-          <a:bodyPr/>
-          <a:lstStyle/>
-          <a:p>
-            <a:fld id="{4AF79E1B-2C51-4B9B-8EA4-26DE9E345AFF}" type="slidenum">
-              <a:rPr lang="en-US" smtClean="0"/>
-              <a:t>45</a:t>
             </a:fld>
             <a:endParaRPr lang="en-US"/>
           </a:p>
@@ -4448,7 +4387,7 @@
 </p:notes>
 </file>
 
-<file path=ppt/notesSlides/notesSlide46.xml><?xml version="1.0" encoding="utf-8"?>
+<file path=ppt/notesSlides/notesSlide45.xml><?xml version="1.0" encoding="utf-8"?>
 <p:notes xmlns:a="http://schemas.openxmlformats.org/drawingml/2006/main" xmlns:r="http://schemas.openxmlformats.org/officeDocument/2006/relationships" xmlns:p="http://schemas.openxmlformats.org/presentationml/2006/main">
   <p:cSld>
     <p:spTree>
@@ -4548,7 +4487,7 @@
           <a:p>
             <a:fld id="{4AF79E1B-2C51-4B9B-8EA4-26DE9E345AFF}" type="slidenum">
               <a:rPr lang="en-US" smtClean="0"/>
-              <a:t>46</a:t>
+              <a:t>45</a:t>
             </a:fld>
             <a:endParaRPr lang="en-US"/>
           </a:p>
@@ -4567,7 +4506,7 @@
 </p:notes>
 </file>
 
-<file path=ppt/notesSlides/notesSlide47.xml><?xml version="1.0" encoding="utf-8"?>
+<file path=ppt/notesSlides/notesSlide46.xml><?xml version="1.0" encoding="utf-8"?>
 <p:notes xmlns:a="http://schemas.openxmlformats.org/drawingml/2006/main" xmlns:r="http://schemas.openxmlformats.org/officeDocument/2006/relationships" xmlns:p="http://schemas.openxmlformats.org/presentationml/2006/main">
   <p:cSld>
     <p:spTree>
@@ -4659,7 +4598,7 @@
           <a:p>
             <a:fld id="{4AF79E1B-2C51-4B9B-8EA4-26DE9E345AFF}" type="slidenum">
               <a:rPr lang="en-US" smtClean="0"/>
-              <a:t>47</a:t>
+              <a:t>46</a:t>
             </a:fld>
             <a:endParaRPr lang="en-US"/>
           </a:p>
@@ -4678,7 +4617,7 @@
 </p:notes>
 </file>
 
-<file path=ppt/notesSlides/notesSlide48.xml><?xml version="1.0" encoding="utf-8"?>
+<file path=ppt/notesSlides/notesSlide47.xml><?xml version="1.0" encoding="utf-8"?>
 <p:notes xmlns:a="http://schemas.openxmlformats.org/drawingml/2006/main" xmlns:r="http://schemas.openxmlformats.org/officeDocument/2006/relationships" xmlns:p="http://schemas.openxmlformats.org/presentationml/2006/main">
   <p:cSld>
     <p:spTree>
@@ -4767,7 +4706,7 @@
           <a:p>
             <a:fld id="{4AF79E1B-2C51-4B9B-8EA4-26DE9E345AFF}" type="slidenum">
               <a:rPr lang="en-US" smtClean="0"/>
-              <a:t>48</a:t>
+              <a:t>47</a:t>
             </a:fld>
             <a:endParaRPr lang="en-US"/>
           </a:p>
@@ -4777,6 +4716,93 @@
     <p:extLst>
       <p:ext uri="{BB962C8B-B14F-4D97-AF65-F5344CB8AC3E}">
         <p14:creationId xmlns:p14="http://schemas.microsoft.com/office/powerpoint/2010/main" val="4240665544"/>
+      </p:ext>
+    </p:extLst>
+  </p:cSld>
+  <p:clrMapOvr>
+    <a:masterClrMapping/>
+  </p:clrMapOvr>
+</p:notes>
+</file>
+
+<file path=ppt/notesSlides/notesSlide48.xml><?xml version="1.0" encoding="utf-8"?>
+<p:notes xmlns:a="http://schemas.openxmlformats.org/drawingml/2006/main" xmlns:r="http://schemas.openxmlformats.org/officeDocument/2006/relationships" xmlns:p="http://schemas.openxmlformats.org/presentationml/2006/main">
+  <p:cSld>
+    <p:spTree>
+      <p:nvGrpSpPr>
+        <p:cNvPr id="1" name=""/>
+        <p:cNvGrpSpPr/>
+        <p:nvPr/>
+      </p:nvGrpSpPr>
+      <p:grpSpPr>
+        <a:xfrm>
+          <a:off x="0" y="0"/>
+          <a:ext cx="0" cy="0"/>
+          <a:chOff x="0" y="0"/>
+          <a:chExt cx="0" cy="0"/>
+        </a:xfrm>
+      </p:grpSpPr>
+      <p:sp>
+        <p:nvSpPr>
+          <p:cNvPr id="2" name="Slide Image Placeholder 1"/>
+          <p:cNvSpPr>
+            <a:spLocks noGrp="1" noRot="1" noChangeAspect="1"/>
+          </p:cNvSpPr>
+          <p:nvPr>
+            <p:ph type="sldImg"/>
+          </p:nvPr>
+        </p:nvSpPr>
+        <p:spPr/>
+      </p:sp>
+      <p:sp>
+        <p:nvSpPr>
+          <p:cNvPr id="3" name="Notes Placeholder 2"/>
+          <p:cNvSpPr>
+            <a:spLocks noGrp="1"/>
+          </p:cNvSpPr>
+          <p:nvPr>
+            <p:ph type="body" idx="1"/>
+          </p:nvPr>
+        </p:nvSpPr>
+        <p:spPr/>
+        <p:txBody>
+          <a:bodyPr/>
+          <a:lstStyle/>
+          <a:p>
+            <a:r>
+              <a:rPr lang="en-US" dirty="0"/>
+              <a:t>Tells us something about the dispersion of our data. Typically 2/3 of data are within one standard deviation of the mean (vague but good ROT)</a:t>
+            </a:r>
+          </a:p>
+        </p:txBody>
+      </p:sp>
+      <p:sp>
+        <p:nvSpPr>
+          <p:cNvPr id="4" name="Slide Number Placeholder 3"/>
+          <p:cNvSpPr>
+            <a:spLocks noGrp="1"/>
+          </p:cNvSpPr>
+          <p:nvPr>
+            <p:ph type="sldNum" sz="quarter" idx="5"/>
+          </p:nvPr>
+        </p:nvSpPr>
+        <p:spPr/>
+        <p:txBody>
+          <a:bodyPr/>
+          <a:lstStyle/>
+          <a:p>
+            <a:fld id="{4AF79E1B-2C51-4B9B-8EA4-26DE9E345AFF}" type="slidenum">
+              <a:rPr lang="en-US" smtClean="0"/>
+              <a:t>48</a:t>
+            </a:fld>
+            <a:endParaRPr lang="en-US"/>
+          </a:p>
+        </p:txBody>
+      </p:sp>
+    </p:spTree>
+    <p:extLst>
+      <p:ext uri="{BB962C8B-B14F-4D97-AF65-F5344CB8AC3E}">
+        <p14:creationId xmlns:p14="http://schemas.microsoft.com/office/powerpoint/2010/main" val="96513464"/>
       </p:ext>
     </p:extLst>
   </p:cSld>
@@ -4832,7 +4858,7 @@
           <a:p>
             <a:r>
               <a:rPr lang="en-US" dirty="0"/>
-              <a:t>Tells us something about the dispersion of our data. Typically 2/3 of data are within one standard deviation of the mean (vague but good ROT)</a:t>
+              <a:t>Tells us something about the dispersion of our data</a:t>
             </a:r>
           </a:p>
         </p:txBody>
@@ -4863,7 +4889,7 @@
     </p:spTree>
     <p:extLst>
       <p:ext uri="{BB962C8B-B14F-4D97-AF65-F5344CB8AC3E}">
-        <p14:creationId xmlns:p14="http://schemas.microsoft.com/office/powerpoint/2010/main" val="96513464"/>
+        <p14:creationId xmlns:p14="http://schemas.microsoft.com/office/powerpoint/2010/main" val="180324682"/>
       </p:ext>
     </p:extLst>
   </p:cSld>
@@ -4919,32 +4945,11 @@
           <a:p>
             <a:r>
               <a:rPr lang="en-US" dirty="0"/>
-              <a:t>Apparently folders are going out of vogue – I will fight to save these till my dying breath! Urge you to start your shared projects using a structure like this (and </a:t>
-            </a:r>
-            <a:r>
-              <a:rPr lang="en-US" dirty="0" err="1"/>
-              <a:t>Github</a:t>
-            </a:r>
-            <a:r>
-              <a:rPr lang="en-US" dirty="0"/>
-              <a:t> and/or Dropbox and/or Overleaf and/or Trello – the dream team). Also have your </a:t>
-            </a:r>
-            <a:r>
-              <a:rPr lang="en-US" dirty="0" err="1"/>
-              <a:t>Rproject</a:t>
-            </a:r>
-            <a:r>
-              <a:rPr lang="en-US" dirty="0"/>
-              <a:t> here, so that you can have raw data (which you don’t touch), analytical data, code, and outputs all in separate places. Then draft can either be </a:t>
-            </a:r>
-            <a:r>
-              <a:rPr lang="en-US" dirty="0" err="1"/>
-              <a:t>Rmd</a:t>
-            </a:r>
-            <a:r>
-              <a:rPr lang="en-US" dirty="0"/>
-              <a:t> or Latex, Word, etc. </a:t>
-            </a:r>
+              <a:t>What to have within files. File chunks with one master file to run them all. Here we will use R projects and R markdown files. </a:t>
+            </a:r>
+          </a:p>
+          <a:p>
+            <a:endParaRPr lang="en-US" dirty="0"/>
           </a:p>
         </p:txBody>
       </p:sp>
@@ -4974,7 +4979,7 @@
     </p:spTree>
     <p:extLst>
       <p:ext uri="{BB962C8B-B14F-4D97-AF65-F5344CB8AC3E}">
-        <p14:creationId xmlns:p14="http://schemas.microsoft.com/office/powerpoint/2010/main" val="3967359929"/>
+        <p14:creationId xmlns:p14="http://schemas.microsoft.com/office/powerpoint/2010/main" val="1561841911"/>
       </p:ext>
     </p:extLst>
   </p:cSld>
@@ -5061,7 +5066,7 @@
     </p:spTree>
     <p:extLst>
       <p:ext uri="{BB962C8B-B14F-4D97-AF65-F5344CB8AC3E}">
-        <p14:creationId xmlns:p14="http://schemas.microsoft.com/office/powerpoint/2010/main" val="180324682"/>
+        <p14:creationId xmlns:p14="http://schemas.microsoft.com/office/powerpoint/2010/main" val="773221695"/>
       </p:ext>
     </p:extLst>
   </p:cSld>
@@ -5072,93 +5077,6 @@
 </file>
 
 <file path=ppt/notesSlides/notesSlide51.xml><?xml version="1.0" encoding="utf-8"?>
-<p:notes xmlns:a="http://schemas.openxmlformats.org/drawingml/2006/main" xmlns:r="http://schemas.openxmlformats.org/officeDocument/2006/relationships" xmlns:p="http://schemas.openxmlformats.org/presentationml/2006/main">
-  <p:cSld>
-    <p:spTree>
-      <p:nvGrpSpPr>
-        <p:cNvPr id="1" name=""/>
-        <p:cNvGrpSpPr/>
-        <p:nvPr/>
-      </p:nvGrpSpPr>
-      <p:grpSpPr>
-        <a:xfrm>
-          <a:off x="0" y="0"/>
-          <a:ext cx="0" cy="0"/>
-          <a:chOff x="0" y="0"/>
-          <a:chExt cx="0" cy="0"/>
-        </a:xfrm>
-      </p:grpSpPr>
-      <p:sp>
-        <p:nvSpPr>
-          <p:cNvPr id="2" name="Slide Image Placeholder 1"/>
-          <p:cNvSpPr>
-            <a:spLocks noGrp="1" noRot="1" noChangeAspect="1"/>
-          </p:cNvSpPr>
-          <p:nvPr>
-            <p:ph type="sldImg"/>
-          </p:nvPr>
-        </p:nvSpPr>
-        <p:spPr/>
-      </p:sp>
-      <p:sp>
-        <p:nvSpPr>
-          <p:cNvPr id="3" name="Notes Placeholder 2"/>
-          <p:cNvSpPr>
-            <a:spLocks noGrp="1"/>
-          </p:cNvSpPr>
-          <p:nvPr>
-            <p:ph type="body" idx="1"/>
-          </p:nvPr>
-        </p:nvSpPr>
-        <p:spPr/>
-        <p:txBody>
-          <a:bodyPr/>
-          <a:lstStyle/>
-          <a:p>
-            <a:r>
-              <a:rPr lang="en-US" dirty="0"/>
-              <a:t>Tells us something about the dispersion of our data</a:t>
-            </a:r>
-          </a:p>
-        </p:txBody>
-      </p:sp>
-      <p:sp>
-        <p:nvSpPr>
-          <p:cNvPr id="4" name="Slide Number Placeholder 3"/>
-          <p:cNvSpPr>
-            <a:spLocks noGrp="1"/>
-          </p:cNvSpPr>
-          <p:nvPr>
-            <p:ph type="sldNum" sz="quarter" idx="5"/>
-          </p:nvPr>
-        </p:nvSpPr>
-        <p:spPr/>
-        <p:txBody>
-          <a:bodyPr/>
-          <a:lstStyle/>
-          <a:p>
-            <a:fld id="{4AF79E1B-2C51-4B9B-8EA4-26DE9E345AFF}" type="slidenum">
-              <a:rPr lang="en-US" smtClean="0"/>
-              <a:t>51</a:t>
-            </a:fld>
-            <a:endParaRPr lang="en-US"/>
-          </a:p>
-        </p:txBody>
-      </p:sp>
-    </p:spTree>
-    <p:extLst>
-      <p:ext uri="{BB962C8B-B14F-4D97-AF65-F5344CB8AC3E}">
-        <p14:creationId xmlns:p14="http://schemas.microsoft.com/office/powerpoint/2010/main" val="773221695"/>
-      </p:ext>
-    </p:extLst>
-  </p:cSld>
-  <p:clrMapOvr>
-    <a:masterClrMapping/>
-  </p:clrMapOvr>
-</p:notes>
-</file>
-
-<file path=ppt/notesSlides/notesSlide52.xml><?xml version="1.0" encoding="utf-8"?>
 <p:notes xmlns:a="http://schemas.openxmlformats.org/drawingml/2006/main" xmlns:r="http://schemas.openxmlformats.org/officeDocument/2006/relationships" xmlns:p="http://schemas.openxmlformats.org/presentationml/2006/main">
   <p:cSld>
     <p:spTree>
@@ -5257,7 +5175,7 @@
           <a:p>
             <a:fld id="{4AF79E1B-2C51-4B9B-8EA4-26DE9E345AFF}" type="slidenum">
               <a:rPr lang="en-US" smtClean="0"/>
-              <a:t>52</a:t>
+              <a:t>51</a:t>
             </a:fld>
             <a:endParaRPr lang="en-US"/>
           </a:p>
@@ -5276,7 +5194,7 @@
 </p:notes>
 </file>
 
-<file path=ppt/notesSlides/notesSlide53.xml><?xml version="1.0" encoding="utf-8"?>
+<file path=ppt/notesSlides/notesSlide52.xml><?xml version="1.0" encoding="utf-8"?>
 <p:notes xmlns:a="http://schemas.openxmlformats.org/drawingml/2006/main" xmlns:r="http://schemas.openxmlformats.org/officeDocument/2006/relationships" xmlns:p="http://schemas.openxmlformats.org/presentationml/2006/main">
   <p:cSld>
     <p:spTree>
@@ -5365,7 +5283,7 @@
           <a:p>
             <a:fld id="{4AF79E1B-2C51-4B9B-8EA4-26DE9E345AFF}" type="slidenum">
               <a:rPr lang="en-US" smtClean="0"/>
-              <a:t>53</a:t>
+              <a:t>52</a:t>
             </a:fld>
             <a:endParaRPr lang="en-US"/>
           </a:p>
@@ -5384,7 +5302,7 @@
 </p:notes>
 </file>
 
-<file path=ppt/notesSlides/notesSlide54.xml><?xml version="1.0" encoding="utf-8"?>
+<file path=ppt/notesSlides/notesSlide53.xml><?xml version="1.0" encoding="utf-8"?>
 <p:notes xmlns:a="http://schemas.openxmlformats.org/drawingml/2006/main" xmlns:r="http://schemas.openxmlformats.org/officeDocument/2006/relationships" xmlns:p="http://schemas.openxmlformats.org/presentationml/2006/main">
   <p:cSld>
     <p:spTree>
@@ -5473,7 +5391,7 @@
           <a:p>
             <a:fld id="{4AF79E1B-2C51-4B9B-8EA4-26DE9E345AFF}" type="slidenum">
               <a:rPr lang="en-US" smtClean="0"/>
-              <a:t>54</a:t>
+              <a:t>53</a:t>
             </a:fld>
             <a:endParaRPr lang="en-US"/>
           </a:p>
@@ -5492,7 +5410,7 @@
 </p:notes>
 </file>
 
-<file path=ppt/notesSlides/notesSlide55.xml><?xml version="1.0" encoding="utf-8"?>
+<file path=ppt/notesSlides/notesSlide54.xml><?xml version="1.0" encoding="utf-8"?>
 <p:notes xmlns:a="http://schemas.openxmlformats.org/drawingml/2006/main" xmlns:r="http://schemas.openxmlformats.org/officeDocument/2006/relationships" xmlns:p="http://schemas.openxmlformats.org/presentationml/2006/main">
   <p:cSld>
     <p:spTree>
@@ -5581,7 +5499,7 @@
           <a:p>
             <a:fld id="{4AF79E1B-2C51-4B9B-8EA4-26DE9E345AFF}" type="slidenum">
               <a:rPr lang="en-US" smtClean="0"/>
-              <a:t>55</a:t>
+              <a:t>54</a:t>
             </a:fld>
             <a:endParaRPr lang="en-US"/>
           </a:p>
@@ -5600,7 +5518,7 @@
 </p:notes>
 </file>
 
-<file path=ppt/notesSlides/notesSlide56.xml><?xml version="1.0" encoding="utf-8"?>
+<file path=ppt/notesSlides/notesSlide55.xml><?xml version="1.0" encoding="utf-8"?>
 <p:notes xmlns:a="http://schemas.openxmlformats.org/drawingml/2006/main" xmlns:r="http://schemas.openxmlformats.org/officeDocument/2006/relationships" xmlns:p="http://schemas.openxmlformats.org/presentationml/2006/main">
   <p:cSld>
     <p:spTree>
@@ -5700,7 +5618,7 @@
           <a:p>
             <a:fld id="{4AF79E1B-2C51-4B9B-8EA4-26DE9E345AFF}" type="slidenum">
               <a:rPr lang="en-US" smtClean="0"/>
-              <a:t>56</a:t>
+              <a:t>55</a:t>
             </a:fld>
             <a:endParaRPr lang="en-US"/>
           </a:p>
@@ -5719,7 +5637,7 @@
 </p:notes>
 </file>
 
-<file path=ppt/notesSlides/notesSlide57.xml><?xml version="1.0" encoding="utf-8"?>
+<file path=ppt/notesSlides/notesSlide56.xml><?xml version="1.0" encoding="utf-8"?>
 <p:notes xmlns:a="http://schemas.openxmlformats.org/drawingml/2006/main" xmlns:r="http://schemas.openxmlformats.org/officeDocument/2006/relationships" xmlns:p="http://schemas.openxmlformats.org/presentationml/2006/main">
   <p:cSld>
     <p:spTree>
@@ -5869,7 +5787,7 @@
           <a:p>
             <a:fld id="{4AF79E1B-2C51-4B9B-8EA4-26DE9E345AFF}" type="slidenum">
               <a:rPr lang="en-US" smtClean="0"/>
-              <a:t>57</a:t>
+              <a:t>56</a:t>
             </a:fld>
             <a:endParaRPr lang="en-US"/>
           </a:p>
@@ -5888,7 +5806,7 @@
 </p:notes>
 </file>
 
-<file path=ppt/notesSlides/notesSlide58.xml><?xml version="1.0" encoding="utf-8"?>
+<file path=ppt/notesSlides/notesSlide57.xml><?xml version="1.0" encoding="utf-8"?>
 <p:notes xmlns:a="http://schemas.openxmlformats.org/drawingml/2006/main" xmlns:r="http://schemas.openxmlformats.org/officeDocument/2006/relationships" xmlns:p="http://schemas.openxmlformats.org/presentationml/2006/main">
   <p:cSld>
     <p:spTree>
@@ -5980,7 +5898,7 @@
           <a:p>
             <a:fld id="{4AF79E1B-2C51-4B9B-8EA4-26DE9E345AFF}" type="slidenum">
               <a:rPr lang="en-US" smtClean="0"/>
-              <a:t>58</a:t>
+              <a:t>57</a:t>
             </a:fld>
             <a:endParaRPr lang="en-US"/>
           </a:p>
@@ -5999,7 +5917,7 @@
 </p:notes>
 </file>
 
-<file path=ppt/notesSlides/notesSlide59.xml><?xml version="1.0" encoding="utf-8"?>
+<file path=ppt/notesSlides/notesSlide58.xml><?xml version="1.0" encoding="utf-8"?>
 <p:notes xmlns:a="http://schemas.openxmlformats.org/drawingml/2006/main" xmlns:r="http://schemas.openxmlformats.org/officeDocument/2006/relationships" xmlns:p="http://schemas.openxmlformats.org/presentationml/2006/main">
   <p:cSld>
     <p:spTree>
@@ -6068,7 +5986,7 @@
           <a:p>
             <a:fld id="{4AF79E1B-2C51-4B9B-8EA4-26DE9E345AFF}" type="slidenum">
               <a:rPr lang="en-US" smtClean="0"/>
-              <a:t>59</a:t>
+              <a:t>58</a:t>
             </a:fld>
             <a:endParaRPr lang="en-US"/>
           </a:p>
@@ -6133,11 +6051,8 @@
           <a:p>
             <a:r>
               <a:rPr lang="en-US" dirty="0"/>
-              <a:t>What to have within files. File chunks with one master file to run them all. Here we will use R projects and R markdown files. </a:t>
-            </a:r>
-          </a:p>
-          <a:p>
-            <a:endParaRPr lang="en-US" dirty="0"/>
+              <a:t>What does R look like? Talk about the Assignment1_StartHere.Rmd file on GitHub if needed.</a:t>
+            </a:r>
           </a:p>
         </p:txBody>
       </p:sp>
@@ -6167,7 +6082,7 @@
     </p:spTree>
     <p:extLst>
       <p:ext uri="{BB962C8B-B14F-4D97-AF65-F5344CB8AC3E}">
-        <p14:creationId xmlns:p14="http://schemas.microsoft.com/office/powerpoint/2010/main" val="1561841911"/>
+        <p14:creationId xmlns:p14="http://schemas.microsoft.com/office/powerpoint/2010/main" val="1136093354"/>
       </p:ext>
     </p:extLst>
   </p:cSld>
@@ -6223,7 +6138,7 @@
           <a:p>
             <a:r>
               <a:rPr lang="en-US" dirty="0"/>
-              <a:t>What does R look like? Talk about the Assignment1_StartHere.Rmd file on GitHub if needed.</a:t>
+              <a:t>In all seriousness your projects may go on for years, and then you’ll get requests for replication code pulls years after publication – you want to be able to explain your own reasoning years from now (and you want others to follow it as well)</a:t>
             </a:r>
           </a:p>
         </p:txBody>
@@ -6254,7 +6169,7 @@
     </p:spTree>
     <p:extLst>
       <p:ext uri="{BB962C8B-B14F-4D97-AF65-F5344CB8AC3E}">
-        <p14:creationId xmlns:p14="http://schemas.microsoft.com/office/powerpoint/2010/main" val="1136093354"/>
+        <p14:creationId xmlns:p14="http://schemas.microsoft.com/office/powerpoint/2010/main" val="3825928462"/>
       </p:ext>
     </p:extLst>
   </p:cSld>
@@ -6308,10 +6223,7 @@
           <a:bodyPr/>
           <a:lstStyle/>
           <a:p>
-            <a:r>
-              <a:rPr lang="en-US" dirty="0"/>
-              <a:t>In all seriousness your projects may go on for years, and then you’ll get requests for replication code pulls years after publication – you want to be able to explain your own reasoning years from now (and you want others to follow it as well)</a:t>
-            </a:r>
+            <a:endParaRPr lang="en-US" dirty="0"/>
           </a:p>
         </p:txBody>
       </p:sp>
@@ -6341,7 +6253,7 @@
     </p:spTree>
     <p:extLst>
       <p:ext uri="{BB962C8B-B14F-4D97-AF65-F5344CB8AC3E}">
-        <p14:creationId xmlns:p14="http://schemas.microsoft.com/office/powerpoint/2010/main" val="3825928462"/>
+        <p14:creationId xmlns:p14="http://schemas.microsoft.com/office/powerpoint/2010/main" val="1606044976"/>
       </p:ext>
     </p:extLst>
   </p:cSld>
@@ -6425,7 +6337,7 @@
     </p:spTree>
     <p:extLst>
       <p:ext uri="{BB962C8B-B14F-4D97-AF65-F5344CB8AC3E}">
-        <p14:creationId xmlns:p14="http://schemas.microsoft.com/office/powerpoint/2010/main" val="1606044976"/>
+        <p14:creationId xmlns:p14="http://schemas.microsoft.com/office/powerpoint/2010/main" val="3578600966"/>
       </p:ext>
     </p:extLst>
   </p:cSld>
@@ -6604,7 +6516,7 @@
             <a:fld id="{0972D05C-DCFB-4BB6-B49C-AC126BF3ED2C}" type="datetimeFigureOut">
               <a:rPr lang="en-US" smtClean="0"/>
               <a:pPr/>
-              <a:t>1/7/2025</a:t>
+              <a:t>1/15/2025</a:t>
             </a:fld>
             <a:endParaRPr lang="en-US"/>
           </a:p>
@@ -6834,7 +6746,7 @@
             <a:fld id="{0972D05C-DCFB-4BB6-B49C-AC126BF3ED2C}" type="datetimeFigureOut">
               <a:rPr lang="en-US" smtClean="0"/>
               <a:pPr/>
-              <a:t>1/7/2025</a:t>
+              <a:t>1/15/2025</a:t>
             </a:fld>
             <a:endParaRPr lang="en-US"/>
           </a:p>
@@ -7016,7 +6928,7 @@
             <a:fld id="{0972D05C-DCFB-4BB6-B49C-AC126BF3ED2C}" type="datetimeFigureOut">
               <a:rPr lang="en-US" smtClean="0"/>
               <a:pPr/>
-              <a:t>1/7/2025</a:t>
+              <a:t>1/15/2025</a:t>
             </a:fld>
             <a:endParaRPr lang="en-US"/>
           </a:p>
@@ -7188,7 +7100,7 @@
             <a:fld id="{0972D05C-DCFB-4BB6-B49C-AC126BF3ED2C}" type="datetimeFigureOut">
               <a:rPr lang="en-US" smtClean="0"/>
               <a:pPr/>
-              <a:t>1/7/2025</a:t>
+              <a:t>1/15/2025</a:t>
             </a:fld>
             <a:endParaRPr lang="en-US"/>
           </a:p>
@@ -7444,7 +7356,7 @@
             <a:fld id="{0972D05C-DCFB-4BB6-B49C-AC126BF3ED2C}" type="datetimeFigureOut">
               <a:rPr lang="en-US" smtClean="0"/>
               <a:pPr/>
-              <a:t>1/7/2025</a:t>
+              <a:t>1/15/2025</a:t>
             </a:fld>
             <a:endParaRPr lang="en-US"/>
           </a:p>
@@ -7772,7 +7684,7 @@
             <a:fld id="{0972D05C-DCFB-4BB6-B49C-AC126BF3ED2C}" type="datetimeFigureOut">
               <a:rPr lang="en-US" smtClean="0"/>
               <a:pPr/>
-              <a:t>1/7/2025</a:t>
+              <a:t>1/15/2025</a:t>
             </a:fld>
             <a:endParaRPr lang="en-US"/>
           </a:p>
@@ -8225,7 +8137,7 @@
             <a:fld id="{0972D05C-DCFB-4BB6-B49C-AC126BF3ED2C}" type="datetimeFigureOut">
               <a:rPr lang="en-US" smtClean="0"/>
               <a:pPr/>
-              <a:t>1/7/2025</a:t>
+              <a:t>1/15/2025</a:t>
             </a:fld>
             <a:endParaRPr lang="en-US"/>
           </a:p>
@@ -8345,7 +8257,7 @@
             <a:fld id="{0972D05C-DCFB-4BB6-B49C-AC126BF3ED2C}" type="datetimeFigureOut">
               <a:rPr lang="en-US" smtClean="0"/>
               <a:pPr/>
-              <a:t>1/7/2025</a:t>
+              <a:t>1/15/2025</a:t>
             </a:fld>
             <a:endParaRPr lang="en-US"/>
           </a:p>
@@ -8442,7 +8354,7 @@
             <a:fld id="{0972D05C-DCFB-4BB6-B49C-AC126BF3ED2C}" type="datetimeFigureOut">
               <a:rPr lang="en-US" smtClean="0"/>
               <a:pPr/>
-              <a:t>1/7/2025</a:t>
+              <a:t>1/15/2025</a:t>
             </a:fld>
             <a:endParaRPr lang="en-US"/>
           </a:p>
@@ -8731,7 +8643,7 @@
             <a:fld id="{0972D05C-DCFB-4BB6-B49C-AC126BF3ED2C}" type="datetimeFigureOut">
               <a:rPr lang="en-US" smtClean="0"/>
               <a:pPr/>
-              <a:t>1/7/2025</a:t>
+              <a:t>1/15/2025</a:t>
             </a:fld>
             <a:endParaRPr lang="en-US"/>
           </a:p>
@@ -9055,7 +8967,7 @@
             <a:fld id="{0972D05C-DCFB-4BB6-B49C-AC126BF3ED2C}" type="datetimeFigureOut">
               <a:rPr lang="en-US" smtClean="0"/>
               <a:pPr/>
-              <a:t>1/7/2025</a:t>
+              <a:t>1/15/2025</a:t>
             </a:fld>
             <a:endParaRPr lang="en-US"/>
           </a:p>
@@ -9310,7 +9222,7 @@
             <a:fld id="{0972D05C-DCFB-4BB6-B49C-AC126BF3ED2C}" type="datetimeFigureOut">
               <a:rPr lang="en-US" smtClean="0"/>
               <a:pPr/>
-              <a:t>1/7/2025</a:t>
+              <a:t>1/15/2025</a:t>
             </a:fld>
             <a:endParaRPr lang="en-US" dirty="0"/>
           </a:p>
@@ -9895,254 +9807,6 @@
 <file path=ppt/slides/slide10.xml><?xml version="1.0" encoding="utf-8"?>
 <p:sld xmlns:a="http://schemas.openxmlformats.org/drawingml/2006/main" xmlns:r="http://schemas.openxmlformats.org/officeDocument/2006/relationships" xmlns:p="http://schemas.openxmlformats.org/presentationml/2006/main">
   <p:cSld>
-    <p:spTree>
-      <p:nvGrpSpPr>
-        <p:cNvPr id="1" name=""/>
-        <p:cNvGrpSpPr/>
-        <p:nvPr/>
-      </p:nvGrpSpPr>
-      <p:grpSpPr>
-        <a:xfrm>
-          <a:off x="0" y="0"/>
-          <a:ext cx="0" cy="0"/>
-          <a:chOff x="0" y="0"/>
-          <a:chExt cx="0" cy="0"/>
-        </a:xfrm>
-      </p:grpSpPr>
-      <p:sp>
-        <p:nvSpPr>
-          <p:cNvPr id="2" name="Title 1"/>
-          <p:cNvSpPr>
-            <a:spLocks noGrp="1"/>
-          </p:cNvSpPr>
-          <p:nvPr>
-            <p:ph type="title"/>
-          </p:nvPr>
-        </p:nvSpPr>
-        <p:spPr>
-          <a:xfrm>
-            <a:off x="609600" y="337392"/>
-            <a:ext cx="9601200" cy="624840"/>
-          </a:xfrm>
-        </p:spPr>
-        <p:txBody>
-          <a:bodyPr>
-            <a:normAutofit fontScale="90000"/>
-          </a:bodyPr>
-          <a:lstStyle/>
-          <a:p>
-            <a:r>
-              <a:rPr lang="en-US" dirty="0">
-                <a:latin typeface="Times New Roman" panose="02020603050405020304" pitchFamily="18" charset="0"/>
-                <a:cs typeface="Times New Roman" panose="02020603050405020304" pitchFamily="18" charset="0"/>
-              </a:rPr>
-              <a:t>Data types in R</a:t>
-            </a:r>
-          </a:p>
-        </p:txBody>
-      </p:sp>
-      <p:sp>
-        <p:nvSpPr>
-          <p:cNvPr id="3" name="Content Placeholder 2"/>
-          <p:cNvSpPr>
-            <a:spLocks noGrp="1"/>
-          </p:cNvSpPr>
-          <p:nvPr>
-            <p:ph idx="1"/>
-          </p:nvPr>
-        </p:nvSpPr>
-        <p:spPr>
-          <a:xfrm>
-            <a:off x="609600" y="1066801"/>
-            <a:ext cx="9130284" cy="5141388"/>
-          </a:xfrm>
-        </p:spPr>
-        <p:txBody>
-          <a:bodyPr>
-            <a:noAutofit/>
-          </a:bodyPr>
-          <a:lstStyle/>
-          <a:p>
-            <a:pPr marL="0" indent="0">
-              <a:buNone/>
-            </a:pPr>
-            <a:r>
-              <a:rPr lang="en-US" sz="2200" dirty="0">
-                <a:latin typeface="Times New Roman" panose="02020603050405020304" pitchFamily="18" charset="0"/>
-                <a:cs typeface="Times New Roman" panose="02020603050405020304" pitchFamily="18" charset="0"/>
-              </a:rPr>
-              <a:t>Not all data is numeric! Some of the key data types you’ll encounter are: </a:t>
-            </a:r>
-          </a:p>
-          <a:p>
-            <a:pPr marL="457200" indent="-457200">
-              <a:buAutoNum type="arabicPeriod"/>
-            </a:pPr>
-            <a:r>
-              <a:rPr lang="en-US" sz="2200" dirty="0">
-                <a:cs typeface="Times New Roman" panose="02020603050405020304" pitchFamily="18" charset="0"/>
-              </a:rPr>
-              <a:t>Numeric</a:t>
-            </a:r>
-          </a:p>
-          <a:p>
-            <a:pPr marL="457200" indent="-457200">
-              <a:buAutoNum type="arabicPeriod"/>
-            </a:pPr>
-            <a:r>
-              <a:rPr lang="en-US" sz="2200" dirty="0">
-                <a:latin typeface="Times New Roman" panose="02020603050405020304" pitchFamily="18" charset="0"/>
-                <a:cs typeface="Times New Roman" panose="02020603050405020304" pitchFamily="18" charset="0"/>
-              </a:rPr>
-              <a:t>Character</a:t>
-            </a:r>
-          </a:p>
-          <a:p>
-            <a:pPr marL="457200" indent="-457200">
-              <a:buAutoNum type="arabicPeriod"/>
-            </a:pPr>
-            <a:r>
-              <a:rPr lang="en-US" sz="2200" dirty="0">
-                <a:cs typeface="Times New Roman" panose="02020603050405020304" pitchFamily="18" charset="0"/>
-              </a:rPr>
-              <a:t>Logical/Boolean</a:t>
-            </a:r>
-          </a:p>
-          <a:p>
-            <a:pPr marL="457200" indent="-457200">
-              <a:buAutoNum type="arabicPeriod"/>
-            </a:pPr>
-            <a:r>
-              <a:rPr lang="en-US" sz="2200" dirty="0">
-                <a:latin typeface="Times New Roman" panose="02020603050405020304" pitchFamily="18" charset="0"/>
-                <a:cs typeface="Times New Roman" panose="02020603050405020304" pitchFamily="18" charset="0"/>
-              </a:rPr>
-              <a:t>Factors</a:t>
-            </a:r>
-          </a:p>
-          <a:p>
-            <a:pPr marL="457200" indent="-457200">
-              <a:buAutoNum type="arabicPeriod"/>
-            </a:pPr>
-            <a:endParaRPr lang="en-US" sz="2200" dirty="0">
-              <a:cs typeface="Times New Roman" panose="02020603050405020304" pitchFamily="18" charset="0"/>
-            </a:endParaRPr>
-          </a:p>
-          <a:p>
-            <a:pPr marL="0" indent="0">
-              <a:buNone/>
-            </a:pPr>
-            <a:r>
-              <a:rPr lang="en-US" sz="2200" dirty="0">
-                <a:latin typeface="Times New Roman" panose="02020603050405020304" pitchFamily="18" charset="0"/>
-                <a:cs typeface="Times New Roman" panose="02020603050405020304" pitchFamily="18" charset="0"/>
-              </a:rPr>
-              <a:t>We’ll talk about each of these and especially, how to convert </a:t>
-            </a:r>
-            <a:r>
-              <a:rPr lang="en-US" sz="2200" dirty="0">
-                <a:cs typeface="Times New Roman" panose="02020603050405020304" pitchFamily="18" charset="0"/>
-              </a:rPr>
-              <a:t>them into the quantitative variables we would use in this course</a:t>
-            </a:r>
-            <a:endParaRPr lang="en-US" sz="2200" dirty="0">
-              <a:latin typeface="Times New Roman" panose="02020603050405020304" pitchFamily="18" charset="0"/>
-              <a:cs typeface="Times New Roman" panose="02020603050405020304" pitchFamily="18" charset="0"/>
-            </a:endParaRPr>
-          </a:p>
-          <a:p>
-            <a:endParaRPr lang="en-US" sz="2200" dirty="0">
-              <a:cs typeface="Times New Roman" panose="02020603050405020304" pitchFamily="18" charset="0"/>
-            </a:endParaRPr>
-          </a:p>
-          <a:p>
-            <a:endParaRPr lang="en-US" sz="2200" dirty="0">
-              <a:latin typeface="Times New Roman" panose="02020603050405020304" pitchFamily="18" charset="0"/>
-              <a:cs typeface="Times New Roman" panose="02020603050405020304" pitchFamily="18" charset="0"/>
-            </a:endParaRPr>
-          </a:p>
-          <a:p>
-            <a:pPr marL="0" indent="0">
-              <a:buNone/>
-            </a:pPr>
-            <a:endParaRPr lang="en-US" sz="2200" dirty="0">
-              <a:cs typeface="Times New Roman" panose="02020603050405020304" pitchFamily="18" charset="0"/>
-            </a:endParaRPr>
-          </a:p>
-          <a:p>
-            <a:pPr marL="0" indent="0">
-              <a:buNone/>
-            </a:pPr>
-            <a:endParaRPr lang="en-US" sz="900" dirty="0">
-              <a:latin typeface="Times New Roman" panose="02020603050405020304" pitchFamily="18" charset="0"/>
-              <a:cs typeface="Times New Roman" panose="02020603050405020304" pitchFamily="18" charset="0"/>
-            </a:endParaRPr>
-          </a:p>
-        </p:txBody>
-      </p:sp>
-      <p:pic>
-        <p:nvPicPr>
-          <p:cNvPr id="4" name="Picture 2" descr="RStudio - RStudio">
-            <a:extLst>
-              <a:ext uri="{FF2B5EF4-FFF2-40B4-BE49-F238E27FC236}">
-                <a16:creationId xmlns:a16="http://schemas.microsoft.com/office/drawing/2014/main" id="{CE488243-4695-475A-997E-FEFB198BB1A8}"/>
-              </a:ext>
-            </a:extLst>
-          </p:cNvPr>
-          <p:cNvPicPr>
-            <a:picLocks noChangeAspect="1" noChangeArrowheads="1"/>
-          </p:cNvPicPr>
-          <p:nvPr/>
-        </p:nvPicPr>
-        <p:blipFill>
-          <a:blip r:embed="rId3">
-            <a:extLst>
-              <a:ext uri="{28A0092B-C50C-407E-A947-70E740481C1C}">
-                <a14:useLocalDpi xmlns:a14="http://schemas.microsoft.com/office/drawing/2010/main" val="0"/>
-              </a:ext>
-            </a:extLst>
-          </a:blip>
-          <a:srcRect/>
-          <a:stretch>
-            <a:fillRect/>
-          </a:stretch>
-        </p:blipFill>
-        <p:spPr bwMode="auto">
-          <a:xfrm>
-            <a:off x="9677400" y="5257800"/>
-            <a:ext cx="1371600" cy="1371600"/>
-          </a:xfrm>
-          <a:prstGeom prst="rect">
-            <a:avLst/>
-          </a:prstGeom>
-          <a:noFill/>
-          <a:extLst>
-            <a:ext uri="{909E8E84-426E-40DD-AFC4-6F175D3DCCD1}">
-              <a14:hiddenFill xmlns:a14="http://schemas.microsoft.com/office/drawing/2010/main">
-                <a:solidFill>
-                  <a:srgbClr val="FFFFFF"/>
-                </a:solidFill>
-              </a14:hiddenFill>
-            </a:ext>
-          </a:extLst>
-        </p:spPr>
-      </p:pic>
-    </p:spTree>
-    <p:extLst>
-      <p:ext uri="{BB962C8B-B14F-4D97-AF65-F5344CB8AC3E}">
-        <p14:creationId xmlns:p14="http://schemas.microsoft.com/office/powerpoint/2010/main" val="335211173"/>
-      </p:ext>
-    </p:extLst>
-  </p:cSld>
-  <p:clrMapOvr>
-    <a:masterClrMapping/>
-  </p:clrMapOvr>
-</p:sld>
-</file>
-
-<file path=ppt/slides/slide11.xml><?xml version="1.0" encoding="utf-8"?>
-<p:sld xmlns:a="http://schemas.openxmlformats.org/drawingml/2006/main" xmlns:r="http://schemas.openxmlformats.org/officeDocument/2006/relationships" xmlns:p="http://schemas.openxmlformats.org/presentationml/2006/main">
-  <p:cSld>
     <p:bg>
       <p:bgPr>
         <a:solidFill>
@@ -10484,7 +10148,7 @@
 </p:sld>
 </file>
 
-<file path=ppt/slides/slide12.xml><?xml version="1.0" encoding="utf-8"?>
+<file path=ppt/slides/slide11.xml><?xml version="1.0" encoding="utf-8"?>
 <p:sld xmlns:a="http://schemas.openxmlformats.org/drawingml/2006/main" xmlns:r="http://schemas.openxmlformats.org/officeDocument/2006/relationships" xmlns:p="http://schemas.openxmlformats.org/presentationml/2006/main">
   <p:cSld>
     <p:spTree>
@@ -10698,7 +10362,7 @@
 </p:sld>
 </file>
 
-<file path=ppt/slides/slide13.xml><?xml version="1.0" encoding="utf-8"?>
+<file path=ppt/slides/slide12.xml><?xml version="1.0" encoding="utf-8"?>
 <p:sld xmlns:a="http://schemas.openxmlformats.org/drawingml/2006/main" xmlns:r="http://schemas.openxmlformats.org/officeDocument/2006/relationships" xmlns:p="http://schemas.openxmlformats.org/presentationml/2006/main">
   <p:cSld>
     <p:spTree>
@@ -10882,7 +10546,7 @@
 </p:sld>
 </file>
 
-<file path=ppt/slides/slide14.xml><?xml version="1.0" encoding="utf-8"?>
+<file path=ppt/slides/slide13.xml><?xml version="1.0" encoding="utf-8"?>
 <p:sld xmlns:a="http://schemas.openxmlformats.org/drawingml/2006/main" xmlns:r="http://schemas.openxmlformats.org/officeDocument/2006/relationships" xmlns:p="http://schemas.openxmlformats.org/presentationml/2006/main">
   <p:cSld>
     <p:spTree>
@@ -11066,7 +10730,7 @@
 </p:sld>
 </file>
 
-<file path=ppt/slides/slide15.xml><?xml version="1.0" encoding="utf-8"?>
+<file path=ppt/slides/slide14.xml><?xml version="1.0" encoding="utf-8"?>
 <p:sld xmlns:a="http://schemas.openxmlformats.org/drawingml/2006/main" xmlns:r="http://schemas.openxmlformats.org/officeDocument/2006/relationships" xmlns:p="http://schemas.openxmlformats.org/presentationml/2006/main">
   <p:cSld>
     <p:spTree>
@@ -11329,7 +10993,7 @@
 </p:sld>
 </file>
 
-<file path=ppt/slides/slide16.xml><?xml version="1.0" encoding="utf-8"?>
+<file path=ppt/slides/slide15.xml><?xml version="1.0" encoding="utf-8"?>
 <p:sld xmlns:a="http://schemas.openxmlformats.org/drawingml/2006/main" xmlns:r="http://schemas.openxmlformats.org/officeDocument/2006/relationships" xmlns:p="http://schemas.openxmlformats.org/presentationml/2006/main">
   <p:cSld>
     <p:spTree>
@@ -11574,7 +11238,7 @@
 </p:sld>
 </file>
 
-<file path=ppt/slides/slide17.xml><?xml version="1.0" encoding="utf-8"?>
+<file path=ppt/slides/slide16.xml><?xml version="1.0" encoding="utf-8"?>
 <p:sld xmlns:a="http://schemas.openxmlformats.org/drawingml/2006/main" xmlns:r="http://schemas.openxmlformats.org/officeDocument/2006/relationships" xmlns:p="http://schemas.openxmlformats.org/presentationml/2006/main">
   <p:cSld>
     <p:spTree>
@@ -11759,7 +11423,7 @@
 </p:sld>
 </file>
 
-<file path=ppt/slides/slide18.xml><?xml version="1.0" encoding="utf-8"?>
+<file path=ppt/slides/slide17.xml><?xml version="1.0" encoding="utf-8"?>
 <p:sld xmlns:a="http://schemas.openxmlformats.org/drawingml/2006/main" xmlns:r="http://schemas.openxmlformats.org/officeDocument/2006/relationships" xmlns:p="http://schemas.openxmlformats.org/presentationml/2006/main">
   <p:cSld>
     <p:spTree>
@@ -12007,7 +11671,7 @@
 </p:sld>
 </file>
 
-<file path=ppt/slides/slide19.xml><?xml version="1.0" encoding="utf-8"?>
+<file path=ppt/slides/slide18.xml><?xml version="1.0" encoding="utf-8"?>
 <p:sld xmlns:a="http://schemas.openxmlformats.org/drawingml/2006/main" xmlns:r="http://schemas.openxmlformats.org/officeDocument/2006/relationships" xmlns:p="http://schemas.openxmlformats.org/presentationml/2006/main">
   <p:cSld>
     <p:spTree>
@@ -12286,6 +11950,341 @@
     <p:extLst>
       <p:ext uri="{BB962C8B-B14F-4D97-AF65-F5344CB8AC3E}">
         <p14:creationId xmlns:p14="http://schemas.microsoft.com/office/powerpoint/2010/main" val="3211548388"/>
+      </p:ext>
+    </p:extLst>
+  </p:cSld>
+  <p:clrMapOvr>
+    <a:masterClrMapping/>
+  </p:clrMapOvr>
+</p:sld>
+</file>
+
+<file path=ppt/slides/slide19.xml><?xml version="1.0" encoding="utf-8"?>
+<p:sld xmlns:a="http://schemas.openxmlformats.org/drawingml/2006/main" xmlns:r="http://schemas.openxmlformats.org/officeDocument/2006/relationships" xmlns:p="http://schemas.openxmlformats.org/presentationml/2006/main">
+  <p:cSld>
+    <p:spTree>
+      <p:nvGrpSpPr>
+        <p:cNvPr id="1" name=""/>
+        <p:cNvGrpSpPr/>
+        <p:nvPr/>
+      </p:nvGrpSpPr>
+      <p:grpSpPr>
+        <a:xfrm>
+          <a:off x="0" y="0"/>
+          <a:ext cx="0" cy="0"/>
+          <a:chOff x="0" y="0"/>
+          <a:chExt cx="0" cy="0"/>
+        </a:xfrm>
+      </p:grpSpPr>
+      <p:sp>
+        <p:nvSpPr>
+          <p:cNvPr id="2" name="Title 1"/>
+          <p:cNvSpPr>
+            <a:spLocks noGrp="1"/>
+          </p:cNvSpPr>
+          <p:nvPr>
+            <p:ph type="title"/>
+          </p:nvPr>
+        </p:nvSpPr>
+        <p:spPr>
+          <a:xfrm>
+            <a:off x="609600" y="337392"/>
+            <a:ext cx="9601200" cy="624840"/>
+          </a:xfrm>
+        </p:spPr>
+        <p:txBody>
+          <a:bodyPr>
+            <a:normAutofit fontScale="90000"/>
+          </a:bodyPr>
+          <a:lstStyle/>
+          <a:p>
+            <a:r>
+              <a:rPr lang="en-US" dirty="0">
+                <a:latin typeface="Times New Roman" panose="02020603050405020304" pitchFamily="18" charset="0"/>
+                <a:cs typeface="Times New Roman" panose="02020603050405020304" pitchFamily="18" charset="0"/>
+              </a:rPr>
+              <a:t>Using the </a:t>
+            </a:r>
+            <a:r>
+              <a:rPr lang="en-US" dirty="0" err="1">
+                <a:latin typeface="Times New Roman" panose="02020603050405020304" pitchFamily="18" charset="0"/>
+                <a:cs typeface="Times New Roman" panose="02020603050405020304" pitchFamily="18" charset="0"/>
+              </a:rPr>
+              <a:t>tidyverse</a:t>
+            </a:r>
+            <a:endParaRPr lang="en-US" dirty="0">
+              <a:latin typeface="Times New Roman" panose="02020603050405020304" pitchFamily="18" charset="0"/>
+              <a:cs typeface="Times New Roman" panose="02020603050405020304" pitchFamily="18" charset="0"/>
+            </a:endParaRPr>
+          </a:p>
+        </p:txBody>
+      </p:sp>
+      <p:sp>
+        <p:nvSpPr>
+          <p:cNvPr id="3" name="Content Placeholder 2"/>
+          <p:cNvSpPr>
+            <a:spLocks noGrp="1"/>
+          </p:cNvSpPr>
+          <p:nvPr>
+            <p:ph idx="1"/>
+          </p:nvPr>
+        </p:nvSpPr>
+        <p:spPr>
+          <a:xfrm>
+            <a:off x="609600" y="1066801"/>
+            <a:ext cx="9130284" cy="5141388"/>
+          </a:xfrm>
+        </p:spPr>
+        <p:txBody>
+          <a:bodyPr>
+            <a:noAutofit/>
+          </a:bodyPr>
+          <a:lstStyle/>
+          <a:p>
+            <a:r>
+              <a:rPr lang="en-US" sz="2400" dirty="0" err="1">
+                <a:latin typeface="Times New Roman" panose="02020603050405020304" pitchFamily="18" charset="0"/>
+                <a:cs typeface="Times New Roman" panose="02020603050405020304" pitchFamily="18" charset="0"/>
+              </a:rPr>
+              <a:t>Tidyverse</a:t>
+            </a:r>
+            <a:r>
+              <a:rPr lang="en-US" sz="2400" dirty="0">
+                <a:latin typeface="Times New Roman" panose="02020603050405020304" pitchFamily="18" charset="0"/>
+                <a:cs typeface="Times New Roman" panose="02020603050405020304" pitchFamily="18" charset="0"/>
+              </a:rPr>
+              <a:t> uses </a:t>
+            </a:r>
+            <a:r>
+              <a:rPr lang="en-US" sz="2400" b="1" u="sng" dirty="0">
+                <a:solidFill>
+                  <a:schemeClr val="tx2"/>
+                </a:solidFill>
+                <a:latin typeface="Times New Roman" panose="02020603050405020304" pitchFamily="18" charset="0"/>
+                <a:cs typeface="Times New Roman" panose="02020603050405020304" pitchFamily="18" charset="0"/>
+              </a:rPr>
+              <a:t>pipe operators</a:t>
+            </a:r>
+            <a:r>
+              <a:rPr lang="en-US" sz="2400" dirty="0">
+                <a:latin typeface="Times New Roman" panose="02020603050405020304" pitchFamily="18" charset="0"/>
+                <a:cs typeface="Times New Roman" panose="02020603050405020304" pitchFamily="18" charset="0"/>
+              </a:rPr>
+              <a:t> (%&gt;%) to flow from the starting point (your data) to an end point (your output). </a:t>
+            </a:r>
+          </a:p>
+          <a:p>
+            <a:r>
+              <a:rPr lang="en-US" sz="2400" dirty="0">
+                <a:latin typeface="Times New Roman" panose="02020603050405020304" pitchFamily="18" charset="0"/>
+                <a:cs typeface="Times New Roman" panose="02020603050405020304" pitchFamily="18" charset="0"/>
+              </a:rPr>
+              <a:t>If we want to get total count by category for example, we would: </a:t>
+            </a:r>
+          </a:p>
+          <a:p>
+            <a:pPr marL="731520" lvl="1" indent="-457200">
+              <a:buFont typeface="+mj-lt"/>
+              <a:buAutoNum type="arabicPeriod"/>
+            </a:pPr>
+            <a:r>
+              <a:rPr lang="en-US" sz="2200" dirty="0">
+                <a:cs typeface="Times New Roman" panose="02020603050405020304" pitchFamily="18" charset="0"/>
+              </a:rPr>
+              <a:t>Start with ungrouped data %&gt;%</a:t>
+            </a:r>
+          </a:p>
+          <a:p>
+            <a:pPr marL="731520" lvl="1" indent="-457200">
+              <a:buFont typeface="+mj-lt"/>
+              <a:buAutoNum type="arabicPeriod"/>
+            </a:pPr>
+            <a:r>
+              <a:rPr lang="en-US" sz="2200" dirty="0">
+                <a:latin typeface="Times New Roman" panose="02020603050405020304" pitchFamily="18" charset="0"/>
+                <a:cs typeface="Times New Roman" panose="02020603050405020304" pitchFamily="18" charset="0"/>
+              </a:rPr>
+              <a:t>Group by category %&gt;%</a:t>
+            </a:r>
+          </a:p>
+          <a:p>
+            <a:pPr marL="731520" lvl="1" indent="-457200">
+              <a:buFont typeface="+mj-lt"/>
+              <a:buAutoNum type="arabicPeriod"/>
+            </a:pPr>
+            <a:r>
+              <a:rPr lang="en-US" sz="2200" dirty="0">
+                <a:cs typeface="Times New Roman" panose="02020603050405020304" pitchFamily="18" charset="0"/>
+              </a:rPr>
+              <a:t>Calculate counts within each group</a:t>
+            </a:r>
+            <a:endParaRPr lang="en-US" sz="2200" dirty="0">
+              <a:latin typeface="Times New Roman" panose="02020603050405020304" pitchFamily="18" charset="0"/>
+              <a:cs typeface="Times New Roman" panose="02020603050405020304" pitchFamily="18" charset="0"/>
+            </a:endParaRPr>
+          </a:p>
+          <a:p>
+            <a:pPr marL="0" indent="0">
+              <a:buNone/>
+            </a:pPr>
+            <a:endParaRPr lang="en-US" sz="2400" dirty="0">
+              <a:latin typeface="Times New Roman" panose="02020603050405020304" pitchFamily="18" charset="0"/>
+              <a:cs typeface="Times New Roman" panose="02020603050405020304" pitchFamily="18" charset="0"/>
+            </a:endParaRPr>
+          </a:p>
+          <a:p>
+            <a:r>
+              <a:rPr lang="en-US" sz="2400" dirty="0">
+                <a:latin typeface="Times New Roman" panose="02020603050405020304" pitchFamily="18" charset="0"/>
+                <a:cs typeface="Times New Roman" panose="02020603050405020304" pitchFamily="18" charset="0"/>
+              </a:rPr>
+              <a:t>Let’s try to use some of the common functions we’ll use in class: </a:t>
+            </a:r>
+          </a:p>
+          <a:p>
+            <a:pPr lvl="1"/>
+            <a:r>
+              <a:rPr lang="en-US" sz="2200" dirty="0">
+                <a:cs typeface="Times New Roman" panose="02020603050405020304" pitchFamily="18" charset="0"/>
+              </a:rPr>
+              <a:t>Filter</a:t>
+            </a:r>
+          </a:p>
+          <a:p>
+            <a:pPr lvl="1"/>
+            <a:r>
+              <a:rPr lang="en-US" sz="2200" dirty="0">
+                <a:latin typeface="Times New Roman" panose="02020603050405020304" pitchFamily="18" charset="0"/>
+                <a:cs typeface="Times New Roman" panose="02020603050405020304" pitchFamily="18" charset="0"/>
+              </a:rPr>
+              <a:t>Select</a:t>
+            </a:r>
+          </a:p>
+          <a:p>
+            <a:pPr lvl="1"/>
+            <a:r>
+              <a:rPr lang="en-US" sz="2200" dirty="0">
+                <a:cs typeface="Times New Roman" panose="02020603050405020304" pitchFamily="18" charset="0"/>
+              </a:rPr>
+              <a:t>Mutate</a:t>
+            </a:r>
+          </a:p>
+          <a:p>
+            <a:pPr lvl="1"/>
+            <a:r>
+              <a:rPr lang="en-US" sz="2200" dirty="0" err="1">
+                <a:latin typeface="Times New Roman" panose="02020603050405020304" pitchFamily="18" charset="0"/>
+                <a:cs typeface="Times New Roman" panose="02020603050405020304" pitchFamily="18" charset="0"/>
+              </a:rPr>
+              <a:t>Group_</a:t>
+            </a:r>
+            <a:r>
+              <a:rPr lang="en-US" sz="2200" dirty="0" err="1">
+                <a:cs typeface="Times New Roman" panose="02020603050405020304" pitchFamily="18" charset="0"/>
+              </a:rPr>
+              <a:t>by</a:t>
+            </a:r>
+            <a:endParaRPr lang="en-US" sz="2200" dirty="0">
+              <a:cs typeface="Times New Roman" panose="02020603050405020304" pitchFamily="18" charset="0"/>
+            </a:endParaRPr>
+          </a:p>
+          <a:p>
+            <a:pPr lvl="1"/>
+            <a:r>
+              <a:rPr lang="en-US" sz="2200" dirty="0">
+                <a:latin typeface="Times New Roman" panose="02020603050405020304" pitchFamily="18" charset="0"/>
+                <a:cs typeface="Times New Roman" panose="02020603050405020304" pitchFamily="18" charset="0"/>
+              </a:rPr>
+              <a:t>Summarize</a:t>
+            </a:r>
+            <a:endParaRPr lang="en-US" sz="2400" dirty="0">
+              <a:latin typeface="Times New Roman" panose="02020603050405020304" pitchFamily="18" charset="0"/>
+              <a:cs typeface="Times New Roman" panose="02020603050405020304" pitchFamily="18" charset="0"/>
+            </a:endParaRPr>
+          </a:p>
+        </p:txBody>
+      </p:sp>
+      <p:pic>
+        <p:nvPicPr>
+          <p:cNvPr id="4" name="Picture 2" descr="RStudio - RStudio">
+            <a:extLst>
+              <a:ext uri="{FF2B5EF4-FFF2-40B4-BE49-F238E27FC236}">
+                <a16:creationId xmlns:a16="http://schemas.microsoft.com/office/drawing/2014/main" id="{CE488243-4695-475A-997E-FEFB198BB1A8}"/>
+              </a:ext>
+            </a:extLst>
+          </p:cNvPr>
+          <p:cNvPicPr>
+            <a:picLocks noChangeAspect="1" noChangeArrowheads="1"/>
+          </p:cNvPicPr>
+          <p:nvPr/>
+        </p:nvPicPr>
+        <p:blipFill>
+          <a:blip r:embed="rId3">
+            <a:extLst>
+              <a:ext uri="{28A0092B-C50C-407E-A947-70E740481C1C}">
+                <a14:useLocalDpi xmlns:a14="http://schemas.microsoft.com/office/drawing/2010/main" val="0"/>
+              </a:ext>
+            </a:extLst>
+          </a:blip>
+          <a:srcRect/>
+          <a:stretch>
+            <a:fillRect/>
+          </a:stretch>
+        </p:blipFill>
+        <p:spPr bwMode="auto">
+          <a:xfrm>
+            <a:off x="9677400" y="5257800"/>
+            <a:ext cx="1371600" cy="1371600"/>
+          </a:xfrm>
+          <a:prstGeom prst="rect">
+            <a:avLst/>
+          </a:prstGeom>
+          <a:noFill/>
+          <a:extLst>
+            <a:ext uri="{909E8E84-426E-40DD-AFC4-6F175D3DCCD1}">
+              <a14:hiddenFill xmlns:a14="http://schemas.microsoft.com/office/drawing/2010/main">
+                <a:solidFill>
+                  <a:srgbClr val="FFFFFF"/>
+                </a:solidFill>
+              </a14:hiddenFill>
+            </a:ext>
+          </a:extLst>
+        </p:spPr>
+      </p:pic>
+      <p:pic>
+        <p:nvPicPr>
+          <p:cNvPr id="6" name="Picture 5">
+            <a:extLst>
+              <a:ext uri="{FF2B5EF4-FFF2-40B4-BE49-F238E27FC236}">
+                <a16:creationId xmlns:a16="http://schemas.microsoft.com/office/drawing/2014/main" id="{9D040885-1938-F12C-7C6D-790591C31A1B}"/>
+              </a:ext>
+            </a:extLst>
+          </p:cNvPr>
+          <p:cNvPicPr>
+            <a:picLocks noChangeAspect="1"/>
+          </p:cNvPicPr>
+          <p:nvPr/>
+        </p:nvPicPr>
+        <p:blipFill>
+          <a:blip r:embed="rId4"/>
+          <a:stretch>
+            <a:fillRect/>
+          </a:stretch>
+        </p:blipFill>
+        <p:spPr>
+          <a:xfrm>
+            <a:off x="381000" y="3733800"/>
+            <a:ext cx="8983329" cy="476316"/>
+          </a:xfrm>
+          <a:prstGeom prst="rect">
+            <a:avLst/>
+          </a:prstGeom>
+        </p:spPr>
+      </p:pic>
+    </p:spTree>
+    <p:extLst>
+      <p:ext uri="{BB962C8B-B14F-4D97-AF65-F5344CB8AC3E}">
+        <p14:creationId xmlns:p14="http://schemas.microsoft.com/office/powerpoint/2010/main" val="184091451"/>
       </p:ext>
     </p:extLst>
   </p:cSld>
@@ -13101,341 +13100,6 @@
           <a:p>
             <a:r>
               <a:rPr lang="en-US" dirty="0">
-                <a:latin typeface="Times New Roman" panose="02020603050405020304" pitchFamily="18" charset="0"/>
-                <a:cs typeface="Times New Roman" panose="02020603050405020304" pitchFamily="18" charset="0"/>
-              </a:rPr>
-              <a:t>Using the </a:t>
-            </a:r>
-            <a:r>
-              <a:rPr lang="en-US" dirty="0" err="1">
-                <a:latin typeface="Times New Roman" panose="02020603050405020304" pitchFamily="18" charset="0"/>
-                <a:cs typeface="Times New Roman" panose="02020603050405020304" pitchFamily="18" charset="0"/>
-              </a:rPr>
-              <a:t>tidyverse</a:t>
-            </a:r>
-            <a:endParaRPr lang="en-US" dirty="0">
-              <a:latin typeface="Times New Roman" panose="02020603050405020304" pitchFamily="18" charset="0"/>
-              <a:cs typeface="Times New Roman" panose="02020603050405020304" pitchFamily="18" charset="0"/>
-            </a:endParaRPr>
-          </a:p>
-        </p:txBody>
-      </p:sp>
-      <p:sp>
-        <p:nvSpPr>
-          <p:cNvPr id="3" name="Content Placeholder 2"/>
-          <p:cNvSpPr>
-            <a:spLocks noGrp="1"/>
-          </p:cNvSpPr>
-          <p:nvPr>
-            <p:ph idx="1"/>
-          </p:nvPr>
-        </p:nvSpPr>
-        <p:spPr>
-          <a:xfrm>
-            <a:off x="609600" y="1066801"/>
-            <a:ext cx="9130284" cy="5141388"/>
-          </a:xfrm>
-        </p:spPr>
-        <p:txBody>
-          <a:bodyPr>
-            <a:noAutofit/>
-          </a:bodyPr>
-          <a:lstStyle/>
-          <a:p>
-            <a:r>
-              <a:rPr lang="en-US" sz="2400" dirty="0" err="1">
-                <a:latin typeface="Times New Roman" panose="02020603050405020304" pitchFamily="18" charset="0"/>
-                <a:cs typeface="Times New Roman" panose="02020603050405020304" pitchFamily="18" charset="0"/>
-              </a:rPr>
-              <a:t>Tidyverse</a:t>
-            </a:r>
-            <a:r>
-              <a:rPr lang="en-US" sz="2400" dirty="0">
-                <a:latin typeface="Times New Roman" panose="02020603050405020304" pitchFamily="18" charset="0"/>
-                <a:cs typeface="Times New Roman" panose="02020603050405020304" pitchFamily="18" charset="0"/>
-              </a:rPr>
-              <a:t> uses </a:t>
-            </a:r>
-            <a:r>
-              <a:rPr lang="en-US" sz="2400" b="1" u="sng" dirty="0">
-                <a:solidFill>
-                  <a:schemeClr val="tx2"/>
-                </a:solidFill>
-                <a:latin typeface="Times New Roman" panose="02020603050405020304" pitchFamily="18" charset="0"/>
-                <a:cs typeface="Times New Roman" panose="02020603050405020304" pitchFamily="18" charset="0"/>
-              </a:rPr>
-              <a:t>pipe operators</a:t>
-            </a:r>
-            <a:r>
-              <a:rPr lang="en-US" sz="2400" dirty="0">
-                <a:latin typeface="Times New Roman" panose="02020603050405020304" pitchFamily="18" charset="0"/>
-                <a:cs typeface="Times New Roman" panose="02020603050405020304" pitchFamily="18" charset="0"/>
-              </a:rPr>
-              <a:t> (%&gt;%) to flow from the starting point (your data) to an end point (your output). </a:t>
-            </a:r>
-          </a:p>
-          <a:p>
-            <a:r>
-              <a:rPr lang="en-US" sz="2400" dirty="0">
-                <a:latin typeface="Times New Roman" panose="02020603050405020304" pitchFamily="18" charset="0"/>
-                <a:cs typeface="Times New Roman" panose="02020603050405020304" pitchFamily="18" charset="0"/>
-              </a:rPr>
-              <a:t>If we want to get total count by category for example, we would: </a:t>
-            </a:r>
-          </a:p>
-          <a:p>
-            <a:pPr marL="731520" lvl="1" indent="-457200">
-              <a:buFont typeface="+mj-lt"/>
-              <a:buAutoNum type="arabicPeriod"/>
-            </a:pPr>
-            <a:r>
-              <a:rPr lang="en-US" sz="2200" dirty="0">
-                <a:cs typeface="Times New Roman" panose="02020603050405020304" pitchFamily="18" charset="0"/>
-              </a:rPr>
-              <a:t>Start with ungrouped data %&gt;%</a:t>
-            </a:r>
-          </a:p>
-          <a:p>
-            <a:pPr marL="731520" lvl="1" indent="-457200">
-              <a:buFont typeface="+mj-lt"/>
-              <a:buAutoNum type="arabicPeriod"/>
-            </a:pPr>
-            <a:r>
-              <a:rPr lang="en-US" sz="2200" dirty="0">
-                <a:latin typeface="Times New Roman" panose="02020603050405020304" pitchFamily="18" charset="0"/>
-                <a:cs typeface="Times New Roman" panose="02020603050405020304" pitchFamily="18" charset="0"/>
-              </a:rPr>
-              <a:t>Group by category %&gt;%</a:t>
-            </a:r>
-          </a:p>
-          <a:p>
-            <a:pPr marL="731520" lvl="1" indent="-457200">
-              <a:buFont typeface="+mj-lt"/>
-              <a:buAutoNum type="arabicPeriod"/>
-            </a:pPr>
-            <a:r>
-              <a:rPr lang="en-US" sz="2200" dirty="0">
-                <a:cs typeface="Times New Roman" panose="02020603050405020304" pitchFamily="18" charset="0"/>
-              </a:rPr>
-              <a:t>Calculate counts within each group</a:t>
-            </a:r>
-            <a:endParaRPr lang="en-US" sz="2200" dirty="0">
-              <a:latin typeface="Times New Roman" panose="02020603050405020304" pitchFamily="18" charset="0"/>
-              <a:cs typeface="Times New Roman" panose="02020603050405020304" pitchFamily="18" charset="0"/>
-            </a:endParaRPr>
-          </a:p>
-          <a:p>
-            <a:pPr marL="0" indent="0">
-              <a:buNone/>
-            </a:pPr>
-            <a:endParaRPr lang="en-US" sz="2400" dirty="0">
-              <a:latin typeface="Times New Roman" panose="02020603050405020304" pitchFamily="18" charset="0"/>
-              <a:cs typeface="Times New Roman" panose="02020603050405020304" pitchFamily="18" charset="0"/>
-            </a:endParaRPr>
-          </a:p>
-          <a:p>
-            <a:r>
-              <a:rPr lang="en-US" sz="2400" dirty="0">
-                <a:latin typeface="Times New Roman" panose="02020603050405020304" pitchFamily="18" charset="0"/>
-                <a:cs typeface="Times New Roman" panose="02020603050405020304" pitchFamily="18" charset="0"/>
-              </a:rPr>
-              <a:t>Let’s try to use some of the common functions we’ll use in class: </a:t>
-            </a:r>
-          </a:p>
-          <a:p>
-            <a:pPr lvl="1"/>
-            <a:r>
-              <a:rPr lang="en-US" sz="2200" dirty="0">
-                <a:cs typeface="Times New Roman" panose="02020603050405020304" pitchFamily="18" charset="0"/>
-              </a:rPr>
-              <a:t>Filter</a:t>
-            </a:r>
-          </a:p>
-          <a:p>
-            <a:pPr lvl="1"/>
-            <a:r>
-              <a:rPr lang="en-US" sz="2200" dirty="0">
-                <a:latin typeface="Times New Roman" panose="02020603050405020304" pitchFamily="18" charset="0"/>
-                <a:cs typeface="Times New Roman" panose="02020603050405020304" pitchFamily="18" charset="0"/>
-              </a:rPr>
-              <a:t>Select</a:t>
-            </a:r>
-          </a:p>
-          <a:p>
-            <a:pPr lvl="1"/>
-            <a:r>
-              <a:rPr lang="en-US" sz="2200" dirty="0">
-                <a:cs typeface="Times New Roman" panose="02020603050405020304" pitchFamily="18" charset="0"/>
-              </a:rPr>
-              <a:t>Mutate</a:t>
-            </a:r>
-          </a:p>
-          <a:p>
-            <a:pPr lvl="1"/>
-            <a:r>
-              <a:rPr lang="en-US" sz="2200" dirty="0" err="1">
-                <a:latin typeface="Times New Roman" panose="02020603050405020304" pitchFamily="18" charset="0"/>
-                <a:cs typeface="Times New Roman" panose="02020603050405020304" pitchFamily="18" charset="0"/>
-              </a:rPr>
-              <a:t>Group_</a:t>
-            </a:r>
-            <a:r>
-              <a:rPr lang="en-US" sz="2200" dirty="0" err="1">
-                <a:cs typeface="Times New Roman" panose="02020603050405020304" pitchFamily="18" charset="0"/>
-              </a:rPr>
-              <a:t>by</a:t>
-            </a:r>
-            <a:endParaRPr lang="en-US" sz="2200" dirty="0">
-              <a:cs typeface="Times New Roman" panose="02020603050405020304" pitchFamily="18" charset="0"/>
-            </a:endParaRPr>
-          </a:p>
-          <a:p>
-            <a:pPr lvl="1"/>
-            <a:r>
-              <a:rPr lang="en-US" sz="2200" dirty="0">
-                <a:latin typeface="Times New Roman" panose="02020603050405020304" pitchFamily="18" charset="0"/>
-                <a:cs typeface="Times New Roman" panose="02020603050405020304" pitchFamily="18" charset="0"/>
-              </a:rPr>
-              <a:t>Summarize</a:t>
-            </a:r>
-            <a:endParaRPr lang="en-US" sz="2400" dirty="0">
-              <a:latin typeface="Times New Roman" panose="02020603050405020304" pitchFamily="18" charset="0"/>
-              <a:cs typeface="Times New Roman" panose="02020603050405020304" pitchFamily="18" charset="0"/>
-            </a:endParaRPr>
-          </a:p>
-        </p:txBody>
-      </p:sp>
-      <p:pic>
-        <p:nvPicPr>
-          <p:cNvPr id="4" name="Picture 2" descr="RStudio - RStudio">
-            <a:extLst>
-              <a:ext uri="{FF2B5EF4-FFF2-40B4-BE49-F238E27FC236}">
-                <a16:creationId xmlns:a16="http://schemas.microsoft.com/office/drawing/2014/main" id="{CE488243-4695-475A-997E-FEFB198BB1A8}"/>
-              </a:ext>
-            </a:extLst>
-          </p:cNvPr>
-          <p:cNvPicPr>
-            <a:picLocks noChangeAspect="1" noChangeArrowheads="1"/>
-          </p:cNvPicPr>
-          <p:nvPr/>
-        </p:nvPicPr>
-        <p:blipFill>
-          <a:blip r:embed="rId3">
-            <a:extLst>
-              <a:ext uri="{28A0092B-C50C-407E-A947-70E740481C1C}">
-                <a14:useLocalDpi xmlns:a14="http://schemas.microsoft.com/office/drawing/2010/main" val="0"/>
-              </a:ext>
-            </a:extLst>
-          </a:blip>
-          <a:srcRect/>
-          <a:stretch>
-            <a:fillRect/>
-          </a:stretch>
-        </p:blipFill>
-        <p:spPr bwMode="auto">
-          <a:xfrm>
-            <a:off x="9677400" y="5257800"/>
-            <a:ext cx="1371600" cy="1371600"/>
-          </a:xfrm>
-          <a:prstGeom prst="rect">
-            <a:avLst/>
-          </a:prstGeom>
-          <a:noFill/>
-          <a:extLst>
-            <a:ext uri="{909E8E84-426E-40DD-AFC4-6F175D3DCCD1}">
-              <a14:hiddenFill xmlns:a14="http://schemas.microsoft.com/office/drawing/2010/main">
-                <a:solidFill>
-                  <a:srgbClr val="FFFFFF"/>
-                </a:solidFill>
-              </a14:hiddenFill>
-            </a:ext>
-          </a:extLst>
-        </p:spPr>
-      </p:pic>
-      <p:pic>
-        <p:nvPicPr>
-          <p:cNvPr id="6" name="Picture 5">
-            <a:extLst>
-              <a:ext uri="{FF2B5EF4-FFF2-40B4-BE49-F238E27FC236}">
-                <a16:creationId xmlns:a16="http://schemas.microsoft.com/office/drawing/2014/main" id="{9D040885-1938-F12C-7C6D-790591C31A1B}"/>
-              </a:ext>
-            </a:extLst>
-          </p:cNvPr>
-          <p:cNvPicPr>
-            <a:picLocks noChangeAspect="1"/>
-          </p:cNvPicPr>
-          <p:nvPr/>
-        </p:nvPicPr>
-        <p:blipFill>
-          <a:blip r:embed="rId4"/>
-          <a:stretch>
-            <a:fillRect/>
-          </a:stretch>
-        </p:blipFill>
-        <p:spPr>
-          <a:xfrm>
-            <a:off x="381000" y="3733800"/>
-            <a:ext cx="8983329" cy="476316"/>
-          </a:xfrm>
-          <a:prstGeom prst="rect">
-            <a:avLst/>
-          </a:prstGeom>
-        </p:spPr>
-      </p:pic>
-    </p:spTree>
-    <p:extLst>
-      <p:ext uri="{BB962C8B-B14F-4D97-AF65-F5344CB8AC3E}">
-        <p14:creationId xmlns:p14="http://schemas.microsoft.com/office/powerpoint/2010/main" val="184091451"/>
-      </p:ext>
-    </p:extLst>
-  </p:cSld>
-  <p:clrMapOvr>
-    <a:masterClrMapping/>
-  </p:clrMapOvr>
-</p:sld>
-</file>
-
-<file path=ppt/slides/slide21.xml><?xml version="1.0" encoding="utf-8"?>
-<p:sld xmlns:a="http://schemas.openxmlformats.org/drawingml/2006/main" xmlns:r="http://schemas.openxmlformats.org/officeDocument/2006/relationships" xmlns:p="http://schemas.openxmlformats.org/presentationml/2006/main">
-  <p:cSld>
-    <p:spTree>
-      <p:nvGrpSpPr>
-        <p:cNvPr id="1" name=""/>
-        <p:cNvGrpSpPr/>
-        <p:nvPr/>
-      </p:nvGrpSpPr>
-      <p:grpSpPr>
-        <a:xfrm>
-          <a:off x="0" y="0"/>
-          <a:ext cx="0" cy="0"/>
-          <a:chOff x="0" y="0"/>
-          <a:chExt cx="0" cy="0"/>
-        </a:xfrm>
-      </p:grpSpPr>
-      <p:sp>
-        <p:nvSpPr>
-          <p:cNvPr id="2" name="Title 1"/>
-          <p:cNvSpPr>
-            <a:spLocks noGrp="1"/>
-          </p:cNvSpPr>
-          <p:nvPr>
-            <p:ph type="title"/>
-          </p:nvPr>
-        </p:nvSpPr>
-        <p:spPr>
-          <a:xfrm>
-            <a:off x="609600" y="337392"/>
-            <a:ext cx="9601200" cy="624840"/>
-          </a:xfrm>
-        </p:spPr>
-        <p:txBody>
-          <a:bodyPr>
-            <a:normAutofit fontScale="90000"/>
-          </a:bodyPr>
-          <a:lstStyle/>
-          <a:p>
-            <a:r>
-              <a:rPr lang="en-US" dirty="0">
                 <a:cs typeface="Times New Roman" panose="02020603050405020304" pitchFamily="18" charset="0"/>
               </a:rPr>
               <a:t>Ggplot: a companion to the </a:t>
@@ -13582,7 +13246,7 @@
 </p:sld>
 </file>
 
-<file path=ppt/slides/slide22.xml><?xml version="1.0" encoding="utf-8"?>
+<file path=ppt/slides/slide21.xml><?xml version="1.0" encoding="utf-8"?>
 <p:sld xmlns:a="http://schemas.openxmlformats.org/drawingml/2006/main" xmlns:r="http://schemas.openxmlformats.org/officeDocument/2006/relationships" xmlns:p="http://schemas.openxmlformats.org/presentationml/2006/main">
   <p:cSld>
     <p:spTree>
@@ -13786,7 +13450,7 @@
 </p:sld>
 </file>
 
-<file path=ppt/slides/slide23.xml><?xml version="1.0" encoding="utf-8"?>
+<file path=ppt/slides/slide22.xml><?xml version="1.0" encoding="utf-8"?>
 <p:sld xmlns:a="http://schemas.openxmlformats.org/drawingml/2006/main" xmlns:r="http://schemas.openxmlformats.org/officeDocument/2006/relationships" xmlns:p="http://schemas.openxmlformats.org/presentationml/2006/main">
   <p:cSld>
     <p:spTree>
@@ -13972,6 +13636,210 @@
 </p:sld>
 </file>
 
+<file path=ppt/slides/slide23.xml><?xml version="1.0" encoding="utf-8"?>
+<p:sld xmlns:a="http://schemas.openxmlformats.org/drawingml/2006/main" xmlns:r="http://schemas.openxmlformats.org/officeDocument/2006/relationships" xmlns:p="http://schemas.openxmlformats.org/presentationml/2006/main">
+  <p:cSld>
+    <p:spTree>
+      <p:nvGrpSpPr>
+        <p:cNvPr id="1" name=""/>
+        <p:cNvGrpSpPr/>
+        <p:nvPr/>
+      </p:nvGrpSpPr>
+      <p:grpSpPr>
+        <a:xfrm>
+          <a:off x="0" y="0"/>
+          <a:ext cx="0" cy="0"/>
+          <a:chOff x="0" y="0"/>
+          <a:chExt cx="0" cy="0"/>
+        </a:xfrm>
+      </p:grpSpPr>
+      <p:sp>
+        <p:nvSpPr>
+          <p:cNvPr id="2" name="Title 1"/>
+          <p:cNvSpPr>
+            <a:spLocks noGrp="1"/>
+          </p:cNvSpPr>
+          <p:nvPr>
+            <p:ph type="title"/>
+          </p:nvPr>
+        </p:nvSpPr>
+        <p:spPr>
+          <a:xfrm>
+            <a:off x="609600" y="337392"/>
+            <a:ext cx="9601200" cy="624840"/>
+          </a:xfrm>
+        </p:spPr>
+        <p:txBody>
+          <a:bodyPr>
+            <a:normAutofit fontScale="90000"/>
+          </a:bodyPr>
+          <a:lstStyle/>
+          <a:p>
+            <a:r>
+              <a:rPr lang="en-US" dirty="0">
+                <a:latin typeface="Times New Roman" panose="02020603050405020304" pitchFamily="18" charset="0"/>
+                <a:cs typeface="Times New Roman" panose="02020603050405020304" pitchFamily="18" charset="0"/>
+              </a:rPr>
+              <a:t>Additional R Resources</a:t>
+            </a:r>
+          </a:p>
+        </p:txBody>
+      </p:sp>
+      <p:sp>
+        <p:nvSpPr>
+          <p:cNvPr id="3" name="Content Placeholder 2"/>
+          <p:cNvSpPr>
+            <a:spLocks noGrp="1"/>
+          </p:cNvSpPr>
+          <p:nvPr>
+            <p:ph idx="1"/>
+          </p:nvPr>
+        </p:nvSpPr>
+        <p:spPr>
+          <a:xfrm>
+            <a:off x="609600" y="1066801"/>
+            <a:ext cx="9130284" cy="5141388"/>
+          </a:xfrm>
+        </p:spPr>
+        <p:txBody>
+          <a:bodyPr>
+            <a:noAutofit/>
+          </a:bodyPr>
+          <a:lstStyle/>
+          <a:p>
+            <a:r>
+              <a:rPr lang="en-US" sz="2200" dirty="0">
+                <a:latin typeface="Times New Roman" panose="02020603050405020304" pitchFamily="18" charset="0"/>
+                <a:cs typeface="Times New Roman" panose="02020603050405020304" pitchFamily="18" charset="0"/>
+              </a:rPr>
+              <a:t>Appendix C in Motulsky:</a:t>
+            </a:r>
+          </a:p>
+          <a:p>
+            <a:r>
+              <a:rPr lang="en-US" sz="2200" dirty="0">
+                <a:cs typeface="Times New Roman" panose="02020603050405020304" pitchFamily="18" charset="0"/>
+              </a:rPr>
+              <a:t>R Markdown Cheat Sheet: </a:t>
+            </a:r>
+            <a:r>
+              <a:rPr lang="en-US" sz="2200" dirty="0">
+                <a:cs typeface="Times New Roman" panose="02020603050405020304" pitchFamily="18" charset="0"/>
+                <a:hlinkClick r:id="rId3"/>
+              </a:rPr>
+              <a:t>https://www.rstudio.com/wp-content/uploads/2015/02/rmarkdown-cheatsheet.pdf</a:t>
+            </a:r>
+            <a:endParaRPr lang="en-US" sz="2200" dirty="0">
+              <a:cs typeface="Times New Roman" panose="02020603050405020304" pitchFamily="18" charset="0"/>
+            </a:endParaRPr>
+          </a:p>
+          <a:p>
+            <a:r>
+              <a:rPr lang="en-US" sz="2200" dirty="0">
+                <a:latin typeface="Times New Roman" panose="02020603050405020304" pitchFamily="18" charset="0"/>
+                <a:cs typeface="Times New Roman" panose="02020603050405020304" pitchFamily="18" charset="0"/>
+              </a:rPr>
+              <a:t>Ggplot Cheat Sheet: </a:t>
+            </a:r>
+            <a:r>
+              <a:rPr lang="en-US" sz="2200" dirty="0">
+                <a:latin typeface="Times New Roman" panose="02020603050405020304" pitchFamily="18" charset="0"/>
+                <a:cs typeface="Times New Roman" panose="02020603050405020304" pitchFamily="18" charset="0"/>
+                <a:hlinkClick r:id="rId4"/>
+              </a:rPr>
+              <a:t>https://www.maths.usyd.edu.au/u/UG/SM/STAT3022/r/current/Misc/data-visualization-2.1.pdf</a:t>
+            </a:r>
+            <a:endParaRPr lang="en-US" sz="2200" dirty="0">
+              <a:latin typeface="Times New Roman" panose="02020603050405020304" pitchFamily="18" charset="0"/>
+              <a:cs typeface="Times New Roman" panose="02020603050405020304" pitchFamily="18" charset="0"/>
+            </a:endParaRPr>
+          </a:p>
+          <a:p>
+            <a:r>
+              <a:rPr lang="en-US" sz="2200" dirty="0">
+                <a:cs typeface="Times New Roman" panose="02020603050405020304" pitchFamily="18" charset="0"/>
+              </a:rPr>
+              <a:t>Great book on data visualization: “</a:t>
+            </a:r>
+            <a:r>
+              <a:rPr lang="en-US" sz="2200" dirty="0">
+                <a:cs typeface="Times New Roman" panose="02020603050405020304" pitchFamily="18" charset="0"/>
+                <a:hlinkClick r:id="rId5"/>
+              </a:rPr>
+              <a:t>Data Visualization: A Practical Introduction</a:t>
+            </a:r>
+            <a:r>
+              <a:rPr lang="en-US" sz="2200" dirty="0">
+                <a:cs typeface="Times New Roman" panose="02020603050405020304" pitchFamily="18" charset="0"/>
+              </a:rPr>
+              <a:t>”</a:t>
+            </a:r>
+          </a:p>
+          <a:p>
+            <a:r>
+              <a:rPr lang="en-US" sz="2200" b="1" dirty="0">
+                <a:latin typeface="Times New Roman" panose="02020603050405020304" pitchFamily="18" charset="0"/>
+                <a:cs typeface="Times New Roman" panose="02020603050405020304" pitchFamily="18" charset="0"/>
+              </a:rPr>
+              <a:t>Library of Statistical Techniques </a:t>
+            </a:r>
+            <a:r>
+              <a:rPr lang="en-US" sz="2200" dirty="0">
+                <a:latin typeface="Times New Roman" panose="02020603050405020304" pitchFamily="18" charset="0"/>
+                <a:cs typeface="Times New Roman" panose="02020603050405020304" pitchFamily="18" charset="0"/>
+              </a:rPr>
+              <a:t>(</a:t>
+            </a:r>
+            <a:r>
+              <a:rPr lang="en-US" sz="2200" dirty="0">
+                <a:latin typeface="Times New Roman" panose="02020603050405020304" pitchFamily="18" charset="0"/>
+                <a:cs typeface="Times New Roman" panose="02020603050405020304" pitchFamily="18" charset="0"/>
+                <a:hlinkClick r:id="rId6"/>
+              </a:rPr>
+              <a:t>LOST</a:t>
+            </a:r>
+            <a:r>
+              <a:rPr lang="en-US" sz="2200" dirty="0">
+                <a:latin typeface="Times New Roman" panose="02020603050405020304" pitchFamily="18" charset="0"/>
+                <a:cs typeface="Times New Roman" panose="02020603050405020304" pitchFamily="18" charset="0"/>
+              </a:rPr>
+              <a:t>)</a:t>
+            </a:r>
+            <a:endParaRPr lang="en-US" sz="2200" b="1" dirty="0">
+              <a:latin typeface="Times New Roman" panose="02020603050405020304" pitchFamily="18" charset="0"/>
+              <a:cs typeface="Times New Roman" panose="02020603050405020304" pitchFamily="18" charset="0"/>
+            </a:endParaRPr>
+          </a:p>
+          <a:p>
+            <a:r>
+              <a:rPr lang="en-US" sz="2200" dirty="0">
+                <a:cs typeface="Times New Roman" panose="02020603050405020304" pitchFamily="18" charset="0"/>
+              </a:rPr>
+              <a:t>Google! Lots and lots of Google! (Stack Overflow)</a:t>
+            </a:r>
+            <a:r>
+              <a:rPr lang="en-US" sz="2200" dirty="0">
+                <a:latin typeface="Times New Roman" panose="02020603050405020304" pitchFamily="18" charset="0"/>
+                <a:cs typeface="Times New Roman" panose="02020603050405020304" pitchFamily="18" charset="0"/>
+              </a:rPr>
+              <a:t> </a:t>
+            </a:r>
+          </a:p>
+        </p:txBody>
+      </p:sp>
+    </p:spTree>
+    <p:extLst>
+      <p:ext uri="{BB962C8B-B14F-4D97-AF65-F5344CB8AC3E}">
+        <p14:creationId xmlns:p14="http://schemas.microsoft.com/office/powerpoint/2010/main" val="1179304942"/>
+      </p:ext>
+    </p:extLst>
+  </p:cSld>
+  <p:clrMapOvr>
+    <a:masterClrMapping/>
+  </p:clrMapOvr>
+</p:sld>
+</file>
+
 <file path=ppt/slides/slide24.xml><?xml version="1.0" encoding="utf-8"?>
 <p:sld xmlns:a="http://schemas.openxmlformats.org/drawingml/2006/main" xmlns:r="http://schemas.openxmlformats.org/officeDocument/2006/relationships" xmlns:p="http://schemas.openxmlformats.org/presentationml/2006/main">
   <p:cSld>
@@ -13991,210 +13859,6 @@
       </p:grpSpPr>
       <p:sp>
         <p:nvSpPr>
-          <p:cNvPr id="2" name="Title 1"/>
-          <p:cNvSpPr>
-            <a:spLocks noGrp="1"/>
-          </p:cNvSpPr>
-          <p:nvPr>
-            <p:ph type="title"/>
-          </p:nvPr>
-        </p:nvSpPr>
-        <p:spPr>
-          <a:xfrm>
-            <a:off x="609600" y="337392"/>
-            <a:ext cx="9601200" cy="624840"/>
-          </a:xfrm>
-        </p:spPr>
-        <p:txBody>
-          <a:bodyPr>
-            <a:normAutofit fontScale="90000"/>
-          </a:bodyPr>
-          <a:lstStyle/>
-          <a:p>
-            <a:r>
-              <a:rPr lang="en-US" dirty="0">
-                <a:latin typeface="Times New Roman" panose="02020603050405020304" pitchFamily="18" charset="0"/>
-                <a:cs typeface="Times New Roman" panose="02020603050405020304" pitchFamily="18" charset="0"/>
-              </a:rPr>
-              <a:t>Additional R Resources</a:t>
-            </a:r>
-          </a:p>
-        </p:txBody>
-      </p:sp>
-      <p:sp>
-        <p:nvSpPr>
-          <p:cNvPr id="3" name="Content Placeholder 2"/>
-          <p:cNvSpPr>
-            <a:spLocks noGrp="1"/>
-          </p:cNvSpPr>
-          <p:nvPr>
-            <p:ph idx="1"/>
-          </p:nvPr>
-        </p:nvSpPr>
-        <p:spPr>
-          <a:xfrm>
-            <a:off x="609600" y="1066801"/>
-            <a:ext cx="9130284" cy="5141388"/>
-          </a:xfrm>
-        </p:spPr>
-        <p:txBody>
-          <a:bodyPr>
-            <a:noAutofit/>
-          </a:bodyPr>
-          <a:lstStyle/>
-          <a:p>
-            <a:r>
-              <a:rPr lang="en-US" sz="2200" dirty="0">
-                <a:latin typeface="Times New Roman" panose="02020603050405020304" pitchFamily="18" charset="0"/>
-                <a:cs typeface="Times New Roman" panose="02020603050405020304" pitchFamily="18" charset="0"/>
-              </a:rPr>
-              <a:t>Appendix C in Motulsky:</a:t>
-            </a:r>
-          </a:p>
-          <a:p>
-            <a:r>
-              <a:rPr lang="en-US" sz="2200" dirty="0">
-                <a:cs typeface="Times New Roman" panose="02020603050405020304" pitchFamily="18" charset="0"/>
-              </a:rPr>
-              <a:t>R Markdown Cheat Sheet: </a:t>
-            </a:r>
-            <a:r>
-              <a:rPr lang="en-US" sz="2200" dirty="0">
-                <a:cs typeface="Times New Roman" panose="02020603050405020304" pitchFamily="18" charset="0"/>
-                <a:hlinkClick r:id="rId3"/>
-              </a:rPr>
-              <a:t>https://www.rstudio.com/wp-content/uploads/2015/02/rmarkdown-cheatsheet.pdf</a:t>
-            </a:r>
-            <a:endParaRPr lang="en-US" sz="2200" dirty="0">
-              <a:cs typeface="Times New Roman" panose="02020603050405020304" pitchFamily="18" charset="0"/>
-            </a:endParaRPr>
-          </a:p>
-          <a:p>
-            <a:r>
-              <a:rPr lang="en-US" sz="2200" dirty="0">
-                <a:latin typeface="Times New Roman" panose="02020603050405020304" pitchFamily="18" charset="0"/>
-                <a:cs typeface="Times New Roman" panose="02020603050405020304" pitchFamily="18" charset="0"/>
-              </a:rPr>
-              <a:t>Ggplot Cheat Sheet: </a:t>
-            </a:r>
-            <a:r>
-              <a:rPr lang="en-US" sz="2200" dirty="0">
-                <a:latin typeface="Times New Roman" panose="02020603050405020304" pitchFamily="18" charset="0"/>
-                <a:cs typeface="Times New Roman" panose="02020603050405020304" pitchFamily="18" charset="0"/>
-                <a:hlinkClick r:id="rId4"/>
-              </a:rPr>
-              <a:t>https://www.maths.usyd.edu.au/u/UG/SM/STAT3022/r/current/Misc/data-visualization-2.1.pdf</a:t>
-            </a:r>
-            <a:endParaRPr lang="en-US" sz="2200" dirty="0">
-              <a:latin typeface="Times New Roman" panose="02020603050405020304" pitchFamily="18" charset="0"/>
-              <a:cs typeface="Times New Roman" panose="02020603050405020304" pitchFamily="18" charset="0"/>
-            </a:endParaRPr>
-          </a:p>
-          <a:p>
-            <a:r>
-              <a:rPr lang="en-US" sz="2200" dirty="0">
-                <a:cs typeface="Times New Roman" panose="02020603050405020304" pitchFamily="18" charset="0"/>
-              </a:rPr>
-              <a:t>Great book on data visualization: “</a:t>
-            </a:r>
-            <a:r>
-              <a:rPr lang="en-US" sz="2200" dirty="0">
-                <a:cs typeface="Times New Roman" panose="02020603050405020304" pitchFamily="18" charset="0"/>
-                <a:hlinkClick r:id="rId5"/>
-              </a:rPr>
-              <a:t>Data Visualization: A Practical Introduction</a:t>
-            </a:r>
-            <a:r>
-              <a:rPr lang="en-US" sz="2200" dirty="0">
-                <a:cs typeface="Times New Roman" panose="02020603050405020304" pitchFamily="18" charset="0"/>
-              </a:rPr>
-              <a:t>”</a:t>
-            </a:r>
-          </a:p>
-          <a:p>
-            <a:r>
-              <a:rPr lang="en-US" sz="2200" b="1" dirty="0">
-                <a:latin typeface="Times New Roman" panose="02020603050405020304" pitchFamily="18" charset="0"/>
-                <a:cs typeface="Times New Roman" panose="02020603050405020304" pitchFamily="18" charset="0"/>
-              </a:rPr>
-              <a:t>Library of Statistical Techniques </a:t>
-            </a:r>
-            <a:r>
-              <a:rPr lang="en-US" sz="2200" dirty="0">
-                <a:latin typeface="Times New Roman" panose="02020603050405020304" pitchFamily="18" charset="0"/>
-                <a:cs typeface="Times New Roman" panose="02020603050405020304" pitchFamily="18" charset="0"/>
-              </a:rPr>
-              <a:t>(</a:t>
-            </a:r>
-            <a:r>
-              <a:rPr lang="en-US" sz="2200" dirty="0">
-                <a:latin typeface="Times New Roman" panose="02020603050405020304" pitchFamily="18" charset="0"/>
-                <a:cs typeface="Times New Roman" panose="02020603050405020304" pitchFamily="18" charset="0"/>
-                <a:hlinkClick r:id="rId6"/>
-              </a:rPr>
-              <a:t>LOST</a:t>
-            </a:r>
-            <a:r>
-              <a:rPr lang="en-US" sz="2200" dirty="0">
-                <a:latin typeface="Times New Roman" panose="02020603050405020304" pitchFamily="18" charset="0"/>
-                <a:cs typeface="Times New Roman" panose="02020603050405020304" pitchFamily="18" charset="0"/>
-              </a:rPr>
-              <a:t>)</a:t>
-            </a:r>
-            <a:endParaRPr lang="en-US" sz="2200" b="1" dirty="0">
-              <a:latin typeface="Times New Roman" panose="02020603050405020304" pitchFamily="18" charset="0"/>
-              <a:cs typeface="Times New Roman" panose="02020603050405020304" pitchFamily="18" charset="0"/>
-            </a:endParaRPr>
-          </a:p>
-          <a:p>
-            <a:r>
-              <a:rPr lang="en-US" sz="2200" dirty="0">
-                <a:cs typeface="Times New Roman" panose="02020603050405020304" pitchFamily="18" charset="0"/>
-              </a:rPr>
-              <a:t>Google! Lots and lots of Google! (Stack Overflow)</a:t>
-            </a:r>
-            <a:r>
-              <a:rPr lang="en-US" sz="2200" dirty="0">
-                <a:latin typeface="Times New Roman" panose="02020603050405020304" pitchFamily="18" charset="0"/>
-                <a:cs typeface="Times New Roman" panose="02020603050405020304" pitchFamily="18" charset="0"/>
-              </a:rPr>
-              <a:t> </a:t>
-            </a:r>
-          </a:p>
-        </p:txBody>
-      </p:sp>
-    </p:spTree>
-    <p:extLst>
-      <p:ext uri="{BB962C8B-B14F-4D97-AF65-F5344CB8AC3E}">
-        <p14:creationId xmlns:p14="http://schemas.microsoft.com/office/powerpoint/2010/main" val="1179304942"/>
-      </p:ext>
-    </p:extLst>
-  </p:cSld>
-  <p:clrMapOvr>
-    <a:masterClrMapping/>
-  </p:clrMapOvr>
-</p:sld>
-</file>
-
-<file path=ppt/slides/slide25.xml><?xml version="1.0" encoding="utf-8"?>
-<p:sld xmlns:a="http://schemas.openxmlformats.org/drawingml/2006/main" xmlns:r="http://schemas.openxmlformats.org/officeDocument/2006/relationships" xmlns:p="http://schemas.openxmlformats.org/presentationml/2006/main">
-  <p:cSld>
-    <p:spTree>
-      <p:nvGrpSpPr>
-        <p:cNvPr id="1" name=""/>
-        <p:cNvGrpSpPr/>
-        <p:nvPr/>
-      </p:nvGrpSpPr>
-      <p:grpSpPr>
-        <a:xfrm>
-          <a:off x="0" y="0"/>
-          <a:ext cx="0" cy="0"/>
-          <a:chOff x="0" y="0"/>
-          <a:chExt cx="0" cy="0"/>
-        </a:xfrm>
-      </p:grpSpPr>
-      <p:sp>
-        <p:nvSpPr>
           <p:cNvPr id="2" name="Title 1">
             <a:extLst>
               <a:ext uri="{FF2B5EF4-FFF2-40B4-BE49-F238E27FC236}">
@@ -14266,7 +13930,7 @@
 </p:sld>
 </file>
 
-<file path=ppt/slides/slide26.xml><?xml version="1.0" encoding="utf-8"?>
+<file path=ppt/slides/slide25.xml><?xml version="1.0" encoding="utf-8"?>
 <p:sld xmlns:a="http://schemas.openxmlformats.org/drawingml/2006/main" xmlns:r="http://schemas.openxmlformats.org/officeDocument/2006/relationships" xmlns:p="http://schemas.openxmlformats.org/presentationml/2006/main">
   <p:cSld>
     <p:spTree>
@@ -14422,7 +14086,7 @@
 </p:sld>
 </file>
 
-<file path=ppt/slides/slide27.xml><?xml version="1.0" encoding="utf-8"?>
+<file path=ppt/slides/slide26.xml><?xml version="1.0" encoding="utf-8"?>
 <p:sld xmlns:a="http://schemas.openxmlformats.org/drawingml/2006/main" xmlns:r="http://schemas.openxmlformats.org/officeDocument/2006/relationships" xmlns:p="http://schemas.openxmlformats.org/presentationml/2006/main">
   <p:cSld>
     <p:spTree>
@@ -14556,7 +14220,7 @@
 </p:sld>
 </file>
 
-<file path=ppt/slides/slide28.xml><?xml version="1.0" encoding="utf-8"?>
+<file path=ppt/slides/slide27.xml><?xml version="1.0" encoding="utf-8"?>
 <p:sld xmlns:a="http://schemas.openxmlformats.org/drawingml/2006/main" xmlns:r="http://schemas.openxmlformats.org/officeDocument/2006/relationships" xmlns:p="http://schemas.openxmlformats.org/presentationml/2006/main">
   <p:cSld>
     <p:spTree>
@@ -14714,7 +14378,7 @@
 </p:sld>
 </file>
 
-<file path=ppt/slides/slide29.xml><?xml version="1.0" encoding="utf-8"?>
+<file path=ppt/slides/slide28.xml><?xml version="1.0" encoding="utf-8"?>
 <p:sld xmlns:a="http://schemas.openxmlformats.org/drawingml/2006/main" xmlns:r="http://schemas.openxmlformats.org/officeDocument/2006/relationships" xmlns:p="http://schemas.openxmlformats.org/presentationml/2006/main">
   <p:cSld>
     <p:spTree>
@@ -14872,67 +14536,7 @@
 </p:sld>
 </file>
 
-<file path=ppt/slides/slide3.xml><?xml version="1.0" encoding="utf-8"?>
-<p:sld xmlns:a="http://schemas.openxmlformats.org/drawingml/2006/main" xmlns:r="http://schemas.openxmlformats.org/officeDocument/2006/relationships" xmlns:p="http://schemas.openxmlformats.org/presentationml/2006/main">
-  <p:cSld>
-    <p:spTree>
-      <p:nvGrpSpPr>
-        <p:cNvPr id="1" name=""/>
-        <p:cNvGrpSpPr/>
-        <p:nvPr/>
-      </p:nvGrpSpPr>
-      <p:grpSpPr>
-        <a:xfrm>
-          <a:off x="0" y="0"/>
-          <a:ext cx="0" cy="0"/>
-          <a:chOff x="0" y="0"/>
-          <a:chExt cx="0" cy="0"/>
-        </a:xfrm>
-      </p:grpSpPr>
-      <p:sp>
-        <p:nvSpPr>
-          <p:cNvPr id="2" name="Title 1"/>
-          <p:cNvSpPr>
-            <a:spLocks noGrp="1"/>
-          </p:cNvSpPr>
-          <p:nvPr>
-            <p:ph type="title"/>
-          </p:nvPr>
-        </p:nvSpPr>
-        <p:spPr>
-          <a:xfrm>
-            <a:off x="609600" y="337392"/>
-            <a:ext cx="9601200" cy="624840"/>
-          </a:xfrm>
-        </p:spPr>
-        <p:txBody>
-          <a:bodyPr>
-            <a:normAutofit fontScale="90000"/>
-          </a:bodyPr>
-          <a:lstStyle/>
-          <a:p>
-            <a:r>
-              <a:rPr lang="en-US" dirty="0">
-                <a:cs typeface="Times New Roman" panose="02020603050405020304" pitchFamily="18" charset="0"/>
-              </a:rPr>
-              <a:t>But first: case study</a:t>
-            </a:r>
-            <a:endParaRPr lang="en-US" dirty="0">
-              <a:latin typeface="Times New Roman" panose="02020603050405020304" pitchFamily="18" charset="0"/>
-              <a:cs typeface="Times New Roman" panose="02020603050405020304" pitchFamily="18" charset="0"/>
-            </a:endParaRPr>
-          </a:p>
-        </p:txBody>
-      </p:sp>
-    </p:spTree>
-  </p:cSld>
-  <p:clrMapOvr>
-    <a:masterClrMapping/>
-  </p:clrMapOvr>
-</p:sld>
-</file>
-
-<file path=ppt/slides/slide30.xml><?xml version="1.0" encoding="utf-8"?>
+<file path=ppt/slides/slide29.xml><?xml version="1.0" encoding="utf-8"?>
 <p:sld xmlns:a="http://schemas.openxmlformats.org/drawingml/2006/main" xmlns:r="http://schemas.openxmlformats.org/officeDocument/2006/relationships" xmlns:p="http://schemas.openxmlformats.org/presentationml/2006/main">
   <p:cSld>
     <p:spTree>
@@ -15132,6 +14736,293 @@
 </p:sld>
 </file>
 
+<file path=ppt/slides/slide3.xml><?xml version="1.0" encoding="utf-8"?>
+<p:sld xmlns:a="http://schemas.openxmlformats.org/drawingml/2006/main" xmlns:r="http://schemas.openxmlformats.org/officeDocument/2006/relationships" xmlns:p="http://schemas.openxmlformats.org/presentationml/2006/main">
+  <p:cSld>
+    <p:spTree>
+      <p:nvGrpSpPr>
+        <p:cNvPr id="1" name=""/>
+        <p:cNvGrpSpPr/>
+        <p:nvPr/>
+      </p:nvGrpSpPr>
+      <p:grpSpPr>
+        <a:xfrm>
+          <a:off x="0" y="0"/>
+          <a:ext cx="0" cy="0"/>
+          <a:chOff x="0" y="0"/>
+          <a:chExt cx="0" cy="0"/>
+        </a:xfrm>
+      </p:grpSpPr>
+      <p:sp>
+        <p:nvSpPr>
+          <p:cNvPr id="2" name="Title 1">
+            <a:extLst>
+              <a:ext uri="{FF2B5EF4-FFF2-40B4-BE49-F238E27FC236}">
+                <a16:creationId xmlns:a16="http://schemas.microsoft.com/office/drawing/2014/main" id="{F6693EDF-660D-4391-A114-A6C54268E445}"/>
+              </a:ext>
+            </a:extLst>
+          </p:cNvPr>
+          <p:cNvSpPr>
+            <a:spLocks noGrp="1"/>
+          </p:cNvSpPr>
+          <p:nvPr>
+            <p:ph type="ctrTitle"/>
+          </p:nvPr>
+        </p:nvSpPr>
+        <p:spPr>
+          <a:xfrm>
+            <a:off x="1261872" y="758952"/>
+            <a:ext cx="10549128" cy="4041648"/>
+          </a:xfrm>
+        </p:spPr>
+        <p:txBody>
+          <a:bodyPr/>
+          <a:lstStyle/>
+          <a:p>
+            <a:r>
+              <a:rPr lang="en-US" dirty="0"/>
+              <a:t>Programming in R</a:t>
+            </a:r>
+          </a:p>
+        </p:txBody>
+      </p:sp>
+      <p:sp>
+        <p:nvSpPr>
+          <p:cNvPr id="3" name="Subtitle 2">
+            <a:extLst>
+              <a:ext uri="{FF2B5EF4-FFF2-40B4-BE49-F238E27FC236}">
+                <a16:creationId xmlns:a16="http://schemas.microsoft.com/office/drawing/2014/main" id="{9A7FADE3-4D7C-4B3A-B023-71CD85AECCCB}"/>
+              </a:ext>
+            </a:extLst>
+          </p:cNvPr>
+          <p:cNvSpPr>
+            <a:spLocks noGrp="1"/>
+          </p:cNvSpPr>
+          <p:nvPr>
+            <p:ph type="subTitle" idx="1"/>
+          </p:nvPr>
+        </p:nvSpPr>
+        <p:spPr/>
+        <p:txBody>
+          <a:bodyPr>
+            <a:normAutofit/>
+          </a:bodyPr>
+          <a:lstStyle/>
+          <a:p>
+            <a:endParaRPr lang="en-US" sz="4400" dirty="0"/>
+          </a:p>
+        </p:txBody>
+      </p:sp>
+    </p:spTree>
+    <p:extLst>
+      <p:ext uri="{BB962C8B-B14F-4D97-AF65-F5344CB8AC3E}">
+        <p14:creationId xmlns:p14="http://schemas.microsoft.com/office/powerpoint/2010/main" val="2953910715"/>
+      </p:ext>
+    </p:extLst>
+  </p:cSld>
+  <p:clrMapOvr>
+    <a:masterClrMapping/>
+  </p:clrMapOvr>
+</p:sld>
+</file>
+
+<file path=ppt/slides/slide30.xml><?xml version="1.0" encoding="utf-8"?>
+<p:sld xmlns:a="http://schemas.openxmlformats.org/drawingml/2006/main" xmlns:r="http://schemas.openxmlformats.org/officeDocument/2006/relationships" xmlns:p="http://schemas.openxmlformats.org/presentationml/2006/main">
+  <p:cSld>
+    <p:spTree>
+      <p:nvGrpSpPr>
+        <p:cNvPr id="1" name=""/>
+        <p:cNvGrpSpPr/>
+        <p:nvPr/>
+      </p:nvGrpSpPr>
+      <p:grpSpPr>
+        <a:xfrm>
+          <a:off x="0" y="0"/>
+          <a:ext cx="0" cy="0"/>
+          <a:chOff x="0" y="0"/>
+          <a:chExt cx="0" cy="0"/>
+        </a:xfrm>
+      </p:grpSpPr>
+      <p:sp>
+        <p:nvSpPr>
+          <p:cNvPr id="2" name="Title 1"/>
+          <p:cNvSpPr>
+            <a:spLocks noGrp="1"/>
+          </p:cNvSpPr>
+          <p:nvPr>
+            <p:ph type="title"/>
+          </p:nvPr>
+        </p:nvSpPr>
+        <p:spPr>
+          <a:xfrm>
+            <a:off x="609600" y="337392"/>
+            <a:ext cx="10439400" cy="624840"/>
+          </a:xfrm>
+        </p:spPr>
+        <p:txBody>
+          <a:bodyPr>
+            <a:noAutofit/>
+          </a:bodyPr>
+          <a:lstStyle/>
+          <a:p>
+            <a:r>
+              <a:rPr lang="en-US" sz="3600" dirty="0">
+                <a:cs typeface="Times New Roman" panose="02020603050405020304" pitchFamily="18" charset="0"/>
+              </a:rPr>
+              <a:t>Descriptive Statistics are Your Friend!</a:t>
+            </a:r>
+            <a:endParaRPr lang="en-US" sz="3600" dirty="0">
+              <a:latin typeface="Times New Roman" panose="02020603050405020304" pitchFamily="18" charset="0"/>
+              <a:cs typeface="Times New Roman" panose="02020603050405020304" pitchFamily="18" charset="0"/>
+            </a:endParaRPr>
+          </a:p>
+        </p:txBody>
+      </p:sp>
+      <p:sp>
+        <p:nvSpPr>
+          <p:cNvPr id="3" name="Content Placeholder 2"/>
+          <p:cNvSpPr>
+            <a:spLocks noGrp="1"/>
+          </p:cNvSpPr>
+          <p:nvPr>
+            <p:ph idx="1"/>
+          </p:nvPr>
+        </p:nvSpPr>
+        <p:spPr>
+          <a:xfrm>
+            <a:off x="1219199" y="1066801"/>
+            <a:ext cx="9829801" cy="5141388"/>
+          </a:xfrm>
+        </p:spPr>
+        <p:txBody>
+          <a:bodyPr>
+            <a:noAutofit/>
+          </a:bodyPr>
+          <a:lstStyle/>
+          <a:p>
+            <a:pPr marL="457200" indent="-457200">
+              <a:buAutoNum type="arabicPeriod"/>
+            </a:pPr>
+            <a:r>
+              <a:rPr lang="en-US" sz="2400" dirty="0">
+                <a:cs typeface="Times New Roman" panose="02020603050405020304" pitchFamily="18" charset="0"/>
+              </a:rPr>
+              <a:t>Tell us something about the “story” you have in mind</a:t>
+            </a:r>
+          </a:p>
+          <a:p>
+            <a:pPr marL="457200" indent="-457200">
+              <a:buFont typeface="+mj-lt"/>
+              <a:buAutoNum type="arabicPeriod"/>
+            </a:pPr>
+            <a:r>
+              <a:rPr lang="en-US" sz="2400" dirty="0">
+                <a:cs typeface="Times New Roman" panose="02020603050405020304" pitchFamily="18" charset="0"/>
+              </a:rPr>
+              <a:t>You can argue the </a:t>
+            </a:r>
+            <a:r>
+              <a:rPr lang="en-US" sz="2400" b="1" dirty="0">
+                <a:cs typeface="Times New Roman" panose="02020603050405020304" pitchFamily="18" charset="0"/>
+              </a:rPr>
+              <a:t>variation </a:t>
+            </a:r>
+            <a:r>
+              <a:rPr lang="en-US" sz="2400" dirty="0">
+                <a:cs typeface="Times New Roman" panose="02020603050405020304" pitchFamily="18" charset="0"/>
+              </a:rPr>
+              <a:t>you’re exploiting in fact exists!</a:t>
+            </a:r>
+          </a:p>
+          <a:p>
+            <a:pPr marL="457200" indent="-457200">
+              <a:buFont typeface="+mj-lt"/>
+              <a:buAutoNum type="arabicPeriod"/>
+            </a:pPr>
+            <a:r>
+              <a:rPr lang="en-US" sz="2400" dirty="0">
+                <a:cs typeface="Times New Roman" panose="02020603050405020304" pitchFamily="18" charset="0"/>
+              </a:rPr>
+              <a:t>Informs and motivates your model </a:t>
+            </a:r>
+          </a:p>
+          <a:p>
+            <a:pPr marL="457200" indent="-457200">
+              <a:buFont typeface="+mj-lt"/>
+              <a:buAutoNum type="arabicPeriod"/>
+            </a:pPr>
+            <a:r>
+              <a:rPr lang="en-US" sz="2400" dirty="0">
+                <a:cs typeface="Times New Roman" panose="02020603050405020304" pitchFamily="18" charset="0"/>
+              </a:rPr>
+              <a:t>Don’t forget to say something about whom your sample is representative</a:t>
+            </a:r>
+          </a:p>
+          <a:p>
+            <a:pPr lvl="1"/>
+            <a:r>
+              <a:rPr lang="en-US" sz="2200" dirty="0">
+                <a:cs typeface="Times New Roman" panose="02020603050405020304" pitchFamily="18" charset="0"/>
+              </a:rPr>
+              <a:t>Medicare Part D enrollees</a:t>
+            </a:r>
+          </a:p>
+          <a:p>
+            <a:pPr lvl="1"/>
+            <a:r>
+              <a:rPr lang="en-US" sz="2200" dirty="0">
+                <a:cs typeface="Times New Roman" panose="02020603050405020304" pitchFamily="18" charset="0"/>
+              </a:rPr>
+              <a:t>Subject to the donut hole</a:t>
+            </a:r>
+          </a:p>
+          <a:p>
+            <a:pPr lvl="1"/>
+            <a:r>
+              <a:rPr lang="en-US" sz="2200" i="1" dirty="0">
+                <a:cs typeface="Times New Roman" panose="02020603050405020304" pitchFamily="18" charset="0"/>
+              </a:rPr>
+              <a:t>Close to the kink point </a:t>
+            </a:r>
+            <a:r>
+              <a:rPr lang="en-US" sz="2200" dirty="0">
+                <a:cs typeface="Times New Roman" panose="02020603050405020304" pitchFamily="18" charset="0"/>
+              </a:rPr>
+              <a:t>(since they are using a bunching strategy)</a:t>
+            </a:r>
+          </a:p>
+          <a:p>
+            <a:pPr lvl="1"/>
+            <a:r>
+              <a:rPr lang="en-US" sz="2200" b="1" dirty="0">
+                <a:solidFill>
+                  <a:schemeClr val="accent3">
+                    <a:lumMod val="75000"/>
+                  </a:schemeClr>
+                </a:solidFill>
+                <a:cs typeface="Times New Roman" panose="02020603050405020304" pitchFamily="18" charset="0"/>
+              </a:rPr>
+              <a:t>How does/doesn’t this generalize?</a:t>
+            </a:r>
+            <a:endParaRPr lang="en-US" sz="2400" dirty="0">
+              <a:cs typeface="Times New Roman" panose="02020603050405020304" pitchFamily="18" charset="0"/>
+            </a:endParaRPr>
+          </a:p>
+        </p:txBody>
+      </p:sp>
+    </p:spTree>
+    <p:extLst>
+      <p:ext uri="{BB962C8B-B14F-4D97-AF65-F5344CB8AC3E}">
+        <p14:creationId xmlns:p14="http://schemas.microsoft.com/office/powerpoint/2010/main" val="3709033057"/>
+      </p:ext>
+    </p:extLst>
+  </p:cSld>
+  <p:clrMapOvr>
+    <a:masterClrMapping/>
+  </p:clrMapOvr>
+</p:sld>
+</file>
+
 <file path=ppt/slides/slide31.xml><?xml version="1.0" encoding="utf-8"?>
 <p:sld xmlns:a="http://schemas.openxmlformats.org/drawingml/2006/main" xmlns:r="http://schemas.openxmlformats.org/officeDocument/2006/relationships" xmlns:p="http://schemas.openxmlformats.org/presentationml/2006/main">
   <p:cSld>
@@ -15162,7 +15053,39 @@
         <p:spPr>
           <a:xfrm>
             <a:off x="609600" y="337392"/>
-            <a:ext cx="10439400" cy="624840"/>
+            <a:ext cx="9601200" cy="624840"/>
+          </a:xfrm>
+        </p:spPr>
+        <p:txBody>
+          <a:bodyPr>
+            <a:normAutofit fontScale="90000"/>
+          </a:bodyPr>
+          <a:lstStyle/>
+          <a:p>
+            <a:r>
+              <a:rPr lang="en-US" dirty="0">
+                <a:latin typeface="Times New Roman" panose="02020603050405020304" pitchFamily="18" charset="0"/>
+                <a:cs typeface="Times New Roman" panose="02020603050405020304" pitchFamily="18" charset="0"/>
+              </a:rPr>
+              <a:t>Data Types</a:t>
+            </a:r>
+          </a:p>
+        </p:txBody>
+      </p:sp>
+      <p:sp>
+        <p:nvSpPr>
+          <p:cNvPr id="3" name="Content Placeholder 2"/>
+          <p:cNvSpPr>
+            <a:spLocks noGrp="1"/>
+          </p:cNvSpPr>
+          <p:nvPr>
+            <p:ph idx="1"/>
+          </p:nvPr>
+        </p:nvSpPr>
+        <p:spPr>
+          <a:xfrm>
+            <a:off x="609600" y="1066801"/>
+            <a:ext cx="10210800" cy="5141388"/>
           </a:xfrm>
         </p:spPr>
         <p:txBody>
@@ -15171,155 +15094,53 @@
           </a:bodyPr>
           <a:lstStyle/>
           <a:p>
-            <a:r>
-              <a:rPr lang="en-US" sz="3600" dirty="0">
-                <a:cs typeface="Times New Roman" panose="02020603050405020304" pitchFamily="18" charset="0"/>
-              </a:rPr>
-              <a:t>Descriptive Statistics are Your Friend!</a:t>
-            </a:r>
-            <a:endParaRPr lang="en-US" sz="3600" dirty="0">
+            <a:pPr marL="457200" indent="-457200">
+              <a:buAutoNum type="arabicPeriod"/>
+            </a:pPr>
+            <a:r>
+              <a:rPr lang="en-US" sz="2200" b="1" dirty="0">
+                <a:latin typeface="Times New Roman" panose="02020603050405020304" pitchFamily="18" charset="0"/>
+                <a:cs typeface="Times New Roman" panose="02020603050405020304" pitchFamily="18" charset="0"/>
+              </a:rPr>
+              <a:t>Continuous Variables</a:t>
+            </a:r>
+            <a:r>
+              <a:rPr lang="en-US" sz="2200" dirty="0">
+                <a:latin typeface="Times New Roman" panose="02020603050405020304" pitchFamily="18" charset="0"/>
+                <a:cs typeface="Times New Roman" panose="02020603050405020304" pitchFamily="18" charset="0"/>
+              </a:rPr>
+              <a:t>: measured on the “real line” rather than integers</a:t>
+            </a:r>
+          </a:p>
+          <a:p>
+            <a:pPr lvl="1"/>
+            <a:r>
+              <a:rPr lang="en-US" sz="2200" dirty="0">
+                <a:latin typeface="Times New Roman" panose="02020603050405020304" pitchFamily="18" charset="0"/>
+                <a:cs typeface="Times New Roman" panose="02020603050405020304" pitchFamily="18" charset="0"/>
+              </a:rPr>
+              <a:t>Examples: income, weight, blood pressure, etc. </a:t>
+            </a:r>
+          </a:p>
+          <a:p>
+            <a:pPr lvl="1"/>
+            <a:r>
+              <a:rPr lang="en-US" sz="2200" dirty="0">
+                <a:cs typeface="Times New Roman" panose="02020603050405020304" pitchFamily="18" charset="0"/>
+              </a:rPr>
+              <a:t>Anything that is continuous “enough” can be treated as continuous (e.g., income)</a:t>
+            </a:r>
+            <a:endParaRPr lang="en-US" sz="2200" dirty="0">
               <a:latin typeface="Times New Roman" panose="02020603050405020304" pitchFamily="18" charset="0"/>
               <a:cs typeface="Times New Roman" panose="02020603050405020304" pitchFamily="18" charset="0"/>
             </a:endParaRPr>
           </a:p>
         </p:txBody>
       </p:sp>
-      <p:sp>
-        <p:nvSpPr>
-          <p:cNvPr id="3" name="Content Placeholder 2"/>
-          <p:cNvSpPr>
-            <a:spLocks noGrp="1"/>
-          </p:cNvSpPr>
-          <p:nvPr>
-            <p:ph idx="1"/>
-          </p:nvPr>
-        </p:nvSpPr>
-        <p:spPr>
-          <a:xfrm>
-            <a:off x="1219199" y="1066801"/>
-            <a:ext cx="9829801" cy="5141388"/>
-          </a:xfrm>
-        </p:spPr>
-        <p:txBody>
-          <a:bodyPr>
-            <a:noAutofit/>
-          </a:bodyPr>
-          <a:lstStyle/>
-          <a:p>
-            <a:pPr marL="457200" indent="-457200">
-              <a:buAutoNum type="arabicPeriod"/>
-            </a:pPr>
-            <a:r>
-              <a:rPr lang="en-US" sz="2400" dirty="0">
-                <a:cs typeface="Times New Roman" panose="02020603050405020304" pitchFamily="18" charset="0"/>
-              </a:rPr>
-              <a:t>Tell us something about the “story” you have in mind</a:t>
-            </a:r>
-          </a:p>
-          <a:p>
-            <a:pPr marL="457200" indent="-457200">
-              <a:buFont typeface="+mj-lt"/>
-              <a:buAutoNum type="arabicPeriod"/>
-            </a:pPr>
-            <a:r>
-              <a:rPr lang="en-US" sz="2400" dirty="0">
-                <a:cs typeface="Times New Roman" panose="02020603050405020304" pitchFamily="18" charset="0"/>
-              </a:rPr>
-              <a:t>You can argue the </a:t>
-            </a:r>
-            <a:r>
-              <a:rPr lang="en-US" sz="2400" b="1" dirty="0">
-                <a:cs typeface="Times New Roman" panose="02020603050405020304" pitchFamily="18" charset="0"/>
-              </a:rPr>
-              <a:t>variation </a:t>
-            </a:r>
-            <a:r>
-              <a:rPr lang="en-US" sz="2400" dirty="0">
-                <a:cs typeface="Times New Roman" panose="02020603050405020304" pitchFamily="18" charset="0"/>
-              </a:rPr>
-              <a:t>you’re exploiting in fact exists!</a:t>
-            </a:r>
-          </a:p>
-          <a:p>
-            <a:pPr marL="457200" indent="-457200">
-              <a:buFont typeface="+mj-lt"/>
-              <a:buAutoNum type="arabicPeriod"/>
-            </a:pPr>
-            <a:r>
-              <a:rPr lang="en-US" sz="2400" dirty="0">
-                <a:cs typeface="Times New Roman" panose="02020603050405020304" pitchFamily="18" charset="0"/>
-              </a:rPr>
-              <a:t>Informs and motivates your model </a:t>
-            </a:r>
-          </a:p>
-          <a:p>
-            <a:pPr marL="457200" indent="-457200">
-              <a:buFont typeface="+mj-lt"/>
-              <a:buAutoNum type="arabicPeriod"/>
-            </a:pPr>
-            <a:r>
-              <a:rPr lang="en-US" sz="2400" dirty="0">
-                <a:cs typeface="Times New Roman" panose="02020603050405020304" pitchFamily="18" charset="0"/>
-              </a:rPr>
-              <a:t>Don’t forget to say something about whom your sample is representative</a:t>
-            </a:r>
-          </a:p>
-          <a:p>
-            <a:pPr lvl="1"/>
-            <a:r>
-              <a:rPr lang="en-US" sz="2200" dirty="0">
-                <a:cs typeface="Times New Roman" panose="02020603050405020304" pitchFamily="18" charset="0"/>
-              </a:rPr>
-              <a:t>Medicare Part D enrollees</a:t>
-            </a:r>
-          </a:p>
-          <a:p>
-            <a:pPr lvl="1"/>
-            <a:r>
-              <a:rPr lang="en-US" sz="2200" dirty="0">
-                <a:cs typeface="Times New Roman" panose="02020603050405020304" pitchFamily="18" charset="0"/>
-              </a:rPr>
-              <a:t>Subject to the donut hole</a:t>
-            </a:r>
-          </a:p>
-          <a:p>
-            <a:pPr lvl="1"/>
-            <a:r>
-              <a:rPr lang="en-US" sz="2200" i="1" dirty="0">
-                <a:cs typeface="Times New Roman" panose="02020603050405020304" pitchFamily="18" charset="0"/>
-              </a:rPr>
-              <a:t>Close to the kink point </a:t>
-            </a:r>
-            <a:r>
-              <a:rPr lang="en-US" sz="2200" dirty="0">
-                <a:cs typeface="Times New Roman" panose="02020603050405020304" pitchFamily="18" charset="0"/>
-              </a:rPr>
-              <a:t>(since they are using a bunching strategy)</a:t>
-            </a:r>
-          </a:p>
-          <a:p>
-            <a:pPr lvl="1"/>
-            <a:r>
-              <a:rPr lang="en-US" sz="2200" b="1" dirty="0">
-                <a:solidFill>
-                  <a:schemeClr val="accent3">
-                    <a:lumMod val="75000"/>
-                  </a:schemeClr>
-                </a:solidFill>
-                <a:cs typeface="Times New Roman" panose="02020603050405020304" pitchFamily="18" charset="0"/>
-              </a:rPr>
-              <a:t>How does/doesn’t this generalize?</a:t>
-            </a:r>
-            <a:endParaRPr lang="en-US" sz="2400" dirty="0">
-              <a:cs typeface="Times New Roman" panose="02020603050405020304" pitchFamily="18" charset="0"/>
-            </a:endParaRPr>
-          </a:p>
-        </p:txBody>
-      </p:sp>
     </p:spTree>
     <p:extLst>
       <p:ext uri="{BB962C8B-B14F-4D97-AF65-F5344CB8AC3E}">
-        <p14:creationId xmlns:p14="http://schemas.microsoft.com/office/powerpoint/2010/main" val="3709033057"/>
+        <p14:creationId xmlns:p14="http://schemas.microsoft.com/office/powerpoint/2010/main" val="2149972375"/>
       </p:ext>
     </p:extLst>
   </p:cSld>
@@ -15441,133 +15262,6 @@
               <a:cs typeface="Times New Roman" panose="02020603050405020304" pitchFamily="18" charset="0"/>
             </a:endParaRPr>
           </a:p>
-        </p:txBody>
-      </p:sp>
-    </p:spTree>
-    <p:extLst>
-      <p:ext uri="{BB962C8B-B14F-4D97-AF65-F5344CB8AC3E}">
-        <p14:creationId xmlns:p14="http://schemas.microsoft.com/office/powerpoint/2010/main" val="2149972375"/>
-      </p:ext>
-    </p:extLst>
-  </p:cSld>
-  <p:clrMapOvr>
-    <a:masterClrMapping/>
-  </p:clrMapOvr>
-</p:sld>
-</file>
-
-<file path=ppt/slides/slide33.xml><?xml version="1.0" encoding="utf-8"?>
-<p:sld xmlns:a="http://schemas.openxmlformats.org/drawingml/2006/main" xmlns:r="http://schemas.openxmlformats.org/officeDocument/2006/relationships" xmlns:p="http://schemas.openxmlformats.org/presentationml/2006/main">
-  <p:cSld>
-    <p:spTree>
-      <p:nvGrpSpPr>
-        <p:cNvPr id="1" name=""/>
-        <p:cNvGrpSpPr/>
-        <p:nvPr/>
-      </p:nvGrpSpPr>
-      <p:grpSpPr>
-        <a:xfrm>
-          <a:off x="0" y="0"/>
-          <a:ext cx="0" cy="0"/>
-          <a:chOff x="0" y="0"/>
-          <a:chExt cx="0" cy="0"/>
-        </a:xfrm>
-      </p:grpSpPr>
-      <p:sp>
-        <p:nvSpPr>
-          <p:cNvPr id="2" name="Title 1"/>
-          <p:cNvSpPr>
-            <a:spLocks noGrp="1"/>
-          </p:cNvSpPr>
-          <p:nvPr>
-            <p:ph type="title"/>
-          </p:nvPr>
-        </p:nvSpPr>
-        <p:spPr>
-          <a:xfrm>
-            <a:off x="609600" y="337392"/>
-            <a:ext cx="9601200" cy="624840"/>
-          </a:xfrm>
-        </p:spPr>
-        <p:txBody>
-          <a:bodyPr>
-            <a:normAutofit fontScale="90000"/>
-          </a:bodyPr>
-          <a:lstStyle/>
-          <a:p>
-            <a:r>
-              <a:rPr lang="en-US" dirty="0">
-                <a:latin typeface="Times New Roman" panose="02020603050405020304" pitchFamily="18" charset="0"/>
-                <a:cs typeface="Times New Roman" panose="02020603050405020304" pitchFamily="18" charset="0"/>
-              </a:rPr>
-              <a:t>Data Types</a:t>
-            </a:r>
-          </a:p>
-        </p:txBody>
-      </p:sp>
-      <p:sp>
-        <p:nvSpPr>
-          <p:cNvPr id="3" name="Content Placeholder 2"/>
-          <p:cNvSpPr>
-            <a:spLocks noGrp="1"/>
-          </p:cNvSpPr>
-          <p:nvPr>
-            <p:ph idx="1"/>
-          </p:nvPr>
-        </p:nvSpPr>
-        <p:spPr>
-          <a:xfrm>
-            <a:off x="609600" y="1066801"/>
-            <a:ext cx="10210800" cy="5141388"/>
-          </a:xfrm>
-        </p:spPr>
-        <p:txBody>
-          <a:bodyPr>
-            <a:noAutofit/>
-          </a:bodyPr>
-          <a:lstStyle/>
-          <a:p>
-            <a:pPr marL="457200" indent="-457200">
-              <a:buAutoNum type="arabicPeriod"/>
-            </a:pPr>
-            <a:r>
-              <a:rPr lang="en-US" sz="2200" b="1" dirty="0">
-                <a:latin typeface="Times New Roman" panose="02020603050405020304" pitchFamily="18" charset="0"/>
-                <a:cs typeface="Times New Roman" panose="02020603050405020304" pitchFamily="18" charset="0"/>
-              </a:rPr>
-              <a:t>Continuous Variables</a:t>
-            </a:r>
-            <a:r>
-              <a:rPr lang="en-US" sz="2200" dirty="0">
-                <a:latin typeface="Times New Roman" panose="02020603050405020304" pitchFamily="18" charset="0"/>
-                <a:cs typeface="Times New Roman" panose="02020603050405020304" pitchFamily="18" charset="0"/>
-              </a:rPr>
-              <a:t>: measured on the “real line” rather than integers</a:t>
-            </a:r>
-          </a:p>
-          <a:p>
-            <a:pPr lvl="1"/>
-            <a:r>
-              <a:rPr lang="en-US" sz="2200" dirty="0">
-                <a:latin typeface="Times New Roman" panose="02020603050405020304" pitchFamily="18" charset="0"/>
-                <a:cs typeface="Times New Roman" panose="02020603050405020304" pitchFamily="18" charset="0"/>
-              </a:rPr>
-              <a:t>Examples: income, weight, blood pressure, etc. </a:t>
-            </a:r>
-          </a:p>
-          <a:p>
-            <a:pPr lvl="1"/>
-            <a:r>
-              <a:rPr lang="en-US" sz="2200" dirty="0">
-                <a:cs typeface="Times New Roman" panose="02020603050405020304" pitchFamily="18" charset="0"/>
-              </a:rPr>
-              <a:t>Anything that is continuous “enough” can be treated as continuous (e.g., income)</a:t>
-            </a:r>
-            <a:endParaRPr lang="en-US" sz="2200" dirty="0">
-              <a:latin typeface="Times New Roman" panose="02020603050405020304" pitchFamily="18" charset="0"/>
-              <a:cs typeface="Times New Roman" panose="02020603050405020304" pitchFamily="18" charset="0"/>
-            </a:endParaRPr>
-          </a:p>
           <a:p>
             <a:pPr marL="457200" indent="-457200">
               <a:buAutoNum type="arabicPeriod"/>
@@ -15638,7 +15332,7 @@
 </p:sld>
 </file>
 
-<file path=ppt/slides/slide34.xml><?xml version="1.0" encoding="utf-8"?>
+<file path=ppt/slides/slide33.xml><?xml version="1.0" encoding="utf-8"?>
 <p:sld xmlns:a="http://schemas.openxmlformats.org/drawingml/2006/main" xmlns:r="http://schemas.openxmlformats.org/officeDocument/2006/relationships" xmlns:p="http://schemas.openxmlformats.org/presentationml/2006/main">
   <p:cSld>
     <p:spTree>
@@ -15859,7 +15553,7 @@
 </p:sld>
 </file>
 
-<file path=ppt/slides/slide35.xml><?xml version="1.0" encoding="utf-8"?>
+<file path=ppt/slides/slide34.xml><?xml version="1.0" encoding="utf-8"?>
 <p:sld xmlns:a="http://schemas.openxmlformats.org/drawingml/2006/main" xmlns:r="http://schemas.openxmlformats.org/officeDocument/2006/relationships" xmlns:p="http://schemas.openxmlformats.org/presentationml/2006/main">
   <p:cSld>
     <p:spTree>
@@ -16113,7 +15807,7 @@
 </p:sld>
 </file>
 
-<file path=ppt/slides/slide36.xml><?xml version="1.0" encoding="utf-8"?>
+<file path=ppt/slides/slide35.xml><?xml version="1.0" encoding="utf-8"?>
 <p:sld xmlns:a="http://schemas.openxmlformats.org/drawingml/2006/main" xmlns:r="http://schemas.openxmlformats.org/officeDocument/2006/relationships" xmlns:p="http://schemas.openxmlformats.org/presentationml/2006/main">
   <p:cSld>
     <p:spTree>
@@ -16368,7 +16062,7 @@
 </p:sld>
 </file>
 
-<file path=ppt/slides/slide37.xml><?xml version="1.0" encoding="utf-8"?>
+<file path=ppt/slides/slide36.xml><?xml version="1.0" encoding="utf-8"?>
 <p:sld xmlns:a="http://schemas.openxmlformats.org/drawingml/2006/main" xmlns:r="http://schemas.openxmlformats.org/officeDocument/2006/relationships" xmlns:p="http://schemas.openxmlformats.org/presentationml/2006/main">
   <p:cSld>
     <p:spTree>
@@ -16497,7 +16191,7 @@
 </p:sld>
 </file>
 
-<file path=ppt/slides/slide38.xml><?xml version="1.0" encoding="utf-8"?>
+<file path=ppt/slides/slide37.xml><?xml version="1.0" encoding="utf-8"?>
 <p:sld xmlns:a="http://schemas.openxmlformats.org/drawingml/2006/main" xmlns:r="http://schemas.openxmlformats.org/officeDocument/2006/relationships" xmlns:p="http://schemas.openxmlformats.org/presentationml/2006/main">
   <p:cSld>
     <p:spTree>
@@ -16705,7 +16399,7 @@
 </p:sld>
 </file>
 
-<file path=ppt/slides/slide39.xml><?xml version="1.0" encoding="utf-8"?>
+<file path=ppt/slides/slide38.xml><?xml version="1.0" encoding="utf-8"?>
 <p:sld xmlns:a="http://schemas.openxmlformats.org/drawingml/2006/main" xmlns:r="http://schemas.openxmlformats.org/officeDocument/2006/relationships" xmlns:p="http://schemas.openxmlformats.org/presentationml/2006/main">
   <p:cSld>
     <p:spTree>
@@ -16936,6 +16630,53 @@
           </a:prstGeom>
         </p:spPr>
       </p:pic>
+      <p:pic>
+        <p:nvPicPr>
+          <p:cNvPr id="4" name="Picture 2" descr="RStudio - RStudio">
+            <a:extLst>
+              <a:ext uri="{FF2B5EF4-FFF2-40B4-BE49-F238E27FC236}">
+                <a16:creationId xmlns:a16="http://schemas.microsoft.com/office/drawing/2014/main" id="{8CE2468D-D899-E668-BC9C-67E2D3EB0B5A}"/>
+              </a:ext>
+            </a:extLst>
+          </p:cNvPr>
+          <p:cNvPicPr>
+            <a:picLocks noChangeAspect="1" noChangeArrowheads="1"/>
+          </p:cNvPicPr>
+          <p:nvPr/>
+        </p:nvPicPr>
+        <p:blipFill>
+          <a:blip r:embed="rId5">
+            <a:extLst>
+              <a:ext uri="{28A0092B-C50C-407E-A947-70E740481C1C}">
+                <a14:useLocalDpi xmlns:a14="http://schemas.microsoft.com/office/drawing/2010/main" val="0"/>
+              </a:ext>
+            </a:extLst>
+          </a:blip>
+          <a:srcRect/>
+          <a:stretch>
+            <a:fillRect/>
+          </a:stretch>
+        </p:blipFill>
+        <p:spPr bwMode="auto">
+          <a:xfrm>
+            <a:off x="9677400" y="5257800"/>
+            <a:ext cx="1371600" cy="1371600"/>
+          </a:xfrm>
+          <a:prstGeom prst="rect">
+            <a:avLst/>
+          </a:prstGeom>
+          <a:noFill/>
+          <a:extLst>
+            <a:ext uri="{909E8E84-426E-40DD-AFC4-6F175D3DCCD1}">
+              <a14:hiddenFill xmlns:a14="http://schemas.microsoft.com/office/drawing/2010/main">
+                <a:solidFill>
+                  <a:srgbClr val="FFFFFF"/>
+                </a:solidFill>
+              </a14:hiddenFill>
+            </a:ext>
+          </a:extLst>
+        </p:spPr>
+      </p:pic>
     </p:spTree>
     <p:extLst>
       <p:ext uri="{BB962C8B-B14F-4D97-AF65-F5344CB8AC3E}">
@@ -16949,97 +16690,7 @@
 </p:sld>
 </file>
 
-<file path=ppt/slides/slide4.xml><?xml version="1.0" encoding="utf-8"?>
-<p:sld xmlns:a="http://schemas.openxmlformats.org/drawingml/2006/main" xmlns:r="http://schemas.openxmlformats.org/officeDocument/2006/relationships" xmlns:p="http://schemas.openxmlformats.org/presentationml/2006/main">
-  <p:cSld>
-    <p:spTree>
-      <p:nvGrpSpPr>
-        <p:cNvPr id="1" name=""/>
-        <p:cNvGrpSpPr/>
-        <p:nvPr/>
-      </p:nvGrpSpPr>
-      <p:grpSpPr>
-        <a:xfrm>
-          <a:off x="0" y="0"/>
-          <a:ext cx="0" cy="0"/>
-          <a:chOff x="0" y="0"/>
-          <a:chExt cx="0" cy="0"/>
-        </a:xfrm>
-      </p:grpSpPr>
-      <p:sp>
-        <p:nvSpPr>
-          <p:cNvPr id="2" name="Title 1">
-            <a:extLst>
-              <a:ext uri="{FF2B5EF4-FFF2-40B4-BE49-F238E27FC236}">
-                <a16:creationId xmlns:a16="http://schemas.microsoft.com/office/drawing/2014/main" id="{F6693EDF-660D-4391-A114-A6C54268E445}"/>
-              </a:ext>
-            </a:extLst>
-          </p:cNvPr>
-          <p:cNvSpPr>
-            <a:spLocks noGrp="1"/>
-          </p:cNvSpPr>
-          <p:nvPr>
-            <p:ph type="ctrTitle"/>
-          </p:nvPr>
-        </p:nvSpPr>
-        <p:spPr>
-          <a:xfrm>
-            <a:off x="1261872" y="758952"/>
-            <a:ext cx="10549128" cy="4041648"/>
-          </a:xfrm>
-        </p:spPr>
-        <p:txBody>
-          <a:bodyPr/>
-          <a:lstStyle/>
-          <a:p>
-            <a:r>
-              <a:rPr lang="en-US" dirty="0"/>
-              <a:t>Programming in R</a:t>
-            </a:r>
-          </a:p>
-        </p:txBody>
-      </p:sp>
-      <p:sp>
-        <p:nvSpPr>
-          <p:cNvPr id="3" name="Subtitle 2">
-            <a:extLst>
-              <a:ext uri="{FF2B5EF4-FFF2-40B4-BE49-F238E27FC236}">
-                <a16:creationId xmlns:a16="http://schemas.microsoft.com/office/drawing/2014/main" id="{9A7FADE3-4D7C-4B3A-B023-71CD85AECCCB}"/>
-              </a:ext>
-            </a:extLst>
-          </p:cNvPr>
-          <p:cNvSpPr>
-            <a:spLocks noGrp="1"/>
-          </p:cNvSpPr>
-          <p:nvPr>
-            <p:ph type="subTitle" idx="1"/>
-          </p:nvPr>
-        </p:nvSpPr>
-        <p:spPr/>
-        <p:txBody>
-          <a:bodyPr>
-            <a:normAutofit/>
-          </a:bodyPr>
-          <a:lstStyle/>
-          <a:p>
-            <a:endParaRPr lang="en-US" sz="4400" dirty="0"/>
-          </a:p>
-        </p:txBody>
-      </p:sp>
-    </p:spTree>
-    <p:extLst>
-      <p:ext uri="{BB962C8B-B14F-4D97-AF65-F5344CB8AC3E}">
-        <p14:creationId xmlns:p14="http://schemas.microsoft.com/office/powerpoint/2010/main" val="2953910715"/>
-      </p:ext>
-    </p:extLst>
-  </p:cSld>
-  <p:clrMapOvr>
-    <a:masterClrMapping/>
-  </p:clrMapOvr>
-</p:sld>
-</file>
-
-<file path=ppt/slides/slide40.xml><?xml version="1.0" encoding="utf-8"?>
+<file path=ppt/slides/slide39.xml><?xml version="1.0" encoding="utf-8"?>
 <p:sld xmlns:a="http://schemas.openxmlformats.org/drawingml/2006/main" xmlns:r="http://schemas.openxmlformats.org/officeDocument/2006/relationships" xmlns:p="http://schemas.openxmlformats.org/presentationml/2006/main">
   <p:cSld>
     <p:spTree>
@@ -17184,7 +16835,206 @@
 </p:sld>
 </file>
 
-<file path=ppt/slides/slide41.xml><?xml version="1.0" encoding="utf-8"?>
+<file path=ppt/slides/slide4.xml><?xml version="1.0" encoding="utf-8"?>
+<p:sld xmlns:a="http://schemas.openxmlformats.org/drawingml/2006/main" xmlns:r="http://schemas.openxmlformats.org/officeDocument/2006/relationships" xmlns:p="http://schemas.openxmlformats.org/presentationml/2006/main">
+  <p:cSld>
+    <p:spTree>
+      <p:nvGrpSpPr>
+        <p:cNvPr id="1" name=""/>
+        <p:cNvGrpSpPr/>
+        <p:nvPr/>
+      </p:nvGrpSpPr>
+      <p:grpSpPr>
+        <a:xfrm>
+          <a:off x="0" y="0"/>
+          <a:ext cx="0" cy="0"/>
+          <a:chOff x="0" y="0"/>
+          <a:chExt cx="0" cy="0"/>
+        </a:xfrm>
+      </p:grpSpPr>
+      <p:sp>
+        <p:nvSpPr>
+          <p:cNvPr id="2" name="Title 1"/>
+          <p:cNvSpPr>
+            <a:spLocks noGrp="1"/>
+          </p:cNvSpPr>
+          <p:nvPr>
+            <p:ph type="title"/>
+          </p:nvPr>
+        </p:nvSpPr>
+        <p:spPr>
+          <a:xfrm>
+            <a:off x="609600" y="337392"/>
+            <a:ext cx="9601200" cy="624840"/>
+          </a:xfrm>
+        </p:spPr>
+        <p:txBody>
+          <a:bodyPr>
+            <a:normAutofit fontScale="90000"/>
+          </a:bodyPr>
+          <a:lstStyle/>
+          <a:p>
+            <a:r>
+              <a:rPr lang="en-US" dirty="0">
+                <a:cs typeface="Times New Roman" panose="02020603050405020304" pitchFamily="18" charset="0"/>
+              </a:rPr>
+              <a:t>Project Management: Folder Organizations</a:t>
+            </a:r>
+            <a:endParaRPr lang="en-US" dirty="0">
+              <a:latin typeface="Times New Roman" panose="02020603050405020304" pitchFamily="18" charset="0"/>
+              <a:cs typeface="Times New Roman" panose="02020603050405020304" pitchFamily="18" charset="0"/>
+            </a:endParaRPr>
+          </a:p>
+        </p:txBody>
+      </p:sp>
+      <p:sp>
+        <p:nvSpPr>
+          <p:cNvPr id="3" name="Content Placeholder 2"/>
+          <p:cNvSpPr>
+            <a:spLocks noGrp="1"/>
+          </p:cNvSpPr>
+          <p:nvPr>
+            <p:ph idx="1"/>
+          </p:nvPr>
+        </p:nvSpPr>
+        <p:spPr>
+          <a:xfrm>
+            <a:off x="1219200" y="1066801"/>
+            <a:ext cx="8520684" cy="5141388"/>
+          </a:xfrm>
+        </p:spPr>
+        <p:txBody>
+          <a:bodyPr>
+            <a:noAutofit/>
+          </a:bodyPr>
+          <a:lstStyle/>
+          <a:p>
+            <a:r>
+              <a:rPr lang="en-US" sz="2200" dirty="0">
+                <a:latin typeface="Times New Roman" panose="02020603050405020304" pitchFamily="18" charset="0"/>
+                <a:cs typeface="Times New Roman" panose="02020603050405020304" pitchFamily="18" charset="0"/>
+              </a:rPr>
+              <a:t>Project file structure</a:t>
+            </a:r>
+          </a:p>
+          <a:p>
+            <a:endParaRPr lang="en-US" sz="2200" dirty="0">
+              <a:cs typeface="Times New Roman" panose="02020603050405020304" pitchFamily="18" charset="0"/>
+            </a:endParaRPr>
+          </a:p>
+          <a:p>
+            <a:endParaRPr lang="en-US" sz="2200" dirty="0">
+              <a:latin typeface="Times New Roman" panose="02020603050405020304" pitchFamily="18" charset="0"/>
+              <a:cs typeface="Times New Roman" panose="02020603050405020304" pitchFamily="18" charset="0"/>
+            </a:endParaRPr>
+          </a:p>
+          <a:p>
+            <a:endParaRPr lang="en-US" sz="2200" dirty="0">
+              <a:latin typeface="Times New Roman" panose="02020603050405020304" pitchFamily="18" charset="0"/>
+              <a:cs typeface="Times New Roman" panose="02020603050405020304" pitchFamily="18" charset="0"/>
+            </a:endParaRPr>
+          </a:p>
+          <a:p>
+            <a:endParaRPr lang="en-US" sz="2200" dirty="0">
+              <a:cs typeface="Times New Roman" panose="02020603050405020304" pitchFamily="18" charset="0"/>
+            </a:endParaRPr>
+          </a:p>
+          <a:p>
+            <a:endParaRPr lang="en-US" sz="2200" dirty="0">
+              <a:latin typeface="Times New Roman" panose="02020603050405020304" pitchFamily="18" charset="0"/>
+              <a:cs typeface="Times New Roman" panose="02020603050405020304" pitchFamily="18" charset="0"/>
+            </a:endParaRPr>
+          </a:p>
+          <a:p>
+            <a:pPr marL="0" indent="0">
+              <a:buNone/>
+            </a:pPr>
+            <a:endParaRPr lang="en-US" sz="2200" dirty="0">
+              <a:cs typeface="Times New Roman" panose="02020603050405020304" pitchFamily="18" charset="0"/>
+            </a:endParaRPr>
+          </a:p>
+          <a:p>
+            <a:pPr marL="0" indent="0">
+              <a:buNone/>
+            </a:pPr>
+            <a:endParaRPr lang="en-US" sz="900" dirty="0">
+              <a:latin typeface="Times New Roman" panose="02020603050405020304" pitchFamily="18" charset="0"/>
+              <a:cs typeface="Times New Roman" panose="02020603050405020304" pitchFamily="18" charset="0"/>
+            </a:endParaRPr>
+          </a:p>
+          <a:p>
+            <a:r>
+              <a:rPr lang="en-US" sz="2200" dirty="0">
+                <a:latin typeface="Times New Roman" panose="02020603050405020304" pitchFamily="18" charset="0"/>
+                <a:cs typeface="Times New Roman" panose="02020603050405020304" pitchFamily="18" charset="0"/>
+              </a:rPr>
+              <a:t>File template</a:t>
+            </a:r>
+          </a:p>
+          <a:p>
+            <a:pPr lvl="1"/>
+            <a:r>
+              <a:rPr lang="en-US" sz="2200" dirty="0">
+                <a:cs typeface="Times New Roman" panose="02020603050405020304" pitchFamily="18" charset="0"/>
+              </a:rPr>
+              <a:t>Headers</a:t>
+            </a:r>
+          </a:p>
+          <a:p>
+            <a:pPr lvl="1"/>
+            <a:r>
+              <a:rPr lang="en-US" sz="2200" dirty="0">
+                <a:latin typeface="Times New Roman" panose="02020603050405020304" pitchFamily="18" charset="0"/>
+                <a:cs typeface="Times New Roman" panose="02020603050405020304" pitchFamily="18" charset="0"/>
+              </a:rPr>
+              <a:t>Comment, comment, comment! </a:t>
+            </a:r>
+          </a:p>
+        </p:txBody>
+      </p:sp>
+      <p:pic>
+        <p:nvPicPr>
+          <p:cNvPr id="5" name="Picture 4">
+            <a:extLst>
+              <a:ext uri="{FF2B5EF4-FFF2-40B4-BE49-F238E27FC236}">
+                <a16:creationId xmlns:a16="http://schemas.microsoft.com/office/drawing/2014/main" id="{861E4066-6E02-48CA-8A39-B2151A67AA50}"/>
+              </a:ext>
+            </a:extLst>
+          </p:cNvPr>
+          <p:cNvPicPr>
+            <a:picLocks noChangeAspect="1"/>
+          </p:cNvPicPr>
+          <p:nvPr/>
+        </p:nvPicPr>
+        <p:blipFill rotWithShape="1">
+          <a:blip r:embed="rId3"/>
+          <a:srcRect l="3008"/>
+          <a:stretch/>
+        </p:blipFill>
+        <p:spPr>
+          <a:xfrm>
+            <a:off x="1295400" y="1524000"/>
+            <a:ext cx="7985918" cy="3124200"/>
+          </a:xfrm>
+          <a:prstGeom prst="rect">
+            <a:avLst/>
+          </a:prstGeom>
+        </p:spPr>
+      </p:pic>
+    </p:spTree>
+    <p:extLst>
+      <p:ext uri="{BB962C8B-B14F-4D97-AF65-F5344CB8AC3E}">
+        <p14:creationId xmlns:p14="http://schemas.microsoft.com/office/powerpoint/2010/main" val="764397771"/>
+      </p:ext>
+    </p:extLst>
+  </p:cSld>
+  <p:clrMapOvr>
+    <a:masterClrMapping/>
+  </p:clrMapOvr>
+</p:sld>
+</file>
+
+<file path=ppt/slides/slide40.xml><?xml version="1.0" encoding="utf-8"?>
 <p:sld xmlns:a="http://schemas.openxmlformats.org/drawingml/2006/main" xmlns:r="http://schemas.openxmlformats.org/officeDocument/2006/relationships" xmlns:p="http://schemas.openxmlformats.org/presentationml/2006/main">
   <p:cSld>
     <p:spTree>
@@ -17329,7 +17179,7 @@
 </p:sld>
 </file>
 
-<file path=ppt/slides/slide42.xml><?xml version="1.0" encoding="utf-8"?>
+<file path=ppt/slides/slide41.xml><?xml version="1.0" encoding="utf-8"?>
 <p:sld xmlns:a="http://schemas.openxmlformats.org/drawingml/2006/main" xmlns:r="http://schemas.openxmlformats.org/officeDocument/2006/relationships" xmlns:p="http://schemas.openxmlformats.org/presentationml/2006/main">
   <p:cSld>
     <p:spTree>
@@ -17651,7 +17501,7 @@
 </p:sld>
 </file>
 
-<file path=ppt/slides/slide43.xml><?xml version="1.0" encoding="utf-8"?>
+<file path=ppt/slides/slide42.xml><?xml version="1.0" encoding="utf-8"?>
 <p:sld xmlns:a="http://schemas.openxmlformats.org/drawingml/2006/main" xmlns:r="http://schemas.openxmlformats.org/officeDocument/2006/relationships" xmlns:p="http://schemas.openxmlformats.org/presentationml/2006/main">
   <p:cSld>
     <p:spTree>
@@ -18103,7 +17953,7 @@
 </p:sld>
 </file>
 
-<file path=ppt/slides/slide44.xml><?xml version="1.0" encoding="utf-8"?>
+<file path=ppt/slides/slide43.xml><?xml version="1.0" encoding="utf-8"?>
 <p:sld xmlns:a="http://schemas.openxmlformats.org/drawingml/2006/main" xmlns:r="http://schemas.openxmlformats.org/officeDocument/2006/relationships" xmlns:p="http://schemas.openxmlformats.org/presentationml/2006/main">
   <p:cSld>
     <p:spTree>
@@ -18462,7 +18312,7 @@
 </p:sld>
 </file>
 
-<file path=ppt/slides/slide45.xml><?xml version="1.0" encoding="utf-8"?>
+<file path=ppt/slides/slide44.xml><?xml version="1.0" encoding="utf-8"?>
 <p:sld xmlns:a="http://schemas.openxmlformats.org/drawingml/2006/main" xmlns:r="http://schemas.openxmlformats.org/officeDocument/2006/relationships" xmlns:p="http://schemas.openxmlformats.org/presentationml/2006/main">
   <p:cSld>
     <p:spTree>
@@ -18859,7 +18709,7 @@
 </p:sld>
 </file>
 
-<file path=ppt/slides/slide46.xml><?xml version="1.0" encoding="utf-8"?>
+<file path=ppt/slides/slide45.xml><?xml version="1.0" encoding="utf-8"?>
 <p:sld xmlns:a="http://schemas.openxmlformats.org/drawingml/2006/main" xmlns:r="http://schemas.openxmlformats.org/officeDocument/2006/relationships" xmlns:p="http://schemas.openxmlformats.org/presentationml/2006/main">
   <p:cSld>
     <p:spTree>
@@ -19336,7 +19186,7 @@
 </p:sld>
 </file>
 
-<file path=ppt/slides/slide47.xml><?xml version="1.0" encoding="utf-8"?>
+<file path=ppt/slides/slide46.xml><?xml version="1.0" encoding="utf-8"?>
 <p:sld xmlns:a="http://schemas.openxmlformats.org/drawingml/2006/main" xmlns:r="http://schemas.openxmlformats.org/officeDocument/2006/relationships" xmlns:p="http://schemas.openxmlformats.org/presentationml/2006/main">
   <p:cSld>
     <p:spTree>
@@ -19610,7 +19460,7 @@
 </p:sld>
 </file>
 
-<file path=ppt/slides/slide48.xml><?xml version="1.0" encoding="utf-8"?>
+<file path=ppt/slides/slide47.xml><?xml version="1.0" encoding="utf-8"?>
 <p:sld xmlns:a="http://schemas.openxmlformats.org/drawingml/2006/main" xmlns:r="http://schemas.openxmlformats.org/officeDocument/2006/relationships" xmlns:p="http://schemas.openxmlformats.org/presentationml/2006/main">
   <p:cSld>
     <p:spTree>
@@ -19789,7 +19639,7 @@
 </p:sld>
 </file>
 
-<file path=ppt/slides/slide49.xml><?xml version="1.0" encoding="utf-8"?>
+<file path=ppt/slides/slide48.xml><?xml version="1.0" encoding="utf-8"?>
 <p:sld xmlns:a="http://schemas.openxmlformats.org/drawingml/2006/main" xmlns:r="http://schemas.openxmlformats.org/officeDocument/2006/relationships" xmlns:p="http://schemas.openxmlformats.org/presentationml/2006/main">
   <p:cSld>
     <p:spTree>
@@ -19906,206 +19756,7 @@
 </p:sld>
 </file>
 
-<file path=ppt/slides/slide5.xml><?xml version="1.0" encoding="utf-8"?>
-<p:sld xmlns:a="http://schemas.openxmlformats.org/drawingml/2006/main" xmlns:r="http://schemas.openxmlformats.org/officeDocument/2006/relationships" xmlns:p="http://schemas.openxmlformats.org/presentationml/2006/main">
-  <p:cSld>
-    <p:spTree>
-      <p:nvGrpSpPr>
-        <p:cNvPr id="1" name=""/>
-        <p:cNvGrpSpPr/>
-        <p:nvPr/>
-      </p:nvGrpSpPr>
-      <p:grpSpPr>
-        <a:xfrm>
-          <a:off x="0" y="0"/>
-          <a:ext cx="0" cy="0"/>
-          <a:chOff x="0" y="0"/>
-          <a:chExt cx="0" cy="0"/>
-        </a:xfrm>
-      </p:grpSpPr>
-      <p:sp>
-        <p:nvSpPr>
-          <p:cNvPr id="2" name="Title 1"/>
-          <p:cNvSpPr>
-            <a:spLocks noGrp="1"/>
-          </p:cNvSpPr>
-          <p:nvPr>
-            <p:ph type="title"/>
-          </p:nvPr>
-        </p:nvSpPr>
-        <p:spPr>
-          <a:xfrm>
-            <a:off x="609600" y="337392"/>
-            <a:ext cx="9601200" cy="624840"/>
-          </a:xfrm>
-        </p:spPr>
-        <p:txBody>
-          <a:bodyPr>
-            <a:normAutofit fontScale="90000"/>
-          </a:bodyPr>
-          <a:lstStyle/>
-          <a:p>
-            <a:r>
-              <a:rPr lang="en-US" dirty="0">
-                <a:cs typeface="Times New Roman" panose="02020603050405020304" pitchFamily="18" charset="0"/>
-              </a:rPr>
-              <a:t>Project Management: Folder Organizations</a:t>
-            </a:r>
-            <a:endParaRPr lang="en-US" dirty="0">
-              <a:latin typeface="Times New Roman" panose="02020603050405020304" pitchFamily="18" charset="0"/>
-              <a:cs typeface="Times New Roman" panose="02020603050405020304" pitchFamily="18" charset="0"/>
-            </a:endParaRPr>
-          </a:p>
-        </p:txBody>
-      </p:sp>
-      <p:sp>
-        <p:nvSpPr>
-          <p:cNvPr id="3" name="Content Placeholder 2"/>
-          <p:cNvSpPr>
-            <a:spLocks noGrp="1"/>
-          </p:cNvSpPr>
-          <p:nvPr>
-            <p:ph idx="1"/>
-          </p:nvPr>
-        </p:nvSpPr>
-        <p:spPr>
-          <a:xfrm>
-            <a:off x="1219200" y="1066801"/>
-            <a:ext cx="8520684" cy="5141388"/>
-          </a:xfrm>
-        </p:spPr>
-        <p:txBody>
-          <a:bodyPr>
-            <a:noAutofit/>
-          </a:bodyPr>
-          <a:lstStyle/>
-          <a:p>
-            <a:r>
-              <a:rPr lang="en-US" sz="2200" dirty="0">
-                <a:latin typeface="Times New Roman" panose="02020603050405020304" pitchFamily="18" charset="0"/>
-                <a:cs typeface="Times New Roman" panose="02020603050405020304" pitchFamily="18" charset="0"/>
-              </a:rPr>
-              <a:t>Project file structure</a:t>
-            </a:r>
-          </a:p>
-          <a:p>
-            <a:endParaRPr lang="en-US" sz="2200" dirty="0">
-              <a:cs typeface="Times New Roman" panose="02020603050405020304" pitchFamily="18" charset="0"/>
-            </a:endParaRPr>
-          </a:p>
-          <a:p>
-            <a:endParaRPr lang="en-US" sz="2200" dirty="0">
-              <a:latin typeface="Times New Roman" panose="02020603050405020304" pitchFamily="18" charset="0"/>
-              <a:cs typeface="Times New Roman" panose="02020603050405020304" pitchFamily="18" charset="0"/>
-            </a:endParaRPr>
-          </a:p>
-          <a:p>
-            <a:endParaRPr lang="en-US" sz="2200" dirty="0">
-              <a:latin typeface="Times New Roman" panose="02020603050405020304" pitchFamily="18" charset="0"/>
-              <a:cs typeface="Times New Roman" panose="02020603050405020304" pitchFamily="18" charset="0"/>
-            </a:endParaRPr>
-          </a:p>
-          <a:p>
-            <a:endParaRPr lang="en-US" sz="2200" dirty="0">
-              <a:cs typeface="Times New Roman" panose="02020603050405020304" pitchFamily="18" charset="0"/>
-            </a:endParaRPr>
-          </a:p>
-          <a:p>
-            <a:endParaRPr lang="en-US" sz="2200" dirty="0">
-              <a:latin typeface="Times New Roman" panose="02020603050405020304" pitchFamily="18" charset="0"/>
-              <a:cs typeface="Times New Roman" panose="02020603050405020304" pitchFamily="18" charset="0"/>
-            </a:endParaRPr>
-          </a:p>
-          <a:p>
-            <a:pPr marL="0" indent="0">
-              <a:buNone/>
-            </a:pPr>
-            <a:endParaRPr lang="en-US" sz="2200" dirty="0">
-              <a:cs typeface="Times New Roman" panose="02020603050405020304" pitchFamily="18" charset="0"/>
-            </a:endParaRPr>
-          </a:p>
-          <a:p>
-            <a:pPr marL="0" indent="0">
-              <a:buNone/>
-            </a:pPr>
-            <a:endParaRPr lang="en-US" sz="900" dirty="0">
-              <a:latin typeface="Times New Roman" panose="02020603050405020304" pitchFamily="18" charset="0"/>
-              <a:cs typeface="Times New Roman" panose="02020603050405020304" pitchFamily="18" charset="0"/>
-            </a:endParaRPr>
-          </a:p>
-          <a:p>
-            <a:r>
-              <a:rPr lang="en-US" sz="2200" dirty="0">
-                <a:latin typeface="Times New Roman" panose="02020603050405020304" pitchFamily="18" charset="0"/>
-                <a:cs typeface="Times New Roman" panose="02020603050405020304" pitchFamily="18" charset="0"/>
-              </a:rPr>
-              <a:t>File template</a:t>
-            </a:r>
-          </a:p>
-          <a:p>
-            <a:pPr lvl="1"/>
-            <a:r>
-              <a:rPr lang="en-US" sz="2200" dirty="0">
-                <a:cs typeface="Times New Roman" panose="02020603050405020304" pitchFamily="18" charset="0"/>
-              </a:rPr>
-              <a:t>Headers</a:t>
-            </a:r>
-          </a:p>
-          <a:p>
-            <a:pPr lvl="1"/>
-            <a:r>
-              <a:rPr lang="en-US" sz="2200" dirty="0">
-                <a:latin typeface="Times New Roman" panose="02020603050405020304" pitchFamily="18" charset="0"/>
-                <a:cs typeface="Times New Roman" panose="02020603050405020304" pitchFamily="18" charset="0"/>
-              </a:rPr>
-              <a:t>Comment, comment, comment! </a:t>
-            </a:r>
-          </a:p>
-        </p:txBody>
-      </p:sp>
-      <p:pic>
-        <p:nvPicPr>
-          <p:cNvPr id="5" name="Picture 4">
-            <a:extLst>
-              <a:ext uri="{FF2B5EF4-FFF2-40B4-BE49-F238E27FC236}">
-                <a16:creationId xmlns:a16="http://schemas.microsoft.com/office/drawing/2014/main" id="{861E4066-6E02-48CA-8A39-B2151A67AA50}"/>
-              </a:ext>
-            </a:extLst>
-          </p:cNvPr>
-          <p:cNvPicPr>
-            <a:picLocks noChangeAspect="1"/>
-          </p:cNvPicPr>
-          <p:nvPr/>
-        </p:nvPicPr>
-        <p:blipFill rotWithShape="1">
-          <a:blip r:embed="rId3"/>
-          <a:srcRect l="3008"/>
-          <a:stretch/>
-        </p:blipFill>
-        <p:spPr>
-          <a:xfrm>
-            <a:off x="1295400" y="1524000"/>
-            <a:ext cx="7985918" cy="3124200"/>
-          </a:xfrm>
-          <a:prstGeom prst="rect">
-            <a:avLst/>
-          </a:prstGeom>
-        </p:spPr>
-      </p:pic>
-    </p:spTree>
-    <p:extLst>
-      <p:ext uri="{BB962C8B-B14F-4D97-AF65-F5344CB8AC3E}">
-        <p14:creationId xmlns:p14="http://schemas.microsoft.com/office/powerpoint/2010/main" val="764397771"/>
-      </p:ext>
-    </p:extLst>
-  </p:cSld>
-  <p:clrMapOvr>
-    <a:masterClrMapping/>
-  </p:clrMapOvr>
-</p:sld>
-</file>
-
-<file path=ppt/slides/slide50.xml><?xml version="1.0" encoding="utf-8"?>
+<file path=ppt/slides/slide49.xml><?xml version="1.0" encoding="utf-8"?>
 <p:sld xmlns:a="http://schemas.openxmlformats.org/drawingml/2006/main" xmlns:r="http://schemas.openxmlformats.org/officeDocument/2006/relationships" xmlns:p="http://schemas.openxmlformats.org/presentationml/2006/main">
   <p:cSld>
     <p:spTree>
@@ -20196,7 +19847,251 @@
 </p:sld>
 </file>
 
-<file path=ppt/slides/slide51.xml><?xml version="1.0" encoding="utf-8"?>
+<file path=ppt/slides/slide5.xml><?xml version="1.0" encoding="utf-8"?>
+<p:sld xmlns:a="http://schemas.openxmlformats.org/drawingml/2006/main" xmlns:r="http://schemas.openxmlformats.org/officeDocument/2006/relationships" xmlns:p="http://schemas.openxmlformats.org/presentationml/2006/main">
+  <p:cSld>
+    <p:spTree>
+      <p:nvGrpSpPr>
+        <p:cNvPr id="1" name=""/>
+        <p:cNvGrpSpPr/>
+        <p:nvPr/>
+      </p:nvGrpSpPr>
+      <p:grpSpPr>
+        <a:xfrm>
+          <a:off x="0" y="0"/>
+          <a:ext cx="0" cy="0"/>
+          <a:chOff x="0" y="0"/>
+          <a:chExt cx="0" cy="0"/>
+        </a:xfrm>
+      </p:grpSpPr>
+      <p:sp>
+        <p:nvSpPr>
+          <p:cNvPr id="2" name="Title 1"/>
+          <p:cNvSpPr>
+            <a:spLocks noGrp="1"/>
+          </p:cNvSpPr>
+          <p:nvPr>
+            <p:ph type="title"/>
+          </p:nvPr>
+        </p:nvSpPr>
+        <p:spPr>
+          <a:xfrm>
+            <a:off x="609600" y="337392"/>
+            <a:ext cx="9601200" cy="624840"/>
+          </a:xfrm>
+        </p:spPr>
+        <p:txBody>
+          <a:bodyPr>
+            <a:normAutofit fontScale="90000"/>
+          </a:bodyPr>
+          <a:lstStyle/>
+          <a:p>
+            <a:r>
+              <a:rPr lang="en-US" dirty="0">
+                <a:latin typeface="Times New Roman" panose="02020603050405020304" pitchFamily="18" charset="0"/>
+                <a:cs typeface="Times New Roman" panose="02020603050405020304" pitchFamily="18" charset="0"/>
+              </a:rPr>
+              <a:t>Project Management: File Organization</a:t>
+            </a:r>
+          </a:p>
+        </p:txBody>
+      </p:sp>
+      <p:sp>
+        <p:nvSpPr>
+          <p:cNvPr id="3" name="Content Placeholder 2"/>
+          <p:cNvSpPr>
+            <a:spLocks noGrp="1"/>
+          </p:cNvSpPr>
+          <p:nvPr>
+            <p:ph idx="1"/>
+          </p:nvPr>
+        </p:nvSpPr>
+        <p:spPr>
+          <a:xfrm>
+            <a:off x="1219200" y="1066801"/>
+            <a:ext cx="8520684" cy="5141388"/>
+          </a:xfrm>
+        </p:spPr>
+        <p:txBody>
+          <a:bodyPr>
+            <a:noAutofit/>
+          </a:bodyPr>
+          <a:lstStyle/>
+          <a:p>
+            <a:r>
+              <a:rPr lang="en-US" sz="2200" dirty="0">
+                <a:latin typeface="Times New Roman" panose="02020603050405020304" pitchFamily="18" charset="0"/>
+                <a:cs typeface="Times New Roman" panose="02020603050405020304" pitchFamily="18" charset="0"/>
+              </a:rPr>
+              <a:t>Project file structure</a:t>
+            </a:r>
+          </a:p>
+          <a:p>
+            <a:endParaRPr lang="en-US" sz="2200" dirty="0">
+              <a:cs typeface="Times New Roman" panose="02020603050405020304" pitchFamily="18" charset="0"/>
+            </a:endParaRPr>
+          </a:p>
+          <a:p>
+            <a:endParaRPr lang="en-US" sz="2200" dirty="0">
+              <a:latin typeface="Times New Roman" panose="02020603050405020304" pitchFamily="18" charset="0"/>
+              <a:cs typeface="Times New Roman" panose="02020603050405020304" pitchFamily="18" charset="0"/>
+            </a:endParaRPr>
+          </a:p>
+          <a:p>
+            <a:endParaRPr lang="en-US" sz="2200" dirty="0">
+              <a:latin typeface="Times New Roman" panose="02020603050405020304" pitchFamily="18" charset="0"/>
+              <a:cs typeface="Times New Roman" panose="02020603050405020304" pitchFamily="18" charset="0"/>
+            </a:endParaRPr>
+          </a:p>
+          <a:p>
+            <a:endParaRPr lang="en-US" sz="2200" dirty="0">
+              <a:cs typeface="Times New Roman" panose="02020603050405020304" pitchFamily="18" charset="0"/>
+            </a:endParaRPr>
+          </a:p>
+          <a:p>
+            <a:endParaRPr lang="en-US" sz="2200" dirty="0">
+              <a:latin typeface="Times New Roman" panose="02020603050405020304" pitchFamily="18" charset="0"/>
+              <a:cs typeface="Times New Roman" panose="02020603050405020304" pitchFamily="18" charset="0"/>
+            </a:endParaRPr>
+          </a:p>
+          <a:p>
+            <a:pPr marL="0" indent="0">
+              <a:buNone/>
+            </a:pPr>
+            <a:endParaRPr lang="en-US" sz="2200" dirty="0">
+              <a:cs typeface="Times New Roman" panose="02020603050405020304" pitchFamily="18" charset="0"/>
+            </a:endParaRPr>
+          </a:p>
+          <a:p>
+            <a:pPr marL="0" indent="0">
+              <a:buNone/>
+            </a:pPr>
+            <a:endParaRPr lang="en-US" sz="900" dirty="0">
+              <a:latin typeface="Times New Roman" panose="02020603050405020304" pitchFamily="18" charset="0"/>
+              <a:cs typeface="Times New Roman" panose="02020603050405020304" pitchFamily="18" charset="0"/>
+            </a:endParaRPr>
+          </a:p>
+          <a:p>
+            <a:r>
+              <a:rPr lang="en-US" sz="2200" dirty="0">
+                <a:latin typeface="Times New Roman" panose="02020603050405020304" pitchFamily="18" charset="0"/>
+                <a:cs typeface="Times New Roman" panose="02020603050405020304" pitchFamily="18" charset="0"/>
+              </a:rPr>
+              <a:t>File template</a:t>
+            </a:r>
+          </a:p>
+          <a:p>
+            <a:pPr lvl="1"/>
+            <a:r>
+              <a:rPr lang="en-US" sz="2200" dirty="0">
+                <a:cs typeface="Times New Roman" panose="02020603050405020304" pitchFamily="18" charset="0"/>
+              </a:rPr>
+              <a:t>Headers</a:t>
+            </a:r>
+          </a:p>
+          <a:p>
+            <a:pPr lvl="1"/>
+            <a:r>
+              <a:rPr lang="en-US" sz="2200" dirty="0">
+                <a:latin typeface="Times New Roman" panose="02020603050405020304" pitchFamily="18" charset="0"/>
+                <a:cs typeface="Times New Roman" panose="02020603050405020304" pitchFamily="18" charset="0"/>
+              </a:rPr>
+              <a:t>Comment, comment, comment! </a:t>
+            </a:r>
+          </a:p>
+        </p:txBody>
+      </p:sp>
+      <p:pic>
+        <p:nvPicPr>
+          <p:cNvPr id="6" name="Picture 2" descr="RStudio - RStudio">
+            <a:extLst>
+              <a:ext uri="{FF2B5EF4-FFF2-40B4-BE49-F238E27FC236}">
+                <a16:creationId xmlns:a16="http://schemas.microsoft.com/office/drawing/2014/main" id="{59FB3826-1290-26A4-BD72-3C5A2C188DE5}"/>
+              </a:ext>
+            </a:extLst>
+          </p:cNvPr>
+          <p:cNvPicPr>
+            <a:picLocks noChangeAspect="1" noChangeArrowheads="1"/>
+          </p:cNvPicPr>
+          <p:nvPr/>
+        </p:nvPicPr>
+        <p:blipFill>
+          <a:blip r:embed="rId3">
+            <a:extLst>
+              <a:ext uri="{28A0092B-C50C-407E-A947-70E740481C1C}">
+                <a14:useLocalDpi xmlns:a14="http://schemas.microsoft.com/office/drawing/2010/main" val="0"/>
+              </a:ext>
+            </a:extLst>
+          </a:blip>
+          <a:srcRect/>
+          <a:stretch>
+            <a:fillRect/>
+          </a:stretch>
+        </p:blipFill>
+        <p:spPr bwMode="auto">
+          <a:xfrm>
+            <a:off x="9677400" y="5257800"/>
+            <a:ext cx="1371600" cy="1371600"/>
+          </a:xfrm>
+          <a:prstGeom prst="rect">
+            <a:avLst/>
+          </a:prstGeom>
+          <a:noFill/>
+          <a:extLst>
+            <a:ext uri="{909E8E84-426E-40DD-AFC4-6F175D3DCCD1}">
+              <a14:hiddenFill xmlns:a14="http://schemas.microsoft.com/office/drawing/2010/main">
+                <a:solidFill>
+                  <a:srgbClr val="FFFFFF"/>
+                </a:solidFill>
+              </a14:hiddenFill>
+            </a:ext>
+          </a:extLst>
+        </p:spPr>
+      </p:pic>
+      <p:pic>
+        <p:nvPicPr>
+          <p:cNvPr id="7" name="Picture 6">
+            <a:extLst>
+              <a:ext uri="{FF2B5EF4-FFF2-40B4-BE49-F238E27FC236}">
+                <a16:creationId xmlns:a16="http://schemas.microsoft.com/office/drawing/2014/main" id="{D71B61A3-8AF5-3BBA-A3F6-AC2BBC13273B}"/>
+              </a:ext>
+            </a:extLst>
+          </p:cNvPr>
+          <p:cNvPicPr>
+            <a:picLocks noChangeAspect="1"/>
+          </p:cNvPicPr>
+          <p:nvPr/>
+        </p:nvPicPr>
+        <p:blipFill>
+          <a:blip r:embed="rId4"/>
+          <a:stretch>
+            <a:fillRect/>
+          </a:stretch>
+        </p:blipFill>
+        <p:spPr>
+          <a:xfrm>
+            <a:off x="152400" y="1037645"/>
+            <a:ext cx="9188922" cy="5823249"/>
+          </a:xfrm>
+          <a:prstGeom prst="rect">
+            <a:avLst/>
+          </a:prstGeom>
+        </p:spPr>
+      </p:pic>
+    </p:spTree>
+    <p:extLst>
+      <p:ext uri="{BB962C8B-B14F-4D97-AF65-F5344CB8AC3E}">
+        <p14:creationId xmlns:p14="http://schemas.microsoft.com/office/powerpoint/2010/main" val="881280983"/>
+      </p:ext>
+    </p:extLst>
+  </p:cSld>
+  <p:clrMapOvr>
+    <a:masterClrMapping/>
+  </p:clrMapOvr>
+</p:sld>
+</file>
+
+<file path=ppt/slides/slide50.xml><?xml version="1.0" encoding="utf-8"?>
 <p:sld xmlns:a="http://schemas.openxmlformats.org/drawingml/2006/main" xmlns:r="http://schemas.openxmlformats.org/officeDocument/2006/relationships" xmlns:p="http://schemas.openxmlformats.org/presentationml/2006/main">
   <p:cSld>
     <p:spTree>
@@ -20584,7 +20479,7 @@
 </p:sld>
 </file>
 
-<file path=ppt/slides/slide52.xml><?xml version="1.0" encoding="utf-8"?>
+<file path=ppt/slides/slide51.xml><?xml version="1.0" encoding="utf-8"?>
 <p:sld xmlns:a="http://schemas.openxmlformats.org/drawingml/2006/main" xmlns:r="http://schemas.openxmlformats.org/officeDocument/2006/relationships" xmlns:p="http://schemas.openxmlformats.org/presentationml/2006/main">
   <p:cSld>
     <p:spTree>
@@ -20764,7 +20659,7 @@
 </p:sld>
 </file>
 
-<file path=ppt/slides/slide53.xml><?xml version="1.0" encoding="utf-8"?>
+<file path=ppt/slides/slide52.xml><?xml version="1.0" encoding="utf-8"?>
 <p:sld xmlns:a="http://schemas.openxmlformats.org/drawingml/2006/main" xmlns:r="http://schemas.openxmlformats.org/officeDocument/2006/relationships" xmlns:p="http://schemas.openxmlformats.org/presentationml/2006/main">
   <p:cSld>
     <p:spTree>
@@ -20863,7 +20758,7 @@
 </p:sld>
 </file>
 
-<file path=ppt/slides/slide54.xml><?xml version="1.0" encoding="utf-8"?>
+<file path=ppt/slides/slide53.xml><?xml version="1.0" encoding="utf-8"?>
 <p:sld xmlns:a="http://schemas.openxmlformats.org/drawingml/2006/main" xmlns:r="http://schemas.openxmlformats.org/officeDocument/2006/relationships" xmlns:p="http://schemas.openxmlformats.org/presentationml/2006/main">
   <p:cSld>
     <p:spTree>
@@ -21027,7 +20922,7 @@
 </p:sld>
 </file>
 
-<file path=ppt/slides/slide55.xml><?xml version="1.0" encoding="utf-8"?>
+<file path=ppt/slides/slide54.xml><?xml version="1.0" encoding="utf-8"?>
 <p:sld xmlns:a="http://schemas.openxmlformats.org/drawingml/2006/main" xmlns:r="http://schemas.openxmlformats.org/officeDocument/2006/relationships" xmlns:p="http://schemas.openxmlformats.org/presentationml/2006/main">
   <p:cSld>
     <p:spTree>
@@ -21199,7 +21094,7 @@
 </p:sld>
 </file>
 
-<file path=ppt/slides/slide56.xml><?xml version="1.0" encoding="utf-8"?>
+<file path=ppt/slides/slide55.xml><?xml version="1.0" encoding="utf-8"?>
 <p:sld xmlns:a="http://schemas.openxmlformats.org/drawingml/2006/main" xmlns:r="http://schemas.openxmlformats.org/officeDocument/2006/relationships" xmlns:p="http://schemas.openxmlformats.org/presentationml/2006/main">
   <p:cSld>
     <p:spTree>
@@ -21371,7 +21266,7 @@
 </p:sld>
 </file>
 
-<file path=ppt/slides/slide57.xml><?xml version="1.0" encoding="utf-8"?>
+<file path=ppt/slides/slide56.xml><?xml version="1.0" encoding="utf-8"?>
 <p:sld xmlns:a="http://schemas.openxmlformats.org/drawingml/2006/main" xmlns:r="http://schemas.openxmlformats.org/officeDocument/2006/relationships" xmlns:p="http://schemas.openxmlformats.org/presentationml/2006/main">
   <p:cSld>
     <p:spTree>
@@ -21662,7 +21557,7 @@
 </p:sld>
 </file>
 
-<file path=ppt/slides/slide58.xml><?xml version="1.0" encoding="utf-8"?>
+<file path=ppt/slides/slide57.xml><?xml version="1.0" encoding="utf-8"?>
 <p:sld xmlns:a="http://schemas.openxmlformats.org/drawingml/2006/main" xmlns:r="http://schemas.openxmlformats.org/officeDocument/2006/relationships" xmlns:p="http://schemas.openxmlformats.org/presentationml/2006/main">
   <p:cSld>
     <p:spTree>
@@ -21808,7 +21703,7 @@
 </p:sld>
 </file>
 
-<file path=ppt/slides/slide59.xml><?xml version="1.0" encoding="utf-8"?>
+<file path=ppt/slides/slide58.xml><?xml version="1.0" encoding="utf-8"?>
 <p:sld xmlns:a="http://schemas.openxmlformats.org/drawingml/2006/main" xmlns:r="http://schemas.openxmlformats.org/officeDocument/2006/relationships" xmlns:p="http://schemas.openxmlformats.org/presentationml/2006/main">
   <p:cSld>
     <p:spTree>
@@ -22884,250 +22779,6 @@
                 <a:latin typeface="Times New Roman" panose="02020603050405020304" pitchFamily="18" charset="0"/>
                 <a:cs typeface="Times New Roman" panose="02020603050405020304" pitchFamily="18" charset="0"/>
               </a:rPr>
-              <a:t>Project Management: File Organization</a:t>
-            </a:r>
-          </a:p>
-        </p:txBody>
-      </p:sp>
-      <p:sp>
-        <p:nvSpPr>
-          <p:cNvPr id="3" name="Content Placeholder 2"/>
-          <p:cNvSpPr>
-            <a:spLocks noGrp="1"/>
-          </p:cNvSpPr>
-          <p:nvPr>
-            <p:ph idx="1"/>
-          </p:nvPr>
-        </p:nvSpPr>
-        <p:spPr>
-          <a:xfrm>
-            <a:off x="1219200" y="1066801"/>
-            <a:ext cx="8520684" cy="5141388"/>
-          </a:xfrm>
-        </p:spPr>
-        <p:txBody>
-          <a:bodyPr>
-            <a:noAutofit/>
-          </a:bodyPr>
-          <a:lstStyle/>
-          <a:p>
-            <a:r>
-              <a:rPr lang="en-US" sz="2200" dirty="0">
-                <a:latin typeface="Times New Roman" panose="02020603050405020304" pitchFamily="18" charset="0"/>
-                <a:cs typeface="Times New Roman" panose="02020603050405020304" pitchFamily="18" charset="0"/>
-              </a:rPr>
-              <a:t>Project file structure</a:t>
-            </a:r>
-          </a:p>
-          <a:p>
-            <a:endParaRPr lang="en-US" sz="2200" dirty="0">
-              <a:cs typeface="Times New Roman" panose="02020603050405020304" pitchFamily="18" charset="0"/>
-            </a:endParaRPr>
-          </a:p>
-          <a:p>
-            <a:endParaRPr lang="en-US" sz="2200" dirty="0">
-              <a:latin typeface="Times New Roman" panose="02020603050405020304" pitchFamily="18" charset="0"/>
-              <a:cs typeface="Times New Roman" panose="02020603050405020304" pitchFamily="18" charset="0"/>
-            </a:endParaRPr>
-          </a:p>
-          <a:p>
-            <a:endParaRPr lang="en-US" sz="2200" dirty="0">
-              <a:latin typeface="Times New Roman" panose="02020603050405020304" pitchFamily="18" charset="0"/>
-              <a:cs typeface="Times New Roman" panose="02020603050405020304" pitchFamily="18" charset="0"/>
-            </a:endParaRPr>
-          </a:p>
-          <a:p>
-            <a:endParaRPr lang="en-US" sz="2200" dirty="0">
-              <a:cs typeface="Times New Roman" panose="02020603050405020304" pitchFamily="18" charset="0"/>
-            </a:endParaRPr>
-          </a:p>
-          <a:p>
-            <a:endParaRPr lang="en-US" sz="2200" dirty="0">
-              <a:latin typeface="Times New Roman" panose="02020603050405020304" pitchFamily="18" charset="0"/>
-              <a:cs typeface="Times New Roman" panose="02020603050405020304" pitchFamily="18" charset="0"/>
-            </a:endParaRPr>
-          </a:p>
-          <a:p>
-            <a:pPr marL="0" indent="0">
-              <a:buNone/>
-            </a:pPr>
-            <a:endParaRPr lang="en-US" sz="2200" dirty="0">
-              <a:cs typeface="Times New Roman" panose="02020603050405020304" pitchFamily="18" charset="0"/>
-            </a:endParaRPr>
-          </a:p>
-          <a:p>
-            <a:pPr marL="0" indent="0">
-              <a:buNone/>
-            </a:pPr>
-            <a:endParaRPr lang="en-US" sz="900" dirty="0">
-              <a:latin typeface="Times New Roman" panose="02020603050405020304" pitchFamily="18" charset="0"/>
-              <a:cs typeface="Times New Roman" panose="02020603050405020304" pitchFamily="18" charset="0"/>
-            </a:endParaRPr>
-          </a:p>
-          <a:p>
-            <a:r>
-              <a:rPr lang="en-US" sz="2200" dirty="0">
-                <a:latin typeface="Times New Roman" panose="02020603050405020304" pitchFamily="18" charset="0"/>
-                <a:cs typeface="Times New Roman" panose="02020603050405020304" pitchFamily="18" charset="0"/>
-              </a:rPr>
-              <a:t>File template</a:t>
-            </a:r>
-          </a:p>
-          <a:p>
-            <a:pPr lvl="1"/>
-            <a:r>
-              <a:rPr lang="en-US" sz="2200" dirty="0">
-                <a:cs typeface="Times New Roman" panose="02020603050405020304" pitchFamily="18" charset="0"/>
-              </a:rPr>
-              <a:t>Headers</a:t>
-            </a:r>
-          </a:p>
-          <a:p>
-            <a:pPr lvl="1"/>
-            <a:r>
-              <a:rPr lang="en-US" sz="2200" dirty="0">
-                <a:latin typeface="Times New Roman" panose="02020603050405020304" pitchFamily="18" charset="0"/>
-                <a:cs typeface="Times New Roman" panose="02020603050405020304" pitchFamily="18" charset="0"/>
-              </a:rPr>
-              <a:t>Comment, comment, comment! </a:t>
-            </a:r>
-          </a:p>
-        </p:txBody>
-      </p:sp>
-      <p:pic>
-        <p:nvPicPr>
-          <p:cNvPr id="6" name="Picture 2" descr="RStudio - RStudio">
-            <a:extLst>
-              <a:ext uri="{FF2B5EF4-FFF2-40B4-BE49-F238E27FC236}">
-                <a16:creationId xmlns:a16="http://schemas.microsoft.com/office/drawing/2014/main" id="{59FB3826-1290-26A4-BD72-3C5A2C188DE5}"/>
-              </a:ext>
-            </a:extLst>
-          </p:cNvPr>
-          <p:cNvPicPr>
-            <a:picLocks noChangeAspect="1" noChangeArrowheads="1"/>
-          </p:cNvPicPr>
-          <p:nvPr/>
-        </p:nvPicPr>
-        <p:blipFill>
-          <a:blip r:embed="rId3">
-            <a:extLst>
-              <a:ext uri="{28A0092B-C50C-407E-A947-70E740481C1C}">
-                <a14:useLocalDpi xmlns:a14="http://schemas.microsoft.com/office/drawing/2010/main" val="0"/>
-              </a:ext>
-            </a:extLst>
-          </a:blip>
-          <a:srcRect/>
-          <a:stretch>
-            <a:fillRect/>
-          </a:stretch>
-        </p:blipFill>
-        <p:spPr bwMode="auto">
-          <a:xfrm>
-            <a:off x="9677400" y="5257800"/>
-            <a:ext cx="1371600" cy="1371600"/>
-          </a:xfrm>
-          <a:prstGeom prst="rect">
-            <a:avLst/>
-          </a:prstGeom>
-          <a:noFill/>
-          <a:extLst>
-            <a:ext uri="{909E8E84-426E-40DD-AFC4-6F175D3DCCD1}">
-              <a14:hiddenFill xmlns:a14="http://schemas.microsoft.com/office/drawing/2010/main">
-                <a:solidFill>
-                  <a:srgbClr val="FFFFFF"/>
-                </a:solidFill>
-              </a14:hiddenFill>
-            </a:ext>
-          </a:extLst>
-        </p:spPr>
-      </p:pic>
-      <p:pic>
-        <p:nvPicPr>
-          <p:cNvPr id="7" name="Picture 6">
-            <a:extLst>
-              <a:ext uri="{FF2B5EF4-FFF2-40B4-BE49-F238E27FC236}">
-                <a16:creationId xmlns:a16="http://schemas.microsoft.com/office/drawing/2014/main" id="{D71B61A3-8AF5-3BBA-A3F6-AC2BBC13273B}"/>
-              </a:ext>
-            </a:extLst>
-          </p:cNvPr>
-          <p:cNvPicPr>
-            <a:picLocks noChangeAspect="1"/>
-          </p:cNvPicPr>
-          <p:nvPr/>
-        </p:nvPicPr>
-        <p:blipFill>
-          <a:blip r:embed="rId4"/>
-          <a:stretch>
-            <a:fillRect/>
-          </a:stretch>
-        </p:blipFill>
-        <p:spPr>
-          <a:xfrm>
-            <a:off x="152400" y="1037645"/>
-            <a:ext cx="9188922" cy="5823249"/>
-          </a:xfrm>
-          <a:prstGeom prst="rect">
-            <a:avLst/>
-          </a:prstGeom>
-        </p:spPr>
-      </p:pic>
-    </p:spTree>
-    <p:extLst>
-      <p:ext uri="{BB962C8B-B14F-4D97-AF65-F5344CB8AC3E}">
-        <p14:creationId xmlns:p14="http://schemas.microsoft.com/office/powerpoint/2010/main" val="881280983"/>
-      </p:ext>
-    </p:extLst>
-  </p:cSld>
-  <p:clrMapOvr>
-    <a:masterClrMapping/>
-  </p:clrMapOvr>
-</p:sld>
-</file>
-
-<file path=ppt/slides/slide7.xml><?xml version="1.0" encoding="utf-8"?>
-<p:sld xmlns:a="http://schemas.openxmlformats.org/drawingml/2006/main" xmlns:r="http://schemas.openxmlformats.org/officeDocument/2006/relationships" xmlns:p="http://schemas.openxmlformats.org/presentationml/2006/main">
-  <p:cSld>
-    <p:spTree>
-      <p:nvGrpSpPr>
-        <p:cNvPr id="1" name=""/>
-        <p:cNvGrpSpPr/>
-        <p:nvPr/>
-      </p:nvGrpSpPr>
-      <p:grpSpPr>
-        <a:xfrm>
-          <a:off x="0" y="0"/>
-          <a:ext cx="0" cy="0"/>
-          <a:chOff x="0" y="0"/>
-          <a:chExt cx="0" cy="0"/>
-        </a:xfrm>
-      </p:grpSpPr>
-      <p:sp>
-        <p:nvSpPr>
-          <p:cNvPr id="2" name="Title 1"/>
-          <p:cNvSpPr>
-            <a:spLocks noGrp="1"/>
-          </p:cNvSpPr>
-          <p:nvPr>
-            <p:ph type="title"/>
-          </p:nvPr>
-        </p:nvSpPr>
-        <p:spPr>
-          <a:xfrm>
-            <a:off x="609600" y="337392"/>
-            <a:ext cx="9601200" cy="624840"/>
-          </a:xfrm>
-        </p:spPr>
-        <p:txBody>
-          <a:bodyPr>
-            <a:normAutofit fontScale="90000"/>
-          </a:bodyPr>
-          <a:lstStyle/>
-          <a:p>
-            <a:r>
-              <a:rPr lang="en-US" dirty="0">
-                <a:latin typeface="Times New Roman" panose="02020603050405020304" pitchFamily="18" charset="0"/>
-                <a:cs typeface="Times New Roman" panose="02020603050405020304" pitchFamily="18" charset="0"/>
-              </a:rPr>
               <a:t>What does it look like to use RStudio?</a:t>
             </a:r>
           </a:p>
@@ -23409,7 +23060,7 @@
 </p:sld>
 </file>
 
-<file path=ppt/slides/slide8.xml><?xml version="1.0" encoding="utf-8"?>
+<file path=ppt/slides/slide7.xml><?xml version="1.0" encoding="utf-8"?>
 <p:sld xmlns:a="http://schemas.openxmlformats.org/drawingml/2006/main" xmlns:r="http://schemas.openxmlformats.org/officeDocument/2006/relationships" xmlns:p="http://schemas.openxmlformats.org/presentationml/2006/main">
   <p:cSld>
     <p:spTree>
@@ -23625,7 +23276,7 @@
 </p:sld>
 </file>
 
-<file path=ppt/slides/slide9.xml><?xml version="1.0" encoding="utf-8"?>
+<file path=ppt/slides/slide8.xml><?xml version="1.0" encoding="utf-8"?>
 <p:sld xmlns:a="http://schemas.openxmlformats.org/drawingml/2006/main" xmlns:r="http://schemas.openxmlformats.org/officeDocument/2006/relationships" xmlns:p="http://schemas.openxmlformats.org/presentationml/2006/main">
   <p:cSld>
     <p:spTree>
@@ -23907,6 +23558,254 @@
     <p:extLst>
       <p:ext uri="{BB962C8B-B14F-4D97-AF65-F5344CB8AC3E}">
         <p14:creationId xmlns:p14="http://schemas.microsoft.com/office/powerpoint/2010/main" val="1074387566"/>
+      </p:ext>
+    </p:extLst>
+  </p:cSld>
+  <p:clrMapOvr>
+    <a:masterClrMapping/>
+  </p:clrMapOvr>
+</p:sld>
+</file>
+
+<file path=ppt/slides/slide9.xml><?xml version="1.0" encoding="utf-8"?>
+<p:sld xmlns:a="http://schemas.openxmlformats.org/drawingml/2006/main" xmlns:r="http://schemas.openxmlformats.org/officeDocument/2006/relationships" xmlns:p="http://schemas.openxmlformats.org/presentationml/2006/main">
+  <p:cSld>
+    <p:spTree>
+      <p:nvGrpSpPr>
+        <p:cNvPr id="1" name=""/>
+        <p:cNvGrpSpPr/>
+        <p:nvPr/>
+      </p:nvGrpSpPr>
+      <p:grpSpPr>
+        <a:xfrm>
+          <a:off x="0" y="0"/>
+          <a:ext cx="0" cy="0"/>
+          <a:chOff x="0" y="0"/>
+          <a:chExt cx="0" cy="0"/>
+        </a:xfrm>
+      </p:grpSpPr>
+      <p:sp>
+        <p:nvSpPr>
+          <p:cNvPr id="2" name="Title 1"/>
+          <p:cNvSpPr>
+            <a:spLocks noGrp="1"/>
+          </p:cNvSpPr>
+          <p:nvPr>
+            <p:ph type="title"/>
+          </p:nvPr>
+        </p:nvSpPr>
+        <p:spPr>
+          <a:xfrm>
+            <a:off x="609600" y="337392"/>
+            <a:ext cx="9601200" cy="624840"/>
+          </a:xfrm>
+        </p:spPr>
+        <p:txBody>
+          <a:bodyPr>
+            <a:normAutofit fontScale="90000"/>
+          </a:bodyPr>
+          <a:lstStyle/>
+          <a:p>
+            <a:r>
+              <a:rPr lang="en-US" dirty="0">
+                <a:latin typeface="Times New Roman" panose="02020603050405020304" pitchFamily="18" charset="0"/>
+                <a:cs typeface="Times New Roman" panose="02020603050405020304" pitchFamily="18" charset="0"/>
+              </a:rPr>
+              <a:t>Data types in R</a:t>
+            </a:r>
+          </a:p>
+        </p:txBody>
+      </p:sp>
+      <p:sp>
+        <p:nvSpPr>
+          <p:cNvPr id="3" name="Content Placeholder 2"/>
+          <p:cNvSpPr>
+            <a:spLocks noGrp="1"/>
+          </p:cNvSpPr>
+          <p:nvPr>
+            <p:ph idx="1"/>
+          </p:nvPr>
+        </p:nvSpPr>
+        <p:spPr>
+          <a:xfrm>
+            <a:off x="609600" y="1066801"/>
+            <a:ext cx="9130284" cy="5141388"/>
+          </a:xfrm>
+        </p:spPr>
+        <p:txBody>
+          <a:bodyPr>
+            <a:noAutofit/>
+          </a:bodyPr>
+          <a:lstStyle/>
+          <a:p>
+            <a:pPr marL="0" indent="0">
+              <a:buNone/>
+            </a:pPr>
+            <a:r>
+              <a:rPr lang="en-US" sz="2200" dirty="0">
+                <a:latin typeface="Times New Roman" panose="02020603050405020304" pitchFamily="18" charset="0"/>
+                <a:cs typeface="Times New Roman" panose="02020603050405020304" pitchFamily="18" charset="0"/>
+              </a:rPr>
+              <a:t>Not all data is numeric! Some of the key data types you’ll encounter are: </a:t>
+            </a:r>
+          </a:p>
+          <a:p>
+            <a:pPr marL="457200" indent="-457200">
+              <a:buAutoNum type="arabicPeriod"/>
+            </a:pPr>
+            <a:r>
+              <a:rPr lang="en-US" sz="2200" dirty="0">
+                <a:cs typeface="Times New Roman" panose="02020603050405020304" pitchFamily="18" charset="0"/>
+              </a:rPr>
+              <a:t>Numeric</a:t>
+            </a:r>
+          </a:p>
+          <a:p>
+            <a:pPr marL="457200" indent="-457200">
+              <a:buAutoNum type="arabicPeriod"/>
+            </a:pPr>
+            <a:r>
+              <a:rPr lang="en-US" sz="2200" dirty="0">
+                <a:latin typeface="Times New Roman" panose="02020603050405020304" pitchFamily="18" charset="0"/>
+                <a:cs typeface="Times New Roman" panose="02020603050405020304" pitchFamily="18" charset="0"/>
+              </a:rPr>
+              <a:t>Character</a:t>
+            </a:r>
+          </a:p>
+          <a:p>
+            <a:pPr marL="457200" indent="-457200">
+              <a:buAutoNum type="arabicPeriod"/>
+            </a:pPr>
+            <a:r>
+              <a:rPr lang="en-US" sz="2200" dirty="0">
+                <a:cs typeface="Times New Roman" panose="02020603050405020304" pitchFamily="18" charset="0"/>
+              </a:rPr>
+              <a:t>Logical/Boolean</a:t>
+            </a:r>
+          </a:p>
+          <a:p>
+            <a:pPr marL="457200" indent="-457200">
+              <a:buAutoNum type="arabicPeriod"/>
+            </a:pPr>
+            <a:r>
+              <a:rPr lang="en-US" sz="2200" dirty="0">
+                <a:latin typeface="Times New Roman" panose="02020603050405020304" pitchFamily="18" charset="0"/>
+                <a:cs typeface="Times New Roman" panose="02020603050405020304" pitchFamily="18" charset="0"/>
+              </a:rPr>
+              <a:t>Factors</a:t>
+            </a:r>
+          </a:p>
+          <a:p>
+            <a:pPr marL="457200" indent="-457200">
+              <a:buAutoNum type="arabicPeriod"/>
+            </a:pPr>
+            <a:endParaRPr lang="en-US" sz="2200" dirty="0">
+              <a:cs typeface="Times New Roman" panose="02020603050405020304" pitchFamily="18" charset="0"/>
+            </a:endParaRPr>
+          </a:p>
+          <a:p>
+            <a:pPr marL="0" indent="0">
+              <a:buNone/>
+            </a:pPr>
+            <a:r>
+              <a:rPr lang="en-US" sz="2200" dirty="0">
+                <a:latin typeface="Times New Roman" panose="02020603050405020304" pitchFamily="18" charset="0"/>
+                <a:cs typeface="Times New Roman" panose="02020603050405020304" pitchFamily="18" charset="0"/>
+              </a:rPr>
+              <a:t>We’ll talk about each of these and especially, how to convert </a:t>
+            </a:r>
+            <a:r>
+              <a:rPr lang="en-US" sz="2200" dirty="0">
+                <a:cs typeface="Times New Roman" panose="02020603050405020304" pitchFamily="18" charset="0"/>
+              </a:rPr>
+              <a:t>them into the quantitative variables we would use in this course</a:t>
+            </a:r>
+            <a:endParaRPr lang="en-US" sz="2200" dirty="0">
+              <a:latin typeface="Times New Roman" panose="02020603050405020304" pitchFamily="18" charset="0"/>
+              <a:cs typeface="Times New Roman" panose="02020603050405020304" pitchFamily="18" charset="0"/>
+            </a:endParaRPr>
+          </a:p>
+          <a:p>
+            <a:endParaRPr lang="en-US" sz="2200" dirty="0">
+              <a:cs typeface="Times New Roman" panose="02020603050405020304" pitchFamily="18" charset="0"/>
+            </a:endParaRPr>
+          </a:p>
+          <a:p>
+            <a:endParaRPr lang="en-US" sz="2200" dirty="0">
+              <a:latin typeface="Times New Roman" panose="02020603050405020304" pitchFamily="18" charset="0"/>
+              <a:cs typeface="Times New Roman" panose="02020603050405020304" pitchFamily="18" charset="0"/>
+            </a:endParaRPr>
+          </a:p>
+          <a:p>
+            <a:pPr marL="0" indent="0">
+              <a:buNone/>
+            </a:pPr>
+            <a:endParaRPr lang="en-US" sz="2200" dirty="0">
+              <a:cs typeface="Times New Roman" panose="02020603050405020304" pitchFamily="18" charset="0"/>
+            </a:endParaRPr>
+          </a:p>
+          <a:p>
+            <a:pPr marL="0" indent="0">
+              <a:buNone/>
+            </a:pPr>
+            <a:endParaRPr lang="en-US" sz="900" dirty="0">
+              <a:latin typeface="Times New Roman" panose="02020603050405020304" pitchFamily="18" charset="0"/>
+              <a:cs typeface="Times New Roman" panose="02020603050405020304" pitchFamily="18" charset="0"/>
+            </a:endParaRPr>
+          </a:p>
+        </p:txBody>
+      </p:sp>
+      <p:pic>
+        <p:nvPicPr>
+          <p:cNvPr id="4" name="Picture 2" descr="RStudio - RStudio">
+            <a:extLst>
+              <a:ext uri="{FF2B5EF4-FFF2-40B4-BE49-F238E27FC236}">
+                <a16:creationId xmlns:a16="http://schemas.microsoft.com/office/drawing/2014/main" id="{CE488243-4695-475A-997E-FEFB198BB1A8}"/>
+              </a:ext>
+            </a:extLst>
+          </p:cNvPr>
+          <p:cNvPicPr>
+            <a:picLocks noChangeAspect="1" noChangeArrowheads="1"/>
+          </p:cNvPicPr>
+          <p:nvPr/>
+        </p:nvPicPr>
+        <p:blipFill>
+          <a:blip r:embed="rId3">
+            <a:extLst>
+              <a:ext uri="{28A0092B-C50C-407E-A947-70E740481C1C}">
+                <a14:useLocalDpi xmlns:a14="http://schemas.microsoft.com/office/drawing/2010/main" val="0"/>
+              </a:ext>
+            </a:extLst>
+          </a:blip>
+          <a:srcRect/>
+          <a:stretch>
+            <a:fillRect/>
+          </a:stretch>
+        </p:blipFill>
+        <p:spPr bwMode="auto">
+          <a:xfrm>
+            <a:off x="9677400" y="5257800"/>
+            <a:ext cx="1371600" cy="1371600"/>
+          </a:xfrm>
+          <a:prstGeom prst="rect">
+            <a:avLst/>
+          </a:prstGeom>
+          <a:noFill/>
+          <a:extLst>
+            <a:ext uri="{909E8E84-426E-40DD-AFC4-6F175D3DCCD1}">
+              <a14:hiddenFill xmlns:a14="http://schemas.microsoft.com/office/drawing/2010/main">
+                <a:solidFill>
+                  <a:srgbClr val="FFFFFF"/>
+                </a:solidFill>
+              </a14:hiddenFill>
+            </a:ext>
+          </a:extLst>
+        </p:spPr>
+      </p:pic>
+    </p:spTree>
+    <p:extLst>
+      <p:ext uri="{BB962C8B-B14F-4D97-AF65-F5344CB8AC3E}">
+        <p14:creationId xmlns:p14="http://schemas.microsoft.com/office/powerpoint/2010/main" val="335211173"/>
       </p:ext>
     </p:extLst>
   </p:cSld>
